--- a/Slides/02_C#_TrainingPlan.pptx
+++ b/Slides/02_C#_TrainingPlan.pptx
@@ -57,7 +57,7 @@
     <p:sldId id="354" r:id="rId48"/>
   </p:sldIdLst>
   <p:sldSz cx="12192000" cy="6858000"/>
-  <p:notesSz cx="6858000" cy="9144000"/>
+  <p:notesSz cx="7315200" cy="9601200"/>
   <p:defaultTextStyle>
     <a:defPPr>
       <a:defRPr lang="en-US"/>
@@ -196,17 +196,17 @@
         <p:spPr>
           <a:xfrm>
             <a:off x="0" y="0"/>
-            <a:ext cx="2971800" cy="458788"/>
+            <a:ext cx="3169920" cy="481727"/>
           </a:xfrm>
           <a:prstGeom prst="rect">
             <a:avLst/>
           </a:prstGeom>
         </p:spPr>
         <p:txBody>
-          <a:bodyPr vert="horz" lIns="91440" tIns="45720" rIns="91440" bIns="45720" rtlCol="0"/>
+          <a:bodyPr vert="horz" lIns="96661" tIns="48331" rIns="96661" bIns="48331" rtlCol="0"/>
           <a:lstStyle>
             <a:lvl1pPr algn="l">
-              <a:defRPr sz="1200"/>
+              <a:defRPr sz="1300"/>
             </a:lvl1pPr>
           </a:lstStyle>
           <a:p>
@@ -226,24 +226,24 @@
         </p:nvSpPr>
         <p:spPr>
           <a:xfrm>
-            <a:off x="3884613" y="0"/>
-            <a:ext cx="2971800" cy="458788"/>
+            <a:off x="4143587" y="0"/>
+            <a:ext cx="3169920" cy="481727"/>
           </a:xfrm>
           <a:prstGeom prst="rect">
             <a:avLst/>
           </a:prstGeom>
         </p:spPr>
         <p:txBody>
-          <a:bodyPr vert="horz" lIns="91440" tIns="45720" rIns="91440" bIns="45720" rtlCol="0"/>
+          <a:bodyPr vert="horz" lIns="96661" tIns="48331" rIns="96661" bIns="48331" rtlCol="0"/>
           <a:lstStyle>
             <a:lvl1pPr algn="r">
-              <a:defRPr sz="1200"/>
+              <a:defRPr sz="1300"/>
             </a:lvl1pPr>
           </a:lstStyle>
           <a:p>
             <a:fld id="{F2CCBB93-BAE9-4D98-B8FE-98BE5BFF2E59}" type="datetimeFigureOut">
               <a:rPr lang="en-US" smtClean="0"/>
-              <a:t>2/4/2018</a:t>
+              <a:t>4/28/2018</a:t>
             </a:fld>
             <a:endParaRPr lang="en-US"/>
           </a:p>
@@ -261,8 +261,8 @@
         </p:nvSpPr>
         <p:spPr>
           <a:xfrm>
-            <a:off x="685800" y="1143000"/>
-            <a:ext cx="5486400" cy="3086100"/>
+            <a:off x="777875" y="1200150"/>
+            <a:ext cx="5759450" cy="3240088"/>
           </a:xfrm>
           <a:prstGeom prst="rect">
             <a:avLst/>
@@ -275,7 +275,7 @@
           </a:ln>
         </p:spPr>
         <p:txBody>
-          <a:bodyPr vert="horz" lIns="91440" tIns="45720" rIns="91440" bIns="45720" rtlCol="0" anchor="ctr"/>
+          <a:bodyPr vert="horz" lIns="96661" tIns="48331" rIns="96661" bIns="48331" rtlCol="0" anchor="ctr"/>
           <a:lstStyle/>
           <a:p>
             <a:endParaRPr lang="en-US"/>
@@ -294,15 +294,15 @@
         </p:nvSpPr>
         <p:spPr>
           <a:xfrm>
-            <a:off x="685800" y="4400550"/>
-            <a:ext cx="5486400" cy="3600450"/>
+            <a:off x="731520" y="4620577"/>
+            <a:ext cx="5852160" cy="3780473"/>
           </a:xfrm>
           <a:prstGeom prst="rect">
             <a:avLst/>
           </a:prstGeom>
         </p:spPr>
         <p:txBody>
-          <a:bodyPr vert="horz" lIns="91440" tIns="45720" rIns="91440" bIns="45720" rtlCol="0"/>
+          <a:bodyPr vert="horz" lIns="96661" tIns="48331" rIns="96661" bIns="48331" rtlCol="0"/>
           <a:lstStyle/>
           <a:p>
             <a:pPr lvl="0"/>
@@ -354,18 +354,18 @@
         </p:nvSpPr>
         <p:spPr>
           <a:xfrm>
-            <a:off x="0" y="8685213"/>
-            <a:ext cx="2971800" cy="458787"/>
+            <a:off x="0" y="9119474"/>
+            <a:ext cx="3169920" cy="481726"/>
           </a:xfrm>
           <a:prstGeom prst="rect">
             <a:avLst/>
           </a:prstGeom>
         </p:spPr>
         <p:txBody>
-          <a:bodyPr vert="horz" lIns="91440" tIns="45720" rIns="91440" bIns="45720" rtlCol="0" anchor="b"/>
+          <a:bodyPr vert="horz" lIns="96661" tIns="48331" rIns="96661" bIns="48331" rtlCol="0" anchor="b"/>
           <a:lstStyle>
             <a:lvl1pPr algn="l">
-              <a:defRPr sz="1200"/>
+              <a:defRPr sz="1300"/>
             </a:lvl1pPr>
           </a:lstStyle>
           <a:p>
@@ -385,18 +385,18 @@
         </p:nvSpPr>
         <p:spPr>
           <a:xfrm>
-            <a:off x="3884613" y="8685213"/>
-            <a:ext cx="2971800" cy="458787"/>
+            <a:off x="4143587" y="9119474"/>
+            <a:ext cx="3169920" cy="481726"/>
           </a:xfrm>
           <a:prstGeom prst="rect">
             <a:avLst/>
           </a:prstGeom>
         </p:spPr>
         <p:txBody>
-          <a:bodyPr vert="horz" lIns="91440" tIns="45720" rIns="91440" bIns="45720" rtlCol="0" anchor="b"/>
+          <a:bodyPr vert="horz" lIns="96661" tIns="48331" rIns="96661" bIns="48331" rtlCol="0" anchor="b"/>
           <a:lstStyle>
             <a:lvl1pPr algn="r">
-              <a:defRPr sz="1200"/>
+              <a:defRPr sz="1300"/>
             </a:lvl1pPr>
           </a:lstStyle>
           <a:p>
@@ -555,125 +555,7 @@
           <a:bodyPr/>
           <a:lstStyle/>
           <a:p>
-            <a:pPr marL="171450" indent="-171450">
-              <a:buFont typeface="Arial" panose="020B0604020202020204" pitchFamily="34" charset="0"/>
-              <a:buChar char="•"/>
-            </a:pPr>
-            <a:r>
-              <a:rPr lang="en-US" dirty="0" smtClean="0"/>
-              <a:t>Let’s take a tour of Visual</a:t>
-            </a:r>
-            <a:r>
-              <a:rPr lang="en-US" baseline="0" dirty="0" smtClean="0"/>
-              <a:t> Studio Code</a:t>
-            </a:r>
-          </a:p>
-          <a:p>
-            <a:pPr marL="628650" lvl="1" indent="-171450">
-              <a:buFont typeface="Arial" panose="020B0604020202020204" pitchFamily="34" charset="0"/>
-              <a:buChar char="•"/>
-            </a:pPr>
-            <a:r>
-              <a:rPr lang="en-US" baseline="0" dirty="0" smtClean="0"/>
-              <a:t>To open code, you only open a folder that the code exists in.</a:t>
-            </a:r>
-          </a:p>
-          <a:p>
-            <a:pPr marL="628650" lvl="1" indent="-171450">
-              <a:buFont typeface="Arial" panose="020B0604020202020204" pitchFamily="34" charset="0"/>
-              <a:buChar char="•"/>
-            </a:pPr>
-            <a:r>
-              <a:rPr lang="en-US" baseline="0" dirty="0" smtClean="0"/>
-              <a:t>Click the File menu and Open Folder option to open a folder.</a:t>
-            </a:r>
-          </a:p>
-          <a:p>
-            <a:pPr marL="628650" lvl="1" indent="-171450">
-              <a:buFont typeface="Arial" panose="020B0604020202020204" pitchFamily="34" charset="0"/>
-              <a:buChar char="•"/>
-            </a:pPr>
-            <a:r>
-              <a:rPr lang="en-US" baseline="0" dirty="0" smtClean="0"/>
-              <a:t>There is an Explorer window used to view files.  Use the view menu to open the explorer window.</a:t>
-            </a:r>
-          </a:p>
-          <a:p>
-            <a:pPr marL="628650" lvl="1" indent="-171450">
-              <a:buFont typeface="Arial" panose="020B0604020202020204" pitchFamily="34" charset="0"/>
-              <a:buChar char="•"/>
-            </a:pPr>
-            <a:r>
-              <a:rPr lang="en-US" baseline="0" dirty="0" smtClean="0"/>
-              <a:t>Double click a file in the Explorer window to open it.</a:t>
-            </a:r>
-          </a:p>
-          <a:p>
-            <a:pPr marL="628650" lvl="1" indent="-171450">
-              <a:buFont typeface="Arial" panose="020B0604020202020204" pitchFamily="34" charset="0"/>
-              <a:buChar char="•"/>
-            </a:pPr>
-            <a:r>
-              <a:rPr lang="en-US" baseline="0" dirty="0" smtClean="0"/>
-              <a:t>Multiple windows will open in different tabs.</a:t>
-            </a:r>
-          </a:p>
-          <a:p>
-            <a:pPr marL="628650" lvl="1" indent="-171450">
-              <a:buFont typeface="Arial" panose="020B0604020202020204" pitchFamily="34" charset="0"/>
-              <a:buChar char="•"/>
-            </a:pPr>
-            <a:r>
-              <a:rPr lang="en-US" baseline="0" dirty="0" smtClean="0"/>
-              <a:t>Click the X on the tab to close a tab.</a:t>
-            </a:r>
-          </a:p>
-          <a:p>
-            <a:pPr marL="628650" lvl="1" indent="-171450">
-              <a:buFont typeface="Arial" panose="020B0604020202020204" pitchFamily="34" charset="0"/>
-              <a:buChar char="•"/>
-            </a:pPr>
-            <a:r>
-              <a:rPr lang="en-US" baseline="0" dirty="0" smtClean="0"/>
-              <a:t>Right click and choose close all to close all tabs.</a:t>
-            </a:r>
-          </a:p>
-          <a:p>
-            <a:pPr marL="628650" lvl="1" indent="-171450">
-              <a:buFont typeface="Arial" panose="020B0604020202020204" pitchFamily="34" charset="0"/>
-              <a:buChar char="•"/>
-            </a:pPr>
-            <a:r>
-              <a:rPr lang="en-US" baseline="0" dirty="0" smtClean="0"/>
-              <a:t>Use the output window to view code output.  Use the view menu to open the output window.</a:t>
-            </a:r>
-          </a:p>
-          <a:p>
-            <a:pPr marL="628650" lvl="1" indent="-171450">
-              <a:buFont typeface="Arial" panose="020B0604020202020204" pitchFamily="34" charset="0"/>
-              <a:buChar char="•"/>
-            </a:pPr>
-            <a:r>
-              <a:rPr lang="en-US" baseline="0" dirty="0" smtClean="0"/>
-              <a:t>There is a built in terminal window.  Use the view menu to open the terminal window.</a:t>
-            </a:r>
-          </a:p>
-          <a:p>
-            <a:pPr marL="628650" lvl="1" indent="-171450">
-              <a:buFont typeface="Arial" panose="020B0604020202020204" pitchFamily="34" charset="0"/>
-              <a:buChar char="•"/>
-            </a:pPr>
-            <a:r>
-              <a:rPr lang="en-US" baseline="0" dirty="0" smtClean="0"/>
-              <a:t>You can open multiple terminal windows by clicking the + button.</a:t>
-            </a:r>
-          </a:p>
-          <a:p>
-            <a:pPr marL="628650" lvl="1" indent="-171450">
-              <a:buFont typeface="Arial" panose="020B0604020202020204" pitchFamily="34" charset="0"/>
-              <a:buChar char="•"/>
-            </a:pPr>
-            <a:endParaRPr lang="en-US" baseline="0" dirty="0" smtClean="0"/>
+            <a:endParaRPr lang="en-US"/>
           </a:p>
         </p:txBody>
       </p:sp>
@@ -694,7 +576,7 @@
           <a:p>
             <a:fld id="{EFF2A19C-273D-4352-BCC0-8BB0C7A8A8F7}" type="slidenum">
               <a:rPr lang="en-US" smtClean="0"/>
-              <a:t>2</a:t>
+              <a:t>1</a:t>
             </a:fld>
             <a:endParaRPr lang="en-US"/>
           </a:p>
@@ -703,7 +585,7 @@
     </p:spTree>
     <p:extLst>
       <p:ext uri="{BB962C8B-B14F-4D97-AF65-F5344CB8AC3E}">
-        <p14:creationId xmlns:p14="http://schemas.microsoft.com/office/powerpoint/2010/main" val="3324834551"/>
+        <p14:creationId xmlns:p14="http://schemas.microsoft.com/office/powerpoint/2010/main" val="2429814714"/>
       </p:ext>
     </p:extLst>
   </p:cSld>
@@ -757,34 +639,159 @@
           <a:bodyPr/>
           <a:lstStyle/>
           <a:p>
-            <a:pPr marL="171450" indent="-171450">
+            <a:pPr marL="181240" indent="-181240">
               <a:buFont typeface="Arial" panose="020B0604020202020204" pitchFamily="34" charset="0"/>
               <a:buChar char="•"/>
             </a:pPr>
             <a:r>
               <a:rPr lang="en-US" baseline="0" dirty="0" smtClean="0"/>
-              <a:t>Variables are declared by specifying the type followed by a name.</a:t>
-            </a:r>
-          </a:p>
-          <a:p>
-            <a:pPr marL="171450" indent="-171450">
+              <a:t>In </a:t>
+            </a:r>
+            <a:r>
+              <a:rPr lang="en-US" baseline="0" dirty="0" err="1" smtClean="0"/>
+              <a:t>.Net</a:t>
+            </a:r>
+            <a:r>
+              <a:rPr lang="en-US" baseline="0" dirty="0" smtClean="0"/>
+              <a:t> there are built-in types and user defined types.</a:t>
+            </a:r>
+          </a:p>
+          <a:p>
+            <a:pPr marL="181240" indent="-181240">
               <a:buFont typeface="Arial" panose="020B0604020202020204" pitchFamily="34" charset="0"/>
               <a:buChar char="•"/>
             </a:pPr>
             <a:r>
               <a:rPr lang="en-US" baseline="0" dirty="0" smtClean="0"/>
-              <a:t>The value can be specified at the same time by setting it equal to a value.</a:t>
-            </a:r>
-          </a:p>
-          <a:p>
-            <a:pPr marL="171450" indent="-171450">
+              <a:t>Built-in types are built into the framework.</a:t>
+            </a:r>
+          </a:p>
+          <a:p>
+            <a:pPr marL="181240" indent="-181240">
               <a:buFont typeface="Arial" panose="020B0604020202020204" pitchFamily="34" charset="0"/>
               <a:buChar char="•"/>
             </a:pPr>
             <a:r>
               <a:rPr lang="en-US" baseline="0" dirty="0" smtClean="0"/>
-              <a:t>String variables will be null if they are not set to a value.</a:t>
-            </a:r>
+              <a:t>All other types are user defined types</a:t>
+            </a:r>
+          </a:p>
+          <a:p>
+            <a:pPr marL="181240" indent="-181240">
+              <a:buFont typeface="Arial" panose="020B0604020202020204" pitchFamily="34" charset="0"/>
+              <a:buChar char="•"/>
+            </a:pPr>
+            <a:r>
+              <a:rPr lang="en-US" baseline="0" dirty="0" smtClean="0"/>
+              <a:t>Anyone can create them by creating classes or </a:t>
+            </a:r>
+            <a:r>
+              <a:rPr lang="en-US" baseline="0" dirty="0" err="1" smtClean="0"/>
+              <a:t>structs</a:t>
+            </a:r>
+            <a:r>
+              <a:rPr lang="en-US" baseline="0" dirty="0" smtClean="0"/>
+              <a:t>.</a:t>
+            </a:r>
+          </a:p>
+          <a:p>
+            <a:pPr marL="181240" indent="-181240">
+              <a:buFont typeface="Arial" panose="020B0604020202020204" pitchFamily="34" charset="0"/>
+              <a:buChar char="•"/>
+            </a:pPr>
+            <a:r>
+              <a:rPr lang="en-US" baseline="0" dirty="0" smtClean="0"/>
+              <a:t>Many are provided by Microsoft in the framework.</a:t>
+            </a:r>
+          </a:p>
+          <a:p>
+            <a:pPr marL="181240" indent="-181240">
+              <a:buFont typeface="Arial" panose="020B0604020202020204" pitchFamily="34" charset="0"/>
+              <a:buChar char="•"/>
+            </a:pPr>
+            <a:r>
+              <a:rPr lang="en-US" baseline="0" dirty="0" smtClean="0"/>
+              <a:t>Some basic built in types are bool, </a:t>
+            </a:r>
+            <a:r>
+              <a:rPr lang="en-US" baseline="0" dirty="0" err="1" smtClean="0"/>
+              <a:t>int</a:t>
+            </a:r>
+            <a:r>
+              <a:rPr lang="en-US" baseline="0" dirty="0" smtClean="0"/>
+              <a:t>, decimal, string, and array</a:t>
+            </a:r>
+          </a:p>
+          <a:p>
+            <a:pPr marL="664546" lvl="1" indent="-181240">
+              <a:buFont typeface="Arial" panose="020B0604020202020204" pitchFamily="34" charset="0"/>
+              <a:buChar char="•"/>
+            </a:pPr>
+            <a:r>
+              <a:rPr lang="en-US" baseline="0" dirty="0" smtClean="0"/>
+              <a:t>bool – represents a variable type that is true or false</a:t>
+            </a:r>
+          </a:p>
+          <a:p>
+            <a:pPr marL="664546" lvl="1" indent="-181240">
+              <a:buFont typeface="Arial" panose="020B0604020202020204" pitchFamily="34" charset="0"/>
+              <a:buChar char="•"/>
+            </a:pPr>
+            <a:r>
+              <a:rPr lang="en-US" baseline="0" dirty="0" err="1" smtClean="0"/>
+              <a:t>int</a:t>
+            </a:r>
+            <a:r>
+              <a:rPr lang="en-US" baseline="0" dirty="0" smtClean="0"/>
+              <a:t> – represents a variable type that is a number with no decimal points.</a:t>
+            </a:r>
+          </a:p>
+          <a:p>
+            <a:pPr marL="664546" lvl="1" indent="-181240">
+              <a:buFont typeface="Arial" panose="020B0604020202020204" pitchFamily="34" charset="0"/>
+              <a:buChar char="•"/>
+            </a:pPr>
+            <a:r>
+              <a:rPr lang="en-US" baseline="0" dirty="0" smtClean="0"/>
+              <a:t>decimal – represents a variable type that is a number with decimal points.</a:t>
+            </a:r>
+          </a:p>
+          <a:p>
+            <a:pPr marL="664546" lvl="1" indent="-181240">
+              <a:buFont typeface="Arial" panose="020B0604020202020204" pitchFamily="34" charset="0"/>
+              <a:buChar char="•"/>
+            </a:pPr>
+            <a:r>
+              <a:rPr lang="en-US" baseline="0" dirty="0" smtClean="0"/>
+              <a:t>array – represents a variable type that has multiple values of the same type.</a:t>
+            </a:r>
+          </a:p>
+          <a:p>
+            <a:pPr marL="1147852" lvl="2" indent="-181240">
+              <a:buFont typeface="Arial" panose="020B0604020202020204" pitchFamily="34" charset="0"/>
+              <a:buChar char="•"/>
+            </a:pPr>
+            <a:r>
+              <a:rPr lang="en-US" baseline="0" dirty="0" smtClean="0"/>
+              <a:t>Each value in an array is contained in an index.</a:t>
+            </a:r>
+          </a:p>
+          <a:p>
+            <a:pPr marL="1147852" lvl="2" indent="-181240">
+              <a:buFont typeface="Arial" panose="020B0604020202020204" pitchFamily="34" charset="0"/>
+              <a:buChar char="•"/>
+            </a:pPr>
+            <a:r>
+              <a:rPr lang="en-US" baseline="0" dirty="0" smtClean="0"/>
+              <a:t>In C# an array index starts at 0 and increments or goes up by 1 for each additional index</a:t>
+            </a:r>
+          </a:p>
+          <a:p>
+            <a:pPr marL="664546" lvl="1" indent="-181240">
+              <a:buFont typeface="Arial" panose="020B0604020202020204" pitchFamily="34" charset="0"/>
+              <a:buChar char="•"/>
+            </a:pPr>
+            <a:endParaRPr lang="en-US" baseline="0" dirty="0" smtClean="0"/>
           </a:p>
         </p:txBody>
       </p:sp>
@@ -805,7 +812,7 @@
           <a:p>
             <a:fld id="{90562276-63C7-43F9-8E9E-CFA137F6F839}" type="slidenum">
               <a:rPr lang="en-US" smtClean="0"/>
-              <a:t>11</a:t>
+              <a:t>10</a:t>
             </a:fld>
             <a:endParaRPr lang="en-US"/>
           </a:p>
@@ -814,7 +821,7 @@
     </p:spTree>
     <p:extLst>
       <p:ext uri="{BB962C8B-B14F-4D97-AF65-F5344CB8AC3E}">
-        <p14:creationId xmlns:p14="http://schemas.microsoft.com/office/powerpoint/2010/main" val="3494065536"/>
+        <p14:creationId xmlns:p14="http://schemas.microsoft.com/office/powerpoint/2010/main" val="1697542435"/>
       </p:ext>
     </p:extLst>
   </p:cSld>
@@ -868,13 +875,33 @@
           <a:bodyPr/>
           <a:lstStyle/>
           <a:p>
-            <a:pPr marL="171450" indent="-171450">
+            <a:pPr marL="181240" indent="-181240">
               <a:buFont typeface="Arial" panose="020B0604020202020204" pitchFamily="34" charset="0"/>
               <a:buChar char="•"/>
             </a:pPr>
             <a:r>
               <a:rPr lang="en-US" baseline="0" dirty="0" smtClean="0"/>
-              <a:t>Numbers will be 0 if they are not given a value.</a:t>
+              <a:t>Variables are declared by specifying the type followed by a name.</a:t>
+            </a:r>
+          </a:p>
+          <a:p>
+            <a:pPr marL="181240" indent="-181240">
+              <a:buFont typeface="Arial" panose="020B0604020202020204" pitchFamily="34" charset="0"/>
+              <a:buChar char="•"/>
+            </a:pPr>
+            <a:r>
+              <a:rPr lang="en-US" baseline="0" dirty="0" smtClean="0"/>
+              <a:t>The value can be specified at the same time by setting it equal to a value.</a:t>
+            </a:r>
+          </a:p>
+          <a:p>
+            <a:pPr marL="181240" indent="-181240">
+              <a:buFont typeface="Arial" panose="020B0604020202020204" pitchFamily="34" charset="0"/>
+              <a:buChar char="•"/>
+            </a:pPr>
+            <a:r>
+              <a:rPr lang="en-US" baseline="0" dirty="0" smtClean="0"/>
+              <a:t>String variables will be null if they are not set to a value.</a:t>
             </a:r>
           </a:p>
         </p:txBody>
@@ -896,7 +923,7 @@
           <a:p>
             <a:fld id="{90562276-63C7-43F9-8E9E-CFA137F6F839}" type="slidenum">
               <a:rPr lang="en-US" smtClean="0"/>
-              <a:t>12</a:t>
+              <a:t>11</a:t>
             </a:fld>
             <a:endParaRPr lang="en-US"/>
           </a:p>
@@ -905,7 +932,7 @@
     </p:spTree>
     <p:extLst>
       <p:ext uri="{BB962C8B-B14F-4D97-AF65-F5344CB8AC3E}">
-        <p14:creationId xmlns:p14="http://schemas.microsoft.com/office/powerpoint/2010/main" val="2258394562"/>
+        <p14:creationId xmlns:p14="http://schemas.microsoft.com/office/powerpoint/2010/main" val="3494065536"/>
       </p:ext>
     </p:extLst>
   </p:cSld>
@@ -959,13 +986,13 @@
           <a:bodyPr/>
           <a:lstStyle/>
           <a:p>
-            <a:pPr marL="171450" indent="-171450">
+            <a:pPr marL="181240" indent="-181240">
               <a:buFont typeface="Arial" panose="020B0604020202020204" pitchFamily="34" charset="0"/>
               <a:buChar char="•"/>
             </a:pPr>
             <a:r>
               <a:rPr lang="en-US" baseline="0" dirty="0" smtClean="0"/>
-              <a:t>A bool will be false if not given a value</a:t>
+              <a:t>Numbers will be 0 if they are not given a value.</a:t>
             </a:r>
           </a:p>
         </p:txBody>
@@ -987,7 +1014,7 @@
           <a:p>
             <a:fld id="{90562276-63C7-43F9-8E9E-CFA137F6F839}" type="slidenum">
               <a:rPr lang="en-US" smtClean="0"/>
-              <a:t>13</a:t>
+              <a:t>12</a:t>
             </a:fld>
             <a:endParaRPr lang="en-US"/>
           </a:p>
@@ -996,7 +1023,7 @@
     </p:spTree>
     <p:extLst>
       <p:ext uri="{BB962C8B-B14F-4D97-AF65-F5344CB8AC3E}">
-        <p14:creationId xmlns:p14="http://schemas.microsoft.com/office/powerpoint/2010/main" val="2495691664"/>
+        <p14:creationId xmlns:p14="http://schemas.microsoft.com/office/powerpoint/2010/main" val="2258394562"/>
       </p:ext>
     </p:extLst>
   </p:cSld>
@@ -1050,11 +1077,14 @@
           <a:bodyPr/>
           <a:lstStyle/>
           <a:p>
-            <a:r>
-              <a:rPr lang="en-US" dirty="0" smtClean="0"/>
-              <a:t>Let’s go through an example.</a:t>
-            </a:r>
-            <a:endParaRPr lang="en-US" dirty="0"/>
+            <a:pPr marL="181240" indent="-181240">
+              <a:buFont typeface="Arial" panose="020B0604020202020204" pitchFamily="34" charset="0"/>
+              <a:buChar char="•"/>
+            </a:pPr>
+            <a:r>
+              <a:rPr lang="en-US" baseline="0" dirty="0" smtClean="0"/>
+              <a:t>A bool will be false if not given a value</a:t>
+            </a:r>
           </a:p>
         </p:txBody>
       </p:sp>
@@ -1073,9 +1103,9 @@
           <a:bodyPr/>
           <a:lstStyle/>
           <a:p>
-            <a:fld id="{347B1FF5-FCE8-499D-B296-D7493115F512}" type="slidenum">
+            <a:fld id="{90562276-63C7-43F9-8E9E-CFA137F6F839}" type="slidenum">
               <a:rPr lang="en-US" smtClean="0"/>
-              <a:t>14</a:t>
+              <a:t>13</a:t>
             </a:fld>
             <a:endParaRPr lang="en-US"/>
           </a:p>
@@ -1084,7 +1114,7 @@
     </p:spTree>
     <p:extLst>
       <p:ext uri="{BB962C8B-B14F-4D97-AF65-F5344CB8AC3E}">
-        <p14:creationId xmlns:p14="http://schemas.microsoft.com/office/powerpoint/2010/main" val="3744710563"/>
+        <p14:creationId xmlns:p14="http://schemas.microsoft.com/office/powerpoint/2010/main" val="2495691664"/>
       </p:ext>
     </p:extLst>
   </p:cSld>
@@ -1138,250 +1168,11 @@
           <a:bodyPr/>
           <a:lstStyle/>
           <a:p>
-            <a:pPr marL="171450" lvl="0" indent="-171450">
-              <a:buFont typeface="Arial" panose="020B0604020202020204" pitchFamily="34" charset="0"/>
-              <a:buChar char="•"/>
-            </a:pPr>
-            <a:r>
-              <a:rPr lang="en-US" sz="1200" kern="1200" dirty="0" smtClean="0">
-                <a:solidFill>
-                  <a:schemeClr val="tx1"/>
-                </a:solidFill>
-                <a:effectLst/>
-                <a:latin typeface="+mn-lt"/>
-                <a:ea typeface="+mn-ea"/>
-                <a:cs typeface="+mn-cs"/>
-              </a:rPr>
-              <a:t>What does CLI stand for?</a:t>
-            </a:r>
-          </a:p>
-          <a:p>
-            <a:pPr marL="171450" lvl="0" indent="-171450">
-              <a:buFont typeface="Arial" panose="020B0604020202020204" pitchFamily="34" charset="0"/>
-              <a:buChar char="•"/>
-            </a:pPr>
-            <a:r>
-              <a:rPr lang="en-US" sz="1200" kern="1200" dirty="0" smtClean="0">
-                <a:solidFill>
-                  <a:schemeClr val="tx1"/>
-                </a:solidFill>
-                <a:effectLst/>
-                <a:latin typeface="+mn-lt"/>
-                <a:ea typeface="+mn-ea"/>
-                <a:cs typeface="+mn-cs"/>
-              </a:rPr>
-              <a:t>How do you create a new project using the </a:t>
-            </a:r>
-            <a:r>
-              <a:rPr lang="en-US" sz="1200" kern="1200" dirty="0" err="1" smtClean="0">
-                <a:solidFill>
-                  <a:schemeClr val="tx1"/>
-                </a:solidFill>
-                <a:effectLst/>
-                <a:latin typeface="+mn-lt"/>
-                <a:ea typeface="+mn-ea"/>
-                <a:cs typeface="+mn-cs"/>
-              </a:rPr>
-              <a:t>.Net</a:t>
-            </a:r>
-            <a:r>
-              <a:rPr lang="en-US" sz="1200" kern="1200" dirty="0" smtClean="0">
-                <a:solidFill>
-                  <a:schemeClr val="tx1"/>
-                </a:solidFill>
-                <a:effectLst/>
-                <a:latin typeface="+mn-lt"/>
-                <a:ea typeface="+mn-ea"/>
-                <a:cs typeface="+mn-cs"/>
-              </a:rPr>
-              <a:t> CLI?</a:t>
-            </a:r>
-          </a:p>
-          <a:p>
-            <a:pPr marL="171450" lvl="0" indent="-171450">
-              <a:buFont typeface="Arial" panose="020B0604020202020204" pitchFamily="34" charset="0"/>
-              <a:buChar char="•"/>
-            </a:pPr>
-            <a:r>
-              <a:rPr lang="en-US" sz="1200" kern="1200" dirty="0" smtClean="0">
-                <a:solidFill>
-                  <a:schemeClr val="tx1"/>
-                </a:solidFill>
-                <a:effectLst/>
-                <a:latin typeface="+mn-lt"/>
-                <a:ea typeface="+mn-ea"/>
-                <a:cs typeface="+mn-cs"/>
-              </a:rPr>
-              <a:t>Write on the board the command to create a new class library project.</a:t>
-            </a:r>
-          </a:p>
-          <a:p>
-            <a:pPr marL="171450" lvl="0" indent="-171450">
-              <a:buFont typeface="Arial" panose="020B0604020202020204" pitchFamily="34" charset="0"/>
-              <a:buChar char="•"/>
-            </a:pPr>
-            <a:r>
-              <a:rPr lang="en-US" sz="1200" kern="1200" dirty="0" smtClean="0">
-                <a:solidFill>
-                  <a:schemeClr val="tx1"/>
-                </a:solidFill>
-                <a:effectLst/>
-                <a:latin typeface="+mn-lt"/>
-                <a:ea typeface="+mn-ea"/>
-                <a:cs typeface="+mn-cs"/>
-              </a:rPr>
-              <a:t>What is the command to create a new directory?</a:t>
-            </a:r>
-          </a:p>
-          <a:p>
-            <a:pPr marL="171450" lvl="0" indent="-171450">
-              <a:buFont typeface="Arial" panose="020B0604020202020204" pitchFamily="34" charset="0"/>
-              <a:buChar char="•"/>
-            </a:pPr>
-            <a:r>
-              <a:rPr lang="en-US" sz="1200" kern="1200" dirty="0" smtClean="0">
-                <a:solidFill>
-                  <a:schemeClr val="tx1"/>
-                </a:solidFill>
-                <a:effectLst/>
-                <a:latin typeface="+mn-lt"/>
-                <a:ea typeface="+mn-ea"/>
-                <a:cs typeface="+mn-cs"/>
-              </a:rPr>
-              <a:t>What is the command to change a directory?</a:t>
-            </a:r>
-          </a:p>
-          <a:p>
-            <a:pPr marL="171450" lvl="0" indent="-171450">
-              <a:buFont typeface="Arial" panose="020B0604020202020204" pitchFamily="34" charset="0"/>
-              <a:buChar char="•"/>
-            </a:pPr>
-            <a:r>
-              <a:rPr lang="en-US" sz="1200" kern="1200" dirty="0" smtClean="0">
-                <a:solidFill>
-                  <a:schemeClr val="tx1"/>
-                </a:solidFill>
-                <a:effectLst/>
-                <a:latin typeface="+mn-lt"/>
-                <a:ea typeface="+mn-ea"/>
-                <a:cs typeface="+mn-cs"/>
-              </a:rPr>
-              <a:t>What character ends every statement?</a:t>
-            </a:r>
-          </a:p>
-          <a:p>
-            <a:pPr marL="171450" lvl="0" indent="-171450">
-              <a:buFont typeface="Arial" panose="020B0604020202020204" pitchFamily="34" charset="0"/>
-              <a:buChar char="•"/>
-            </a:pPr>
-            <a:r>
-              <a:rPr lang="en-US" sz="1200" kern="1200" dirty="0" smtClean="0">
-                <a:solidFill>
-                  <a:schemeClr val="tx1"/>
-                </a:solidFill>
-                <a:effectLst/>
-                <a:latin typeface="+mn-lt"/>
-                <a:ea typeface="+mn-ea"/>
-                <a:cs typeface="+mn-cs"/>
-              </a:rPr>
-              <a:t>What characters are used to denote a statement block?</a:t>
-            </a:r>
-          </a:p>
-          <a:p>
-            <a:pPr marL="171450" lvl="0" indent="-171450">
-              <a:buFont typeface="Arial" panose="020B0604020202020204" pitchFamily="34" charset="0"/>
-              <a:buChar char="•"/>
-            </a:pPr>
-            <a:r>
-              <a:rPr lang="en-US" sz="1200" kern="1200" dirty="0" smtClean="0">
-                <a:solidFill>
-                  <a:schemeClr val="tx1"/>
-                </a:solidFill>
-                <a:effectLst/>
-                <a:latin typeface="+mn-lt"/>
-                <a:ea typeface="+mn-ea"/>
-                <a:cs typeface="+mn-cs"/>
-              </a:rPr>
-              <a:t>How is a single line comment specified?  Multi-line comment?</a:t>
-            </a:r>
-          </a:p>
-          <a:p>
-            <a:pPr marL="171450" lvl="0" indent="-171450">
-              <a:buFont typeface="Arial" panose="020B0604020202020204" pitchFamily="34" charset="0"/>
-              <a:buChar char="•"/>
-            </a:pPr>
-            <a:r>
-              <a:rPr lang="en-US" sz="1200" kern="1200" dirty="0" smtClean="0">
-                <a:solidFill>
-                  <a:schemeClr val="tx1"/>
-                </a:solidFill>
-                <a:effectLst/>
-                <a:latin typeface="+mn-lt"/>
-                <a:ea typeface="+mn-ea"/>
-                <a:cs typeface="+mn-cs"/>
-              </a:rPr>
-              <a:t>Write on the board a declaration of a string variable.  Set its value at the same time.</a:t>
-            </a:r>
-          </a:p>
-          <a:p>
-            <a:pPr marL="171450" lvl="0" indent="-171450">
-              <a:buFont typeface="Arial" panose="020B0604020202020204" pitchFamily="34" charset="0"/>
-              <a:buChar char="•"/>
-            </a:pPr>
-            <a:r>
-              <a:rPr lang="en-US" sz="1200" kern="1200" dirty="0" smtClean="0">
-                <a:solidFill>
-                  <a:schemeClr val="tx1"/>
-                </a:solidFill>
-                <a:effectLst/>
-                <a:latin typeface="+mn-lt"/>
-                <a:ea typeface="+mn-ea"/>
-                <a:cs typeface="+mn-cs"/>
-              </a:rPr>
-              <a:t>Write on the board a declaration of an </a:t>
-            </a:r>
-            <a:r>
-              <a:rPr lang="en-US" sz="1200" kern="1200" dirty="0" err="1" smtClean="0">
-                <a:solidFill>
-                  <a:schemeClr val="tx1"/>
-                </a:solidFill>
-                <a:effectLst/>
-                <a:latin typeface="+mn-lt"/>
-                <a:ea typeface="+mn-ea"/>
-                <a:cs typeface="+mn-cs"/>
-              </a:rPr>
-              <a:t>int</a:t>
-            </a:r>
-            <a:r>
-              <a:rPr lang="en-US" sz="1200" kern="1200" dirty="0" smtClean="0">
-                <a:solidFill>
-                  <a:schemeClr val="tx1"/>
-                </a:solidFill>
-                <a:effectLst/>
-                <a:latin typeface="+mn-lt"/>
-                <a:ea typeface="+mn-ea"/>
-                <a:cs typeface="+mn-cs"/>
-              </a:rPr>
-              <a:t> variable.  Set its value at the same time.</a:t>
-            </a:r>
-          </a:p>
-          <a:p>
-            <a:pPr marL="171450" lvl="0" indent="-171450">
-              <a:buFont typeface="Arial" panose="020B0604020202020204" pitchFamily="34" charset="0"/>
-              <a:buChar char="•"/>
-            </a:pPr>
-            <a:r>
-              <a:rPr lang="en-US" sz="1200" kern="1200" dirty="0" smtClean="0">
-                <a:solidFill>
-                  <a:schemeClr val="tx1"/>
-                </a:solidFill>
-                <a:effectLst/>
-                <a:latin typeface="+mn-lt"/>
-                <a:ea typeface="+mn-ea"/>
-                <a:cs typeface="+mn-cs"/>
-              </a:rPr>
-              <a:t>Write on the board a declaration of a bool variable.  Set its value at the same time.</a:t>
-            </a:r>
+            <a:r>
+              <a:rPr lang="en-US" dirty="0" smtClean="0"/>
+              <a:t>Let’s go through an example.</a:t>
+            </a:r>
+            <a:endParaRPr lang="en-US" dirty="0"/>
           </a:p>
         </p:txBody>
       </p:sp>
@@ -1400,9 +1191,9 @@
           <a:bodyPr/>
           <a:lstStyle/>
           <a:p>
-            <a:fld id="{226FA58D-4B12-4E7B-A2FA-693CE3EACDFD}" type="slidenum">
+            <a:fld id="{347B1FF5-FCE8-499D-B296-D7493115F512}" type="slidenum">
               <a:rPr lang="en-US" smtClean="0"/>
-              <a:t>15</a:t>
+              <a:t>14</a:t>
             </a:fld>
             <a:endParaRPr lang="en-US"/>
           </a:p>
@@ -1411,7 +1202,7 @@
     </p:spTree>
     <p:extLst>
       <p:ext uri="{BB962C8B-B14F-4D97-AF65-F5344CB8AC3E}">
-        <p14:creationId xmlns:p14="http://schemas.microsoft.com/office/powerpoint/2010/main" val="2067801555"/>
+        <p14:creationId xmlns:p14="http://schemas.microsoft.com/office/powerpoint/2010/main" val="3744710563"/>
       </p:ext>
     </p:extLst>
   </p:cSld>
@@ -1465,43 +1256,129 @@
           <a:bodyPr/>
           <a:lstStyle/>
           <a:p>
-            <a:pPr marL="171450" indent="-171450">
+            <a:pPr marL="181240" indent="-181240">
               <a:buFont typeface="Arial" panose="020B0604020202020204" pitchFamily="34" charset="0"/>
               <a:buChar char="•"/>
             </a:pPr>
             <a:r>
-              <a:rPr lang="en-US" baseline="0" dirty="0" smtClean="0"/>
-              <a:t>There are many comparison operators that can be used to compare variables</a:t>
-            </a:r>
-          </a:p>
-          <a:p>
-            <a:pPr marL="171450" indent="-171450">
+              <a:rPr lang="en-US" sz="1300" dirty="0"/>
+              <a:t>What does CLI stand for?</a:t>
+            </a:r>
+          </a:p>
+          <a:p>
+            <a:pPr marL="181240" indent="-181240">
               <a:buFont typeface="Arial" panose="020B0604020202020204" pitchFamily="34" charset="0"/>
               <a:buChar char="•"/>
             </a:pPr>
             <a:r>
-              <a:rPr lang="en-US" baseline="0" dirty="0" smtClean="0"/>
-              <a:t>There is less than, greater than, less than or equal to, greater than or equal to, equal to, and not equal to</a:t>
-            </a:r>
-          </a:p>
-          <a:p>
-            <a:pPr marL="171450" indent="-171450">
+              <a:rPr lang="en-US" sz="1300" dirty="0"/>
+              <a:t>How do you create a new project using the </a:t>
+            </a:r>
+            <a:r>
+              <a:rPr lang="en-US" sz="1300" dirty="0" err="1"/>
+              <a:t>.Net</a:t>
+            </a:r>
+            <a:r>
+              <a:rPr lang="en-US" sz="1300" dirty="0"/>
+              <a:t> CLI?</a:t>
+            </a:r>
+          </a:p>
+          <a:p>
+            <a:pPr marL="181240" indent="-181240">
               <a:buFont typeface="Arial" panose="020B0604020202020204" pitchFamily="34" charset="0"/>
               <a:buChar char="•"/>
             </a:pPr>
             <a:r>
-              <a:rPr lang="en-US" baseline="0" dirty="0" smtClean="0"/>
-              <a:t>Notice that equal to has 2 equal signs.</a:t>
-            </a:r>
-          </a:p>
-          <a:p>
-            <a:pPr marL="171450" indent="-171450">
+              <a:rPr lang="en-US" sz="1300" dirty="0"/>
+              <a:t>Write on the board the command to create a new class library project.</a:t>
+            </a:r>
+          </a:p>
+          <a:p>
+            <a:pPr marL="181240" indent="-181240">
               <a:buFont typeface="Arial" panose="020B0604020202020204" pitchFamily="34" charset="0"/>
               <a:buChar char="•"/>
             </a:pPr>
             <a:r>
-              <a:rPr lang="en-US" baseline="0" dirty="0" smtClean="0"/>
-              <a:t>This is because 1 equal sign is an assignment and that’s not what we want to do when comparing.</a:t>
+              <a:rPr lang="en-US" sz="1300" dirty="0"/>
+              <a:t>What is the command to create a new directory?</a:t>
+            </a:r>
+          </a:p>
+          <a:p>
+            <a:pPr marL="181240" indent="-181240">
+              <a:buFont typeface="Arial" panose="020B0604020202020204" pitchFamily="34" charset="0"/>
+              <a:buChar char="•"/>
+            </a:pPr>
+            <a:r>
+              <a:rPr lang="en-US" sz="1300" dirty="0"/>
+              <a:t>What is the command to change a directory?</a:t>
+            </a:r>
+          </a:p>
+          <a:p>
+            <a:pPr marL="181240" indent="-181240">
+              <a:buFont typeface="Arial" panose="020B0604020202020204" pitchFamily="34" charset="0"/>
+              <a:buChar char="•"/>
+            </a:pPr>
+            <a:r>
+              <a:rPr lang="en-US" sz="1300" dirty="0"/>
+              <a:t>What character ends every statement?</a:t>
+            </a:r>
+          </a:p>
+          <a:p>
+            <a:pPr marL="181240" indent="-181240">
+              <a:buFont typeface="Arial" panose="020B0604020202020204" pitchFamily="34" charset="0"/>
+              <a:buChar char="•"/>
+            </a:pPr>
+            <a:r>
+              <a:rPr lang="en-US" sz="1300" dirty="0"/>
+              <a:t>What characters are used to denote a statement block?</a:t>
+            </a:r>
+          </a:p>
+          <a:p>
+            <a:pPr marL="181240" indent="-181240">
+              <a:buFont typeface="Arial" panose="020B0604020202020204" pitchFamily="34" charset="0"/>
+              <a:buChar char="•"/>
+            </a:pPr>
+            <a:r>
+              <a:rPr lang="en-US" sz="1300" dirty="0"/>
+              <a:t>How is a single line comment specified?  Multi-line comment?</a:t>
+            </a:r>
+          </a:p>
+          <a:p>
+            <a:pPr marL="181240" indent="-181240">
+              <a:buFont typeface="Arial" panose="020B0604020202020204" pitchFamily="34" charset="0"/>
+              <a:buChar char="•"/>
+            </a:pPr>
+            <a:r>
+              <a:rPr lang="en-US" sz="1300" dirty="0"/>
+              <a:t>Write on the board a declaration of a string variable.  Set its value at the same time.</a:t>
+            </a:r>
+          </a:p>
+          <a:p>
+            <a:pPr marL="181240" indent="-181240">
+              <a:buFont typeface="Arial" panose="020B0604020202020204" pitchFamily="34" charset="0"/>
+              <a:buChar char="•"/>
+            </a:pPr>
+            <a:r>
+              <a:rPr lang="en-US" sz="1300" dirty="0"/>
+              <a:t>Write on the board a declaration of an </a:t>
+            </a:r>
+            <a:r>
+              <a:rPr lang="en-US" sz="1300" dirty="0" err="1"/>
+              <a:t>int</a:t>
+            </a:r>
+            <a:r>
+              <a:rPr lang="en-US" sz="1300" dirty="0"/>
+              <a:t> variable.  Set its value at the same time.</a:t>
+            </a:r>
+          </a:p>
+          <a:p>
+            <a:pPr marL="181240" indent="-181240">
+              <a:buFont typeface="Arial" panose="020B0604020202020204" pitchFamily="34" charset="0"/>
+              <a:buChar char="•"/>
+            </a:pPr>
+            <a:r>
+              <a:rPr lang="en-US" sz="1300" dirty="0"/>
+              <a:t>Write on the board a declaration of a bool variable.  Set its value at the same time.</a:t>
             </a:r>
           </a:p>
         </p:txBody>
@@ -1521,9 +1398,9 @@
           <a:bodyPr/>
           <a:lstStyle/>
           <a:p>
-            <a:fld id="{90562276-63C7-43F9-8E9E-CFA137F6F839}" type="slidenum">
+            <a:fld id="{226FA58D-4B12-4E7B-A2FA-693CE3EACDFD}" type="slidenum">
               <a:rPr lang="en-US" smtClean="0"/>
-              <a:t>16</a:t>
+              <a:t>15</a:t>
             </a:fld>
             <a:endParaRPr lang="en-US"/>
           </a:p>
@@ -1532,7 +1409,7 @@
     </p:spTree>
     <p:extLst>
       <p:ext uri="{BB962C8B-B14F-4D97-AF65-F5344CB8AC3E}">
-        <p14:creationId xmlns:p14="http://schemas.microsoft.com/office/powerpoint/2010/main" val="1667424272"/>
+        <p14:creationId xmlns:p14="http://schemas.microsoft.com/office/powerpoint/2010/main" val="2067801555"/>
       </p:ext>
     </p:extLst>
   </p:cSld>
@@ -1586,71 +1463,43 @@
           <a:bodyPr/>
           <a:lstStyle/>
           <a:p>
-            <a:pPr marL="171450" indent="-171450">
+            <a:pPr marL="181240" indent="-181240">
               <a:buFont typeface="Arial" panose="020B0604020202020204" pitchFamily="34" charset="0"/>
               <a:buChar char="•"/>
             </a:pPr>
             <a:r>
               <a:rPr lang="en-US" baseline="0" dirty="0" smtClean="0"/>
-              <a:t>You can have multiple conditions in one if statement.</a:t>
-            </a:r>
-          </a:p>
-          <a:p>
-            <a:pPr marL="171450" indent="-171450">
+              <a:t>There are many comparison operators that can be used to compare variables</a:t>
+            </a:r>
+          </a:p>
+          <a:p>
+            <a:pPr marL="181240" indent="-181240">
               <a:buFont typeface="Arial" panose="020B0604020202020204" pitchFamily="34" charset="0"/>
               <a:buChar char="•"/>
             </a:pPr>
             <a:r>
               <a:rPr lang="en-US" baseline="0" dirty="0" smtClean="0"/>
-              <a:t>You can do this by using the logical operators</a:t>
-            </a:r>
-          </a:p>
-          <a:p>
-            <a:pPr marL="171450" indent="-171450">
+              <a:t>There is less than, greater than, less than or equal to, greater than or equal to, equal to, and not equal to</a:t>
+            </a:r>
+          </a:p>
+          <a:p>
+            <a:pPr marL="181240" indent="-181240">
               <a:buFont typeface="Arial" panose="020B0604020202020204" pitchFamily="34" charset="0"/>
               <a:buChar char="•"/>
             </a:pPr>
             <a:r>
               <a:rPr lang="en-US" baseline="0" dirty="0" smtClean="0"/>
-              <a:t>You can have an and operator which checks if multiple conditions are true</a:t>
-            </a:r>
-          </a:p>
-          <a:p>
-            <a:pPr marL="171450" indent="-171450">
+              <a:t>Notice that equal to has 2 equal signs.</a:t>
+            </a:r>
+          </a:p>
+          <a:p>
+            <a:pPr marL="181240" indent="-181240">
               <a:buFont typeface="Arial" panose="020B0604020202020204" pitchFamily="34" charset="0"/>
               <a:buChar char="•"/>
             </a:pPr>
             <a:r>
               <a:rPr lang="en-US" baseline="0" dirty="0" smtClean="0"/>
-              <a:t>You can have an or operator which checks if one condition is true or another one is true.</a:t>
-            </a:r>
-          </a:p>
-          <a:p>
-            <a:pPr marL="171450" indent="-171450">
-              <a:buFont typeface="Arial" panose="020B0604020202020204" pitchFamily="34" charset="0"/>
-              <a:buChar char="•"/>
-            </a:pPr>
-            <a:r>
-              <a:rPr lang="en-US" baseline="0" dirty="0" smtClean="0"/>
-              <a:t>There are also short circuited and </a:t>
-            </a:r>
-            <a:r>
-              <a:rPr lang="en-US" baseline="0" dirty="0" err="1" smtClean="0"/>
-              <a:t>and</a:t>
-            </a:r>
-            <a:r>
-              <a:rPr lang="en-US" baseline="0" dirty="0" smtClean="0"/>
-              <a:t> or</a:t>
-            </a:r>
-          </a:p>
-          <a:p>
-            <a:pPr marL="171450" indent="-171450">
-              <a:buFont typeface="Arial" panose="020B0604020202020204" pitchFamily="34" charset="0"/>
-              <a:buChar char="•"/>
-            </a:pPr>
-            <a:r>
-              <a:rPr lang="en-US" baseline="0" dirty="0" smtClean="0"/>
-              <a:t>The difference here is if one condition fails because a value is null it will still evaluate the second condition.</a:t>
+              <a:t>This is because 1 equal sign is an assignment and that’s not what we want to do when comparing.</a:t>
             </a:r>
           </a:p>
         </p:txBody>
@@ -1672,7 +1521,7 @@
           <a:p>
             <a:fld id="{90562276-63C7-43F9-8E9E-CFA137F6F839}" type="slidenum">
               <a:rPr lang="en-US" smtClean="0"/>
-              <a:t>17</a:t>
+              <a:t>16</a:t>
             </a:fld>
             <a:endParaRPr lang="en-US"/>
           </a:p>
@@ -1681,7 +1530,7 @@
     </p:spTree>
     <p:extLst>
       <p:ext uri="{BB962C8B-B14F-4D97-AF65-F5344CB8AC3E}">
-        <p14:creationId xmlns:p14="http://schemas.microsoft.com/office/powerpoint/2010/main" val="3180848797"/>
+        <p14:creationId xmlns:p14="http://schemas.microsoft.com/office/powerpoint/2010/main" val="1667424272"/>
       </p:ext>
     </p:extLst>
   </p:cSld>
@@ -1735,33 +1584,71 @@
           <a:bodyPr/>
           <a:lstStyle/>
           <a:p>
-            <a:pPr marL="171450" indent="-171450">
+            <a:pPr marL="181240" indent="-181240">
               <a:buFont typeface="Arial" panose="020B0604020202020204" pitchFamily="34" charset="0"/>
               <a:buChar char="•"/>
             </a:pPr>
             <a:r>
               <a:rPr lang="en-US" baseline="0" dirty="0" smtClean="0"/>
-              <a:t>An if statement will conditionally run logic based upon the result of the condition.</a:t>
-            </a:r>
-          </a:p>
-          <a:p>
-            <a:pPr marL="171450" indent="-171450">
+              <a:t>You can have multiple conditions in one if statement.</a:t>
+            </a:r>
+          </a:p>
+          <a:p>
+            <a:pPr marL="181240" indent="-181240">
               <a:buFont typeface="Arial" panose="020B0604020202020204" pitchFamily="34" charset="0"/>
               <a:buChar char="•"/>
             </a:pPr>
             <a:r>
               <a:rPr lang="en-US" baseline="0" dirty="0" smtClean="0"/>
-              <a:t>The condition must always evaluate to true or false or an error will occur.</a:t>
-            </a:r>
-          </a:p>
-          <a:p>
-            <a:pPr marL="171450" indent="-171450">
+              <a:t>You can do this by using the logical operators</a:t>
+            </a:r>
+          </a:p>
+          <a:p>
+            <a:pPr marL="181240" indent="-181240">
               <a:buFont typeface="Arial" panose="020B0604020202020204" pitchFamily="34" charset="0"/>
               <a:buChar char="•"/>
             </a:pPr>
             <a:r>
               <a:rPr lang="en-US" baseline="0" dirty="0" smtClean="0"/>
-              <a:t>The conditional statements are surrounded by curly braces.</a:t>
+              <a:t>You can have an and operator which checks if multiple conditions are true</a:t>
+            </a:r>
+          </a:p>
+          <a:p>
+            <a:pPr marL="181240" indent="-181240">
+              <a:buFont typeface="Arial" panose="020B0604020202020204" pitchFamily="34" charset="0"/>
+              <a:buChar char="•"/>
+            </a:pPr>
+            <a:r>
+              <a:rPr lang="en-US" baseline="0" dirty="0" smtClean="0"/>
+              <a:t>You can have an or operator which checks if one condition is true or another one is true.</a:t>
+            </a:r>
+          </a:p>
+          <a:p>
+            <a:pPr marL="181240" indent="-181240">
+              <a:buFont typeface="Arial" panose="020B0604020202020204" pitchFamily="34" charset="0"/>
+              <a:buChar char="•"/>
+            </a:pPr>
+            <a:r>
+              <a:rPr lang="en-US" baseline="0" dirty="0" smtClean="0"/>
+              <a:t>There are also short circuited and </a:t>
+            </a:r>
+            <a:r>
+              <a:rPr lang="en-US" baseline="0" dirty="0" err="1" smtClean="0"/>
+              <a:t>and</a:t>
+            </a:r>
+            <a:r>
+              <a:rPr lang="en-US" baseline="0" dirty="0" smtClean="0"/>
+              <a:t> or</a:t>
+            </a:r>
+          </a:p>
+          <a:p>
+            <a:pPr marL="181240" indent="-181240">
+              <a:buFont typeface="Arial" panose="020B0604020202020204" pitchFamily="34" charset="0"/>
+              <a:buChar char="•"/>
+            </a:pPr>
+            <a:r>
+              <a:rPr lang="en-US" baseline="0" dirty="0" smtClean="0"/>
+              <a:t>The difference here is if one condition fails because a value is null it will still evaluate the second condition.</a:t>
             </a:r>
           </a:p>
         </p:txBody>
@@ -1783,7 +1670,7 @@
           <a:p>
             <a:fld id="{90562276-63C7-43F9-8E9E-CFA137F6F839}" type="slidenum">
               <a:rPr lang="en-US" smtClean="0"/>
-              <a:t>18</a:t>
+              <a:t>17</a:t>
             </a:fld>
             <a:endParaRPr lang="en-US"/>
           </a:p>
@@ -1792,7 +1679,7 @@
     </p:spTree>
     <p:extLst>
       <p:ext uri="{BB962C8B-B14F-4D97-AF65-F5344CB8AC3E}">
-        <p14:creationId xmlns:p14="http://schemas.microsoft.com/office/powerpoint/2010/main" val="4207397022"/>
+        <p14:creationId xmlns:p14="http://schemas.microsoft.com/office/powerpoint/2010/main" val="3180848797"/>
       </p:ext>
     </p:extLst>
   </p:cSld>
@@ -1846,33 +1733,33 @@
           <a:bodyPr/>
           <a:lstStyle/>
           <a:p>
-            <a:pPr marL="171450" indent="-171450">
+            <a:pPr marL="181240" indent="-181240">
               <a:buFont typeface="Arial" panose="020B0604020202020204" pitchFamily="34" charset="0"/>
               <a:buChar char="•"/>
             </a:pPr>
             <a:r>
               <a:rPr lang="en-US" baseline="0" dirty="0" smtClean="0"/>
-              <a:t>The else statement can be added to any if statement</a:t>
-            </a:r>
-          </a:p>
-          <a:p>
-            <a:pPr marL="171450" indent="-171450">
+              <a:t>An if statement will conditionally run logic based upon the result of the condition.</a:t>
+            </a:r>
+          </a:p>
+          <a:p>
+            <a:pPr marL="181240" indent="-181240">
               <a:buFont typeface="Arial" panose="020B0604020202020204" pitchFamily="34" charset="0"/>
               <a:buChar char="•"/>
             </a:pPr>
             <a:r>
               <a:rPr lang="en-US" baseline="0" dirty="0" smtClean="0"/>
-              <a:t>This means that if the if condition is false then the statements within the else will be run</a:t>
-            </a:r>
-          </a:p>
-          <a:p>
-            <a:pPr marL="171450" indent="-171450">
+              <a:t>The condition must always evaluate to true or false or an error will occur.</a:t>
+            </a:r>
+          </a:p>
+          <a:p>
+            <a:pPr marL="181240" indent="-181240">
               <a:buFont typeface="Arial" panose="020B0604020202020204" pitchFamily="34" charset="0"/>
               <a:buChar char="•"/>
             </a:pPr>
             <a:r>
               <a:rPr lang="en-US" baseline="0" dirty="0" smtClean="0"/>
-              <a:t>The else statements are also within curly braces</a:t>
+              <a:t>The conditional statements are surrounded by curly braces.</a:t>
             </a:r>
           </a:p>
         </p:txBody>
@@ -1894,7 +1781,7 @@
           <a:p>
             <a:fld id="{90562276-63C7-43F9-8E9E-CFA137F6F839}" type="slidenum">
               <a:rPr lang="en-US" smtClean="0"/>
-              <a:t>19</a:t>
+              <a:t>18</a:t>
             </a:fld>
             <a:endParaRPr lang="en-US"/>
           </a:p>
@@ -1903,7 +1790,7 @@
     </p:spTree>
     <p:extLst>
       <p:ext uri="{BB962C8B-B14F-4D97-AF65-F5344CB8AC3E}">
-        <p14:creationId xmlns:p14="http://schemas.microsoft.com/office/powerpoint/2010/main" val="3484854185"/>
+        <p14:creationId xmlns:p14="http://schemas.microsoft.com/office/powerpoint/2010/main" val="4207397022"/>
       </p:ext>
     </p:extLst>
   </p:cSld>
@@ -1957,13 +1844,33 @@
           <a:bodyPr/>
           <a:lstStyle/>
           <a:p>
-            <a:pPr marL="171450" indent="-171450">
+            <a:pPr marL="181240" indent="-181240">
               <a:buFont typeface="Arial" panose="020B0604020202020204" pitchFamily="34" charset="0"/>
               <a:buChar char="•"/>
             </a:pPr>
             <a:r>
               <a:rPr lang="en-US" baseline="0" dirty="0" smtClean="0"/>
-              <a:t>If statements can be nested</a:t>
+              <a:t>The else statement can be added to any if statement</a:t>
+            </a:r>
+          </a:p>
+          <a:p>
+            <a:pPr marL="181240" indent="-181240">
+              <a:buFont typeface="Arial" panose="020B0604020202020204" pitchFamily="34" charset="0"/>
+              <a:buChar char="•"/>
+            </a:pPr>
+            <a:r>
+              <a:rPr lang="en-US" baseline="0" dirty="0" smtClean="0"/>
+              <a:t>This means that if the if condition is false then the statements within the else will be run</a:t>
+            </a:r>
+          </a:p>
+          <a:p>
+            <a:pPr marL="181240" indent="-181240">
+              <a:buFont typeface="Arial" panose="020B0604020202020204" pitchFamily="34" charset="0"/>
+              <a:buChar char="•"/>
+            </a:pPr>
+            <a:r>
+              <a:rPr lang="en-US" baseline="0" dirty="0" smtClean="0"/>
+              <a:t>The else statements are also within curly braces</a:t>
             </a:r>
           </a:p>
         </p:txBody>
@@ -1985,7 +1892,7 @@
           <a:p>
             <a:fld id="{90562276-63C7-43F9-8E9E-CFA137F6F839}" type="slidenum">
               <a:rPr lang="en-US" smtClean="0"/>
-              <a:t>20</a:t>
+              <a:t>19</a:t>
             </a:fld>
             <a:endParaRPr lang="en-US"/>
           </a:p>
@@ -1994,7 +1901,7 @@
     </p:spTree>
     <p:extLst>
       <p:ext uri="{BB962C8B-B14F-4D97-AF65-F5344CB8AC3E}">
-        <p14:creationId xmlns:p14="http://schemas.microsoft.com/office/powerpoint/2010/main" val="1778756599"/>
+        <p14:creationId xmlns:p14="http://schemas.microsoft.com/office/powerpoint/2010/main" val="3484854185"/>
       </p:ext>
     </p:extLst>
   </p:cSld>
@@ -2048,176 +1955,125 @@
           <a:bodyPr/>
           <a:lstStyle/>
           <a:p>
-            <a:pPr marL="171450" indent="-171450">
+            <a:pPr marL="181240" indent="-181240">
               <a:buFont typeface="Arial" panose="020B0604020202020204" pitchFamily="34" charset="0"/>
               <a:buChar char="•"/>
             </a:pPr>
             <a:r>
+              <a:rPr lang="en-US" dirty="0" smtClean="0"/>
+              <a:t>Let’s take a tour of Visual</a:t>
+            </a:r>
+            <a:r>
               <a:rPr lang="en-US" baseline="0" dirty="0" smtClean="0"/>
-              <a:t>The </a:t>
-            </a:r>
-            <a:r>
-              <a:rPr lang="en-US" baseline="0" dirty="0" err="1" smtClean="0"/>
-              <a:t>.Net</a:t>
-            </a:r>
-            <a:r>
-              <a:rPr lang="en-US" baseline="0" dirty="0" smtClean="0"/>
-              <a:t> Core Command Line Interface (CLI) allows you to enter </a:t>
-            </a:r>
-            <a:r>
-              <a:rPr lang="en-US" baseline="0" dirty="0" err="1" smtClean="0"/>
-              <a:t>.Net</a:t>
-            </a:r>
-            <a:r>
-              <a:rPr lang="en-US" baseline="0" dirty="0" smtClean="0"/>
-              <a:t> commands into the command line.</a:t>
-            </a:r>
-          </a:p>
-          <a:p>
-            <a:pPr marL="171450" indent="-171450">
+              <a:t> Studio Code</a:t>
+            </a:r>
+          </a:p>
+          <a:p>
+            <a:pPr marL="664546" lvl="1" indent="-181240">
               <a:buFont typeface="Arial" panose="020B0604020202020204" pitchFamily="34" charset="0"/>
               <a:buChar char="•"/>
             </a:pPr>
             <a:r>
               <a:rPr lang="en-US" baseline="0" dirty="0" smtClean="0"/>
-              <a:t>We will use the terminal built into Visual Studio Code for ease of use.</a:t>
-            </a:r>
-          </a:p>
-          <a:p>
-            <a:pPr marL="171450" indent="-171450">
+              <a:t>To open code, you only open a folder that the code exists in.</a:t>
+            </a:r>
+          </a:p>
+          <a:p>
+            <a:pPr marL="664546" lvl="1" indent="-181240">
               <a:buFont typeface="Arial" panose="020B0604020202020204" pitchFamily="34" charset="0"/>
               <a:buChar char="•"/>
             </a:pPr>
             <a:r>
               <a:rPr lang="en-US" baseline="0" dirty="0" smtClean="0"/>
-              <a:t>There are some basic commands such as the following:</a:t>
-            </a:r>
-          </a:p>
-          <a:p>
-            <a:pPr marL="628650" lvl="1" indent="-171450">
+              <a:t>Click the File menu and Open Folder option to open a folder.</a:t>
+            </a:r>
+          </a:p>
+          <a:p>
+            <a:pPr marL="664546" lvl="1" indent="-181240">
               <a:buFont typeface="Arial" panose="020B0604020202020204" pitchFamily="34" charset="0"/>
               <a:buChar char="•"/>
             </a:pPr>
             <a:r>
               <a:rPr lang="en-US" baseline="0" dirty="0" smtClean="0"/>
-              <a:t>new – used to create new projects, files, or solutions</a:t>
-            </a:r>
-          </a:p>
-          <a:p>
-            <a:pPr marL="628650" lvl="1" indent="-171450">
+              <a:t>There is an Explorer window used to view files.  Use the view menu to open the explorer window.</a:t>
+            </a:r>
+          </a:p>
+          <a:p>
+            <a:pPr marL="664546" lvl="1" indent="-181240">
               <a:buFont typeface="Arial" panose="020B0604020202020204" pitchFamily="34" charset="0"/>
               <a:buChar char="•"/>
             </a:pPr>
             <a:r>
               <a:rPr lang="en-US" baseline="0" dirty="0" smtClean="0"/>
-              <a:t>restore – used to restore the dependencies and tools of a project.</a:t>
-            </a:r>
-          </a:p>
-          <a:p>
-            <a:pPr marL="628650" lvl="1" indent="-171450">
+              <a:t>Double click a file in the Explorer window to open it.</a:t>
+            </a:r>
+          </a:p>
+          <a:p>
+            <a:pPr marL="664546" lvl="1" indent="-181240">
               <a:buFont typeface="Arial" panose="020B0604020202020204" pitchFamily="34" charset="0"/>
               <a:buChar char="•"/>
             </a:pPr>
             <a:r>
               <a:rPr lang="en-US" baseline="0" dirty="0" smtClean="0"/>
-              <a:t>build – used to build a project.</a:t>
-            </a:r>
-          </a:p>
-          <a:p>
-            <a:pPr marL="628650" lvl="1" indent="-171450">
+              <a:t>Multiple windows will open in different tabs.</a:t>
+            </a:r>
+          </a:p>
+          <a:p>
+            <a:pPr marL="664546" lvl="1" indent="-181240">
               <a:buFont typeface="Arial" panose="020B0604020202020204" pitchFamily="34" charset="0"/>
               <a:buChar char="•"/>
             </a:pPr>
             <a:r>
               <a:rPr lang="en-US" baseline="0" dirty="0" smtClean="0"/>
-              <a:t>run – used to run a project.</a:t>
-            </a:r>
-          </a:p>
-          <a:p>
-            <a:pPr marL="628650" lvl="1" indent="-171450">
+              <a:t>Click the X on the tab to close a tab.</a:t>
+            </a:r>
+          </a:p>
+          <a:p>
+            <a:pPr marL="664546" lvl="1" indent="-181240">
               <a:buFont typeface="Arial" panose="020B0604020202020204" pitchFamily="34" charset="0"/>
               <a:buChar char="•"/>
             </a:pPr>
             <a:r>
               <a:rPr lang="en-US" baseline="0" dirty="0" smtClean="0"/>
-              <a:t>clean – used to clean the output of a project.</a:t>
-            </a:r>
-          </a:p>
-          <a:p>
-            <a:pPr marL="171450" lvl="0" indent="-171450">
+              <a:t>Right click and choose close all to close all tabs.</a:t>
+            </a:r>
+          </a:p>
+          <a:p>
+            <a:pPr marL="664546" lvl="1" indent="-181240">
               <a:buFont typeface="Arial" panose="020B0604020202020204" pitchFamily="34" charset="0"/>
               <a:buChar char="•"/>
             </a:pPr>
             <a:r>
               <a:rPr lang="en-US" baseline="0" dirty="0" smtClean="0"/>
-              <a:t>There are also commands to modify a project such as the following:</a:t>
-            </a:r>
-          </a:p>
-          <a:p>
-            <a:pPr marL="628650" lvl="1" indent="-171450">
+              <a:t>Use the output window to view code output.  Use the view menu to open the output window.</a:t>
+            </a:r>
+          </a:p>
+          <a:p>
+            <a:pPr marL="664546" lvl="1" indent="-181240">
               <a:buFont typeface="Arial" panose="020B0604020202020204" pitchFamily="34" charset="0"/>
               <a:buChar char="•"/>
             </a:pPr>
             <a:r>
               <a:rPr lang="en-US" baseline="0" dirty="0" smtClean="0"/>
-              <a:t>add package – used to add a </a:t>
-            </a:r>
-            <a:r>
-              <a:rPr lang="en-US" baseline="0" dirty="0" err="1" smtClean="0"/>
-              <a:t>Nuget</a:t>
-            </a:r>
-            <a:r>
-              <a:rPr lang="en-US" baseline="0" dirty="0" smtClean="0"/>
-              <a:t> package to a project.</a:t>
-            </a:r>
-          </a:p>
-          <a:p>
-            <a:pPr marL="628650" lvl="1" indent="-171450">
+              <a:t>There is a built in terminal window.  Use the view menu to open the terminal window.</a:t>
+            </a:r>
+          </a:p>
+          <a:p>
+            <a:pPr marL="664546" lvl="1" indent="-181240">
               <a:buFont typeface="Arial" panose="020B0604020202020204" pitchFamily="34" charset="0"/>
               <a:buChar char="•"/>
             </a:pPr>
             <a:r>
               <a:rPr lang="en-US" baseline="0" dirty="0" smtClean="0"/>
-              <a:t>remove package – used to remove a </a:t>
-            </a:r>
-            <a:r>
-              <a:rPr lang="en-US" baseline="0" dirty="0" err="1" smtClean="0"/>
-              <a:t>Nuget</a:t>
-            </a:r>
-            <a:r>
-              <a:rPr lang="en-US" baseline="0" dirty="0" smtClean="0"/>
-              <a:t> package from a project.</a:t>
-            </a:r>
-          </a:p>
-          <a:p>
-            <a:pPr marL="628650" lvl="1" indent="-171450">
+              <a:t>You can open multiple terminal windows by clicking the + button.</a:t>
+            </a:r>
+          </a:p>
+          <a:p>
+            <a:pPr marL="664546" lvl="1" indent="-181240">
               <a:buFont typeface="Arial" panose="020B0604020202020204" pitchFamily="34" charset="0"/>
               <a:buChar char="•"/>
             </a:pPr>
-            <a:r>
-              <a:rPr lang="en-US" baseline="0" dirty="0" smtClean="0"/>
-              <a:t>add reference – used to add a reference to a project.</a:t>
-            </a:r>
-          </a:p>
-          <a:p>
-            <a:pPr marL="628650" lvl="1" indent="-171450">
-              <a:buFont typeface="Arial" panose="020B0604020202020204" pitchFamily="34" charset="0"/>
-              <a:buChar char="•"/>
-            </a:pPr>
-            <a:r>
-              <a:rPr lang="en-US" baseline="0" dirty="0" smtClean="0"/>
-              <a:t>remove reference – used to remove a reference from a project.</a:t>
-            </a:r>
-          </a:p>
-          <a:p>
-            <a:pPr marL="171450" lvl="0" indent="-171450">
-              <a:buFont typeface="Arial" panose="020B0604020202020204" pitchFamily="34" charset="0"/>
-              <a:buChar char="•"/>
-            </a:pPr>
-            <a:r>
-              <a:rPr lang="en-US" baseline="0" dirty="0" smtClean="0"/>
-              <a:t>More information is available here:  https://docs.microsoft.com/en-us/dotnet/core/tools/?tabs=netcore2x</a:t>
-            </a:r>
+            <a:endParaRPr lang="en-US" baseline="0" dirty="0" smtClean="0"/>
           </a:p>
         </p:txBody>
       </p:sp>
@@ -2236,9 +2092,9 @@
           <a:bodyPr/>
           <a:lstStyle/>
           <a:p>
-            <a:fld id="{90562276-63C7-43F9-8E9E-CFA137F6F839}" type="slidenum">
+            <a:fld id="{EFF2A19C-273D-4352-BCC0-8BB0C7A8A8F7}" type="slidenum">
               <a:rPr lang="en-US" smtClean="0"/>
-              <a:t>3</a:t>
+              <a:t>2</a:t>
             </a:fld>
             <a:endParaRPr lang="en-US"/>
           </a:p>
@@ -2247,7 +2103,7 @@
     </p:spTree>
     <p:extLst>
       <p:ext uri="{BB962C8B-B14F-4D97-AF65-F5344CB8AC3E}">
-        <p14:creationId xmlns:p14="http://schemas.microsoft.com/office/powerpoint/2010/main" val="2745247901"/>
+        <p14:creationId xmlns:p14="http://schemas.microsoft.com/office/powerpoint/2010/main" val="3324834551"/>
       </p:ext>
     </p:extLst>
   </p:cSld>
@@ -2301,23 +2157,13 @@
           <a:bodyPr/>
           <a:lstStyle/>
           <a:p>
-            <a:pPr marL="171450" indent="-171450">
+            <a:pPr marL="181240" indent="-181240">
               <a:buFont typeface="Arial" panose="020B0604020202020204" pitchFamily="34" charset="0"/>
               <a:buChar char="•"/>
             </a:pPr>
             <a:r>
               <a:rPr lang="en-US" baseline="0" dirty="0" smtClean="0"/>
-              <a:t>In addition to else statements there are else if statements</a:t>
-            </a:r>
-          </a:p>
-          <a:p>
-            <a:pPr marL="171450" indent="-171450">
-              <a:buFont typeface="Arial" panose="020B0604020202020204" pitchFamily="34" charset="0"/>
-              <a:buChar char="•"/>
-            </a:pPr>
-            <a:r>
-              <a:rPr lang="en-US" baseline="0" dirty="0" smtClean="0"/>
-              <a:t>With else if statements, there is an additional if condition if the original is false, if that one is true then the logic there will be run</a:t>
+              <a:t>If statements can be nested</a:t>
             </a:r>
           </a:p>
         </p:txBody>
@@ -2339,7 +2185,7 @@
           <a:p>
             <a:fld id="{90562276-63C7-43F9-8E9E-CFA137F6F839}" type="slidenum">
               <a:rPr lang="en-US" smtClean="0"/>
-              <a:t>21</a:t>
+              <a:t>20</a:t>
             </a:fld>
             <a:endParaRPr lang="en-US"/>
           </a:p>
@@ -2348,7 +2194,7 @@
     </p:spTree>
     <p:extLst>
       <p:ext uri="{BB962C8B-B14F-4D97-AF65-F5344CB8AC3E}">
-        <p14:creationId xmlns:p14="http://schemas.microsoft.com/office/powerpoint/2010/main" val="4139015285"/>
+        <p14:creationId xmlns:p14="http://schemas.microsoft.com/office/powerpoint/2010/main" val="1778756599"/>
       </p:ext>
     </p:extLst>
   </p:cSld>
@@ -2402,11 +2248,24 @@
           <a:bodyPr/>
           <a:lstStyle/>
           <a:p>
-            <a:r>
-              <a:rPr lang="en-US" dirty="0" smtClean="0"/>
-              <a:t>Let’s go through some examples</a:t>
-            </a:r>
-            <a:endParaRPr lang="en-US" dirty="0"/>
+            <a:pPr marL="181240" indent="-181240">
+              <a:buFont typeface="Arial" panose="020B0604020202020204" pitchFamily="34" charset="0"/>
+              <a:buChar char="•"/>
+            </a:pPr>
+            <a:r>
+              <a:rPr lang="en-US" baseline="0" dirty="0" smtClean="0"/>
+              <a:t>In addition to else statements there are else if statements</a:t>
+            </a:r>
+          </a:p>
+          <a:p>
+            <a:pPr marL="181240" indent="-181240">
+              <a:buFont typeface="Arial" panose="020B0604020202020204" pitchFamily="34" charset="0"/>
+              <a:buChar char="•"/>
+            </a:pPr>
+            <a:r>
+              <a:rPr lang="en-US" baseline="0" dirty="0" smtClean="0"/>
+              <a:t>With else if statements, there is an additional if condition if the original is false, if that one is true then the logic there will be run</a:t>
+            </a:r>
           </a:p>
         </p:txBody>
       </p:sp>
@@ -2425,9 +2284,9 @@
           <a:bodyPr/>
           <a:lstStyle/>
           <a:p>
-            <a:fld id="{EFF2A19C-273D-4352-BCC0-8BB0C7A8A8F7}" type="slidenum">
+            <a:fld id="{90562276-63C7-43F9-8E9E-CFA137F6F839}" type="slidenum">
               <a:rPr lang="en-US" smtClean="0"/>
-              <a:t>22</a:t>
+              <a:t>21</a:t>
             </a:fld>
             <a:endParaRPr lang="en-US"/>
           </a:p>
@@ -2436,7 +2295,7 @@
     </p:spTree>
     <p:extLst>
       <p:ext uri="{BB962C8B-B14F-4D97-AF65-F5344CB8AC3E}">
-        <p14:creationId xmlns:p14="http://schemas.microsoft.com/office/powerpoint/2010/main" val="1429975407"/>
+        <p14:creationId xmlns:p14="http://schemas.microsoft.com/office/powerpoint/2010/main" val="4139015285"/>
       </p:ext>
     </p:extLst>
   </p:cSld>
@@ -2490,44 +2349,11 @@
           <a:bodyPr/>
           <a:lstStyle/>
           <a:p>
-            <a:pPr marL="171450" indent="-171450">
-              <a:buFont typeface="Arial" panose="020B0604020202020204" pitchFamily="34" charset="0"/>
-              <a:buChar char="•"/>
-            </a:pPr>
-            <a:r>
-              <a:rPr lang="en-US" baseline="0" dirty="0" smtClean="0"/>
-              <a:t>You could chain a bunch of if else statements together, but a more succinct way of writing that would be with a switch statement.</a:t>
-            </a:r>
-          </a:p>
-          <a:p>
-            <a:pPr marL="171450" indent="-171450">
-              <a:buFont typeface="Arial" panose="020B0604020202020204" pitchFamily="34" charset="0"/>
-              <a:buChar char="•"/>
-            </a:pPr>
-            <a:r>
-              <a:rPr lang="en-US" baseline="0" dirty="0" smtClean="0"/>
-              <a:t>The switch statement evaluates multiple conditions to find which logic should be run.</a:t>
-            </a:r>
-          </a:p>
-          <a:p>
-            <a:pPr marL="171450" indent="-171450">
-              <a:buFont typeface="Arial" panose="020B0604020202020204" pitchFamily="34" charset="0"/>
-              <a:buChar char="•"/>
-            </a:pPr>
-            <a:r>
-              <a:rPr lang="en-US" baseline="0" dirty="0" smtClean="0"/>
-              <a:t>A break statement is needed at the end of the statements for a particular case to stop the logic from going into the next case.</a:t>
-            </a:r>
-          </a:p>
-          <a:p>
-            <a:pPr marL="171450" indent="-171450">
-              <a:buFont typeface="Arial" panose="020B0604020202020204" pitchFamily="34" charset="0"/>
-              <a:buChar char="•"/>
-            </a:pPr>
-            <a:r>
-              <a:rPr lang="en-US" baseline="0" dirty="0" smtClean="0"/>
-              <a:t>A default option can be entered if no other cases evaluate to true.</a:t>
-            </a:r>
+            <a:r>
+              <a:rPr lang="en-US" dirty="0" smtClean="0"/>
+              <a:t>Let’s go through some examples</a:t>
+            </a:r>
+            <a:endParaRPr lang="en-US" dirty="0"/>
           </a:p>
         </p:txBody>
       </p:sp>
@@ -2546,9 +2372,9 @@
           <a:bodyPr/>
           <a:lstStyle/>
           <a:p>
-            <a:fld id="{90562276-63C7-43F9-8E9E-CFA137F6F839}" type="slidenum">
+            <a:fld id="{EFF2A19C-273D-4352-BCC0-8BB0C7A8A8F7}" type="slidenum">
               <a:rPr lang="en-US" smtClean="0"/>
-              <a:t>23</a:t>
+              <a:t>22</a:t>
             </a:fld>
             <a:endParaRPr lang="en-US"/>
           </a:p>
@@ -2557,7 +2383,7 @@
     </p:spTree>
     <p:extLst>
       <p:ext uri="{BB962C8B-B14F-4D97-AF65-F5344CB8AC3E}">
-        <p14:creationId xmlns:p14="http://schemas.microsoft.com/office/powerpoint/2010/main" val="947417307"/>
+        <p14:creationId xmlns:p14="http://schemas.microsoft.com/office/powerpoint/2010/main" val="1429975407"/>
       </p:ext>
     </p:extLst>
   </p:cSld>
@@ -2611,11 +2437,44 @@
           <a:bodyPr/>
           <a:lstStyle/>
           <a:p>
-            <a:r>
-              <a:rPr lang="en-US" dirty="0" smtClean="0"/>
-              <a:t>Let’s go through some examples</a:t>
-            </a:r>
-            <a:endParaRPr lang="en-US" dirty="0"/>
+            <a:pPr marL="181240" indent="-181240">
+              <a:buFont typeface="Arial" panose="020B0604020202020204" pitchFamily="34" charset="0"/>
+              <a:buChar char="•"/>
+            </a:pPr>
+            <a:r>
+              <a:rPr lang="en-US" baseline="0" dirty="0" smtClean="0"/>
+              <a:t>You could chain a bunch of if else statements together, but a more succinct way of writing that would be with a switch statement.</a:t>
+            </a:r>
+          </a:p>
+          <a:p>
+            <a:pPr marL="181240" indent="-181240">
+              <a:buFont typeface="Arial" panose="020B0604020202020204" pitchFamily="34" charset="0"/>
+              <a:buChar char="•"/>
+            </a:pPr>
+            <a:r>
+              <a:rPr lang="en-US" baseline="0" dirty="0" smtClean="0"/>
+              <a:t>The switch statement evaluates multiple conditions to find which logic should be run.</a:t>
+            </a:r>
+          </a:p>
+          <a:p>
+            <a:pPr marL="181240" indent="-181240">
+              <a:buFont typeface="Arial" panose="020B0604020202020204" pitchFamily="34" charset="0"/>
+              <a:buChar char="•"/>
+            </a:pPr>
+            <a:r>
+              <a:rPr lang="en-US" baseline="0" dirty="0" smtClean="0"/>
+              <a:t>A break statement is needed at the end of the statements for a particular case to stop the logic from going into the next case.</a:t>
+            </a:r>
+          </a:p>
+          <a:p>
+            <a:pPr marL="181240" indent="-181240">
+              <a:buFont typeface="Arial" panose="020B0604020202020204" pitchFamily="34" charset="0"/>
+              <a:buChar char="•"/>
+            </a:pPr>
+            <a:r>
+              <a:rPr lang="en-US" baseline="0" dirty="0" smtClean="0"/>
+              <a:t>A default option can be entered if no other cases evaluate to true.</a:t>
+            </a:r>
           </a:p>
         </p:txBody>
       </p:sp>
@@ -2634,9 +2493,9 @@
           <a:bodyPr/>
           <a:lstStyle/>
           <a:p>
-            <a:fld id="{EFF2A19C-273D-4352-BCC0-8BB0C7A8A8F7}" type="slidenum">
+            <a:fld id="{90562276-63C7-43F9-8E9E-CFA137F6F839}" type="slidenum">
               <a:rPr lang="en-US" smtClean="0"/>
-              <a:t>24</a:t>
+              <a:t>23</a:t>
             </a:fld>
             <a:endParaRPr lang="en-US"/>
           </a:p>
@@ -2645,7 +2504,7 @@
     </p:spTree>
     <p:extLst>
       <p:ext uri="{BB962C8B-B14F-4D97-AF65-F5344CB8AC3E}">
-        <p14:creationId xmlns:p14="http://schemas.microsoft.com/office/powerpoint/2010/main" val="2220671256"/>
+        <p14:creationId xmlns:p14="http://schemas.microsoft.com/office/powerpoint/2010/main" val="947417307"/>
       </p:ext>
     </p:extLst>
   </p:cSld>
@@ -2699,118 +2558,10 @@
           <a:bodyPr/>
           <a:lstStyle/>
           <a:p>
-            <a:pPr marL="171450" lvl="0" indent="-171450">
-              <a:buFont typeface="Arial" panose="020B0604020202020204" pitchFamily="34" charset="0"/>
-              <a:buChar char="•"/>
-            </a:pPr>
-            <a:r>
-              <a:rPr lang="en-US" sz="1200" kern="1200" dirty="0" smtClean="0">
-                <a:solidFill>
-                  <a:schemeClr val="tx1"/>
-                </a:solidFill>
-                <a:effectLst/>
-                <a:latin typeface="+mn-lt"/>
-                <a:ea typeface="+mn-ea"/>
-                <a:cs typeface="+mn-cs"/>
-              </a:rPr>
-              <a:t>What are the logical operators?</a:t>
-            </a:r>
-          </a:p>
-          <a:p>
-            <a:pPr marL="171450" lvl="0" indent="-171450">
-              <a:buFont typeface="Arial" panose="020B0604020202020204" pitchFamily="34" charset="0"/>
-              <a:buChar char="•"/>
-            </a:pPr>
-            <a:r>
-              <a:rPr lang="en-US" sz="1200" kern="1200" dirty="0" smtClean="0">
-                <a:solidFill>
-                  <a:schemeClr val="tx1"/>
-                </a:solidFill>
-                <a:effectLst/>
-                <a:latin typeface="+mn-lt"/>
-                <a:ea typeface="+mn-ea"/>
-                <a:cs typeface="+mn-cs"/>
-              </a:rPr>
-              <a:t>Write an if statement on the board that checks if a bool variable is true.</a:t>
-            </a:r>
-          </a:p>
-          <a:p>
-            <a:pPr marL="171450" lvl="0" indent="-171450">
-              <a:buFont typeface="Arial" panose="020B0604020202020204" pitchFamily="34" charset="0"/>
-              <a:buChar char="•"/>
-            </a:pPr>
-            <a:r>
-              <a:rPr lang="en-US" sz="1200" kern="1200" dirty="0" smtClean="0">
-                <a:solidFill>
-                  <a:schemeClr val="tx1"/>
-                </a:solidFill>
-                <a:effectLst/>
-                <a:latin typeface="+mn-lt"/>
-                <a:ea typeface="+mn-ea"/>
-                <a:cs typeface="+mn-cs"/>
-              </a:rPr>
-              <a:t>Write an if else statement on the board that checks if a bool variable is true.</a:t>
-            </a:r>
-          </a:p>
-          <a:p>
-            <a:pPr marL="171450" lvl="0" indent="-171450">
-              <a:buFont typeface="Arial" panose="020B0604020202020204" pitchFamily="34" charset="0"/>
-              <a:buChar char="•"/>
-            </a:pPr>
-            <a:r>
-              <a:rPr lang="en-US" sz="1200" kern="1200" dirty="0" smtClean="0">
-                <a:solidFill>
-                  <a:schemeClr val="tx1"/>
-                </a:solidFill>
-                <a:effectLst/>
-                <a:latin typeface="+mn-lt"/>
-                <a:ea typeface="+mn-ea"/>
-                <a:cs typeface="+mn-cs"/>
-              </a:rPr>
-              <a:t>Write a nested if statement on the board that checks two different bool variables.</a:t>
-            </a:r>
-          </a:p>
-          <a:p>
-            <a:pPr marL="171450" lvl="0" indent="-171450">
-              <a:buFont typeface="Arial" panose="020B0604020202020204" pitchFamily="34" charset="0"/>
-              <a:buChar char="•"/>
-            </a:pPr>
-            <a:r>
-              <a:rPr lang="en-US" sz="1200" kern="1200" dirty="0" smtClean="0">
-                <a:solidFill>
-                  <a:schemeClr val="tx1"/>
-                </a:solidFill>
-                <a:effectLst/>
-                <a:latin typeface="+mn-lt"/>
-                <a:ea typeface="+mn-ea"/>
-                <a:cs typeface="+mn-cs"/>
-              </a:rPr>
-              <a:t>Write if, else, else if statements to write to the console the text representation of the numbers 1 to 3.</a:t>
-            </a:r>
-          </a:p>
-          <a:p>
-            <a:pPr marL="171450" lvl="0" indent="-171450">
-              <a:buFont typeface="Arial" panose="020B0604020202020204" pitchFamily="34" charset="0"/>
-              <a:buChar char="•"/>
-            </a:pPr>
-            <a:r>
-              <a:rPr lang="en-US" sz="1200" kern="1200" dirty="0" smtClean="0">
-                <a:solidFill>
-                  <a:schemeClr val="tx1"/>
-                </a:solidFill>
-                <a:effectLst/>
-                <a:latin typeface="+mn-lt"/>
-                <a:ea typeface="+mn-ea"/>
-                <a:cs typeface="+mn-cs"/>
-              </a:rPr>
-              <a:t>Write a switch statement to write to the console the text representation of the numbers 1 to 3.</a:t>
-            </a:r>
-          </a:p>
-          <a:p>
-            <a:pPr marL="457200" lvl="1" indent="0">
-              <a:buFont typeface="Arial" panose="020B0604020202020204" pitchFamily="34" charset="0"/>
-              <a:buNone/>
-            </a:pPr>
+            <a:r>
+              <a:rPr lang="en-US" dirty="0" smtClean="0"/>
+              <a:t>Let’s go through some examples</a:t>
+            </a:r>
             <a:endParaRPr lang="en-US" dirty="0"/>
           </a:p>
         </p:txBody>
@@ -2830,9 +2581,9 @@
           <a:bodyPr/>
           <a:lstStyle/>
           <a:p>
-            <a:fld id="{226FA58D-4B12-4E7B-A2FA-693CE3EACDFD}" type="slidenum">
+            <a:fld id="{EFF2A19C-273D-4352-BCC0-8BB0C7A8A8F7}" type="slidenum">
               <a:rPr lang="en-US" smtClean="0"/>
-              <a:t>25</a:t>
+              <a:t>24</a:t>
             </a:fld>
             <a:endParaRPr lang="en-US"/>
           </a:p>
@@ -2841,7 +2592,7 @@
     </p:spTree>
     <p:extLst>
       <p:ext uri="{BB962C8B-B14F-4D97-AF65-F5344CB8AC3E}">
-        <p14:creationId xmlns:p14="http://schemas.microsoft.com/office/powerpoint/2010/main" val="2906504669"/>
+        <p14:creationId xmlns:p14="http://schemas.microsoft.com/office/powerpoint/2010/main" val="2220671256"/>
       </p:ext>
     </p:extLst>
   </p:cSld>
@@ -2895,10 +2646,67 @@
           <a:bodyPr/>
           <a:lstStyle/>
           <a:p>
-            <a:pPr marL="171450" indent="-171450">
+            <a:pPr marL="181240" indent="-181240">
               <a:buFont typeface="Arial" panose="020B0604020202020204" pitchFamily="34" charset="0"/>
               <a:buChar char="•"/>
             </a:pPr>
+            <a:r>
+              <a:rPr lang="en-US" sz="1300" dirty="0"/>
+              <a:t>What are the logical operators?</a:t>
+            </a:r>
+          </a:p>
+          <a:p>
+            <a:pPr marL="181240" indent="-181240">
+              <a:buFont typeface="Arial" panose="020B0604020202020204" pitchFamily="34" charset="0"/>
+              <a:buChar char="•"/>
+            </a:pPr>
+            <a:r>
+              <a:rPr lang="en-US" sz="1300" dirty="0"/>
+              <a:t>Write an if statement on the board that checks if a bool variable is true.</a:t>
+            </a:r>
+          </a:p>
+          <a:p>
+            <a:pPr marL="181240" indent="-181240">
+              <a:buFont typeface="Arial" panose="020B0604020202020204" pitchFamily="34" charset="0"/>
+              <a:buChar char="•"/>
+            </a:pPr>
+            <a:r>
+              <a:rPr lang="en-US" sz="1300" dirty="0"/>
+              <a:t>Write an if else statement on the board that checks if a bool variable is true.</a:t>
+            </a:r>
+          </a:p>
+          <a:p>
+            <a:pPr marL="181240" indent="-181240">
+              <a:buFont typeface="Arial" panose="020B0604020202020204" pitchFamily="34" charset="0"/>
+              <a:buChar char="•"/>
+            </a:pPr>
+            <a:r>
+              <a:rPr lang="en-US" sz="1300" dirty="0"/>
+              <a:t>Write a nested if statement on the board that checks two different bool variables.</a:t>
+            </a:r>
+          </a:p>
+          <a:p>
+            <a:pPr marL="181240" indent="-181240">
+              <a:buFont typeface="Arial" panose="020B0604020202020204" pitchFamily="34" charset="0"/>
+              <a:buChar char="•"/>
+            </a:pPr>
+            <a:r>
+              <a:rPr lang="en-US" sz="1300" dirty="0"/>
+              <a:t>Write if, else, else if statements to write to the console the text representation of the numbers 1 to 3.</a:t>
+            </a:r>
+          </a:p>
+          <a:p>
+            <a:pPr marL="181240" indent="-181240">
+              <a:buFont typeface="Arial" panose="020B0604020202020204" pitchFamily="34" charset="0"/>
+              <a:buChar char="•"/>
+            </a:pPr>
+            <a:r>
+              <a:rPr lang="en-US" sz="1300" dirty="0"/>
+              <a:t>Write a switch statement to write to the console the text representation of the numbers 1 to 3.</a:t>
+            </a:r>
+          </a:p>
+          <a:p>
+            <a:pPr marL="483306" lvl="1"/>
             <a:endParaRPr lang="en-US" dirty="0"/>
           </a:p>
         </p:txBody>
@@ -2920,7 +2728,7 @@
           <a:p>
             <a:fld id="{226FA58D-4B12-4E7B-A2FA-693CE3EACDFD}" type="slidenum">
               <a:rPr lang="en-US" smtClean="0"/>
-              <a:t>26</a:t>
+              <a:t>25</a:t>
             </a:fld>
             <a:endParaRPr lang="en-US"/>
           </a:p>
@@ -2929,7 +2737,7 @@
     </p:spTree>
     <p:extLst>
       <p:ext uri="{BB962C8B-B14F-4D97-AF65-F5344CB8AC3E}">
-        <p14:creationId xmlns:p14="http://schemas.microsoft.com/office/powerpoint/2010/main" val="845973229"/>
+        <p14:creationId xmlns:p14="http://schemas.microsoft.com/office/powerpoint/2010/main" val="2906504669"/>
       </p:ext>
     </p:extLst>
   </p:cSld>
@@ -2983,78 +2791,11 @@
           <a:bodyPr/>
           <a:lstStyle/>
           <a:p>
-            <a:pPr marL="171450" indent="-171450">
+            <a:pPr marL="181240" indent="-181240">
               <a:buFont typeface="Arial" panose="020B0604020202020204" pitchFamily="34" charset="0"/>
               <a:buChar char="•"/>
             </a:pPr>
-            <a:r>
-              <a:rPr lang="en-US" baseline="0" dirty="0" err="1" smtClean="0"/>
-              <a:t>int</a:t>
-            </a:r>
-            <a:r>
-              <a:rPr lang="en-US" baseline="0" dirty="0" smtClean="0"/>
-              <a:t>, decimal, and bool are what as known as value types</a:t>
-            </a:r>
-          </a:p>
-          <a:p>
-            <a:pPr marL="171450" indent="-171450">
-              <a:buFont typeface="Arial" panose="020B0604020202020204" pitchFamily="34" charset="0"/>
-              <a:buChar char="•"/>
-            </a:pPr>
-            <a:r>
-              <a:rPr lang="en-US" baseline="0" dirty="0" smtClean="0"/>
-              <a:t>Value types contain data within their own memory location.</a:t>
-            </a:r>
-          </a:p>
-          <a:p>
-            <a:pPr marL="171450" indent="-171450">
-              <a:buFont typeface="Arial" panose="020B0604020202020204" pitchFamily="34" charset="0"/>
-              <a:buChar char="•"/>
-            </a:pPr>
-            <a:r>
-              <a:rPr lang="en-US" baseline="0" dirty="0" smtClean="0"/>
-              <a:t>string and array are reference types.</a:t>
-            </a:r>
-          </a:p>
-          <a:p>
-            <a:pPr marL="171450" indent="-171450">
-              <a:buFont typeface="Arial" panose="020B0604020202020204" pitchFamily="34" charset="0"/>
-              <a:buChar char="•"/>
-            </a:pPr>
-            <a:r>
-              <a:rPr lang="en-US" baseline="0" dirty="0" smtClean="0"/>
-              <a:t>Reference types only contain a pointer to data in memory.</a:t>
-            </a:r>
-          </a:p>
-          <a:p>
-            <a:pPr marL="171450" indent="-171450">
-              <a:buFont typeface="Arial" panose="020B0604020202020204" pitchFamily="34" charset="0"/>
-              <a:buChar char="•"/>
-            </a:pPr>
-            <a:r>
-              <a:rPr lang="en-US" baseline="0" dirty="0" smtClean="0"/>
-              <a:t>string is special and is declared just like value types.</a:t>
-            </a:r>
-          </a:p>
-          <a:p>
-            <a:pPr marL="171450" indent="-171450">
-              <a:buFont typeface="Arial" panose="020B0604020202020204" pitchFamily="34" charset="0"/>
-              <a:buChar char="•"/>
-            </a:pPr>
-            <a:r>
-              <a:rPr lang="en-US" baseline="0" dirty="0" smtClean="0"/>
-              <a:t>All other reference types require the use of the new keyword in order to create a new instance of an object.</a:t>
-            </a:r>
-          </a:p>
-          <a:p>
-            <a:pPr marL="171450" indent="-171450">
-              <a:buFont typeface="Arial" panose="020B0604020202020204" pitchFamily="34" charset="0"/>
-              <a:buChar char="•"/>
-            </a:pPr>
-            <a:r>
-              <a:rPr lang="en-US" baseline="0" dirty="0" smtClean="0"/>
-              <a:t>Prior to an instance being provided, a reference type will contain a null value, which means a lack of a value.</a:t>
-            </a:r>
+            <a:endParaRPr lang="en-US" dirty="0"/>
           </a:p>
         </p:txBody>
       </p:sp>
@@ -3073,9 +2814,9 @@
           <a:bodyPr/>
           <a:lstStyle/>
           <a:p>
-            <a:fld id="{90562276-63C7-43F9-8E9E-CFA137F6F839}" type="slidenum">
+            <a:fld id="{226FA58D-4B12-4E7B-A2FA-693CE3EACDFD}" type="slidenum">
               <a:rPr lang="en-US" smtClean="0"/>
-              <a:t>27</a:t>
+              <a:t>26</a:t>
             </a:fld>
             <a:endParaRPr lang="en-US"/>
           </a:p>
@@ -3084,7 +2825,7 @@
     </p:spTree>
     <p:extLst>
       <p:ext uri="{BB962C8B-B14F-4D97-AF65-F5344CB8AC3E}">
-        <p14:creationId xmlns:p14="http://schemas.microsoft.com/office/powerpoint/2010/main" val="4187674280"/>
+        <p14:creationId xmlns:p14="http://schemas.microsoft.com/office/powerpoint/2010/main" val="845973229"/>
       </p:ext>
     </p:extLst>
   </p:cSld>
@@ -3138,83 +2879,77 @@
           <a:bodyPr/>
           <a:lstStyle/>
           <a:p>
-            <a:pPr marL="171450" indent="-171450">
+            <a:pPr marL="181240" indent="-181240">
               <a:buFont typeface="Arial" panose="020B0604020202020204" pitchFamily="34" charset="0"/>
               <a:buChar char="•"/>
             </a:pPr>
             <a:r>
+              <a:rPr lang="en-US" baseline="0" dirty="0" err="1" smtClean="0"/>
+              <a:t>int</a:t>
+            </a:r>
+            <a:r>
               <a:rPr lang="en-US" baseline="0" dirty="0" smtClean="0"/>
-              <a:t>Arrays are declared with other data types followed by square brackets [].</a:t>
-            </a:r>
-          </a:p>
-          <a:p>
-            <a:pPr marL="171450" indent="-171450">
+              <a:t>, decimal, and bool are what as known as value types</a:t>
+            </a:r>
+          </a:p>
+          <a:p>
+            <a:pPr marL="181240" indent="-181240">
               <a:buFont typeface="Arial" panose="020B0604020202020204" pitchFamily="34" charset="0"/>
               <a:buChar char="•"/>
             </a:pPr>
             <a:r>
               <a:rPr lang="en-US" baseline="0" dirty="0" smtClean="0"/>
-              <a:t>Because array is a reference type, it requires the new keyword to create a new instance of the array.</a:t>
-            </a:r>
-          </a:p>
-          <a:p>
-            <a:pPr marL="171450" indent="-171450">
+              <a:t>Value types contain data within their own memory location.</a:t>
+            </a:r>
+          </a:p>
+          <a:p>
+            <a:pPr marL="181240" indent="-181240">
               <a:buFont typeface="Arial" panose="020B0604020202020204" pitchFamily="34" charset="0"/>
               <a:buChar char="•"/>
             </a:pPr>
             <a:r>
               <a:rPr lang="en-US" baseline="0" dirty="0" smtClean="0"/>
-              <a:t>Values can be set to the array one by one or all at once.</a:t>
-            </a:r>
-          </a:p>
-          <a:p>
-            <a:pPr marL="628650" lvl="1" indent="-171450">
+              <a:t>string and array are reference types.</a:t>
+            </a:r>
+          </a:p>
+          <a:p>
+            <a:pPr marL="181240" indent="-181240">
               <a:buFont typeface="Arial" panose="020B0604020202020204" pitchFamily="34" charset="0"/>
               <a:buChar char="•"/>
             </a:pPr>
             <a:r>
               <a:rPr lang="en-US" baseline="0" dirty="0" smtClean="0"/>
-              <a:t>If this is the case then the array needs to be initialized with the number of indexes (values) that are required.</a:t>
-            </a:r>
-          </a:p>
-          <a:p>
-            <a:pPr marL="628650" lvl="1" indent="-171450">
+              <a:t>Reference types only contain a pointer to data in memory.</a:t>
+            </a:r>
+          </a:p>
+          <a:p>
+            <a:pPr marL="181240" indent="-181240">
               <a:buFont typeface="Arial" panose="020B0604020202020204" pitchFamily="34" charset="0"/>
               <a:buChar char="•"/>
             </a:pPr>
             <a:r>
               <a:rPr lang="en-US" baseline="0" dirty="0" smtClean="0"/>
-              <a:t>If all at once, then values are provided in curly braces {} and are comma separated.</a:t>
-            </a:r>
-          </a:p>
-          <a:p>
-            <a:pPr marL="628650" lvl="1" indent="-171450">
+              <a:t>string is special and is declared just like value types.</a:t>
+            </a:r>
+          </a:p>
+          <a:p>
+            <a:pPr marL="181240" indent="-181240">
               <a:buFont typeface="Arial" panose="020B0604020202020204" pitchFamily="34" charset="0"/>
               <a:buChar char="•"/>
             </a:pPr>
             <a:r>
               <a:rPr lang="en-US" baseline="0" dirty="0" smtClean="0"/>
-              <a:t>The size of the array does not need to be specified if you are directly setting values.</a:t>
-            </a:r>
-          </a:p>
-          <a:p>
-            <a:pPr marL="171450" indent="-171450">
+              <a:t>All other reference types require the use of the new keyword in order to create a new instance of an object.</a:t>
+            </a:r>
+          </a:p>
+          <a:p>
+            <a:pPr marL="181240" indent="-181240">
               <a:buFont typeface="Arial" panose="020B0604020202020204" pitchFamily="34" charset="0"/>
               <a:buChar char="•"/>
             </a:pPr>
             <a:r>
               <a:rPr lang="en-US" baseline="0" dirty="0" smtClean="0"/>
-              <a:t>As a short hand the new keyword can be bypassed and directly set to values using the curly brace {} syntax.</a:t>
-            </a:r>
-          </a:p>
-          <a:p>
-            <a:pPr marL="171450" indent="-171450">
-              <a:buFont typeface="Arial" panose="020B0604020202020204" pitchFamily="34" charset="0"/>
-              <a:buChar char="•"/>
-            </a:pPr>
-            <a:r>
-              <a:rPr lang="en-US" baseline="0" dirty="0" smtClean="0"/>
-              <a:t>When using arrays, an index number can be specified inside of square brackets followed by the variable name.  This will supply the value at that index in the array.</a:t>
+              <a:t>Prior to an instance being provided, a reference type will contain a null value, which means a lack of a value.</a:t>
             </a:r>
           </a:p>
         </p:txBody>
@@ -3236,7 +2971,7 @@
           <a:p>
             <a:fld id="{90562276-63C7-43F9-8E9E-CFA137F6F839}" type="slidenum">
               <a:rPr lang="en-US" smtClean="0"/>
-              <a:t>28</a:t>
+              <a:t>27</a:t>
             </a:fld>
             <a:endParaRPr lang="en-US"/>
           </a:p>
@@ -3245,7 +2980,7 @@
     </p:spTree>
     <p:extLst>
       <p:ext uri="{BB962C8B-B14F-4D97-AF65-F5344CB8AC3E}">
-        <p14:creationId xmlns:p14="http://schemas.microsoft.com/office/powerpoint/2010/main" val="693685028"/>
+        <p14:creationId xmlns:p14="http://schemas.microsoft.com/office/powerpoint/2010/main" val="4187674280"/>
       </p:ext>
     </p:extLst>
   </p:cSld>
@@ -3299,13 +3034,83 @@
           <a:bodyPr/>
           <a:lstStyle/>
           <a:p>
-            <a:pPr marL="171450" indent="-171450">
+            <a:pPr marL="181240" indent="-181240">
               <a:buFont typeface="Arial" panose="020B0604020202020204" pitchFamily="34" charset="0"/>
               <a:buChar char="•"/>
             </a:pPr>
             <a:r>
               <a:rPr lang="en-US" baseline="0" dirty="0" smtClean="0"/>
-              <a:t>While loops will loop as long as the condition is true</a:t>
+              <a:t>Arrays are declared with other data types followed by square brackets [].</a:t>
+            </a:r>
+          </a:p>
+          <a:p>
+            <a:pPr marL="181240" indent="-181240">
+              <a:buFont typeface="Arial" panose="020B0604020202020204" pitchFamily="34" charset="0"/>
+              <a:buChar char="•"/>
+            </a:pPr>
+            <a:r>
+              <a:rPr lang="en-US" baseline="0" dirty="0" smtClean="0"/>
+              <a:t>Because array is a reference type, it requires the new keyword to create a new instance of the array.</a:t>
+            </a:r>
+          </a:p>
+          <a:p>
+            <a:pPr marL="181240" indent="-181240">
+              <a:buFont typeface="Arial" panose="020B0604020202020204" pitchFamily="34" charset="0"/>
+              <a:buChar char="•"/>
+            </a:pPr>
+            <a:r>
+              <a:rPr lang="en-US" baseline="0" dirty="0" smtClean="0"/>
+              <a:t>Values can be set to the array one by one or all at once.</a:t>
+            </a:r>
+          </a:p>
+          <a:p>
+            <a:pPr marL="664546" lvl="1" indent="-181240">
+              <a:buFont typeface="Arial" panose="020B0604020202020204" pitchFamily="34" charset="0"/>
+              <a:buChar char="•"/>
+            </a:pPr>
+            <a:r>
+              <a:rPr lang="en-US" baseline="0" dirty="0" smtClean="0"/>
+              <a:t>If this is the case then the array needs to be initialized with the number of indexes (values) that are required.</a:t>
+            </a:r>
+          </a:p>
+          <a:p>
+            <a:pPr marL="664546" lvl="1" indent="-181240">
+              <a:buFont typeface="Arial" panose="020B0604020202020204" pitchFamily="34" charset="0"/>
+              <a:buChar char="•"/>
+            </a:pPr>
+            <a:r>
+              <a:rPr lang="en-US" baseline="0" dirty="0" smtClean="0"/>
+              <a:t>If all at once, then values are provided in curly braces {} and are comma separated.</a:t>
+            </a:r>
+          </a:p>
+          <a:p>
+            <a:pPr marL="664546" lvl="1" indent="-181240">
+              <a:buFont typeface="Arial" panose="020B0604020202020204" pitchFamily="34" charset="0"/>
+              <a:buChar char="•"/>
+            </a:pPr>
+            <a:r>
+              <a:rPr lang="en-US" baseline="0" dirty="0" smtClean="0"/>
+              <a:t>The size of the array does not need to be specified if you are directly setting values.</a:t>
+            </a:r>
+          </a:p>
+          <a:p>
+            <a:pPr marL="181240" indent="-181240">
+              <a:buFont typeface="Arial" panose="020B0604020202020204" pitchFamily="34" charset="0"/>
+              <a:buChar char="•"/>
+            </a:pPr>
+            <a:r>
+              <a:rPr lang="en-US" baseline="0" dirty="0" smtClean="0"/>
+              <a:t>As a short hand the new keyword can be bypassed and directly set to values using the curly brace {} syntax.</a:t>
+            </a:r>
+          </a:p>
+          <a:p>
+            <a:pPr marL="181240" indent="-181240">
+              <a:buFont typeface="Arial" panose="020B0604020202020204" pitchFamily="34" charset="0"/>
+              <a:buChar char="•"/>
+            </a:pPr>
+            <a:r>
+              <a:rPr lang="en-US" baseline="0" dirty="0" smtClean="0"/>
+              <a:t>When using arrays, an index number can be specified inside of square brackets followed by the variable name.  This will supply the value at that index in the array.</a:t>
             </a:r>
           </a:p>
         </p:txBody>
@@ -3327,7 +3132,7 @@
           <a:p>
             <a:fld id="{90562276-63C7-43F9-8E9E-CFA137F6F839}" type="slidenum">
               <a:rPr lang="en-US" smtClean="0"/>
-              <a:t>29</a:t>
+              <a:t>28</a:t>
             </a:fld>
             <a:endParaRPr lang="en-US"/>
           </a:p>
@@ -3336,7 +3141,7 @@
     </p:spTree>
     <p:extLst>
       <p:ext uri="{BB962C8B-B14F-4D97-AF65-F5344CB8AC3E}">
-        <p14:creationId xmlns:p14="http://schemas.microsoft.com/office/powerpoint/2010/main" val="1503614328"/>
+        <p14:creationId xmlns:p14="http://schemas.microsoft.com/office/powerpoint/2010/main" val="693685028"/>
       </p:ext>
     </p:extLst>
   </p:cSld>
@@ -3390,13 +3195,13 @@
           <a:bodyPr/>
           <a:lstStyle/>
           <a:p>
-            <a:pPr marL="171450" indent="-171450">
+            <a:pPr marL="181240" indent="-181240">
               <a:buFont typeface="Arial" panose="020B0604020202020204" pitchFamily="34" charset="0"/>
               <a:buChar char="•"/>
             </a:pPr>
             <a:r>
               <a:rPr lang="en-US" baseline="0" dirty="0" smtClean="0"/>
-              <a:t>Do while is very similar to a while loop except that the evaluation of the condition is at the end instead of the beginning.</a:t>
+              <a:t>While loops will loop as long as the condition is true</a:t>
             </a:r>
           </a:p>
         </p:txBody>
@@ -3418,7 +3223,7 @@
           <a:p>
             <a:fld id="{90562276-63C7-43F9-8E9E-CFA137F6F839}" type="slidenum">
               <a:rPr lang="en-US" smtClean="0"/>
-              <a:t>30</a:t>
+              <a:t>29</a:t>
             </a:fld>
             <a:endParaRPr lang="en-US"/>
           </a:p>
@@ -3427,7 +3232,7 @@
     </p:spTree>
     <p:extLst>
       <p:ext uri="{BB962C8B-B14F-4D97-AF65-F5344CB8AC3E}">
-        <p14:creationId xmlns:p14="http://schemas.microsoft.com/office/powerpoint/2010/main" val="3844848905"/>
+        <p14:creationId xmlns:p14="http://schemas.microsoft.com/office/powerpoint/2010/main" val="1503614328"/>
       </p:ext>
     </p:extLst>
   </p:cSld>
@@ -3481,118 +3286,176 @@
           <a:bodyPr/>
           <a:lstStyle/>
           <a:p>
-            <a:pPr marL="171450" indent="-171450">
+            <a:pPr marL="181240" indent="-181240">
               <a:buFont typeface="Arial" panose="020B0604020202020204" pitchFamily="34" charset="0"/>
               <a:buChar char="•"/>
             </a:pPr>
             <a:r>
               <a:rPr lang="en-US" baseline="0" dirty="0" smtClean="0"/>
-              <a:t>Here are some examples of using new within the CLI to create new projects.</a:t>
-            </a:r>
-          </a:p>
-          <a:p>
-            <a:pPr marL="171450" indent="-171450">
+              <a:t>The </a:t>
+            </a:r>
+            <a:r>
+              <a:rPr lang="en-US" baseline="0" dirty="0" err="1" smtClean="0"/>
+              <a:t>.Net</a:t>
+            </a:r>
+            <a:r>
+              <a:rPr lang="en-US" baseline="0" dirty="0" smtClean="0"/>
+              <a:t> Core Command Line Interface (CLI) allows you to enter </a:t>
+            </a:r>
+            <a:r>
+              <a:rPr lang="en-US" baseline="0" dirty="0" err="1" smtClean="0"/>
+              <a:t>.Net</a:t>
+            </a:r>
+            <a:r>
+              <a:rPr lang="en-US" baseline="0" dirty="0" smtClean="0"/>
+              <a:t> commands into the command line.</a:t>
+            </a:r>
+          </a:p>
+          <a:p>
+            <a:pPr marL="181240" indent="-181240">
               <a:buFont typeface="Arial" panose="020B0604020202020204" pitchFamily="34" charset="0"/>
               <a:buChar char="•"/>
             </a:pPr>
             <a:r>
-              <a:rPr lang="en-US" sz="2800" dirty="0" smtClean="0"/>
-              <a:t>Console project:</a:t>
-            </a:r>
-          </a:p>
-          <a:p>
-            <a:pPr marL="628650" lvl="1" indent="-171450">
+              <a:rPr lang="en-US" baseline="0" dirty="0" smtClean="0"/>
+              <a:t>We will use the terminal built into Visual Studio Code for ease of use.</a:t>
+            </a:r>
+          </a:p>
+          <a:p>
+            <a:pPr marL="181240" indent="-181240">
               <a:buFont typeface="Arial" panose="020B0604020202020204" pitchFamily="34" charset="0"/>
               <a:buChar char="•"/>
             </a:pPr>
             <a:r>
-              <a:rPr lang="en-US" sz="2600" dirty="0" err="1" smtClean="0"/>
-              <a:t>dotnet</a:t>
-            </a:r>
-            <a:r>
-              <a:rPr lang="en-US" sz="2600" dirty="0" smtClean="0"/>
-              <a:t> new console</a:t>
-            </a:r>
-          </a:p>
-          <a:p>
-            <a:pPr marL="171450" lvl="0" indent="-171450">
+              <a:rPr lang="en-US" baseline="0" dirty="0" smtClean="0"/>
+              <a:t>There are some basic commands such as the following:</a:t>
+            </a:r>
+          </a:p>
+          <a:p>
+            <a:pPr marL="664546" lvl="1" indent="-181240">
               <a:buFont typeface="Arial" panose="020B0604020202020204" pitchFamily="34" charset="0"/>
               <a:buChar char="•"/>
             </a:pPr>
             <a:r>
-              <a:rPr lang="en-US" sz="2800" dirty="0" smtClean="0"/>
-              <a:t>Class Library project:</a:t>
-            </a:r>
-          </a:p>
-          <a:p>
-            <a:pPr marL="628650" lvl="1" indent="-171450">
+              <a:rPr lang="en-US" baseline="0" dirty="0" smtClean="0"/>
+              <a:t>new – used to create new projects, files, or solutions</a:t>
+            </a:r>
+          </a:p>
+          <a:p>
+            <a:pPr marL="664546" lvl="1" indent="-181240">
               <a:buFont typeface="Arial" panose="020B0604020202020204" pitchFamily="34" charset="0"/>
               <a:buChar char="•"/>
             </a:pPr>
             <a:r>
-              <a:rPr lang="en-US" sz="2600" dirty="0" err="1" smtClean="0"/>
-              <a:t>dotnet</a:t>
-            </a:r>
-            <a:r>
-              <a:rPr lang="en-US" sz="2600" dirty="0" smtClean="0"/>
-              <a:t> new </a:t>
-            </a:r>
-            <a:r>
-              <a:rPr lang="en-US" sz="2600" dirty="0" err="1" smtClean="0"/>
-              <a:t>classlib</a:t>
-            </a:r>
-            <a:endParaRPr lang="en-US" sz="2600" dirty="0" smtClean="0"/>
-          </a:p>
-          <a:p>
-            <a:pPr marL="171450" lvl="0" indent="-171450">
+              <a:rPr lang="en-US" baseline="0" dirty="0" smtClean="0"/>
+              <a:t>restore – used to restore the dependencies and tools of a project.</a:t>
+            </a:r>
+          </a:p>
+          <a:p>
+            <a:pPr marL="664546" lvl="1" indent="-181240">
               <a:buFont typeface="Arial" panose="020B0604020202020204" pitchFamily="34" charset="0"/>
               <a:buChar char="•"/>
             </a:pPr>
             <a:r>
-              <a:rPr lang="en-US" sz="2800" dirty="0" smtClean="0"/>
-              <a:t>Web API project:</a:t>
-            </a:r>
-          </a:p>
-          <a:p>
-            <a:pPr marL="628650" lvl="1" indent="-171450">
+              <a:rPr lang="en-US" baseline="0" dirty="0" smtClean="0"/>
+              <a:t>build – used to build a project.</a:t>
+            </a:r>
+          </a:p>
+          <a:p>
+            <a:pPr marL="664546" lvl="1" indent="-181240">
               <a:buFont typeface="Arial" panose="020B0604020202020204" pitchFamily="34" charset="0"/>
               <a:buChar char="•"/>
             </a:pPr>
             <a:r>
-              <a:rPr lang="en-US" sz="2600" dirty="0" err="1" smtClean="0"/>
-              <a:t>dotnet</a:t>
-            </a:r>
-            <a:r>
-              <a:rPr lang="en-US" sz="2600" dirty="0" smtClean="0"/>
-              <a:t> new </a:t>
-            </a:r>
-            <a:r>
-              <a:rPr lang="en-US" sz="2600" dirty="0" err="1" smtClean="0"/>
-              <a:t>webapi</a:t>
-            </a:r>
-            <a:endParaRPr lang="en-US" sz="2600" dirty="0" smtClean="0"/>
-          </a:p>
-          <a:p>
-            <a:pPr marL="171450" lvl="0" indent="-171450">
+              <a:rPr lang="en-US" baseline="0" dirty="0" smtClean="0"/>
+              <a:t>run – used to run a project.</a:t>
+            </a:r>
+          </a:p>
+          <a:p>
+            <a:pPr marL="664546" lvl="1" indent="-181240">
               <a:buFont typeface="Arial" panose="020B0604020202020204" pitchFamily="34" charset="0"/>
               <a:buChar char="•"/>
             </a:pPr>
             <a:r>
-              <a:rPr lang="en-US" sz="2600" dirty="0" smtClean="0"/>
-              <a:t>A</a:t>
-            </a:r>
-            <a:r>
-              <a:rPr lang="en-US" sz="2600" baseline="0" dirty="0" smtClean="0"/>
-              <a:t> full reference is available here:  https://docs.microsoft.com/en-us/dotnet/core/tools/dotnet-new?tabs=netcore2x</a:t>
-            </a:r>
-            <a:endParaRPr lang="en-US" sz="2600" dirty="0" smtClean="0"/>
-          </a:p>
-          <a:p>
-            <a:pPr marL="171450" indent="-171450">
+              <a:rPr lang="en-US" baseline="0" dirty="0" smtClean="0"/>
+              <a:t>clean – used to clean the output of a project.</a:t>
+            </a:r>
+          </a:p>
+          <a:p>
+            <a:pPr marL="181240" indent="-181240">
               <a:buFont typeface="Arial" panose="020B0604020202020204" pitchFamily="34" charset="0"/>
               <a:buChar char="•"/>
             </a:pPr>
-            <a:endParaRPr lang="en-US" baseline="0" dirty="0" smtClean="0"/>
+            <a:r>
+              <a:rPr lang="en-US" baseline="0" dirty="0" smtClean="0"/>
+              <a:t>There are also commands to modify a project such as the following:</a:t>
+            </a:r>
+          </a:p>
+          <a:p>
+            <a:pPr marL="664546" lvl="1" indent="-181240">
+              <a:buFont typeface="Arial" panose="020B0604020202020204" pitchFamily="34" charset="0"/>
+              <a:buChar char="•"/>
+            </a:pPr>
+            <a:r>
+              <a:rPr lang="en-US" baseline="0" dirty="0" smtClean="0"/>
+              <a:t>add package – used to add a </a:t>
+            </a:r>
+            <a:r>
+              <a:rPr lang="en-US" baseline="0" dirty="0" err="1" smtClean="0"/>
+              <a:t>Nuget</a:t>
+            </a:r>
+            <a:r>
+              <a:rPr lang="en-US" baseline="0" dirty="0" smtClean="0"/>
+              <a:t> package to a project.</a:t>
+            </a:r>
+          </a:p>
+          <a:p>
+            <a:pPr marL="664546" lvl="1" indent="-181240">
+              <a:buFont typeface="Arial" panose="020B0604020202020204" pitchFamily="34" charset="0"/>
+              <a:buChar char="•"/>
+            </a:pPr>
+            <a:r>
+              <a:rPr lang="en-US" baseline="0" dirty="0" smtClean="0"/>
+              <a:t>remove package – used to remove a </a:t>
+            </a:r>
+            <a:r>
+              <a:rPr lang="en-US" baseline="0" dirty="0" err="1" smtClean="0"/>
+              <a:t>Nuget</a:t>
+            </a:r>
+            <a:r>
+              <a:rPr lang="en-US" baseline="0" dirty="0" smtClean="0"/>
+              <a:t> package from a project.</a:t>
+            </a:r>
+          </a:p>
+          <a:p>
+            <a:pPr marL="664546" lvl="1" indent="-181240">
+              <a:buFont typeface="Arial" panose="020B0604020202020204" pitchFamily="34" charset="0"/>
+              <a:buChar char="•"/>
+            </a:pPr>
+            <a:r>
+              <a:rPr lang="en-US" baseline="0" dirty="0" smtClean="0"/>
+              <a:t>add reference – used to add a reference to a project.</a:t>
+            </a:r>
+          </a:p>
+          <a:p>
+            <a:pPr marL="664546" lvl="1" indent="-181240">
+              <a:buFont typeface="Arial" panose="020B0604020202020204" pitchFamily="34" charset="0"/>
+              <a:buChar char="•"/>
+            </a:pPr>
+            <a:r>
+              <a:rPr lang="en-US" baseline="0" dirty="0" smtClean="0"/>
+              <a:t>remove reference – used to remove a reference from a project.</a:t>
+            </a:r>
+          </a:p>
+          <a:p>
+            <a:pPr marL="181240" indent="-181240">
+              <a:buFont typeface="Arial" panose="020B0604020202020204" pitchFamily="34" charset="0"/>
+              <a:buChar char="•"/>
+            </a:pPr>
+            <a:r>
+              <a:rPr lang="en-US" baseline="0" dirty="0" smtClean="0"/>
+              <a:t>More information is available here:  https://docs.microsoft.com/en-us/dotnet/core/tools/?tabs=netcore2x</a:t>
+            </a:r>
           </a:p>
         </p:txBody>
       </p:sp>
@@ -3613,7 +3476,7 @@
           <a:p>
             <a:fld id="{90562276-63C7-43F9-8E9E-CFA137F6F839}" type="slidenum">
               <a:rPr lang="en-US" smtClean="0"/>
-              <a:t>4</a:t>
+              <a:t>3</a:t>
             </a:fld>
             <a:endParaRPr lang="en-US"/>
           </a:p>
@@ -3622,7 +3485,7 @@
     </p:spTree>
     <p:extLst>
       <p:ext uri="{BB962C8B-B14F-4D97-AF65-F5344CB8AC3E}">
-        <p14:creationId xmlns:p14="http://schemas.microsoft.com/office/powerpoint/2010/main" val="1264305192"/>
+        <p14:creationId xmlns:p14="http://schemas.microsoft.com/office/powerpoint/2010/main" val="2745247901"/>
       </p:ext>
     </p:extLst>
   </p:cSld>
@@ -3676,53 +3539,13 @@
           <a:bodyPr/>
           <a:lstStyle/>
           <a:p>
-            <a:pPr marL="171450" indent="-171450">
+            <a:pPr marL="181240" indent="-181240">
               <a:buFont typeface="Arial" panose="020B0604020202020204" pitchFamily="34" charset="0"/>
               <a:buChar char="•"/>
             </a:pPr>
             <a:r>
               <a:rPr lang="en-US" baseline="0" dirty="0" smtClean="0"/>
-              <a:t>The for loop takes 3 statements.</a:t>
-            </a:r>
-          </a:p>
-          <a:p>
-            <a:pPr marL="171450" indent="-171450">
-              <a:buFont typeface="Arial" panose="020B0604020202020204" pitchFamily="34" charset="0"/>
-              <a:buChar char="•"/>
-            </a:pPr>
-            <a:r>
-              <a:rPr lang="en-US" baseline="0" dirty="0" smtClean="0"/>
-              <a:t>The first statement is to initialize the variable</a:t>
-            </a:r>
-          </a:p>
-          <a:p>
-            <a:pPr marL="171450" indent="-171450">
-              <a:buFont typeface="Arial" panose="020B0604020202020204" pitchFamily="34" charset="0"/>
-              <a:buChar char="•"/>
-            </a:pPr>
-            <a:r>
-              <a:rPr lang="en-US" baseline="0" dirty="0" smtClean="0"/>
-              <a:t>The second statement is the condition to check</a:t>
-            </a:r>
-          </a:p>
-          <a:p>
-            <a:pPr marL="171450" indent="-171450">
-              <a:buFont typeface="Arial" panose="020B0604020202020204" pitchFamily="34" charset="0"/>
-              <a:buChar char="•"/>
-            </a:pPr>
-            <a:r>
-              <a:rPr lang="en-US" baseline="0" dirty="0" smtClean="0"/>
-              <a:t>The third statement is to update a variable.</a:t>
-            </a:r>
-          </a:p>
-          <a:p>
-            <a:pPr marL="171450" indent="-171450">
-              <a:buFont typeface="Arial" panose="020B0604020202020204" pitchFamily="34" charset="0"/>
-              <a:buChar char="•"/>
-            </a:pPr>
-            <a:r>
-              <a:rPr lang="en-US" baseline="0" dirty="0" smtClean="0"/>
-              <a:t>This is a bit more succinct than the while loop since it can do all things normally needed for a while loop in one line.</a:t>
+              <a:t>Do while is very similar to a while loop except that the evaluation of the condition is at the end instead of the beginning.</a:t>
             </a:r>
           </a:p>
         </p:txBody>
@@ -3744,7 +3567,7 @@
           <a:p>
             <a:fld id="{90562276-63C7-43F9-8E9E-CFA137F6F839}" type="slidenum">
               <a:rPr lang="en-US" smtClean="0"/>
-              <a:t>31</a:t>
+              <a:t>30</a:t>
             </a:fld>
             <a:endParaRPr lang="en-US"/>
           </a:p>
@@ -3753,7 +3576,7 @@
     </p:spTree>
     <p:extLst>
       <p:ext uri="{BB962C8B-B14F-4D97-AF65-F5344CB8AC3E}">
-        <p14:creationId xmlns:p14="http://schemas.microsoft.com/office/powerpoint/2010/main" val="3270469660"/>
+        <p14:creationId xmlns:p14="http://schemas.microsoft.com/office/powerpoint/2010/main" val="3844848905"/>
       </p:ext>
     </p:extLst>
   </p:cSld>
@@ -3807,49 +3630,53 @@
           <a:bodyPr/>
           <a:lstStyle/>
           <a:p>
-            <a:pPr marL="171450" indent="-171450">
+            <a:pPr marL="181240" indent="-181240">
               <a:buFont typeface="Arial" panose="020B0604020202020204" pitchFamily="34" charset="0"/>
               <a:buChar char="•"/>
             </a:pPr>
             <a:r>
               <a:rPr lang="en-US" baseline="0" dirty="0" smtClean="0"/>
-              <a:t>The </a:t>
-            </a:r>
-            <a:r>
-              <a:rPr lang="en-US" baseline="0" dirty="0" err="1" smtClean="0"/>
-              <a:t>foreach</a:t>
-            </a:r>
-            <a:r>
-              <a:rPr lang="en-US" baseline="0" dirty="0" smtClean="0"/>
-              <a:t> loop is similar to the for loop</a:t>
-            </a:r>
-          </a:p>
-          <a:p>
-            <a:pPr marL="171450" indent="-171450">
+              <a:t>The for loop takes 3 statements.</a:t>
+            </a:r>
+          </a:p>
+          <a:p>
+            <a:pPr marL="181240" indent="-181240">
               <a:buFont typeface="Arial" panose="020B0604020202020204" pitchFamily="34" charset="0"/>
               <a:buChar char="•"/>
             </a:pPr>
             <a:r>
               <a:rPr lang="en-US" baseline="0" dirty="0" smtClean="0"/>
-              <a:t>The difference is that it allows you to iterate through an enumerable variable.</a:t>
-            </a:r>
-          </a:p>
-          <a:p>
-            <a:pPr marL="171450" indent="-171450">
+              <a:t>The first statement is to initialize the variable</a:t>
+            </a:r>
+          </a:p>
+          <a:p>
+            <a:pPr marL="181240" indent="-181240">
               <a:buFont typeface="Arial" panose="020B0604020202020204" pitchFamily="34" charset="0"/>
               <a:buChar char="•"/>
             </a:pPr>
             <a:r>
               <a:rPr lang="en-US" baseline="0" dirty="0" smtClean="0"/>
-              <a:t>An enumerable variable is a variable that has a type that implements </a:t>
-            </a:r>
-            <a:r>
-              <a:rPr lang="en-US" baseline="0" dirty="0" err="1" smtClean="0"/>
-              <a:t>IEnumerable</a:t>
-            </a:r>
+              <a:t>The second statement is the condition to check</a:t>
+            </a:r>
+          </a:p>
+          <a:p>
+            <a:pPr marL="181240" indent="-181240">
+              <a:buFont typeface="Arial" panose="020B0604020202020204" pitchFamily="34" charset="0"/>
+              <a:buChar char="•"/>
+            </a:pPr>
             <a:r>
               <a:rPr lang="en-US" baseline="0" dirty="0" smtClean="0"/>
-              <a:t> interface.</a:t>
+              <a:t>The third statement is to update a variable.</a:t>
+            </a:r>
+          </a:p>
+          <a:p>
+            <a:pPr marL="181240" indent="-181240">
+              <a:buFont typeface="Arial" panose="020B0604020202020204" pitchFamily="34" charset="0"/>
+              <a:buChar char="•"/>
+            </a:pPr>
+            <a:r>
+              <a:rPr lang="en-US" baseline="0" dirty="0" smtClean="0"/>
+              <a:t>This is a bit more succinct than the while loop since it can do all things normally needed for a while loop in one line.</a:t>
             </a:r>
           </a:p>
         </p:txBody>
@@ -3871,7 +3698,7 @@
           <a:p>
             <a:fld id="{90562276-63C7-43F9-8E9E-CFA137F6F839}" type="slidenum">
               <a:rPr lang="en-US" smtClean="0"/>
-              <a:t>32</a:t>
+              <a:t>31</a:t>
             </a:fld>
             <a:endParaRPr lang="en-US"/>
           </a:p>
@@ -3880,7 +3707,7 @@
     </p:spTree>
     <p:extLst>
       <p:ext uri="{BB962C8B-B14F-4D97-AF65-F5344CB8AC3E}">
-        <p14:creationId xmlns:p14="http://schemas.microsoft.com/office/powerpoint/2010/main" val="2046540764"/>
+        <p14:creationId xmlns:p14="http://schemas.microsoft.com/office/powerpoint/2010/main" val="3270469660"/>
       </p:ext>
     </p:extLst>
   </p:cSld>
@@ -3934,11 +3761,50 @@
           <a:bodyPr/>
           <a:lstStyle/>
           <a:p>
-            <a:r>
-              <a:rPr lang="en-US" dirty="0" smtClean="0"/>
-              <a:t>Let’s go through some examples</a:t>
-            </a:r>
-            <a:endParaRPr lang="en-US" dirty="0"/>
+            <a:pPr marL="181240" indent="-181240">
+              <a:buFont typeface="Arial" panose="020B0604020202020204" pitchFamily="34" charset="0"/>
+              <a:buChar char="•"/>
+            </a:pPr>
+            <a:r>
+              <a:rPr lang="en-US" baseline="0" dirty="0" smtClean="0"/>
+              <a:t>The </a:t>
+            </a:r>
+            <a:r>
+              <a:rPr lang="en-US" baseline="0" dirty="0" err="1" smtClean="0"/>
+              <a:t>foreach</a:t>
+            </a:r>
+            <a:r>
+              <a:rPr lang="en-US" baseline="0" dirty="0" smtClean="0"/>
+              <a:t> loop is similar to the for loop</a:t>
+            </a:r>
+          </a:p>
+          <a:p>
+            <a:pPr marL="181240" indent="-181240">
+              <a:buFont typeface="Arial" panose="020B0604020202020204" pitchFamily="34" charset="0"/>
+              <a:buChar char="•"/>
+            </a:pPr>
+            <a:r>
+              <a:rPr lang="en-US" baseline="0" dirty="0" smtClean="0"/>
+              <a:t>The difference is that it allows you to iterate through an enumerable variable.</a:t>
+            </a:r>
+          </a:p>
+          <a:p>
+            <a:pPr marL="181240" indent="-181240">
+              <a:buFont typeface="Arial" panose="020B0604020202020204" pitchFamily="34" charset="0"/>
+              <a:buChar char="•"/>
+            </a:pPr>
+            <a:r>
+              <a:rPr lang="en-US" baseline="0" dirty="0" smtClean="0"/>
+              <a:t>An enumerable variable is a variable that has a type that implements </a:t>
+            </a:r>
+            <a:r>
+              <a:rPr lang="en-US" baseline="0" dirty="0" err="1" smtClean="0"/>
+              <a:t>IEnumerable</a:t>
+            </a:r>
+            <a:r>
+              <a:rPr lang="en-US" baseline="0" dirty="0" smtClean="0"/>
+              <a:t> interface.</a:t>
+            </a:r>
           </a:p>
         </p:txBody>
       </p:sp>
@@ -3957,9 +3823,9 @@
           <a:bodyPr/>
           <a:lstStyle/>
           <a:p>
-            <a:fld id="{EFF2A19C-273D-4352-BCC0-8BB0C7A8A8F7}" type="slidenum">
+            <a:fld id="{90562276-63C7-43F9-8E9E-CFA137F6F839}" type="slidenum">
               <a:rPr lang="en-US" smtClean="0"/>
-              <a:t>33</a:t>
+              <a:t>32</a:t>
             </a:fld>
             <a:endParaRPr lang="en-US"/>
           </a:p>
@@ -3968,7 +3834,7 @@
     </p:spTree>
     <p:extLst>
       <p:ext uri="{BB962C8B-B14F-4D97-AF65-F5344CB8AC3E}">
-        <p14:creationId xmlns:p14="http://schemas.microsoft.com/office/powerpoint/2010/main" val="3826781240"/>
+        <p14:creationId xmlns:p14="http://schemas.microsoft.com/office/powerpoint/2010/main" val="2046540764"/>
       </p:ext>
     </p:extLst>
   </p:cSld>
@@ -4022,184 +3888,10 @@
           <a:bodyPr/>
           <a:lstStyle/>
           <a:p>
-            <a:pPr marL="171450" lvl="0" indent="-171450">
-              <a:buFont typeface="Arial" panose="020B0604020202020204" pitchFamily="34" charset="0"/>
-              <a:buChar char="•"/>
-            </a:pPr>
-            <a:r>
-              <a:rPr lang="en-US" sz="1200" kern="1200" dirty="0" smtClean="0">
-                <a:solidFill>
-                  <a:schemeClr val="tx1"/>
-                </a:solidFill>
-                <a:effectLst/>
-                <a:latin typeface="+mn-lt"/>
-                <a:ea typeface="+mn-ea"/>
-                <a:cs typeface="+mn-cs"/>
-              </a:rPr>
-              <a:t>What is the difference between a value and reference type?</a:t>
-            </a:r>
-          </a:p>
-          <a:p>
-            <a:pPr marL="171450" lvl="0" indent="-171450">
-              <a:buFont typeface="Arial" panose="020B0604020202020204" pitchFamily="34" charset="0"/>
-              <a:buChar char="•"/>
-            </a:pPr>
-            <a:r>
-              <a:rPr lang="en-US" sz="1200" kern="1200" dirty="0" smtClean="0">
-                <a:solidFill>
-                  <a:schemeClr val="tx1"/>
-                </a:solidFill>
-                <a:effectLst/>
-                <a:latin typeface="+mn-lt"/>
-                <a:ea typeface="+mn-ea"/>
-                <a:cs typeface="+mn-cs"/>
-              </a:rPr>
-              <a:t>Is </a:t>
-            </a:r>
-            <a:r>
-              <a:rPr lang="en-US" sz="1200" kern="1200" dirty="0" err="1" smtClean="0">
-                <a:solidFill>
-                  <a:schemeClr val="tx1"/>
-                </a:solidFill>
-                <a:effectLst/>
-                <a:latin typeface="+mn-lt"/>
-                <a:ea typeface="+mn-ea"/>
-                <a:cs typeface="+mn-cs"/>
-              </a:rPr>
-              <a:t>int</a:t>
-            </a:r>
-            <a:r>
-              <a:rPr lang="en-US" sz="1200" kern="1200" dirty="0" smtClean="0">
-                <a:solidFill>
-                  <a:schemeClr val="tx1"/>
-                </a:solidFill>
-                <a:effectLst/>
-                <a:latin typeface="+mn-lt"/>
-                <a:ea typeface="+mn-ea"/>
-                <a:cs typeface="+mn-cs"/>
-              </a:rPr>
-              <a:t> a value or reference type?  What about string?</a:t>
-            </a:r>
-          </a:p>
-          <a:p>
-            <a:pPr marL="171450" lvl="0" indent="-171450">
-              <a:buFont typeface="Arial" panose="020B0604020202020204" pitchFamily="34" charset="0"/>
-              <a:buChar char="•"/>
-            </a:pPr>
-            <a:r>
-              <a:rPr lang="en-US" sz="1200" kern="1200" dirty="0" smtClean="0">
-                <a:solidFill>
-                  <a:schemeClr val="tx1"/>
-                </a:solidFill>
-                <a:effectLst/>
-                <a:latin typeface="+mn-lt"/>
-                <a:ea typeface="+mn-ea"/>
-                <a:cs typeface="+mn-cs"/>
-              </a:rPr>
-              <a:t>Write on the board a declaration of an array and initialize in with the numbers 1 to 3.</a:t>
-            </a:r>
-          </a:p>
-          <a:p>
-            <a:pPr marL="171450" lvl="0" indent="-171450">
-              <a:buFont typeface="Arial" panose="020B0604020202020204" pitchFamily="34" charset="0"/>
-              <a:buChar char="•"/>
-            </a:pPr>
-            <a:r>
-              <a:rPr lang="en-US" sz="1200" kern="1200" dirty="0" smtClean="0">
-                <a:solidFill>
-                  <a:schemeClr val="tx1"/>
-                </a:solidFill>
-                <a:effectLst/>
-                <a:latin typeface="+mn-lt"/>
-                <a:ea typeface="+mn-ea"/>
-                <a:cs typeface="+mn-cs"/>
-              </a:rPr>
-              <a:t>Write a while loop that loops through an integer array 1 to 3 and writes each number to the console.</a:t>
-            </a:r>
-          </a:p>
-          <a:p>
-            <a:pPr marL="171450" lvl="0" indent="-171450">
-              <a:buFont typeface="Arial" panose="020B0604020202020204" pitchFamily="34" charset="0"/>
-              <a:buChar char="•"/>
-            </a:pPr>
-            <a:r>
-              <a:rPr lang="en-US" sz="1200" kern="1200" dirty="0" smtClean="0">
-                <a:solidFill>
-                  <a:schemeClr val="tx1"/>
-                </a:solidFill>
-                <a:effectLst/>
-                <a:latin typeface="+mn-lt"/>
-                <a:ea typeface="+mn-ea"/>
-                <a:cs typeface="+mn-cs"/>
-              </a:rPr>
-              <a:t>Write a do while loop that loops through an integer array 1 to 3 and writes each number to the console.</a:t>
-            </a:r>
-          </a:p>
-          <a:p>
-            <a:pPr marL="171450" lvl="0" indent="-171450">
-              <a:buFont typeface="Arial" panose="020B0604020202020204" pitchFamily="34" charset="0"/>
-              <a:buChar char="•"/>
-            </a:pPr>
-            <a:r>
-              <a:rPr lang="en-US" sz="1200" kern="1200" dirty="0" smtClean="0">
-                <a:solidFill>
-                  <a:schemeClr val="tx1"/>
-                </a:solidFill>
-                <a:effectLst/>
-                <a:latin typeface="+mn-lt"/>
-                <a:ea typeface="+mn-ea"/>
-                <a:cs typeface="+mn-cs"/>
-              </a:rPr>
-              <a:t>Write a for loop that loops through an integer array 1 to 3 and writes each number to the console.</a:t>
-            </a:r>
-          </a:p>
-          <a:p>
-            <a:pPr marL="171450" lvl="0" indent="-171450">
-              <a:buFont typeface="Arial" panose="020B0604020202020204" pitchFamily="34" charset="0"/>
-              <a:buChar char="•"/>
-            </a:pPr>
-            <a:r>
-              <a:rPr lang="en-US" sz="1200" kern="1200" dirty="0" smtClean="0">
-                <a:solidFill>
-                  <a:schemeClr val="tx1"/>
-                </a:solidFill>
-                <a:effectLst/>
-                <a:latin typeface="+mn-lt"/>
-                <a:ea typeface="+mn-ea"/>
-                <a:cs typeface="+mn-cs"/>
-              </a:rPr>
-              <a:t>Write a </a:t>
-            </a:r>
-            <a:r>
-              <a:rPr lang="en-US" sz="1200" kern="1200" dirty="0" err="1" smtClean="0">
-                <a:solidFill>
-                  <a:schemeClr val="tx1"/>
-                </a:solidFill>
-                <a:effectLst/>
-                <a:latin typeface="+mn-lt"/>
-                <a:ea typeface="+mn-ea"/>
-                <a:cs typeface="+mn-cs"/>
-              </a:rPr>
-              <a:t>foreach</a:t>
-            </a:r>
-            <a:r>
-              <a:rPr lang="en-US" sz="1200" kern="1200" dirty="0" smtClean="0">
-                <a:solidFill>
-                  <a:schemeClr val="tx1"/>
-                </a:solidFill>
-                <a:effectLst/>
-                <a:latin typeface="+mn-lt"/>
-                <a:ea typeface="+mn-ea"/>
-                <a:cs typeface="+mn-cs"/>
-              </a:rPr>
-              <a:t> loop that loops through an integer array 1 to 3 and writes each number to the console.</a:t>
-            </a:r>
-          </a:p>
-          <a:p>
-            <a:pPr marL="457200" lvl="1" indent="0">
-              <a:buFont typeface="Arial" panose="020B0604020202020204" pitchFamily="34" charset="0"/>
-              <a:buNone/>
-            </a:pPr>
+            <a:r>
+              <a:rPr lang="en-US" dirty="0" smtClean="0"/>
+              <a:t>Let’s go through some examples</a:t>
+            </a:r>
             <a:endParaRPr lang="en-US" dirty="0"/>
           </a:p>
         </p:txBody>
@@ -4219,9 +3911,9 @@
           <a:bodyPr/>
           <a:lstStyle/>
           <a:p>
-            <a:fld id="{226FA58D-4B12-4E7B-A2FA-693CE3EACDFD}" type="slidenum">
+            <a:fld id="{EFF2A19C-273D-4352-BCC0-8BB0C7A8A8F7}" type="slidenum">
               <a:rPr lang="en-US" smtClean="0"/>
-              <a:t>34</a:t>
+              <a:t>33</a:t>
             </a:fld>
             <a:endParaRPr lang="en-US"/>
           </a:p>
@@ -4230,7 +3922,7 @@
     </p:spTree>
     <p:extLst>
       <p:ext uri="{BB962C8B-B14F-4D97-AF65-F5344CB8AC3E}">
-        <p14:creationId xmlns:p14="http://schemas.microsoft.com/office/powerpoint/2010/main" val="3207075328"/>
+        <p14:creationId xmlns:p14="http://schemas.microsoft.com/office/powerpoint/2010/main" val="3826781240"/>
       </p:ext>
     </p:extLst>
   </p:cSld>
@@ -4284,10 +3976,93 @@
           <a:bodyPr/>
           <a:lstStyle/>
           <a:p>
-            <a:pPr marL="171450" indent="-171450">
+            <a:pPr marL="181240" indent="-181240">
               <a:buFont typeface="Arial" panose="020B0604020202020204" pitchFamily="34" charset="0"/>
               <a:buChar char="•"/>
             </a:pPr>
+            <a:r>
+              <a:rPr lang="en-US" sz="1300" dirty="0"/>
+              <a:t>What is the difference between a value and reference type?</a:t>
+            </a:r>
+          </a:p>
+          <a:p>
+            <a:pPr marL="181240" indent="-181240">
+              <a:buFont typeface="Arial" panose="020B0604020202020204" pitchFamily="34" charset="0"/>
+              <a:buChar char="•"/>
+            </a:pPr>
+            <a:r>
+              <a:rPr lang="en-US" sz="1300" dirty="0"/>
+              <a:t>Is </a:t>
+            </a:r>
+            <a:r>
+              <a:rPr lang="en-US" sz="1300" dirty="0" err="1"/>
+              <a:t>int</a:t>
+            </a:r>
+            <a:r>
+              <a:rPr lang="en-US" sz="1300" dirty="0"/>
+              <a:t> a value or reference type?  What about string?</a:t>
+            </a:r>
+          </a:p>
+          <a:p>
+            <a:pPr marL="181240" indent="-181240">
+              <a:buFont typeface="Arial" panose="020B0604020202020204" pitchFamily="34" charset="0"/>
+              <a:buChar char="•"/>
+            </a:pPr>
+            <a:r>
+              <a:rPr lang="en-US" sz="1300" dirty="0"/>
+              <a:t>Write on the board a declaration of an array and initialize in with the numbers 1 to 3.</a:t>
+            </a:r>
+          </a:p>
+          <a:p>
+            <a:pPr marL="181240" indent="-181240">
+              <a:buFont typeface="Arial" panose="020B0604020202020204" pitchFamily="34" charset="0"/>
+              <a:buChar char="•"/>
+            </a:pPr>
+            <a:r>
+              <a:rPr lang="en-US" sz="1300" dirty="0"/>
+              <a:t>Write a while loop that loops through an integer array 1 to 3 and writes each number to the console.</a:t>
+            </a:r>
+          </a:p>
+          <a:p>
+            <a:pPr marL="181240" indent="-181240">
+              <a:buFont typeface="Arial" panose="020B0604020202020204" pitchFamily="34" charset="0"/>
+              <a:buChar char="•"/>
+            </a:pPr>
+            <a:r>
+              <a:rPr lang="en-US" sz="1300" dirty="0"/>
+              <a:t>Write a do while loop that loops through an integer array 1 to 3 and writes each number to the console.</a:t>
+            </a:r>
+          </a:p>
+          <a:p>
+            <a:pPr marL="181240" indent="-181240">
+              <a:buFont typeface="Arial" panose="020B0604020202020204" pitchFamily="34" charset="0"/>
+              <a:buChar char="•"/>
+            </a:pPr>
+            <a:r>
+              <a:rPr lang="en-US" sz="1300" dirty="0"/>
+              <a:t>Write a for loop that loops through an integer array 1 to 3 and writes each number to the console.</a:t>
+            </a:r>
+          </a:p>
+          <a:p>
+            <a:pPr marL="181240" indent="-181240">
+              <a:buFont typeface="Arial" panose="020B0604020202020204" pitchFamily="34" charset="0"/>
+              <a:buChar char="•"/>
+            </a:pPr>
+            <a:r>
+              <a:rPr lang="en-US" sz="1300" dirty="0"/>
+              <a:t>Write a </a:t>
+            </a:r>
+            <a:r>
+              <a:rPr lang="en-US" sz="1300" dirty="0" err="1"/>
+              <a:t>foreach</a:t>
+            </a:r>
+            <a:r>
+              <a:rPr lang="en-US" sz="1300" dirty="0"/>
+              <a:t> loop that loops through an integer array 1 to 3 and writes each number to the console.</a:t>
+            </a:r>
+          </a:p>
+          <a:p>
+            <a:pPr marL="483306" lvl="1"/>
             <a:endParaRPr lang="en-US" dirty="0"/>
           </a:p>
         </p:txBody>
@@ -4309,7 +4084,7 @@
           <a:p>
             <a:fld id="{226FA58D-4B12-4E7B-A2FA-693CE3EACDFD}" type="slidenum">
               <a:rPr lang="en-US" smtClean="0"/>
-              <a:t>35</a:t>
+              <a:t>34</a:t>
             </a:fld>
             <a:endParaRPr lang="en-US"/>
           </a:p>
@@ -4318,7 +4093,7 @@
     </p:spTree>
     <p:extLst>
       <p:ext uri="{BB962C8B-B14F-4D97-AF65-F5344CB8AC3E}">
-        <p14:creationId xmlns:p14="http://schemas.microsoft.com/office/powerpoint/2010/main" val="302028945"/>
+        <p14:creationId xmlns:p14="http://schemas.microsoft.com/office/powerpoint/2010/main" val="3207075328"/>
       </p:ext>
     </p:extLst>
   </p:cSld>
@@ -4372,149 +4147,11 @@
           <a:bodyPr/>
           <a:lstStyle/>
           <a:p>
-            <a:pPr marL="171450" indent="-171450">
+            <a:pPr marL="181240" indent="-181240">
               <a:buFont typeface="Arial" panose="020B0604020202020204" pitchFamily="34" charset="0"/>
               <a:buChar char="•"/>
             </a:pPr>
-            <a:r>
-              <a:rPr lang="en-US" sz="1200" dirty="0" smtClean="0"/>
-              <a:t>It would be difficult to deal with code</a:t>
-            </a:r>
-            <a:r>
-              <a:rPr lang="en-US" sz="1200" baseline="0" dirty="0" smtClean="0"/>
-              <a:t> that just went on endlessly.</a:t>
-            </a:r>
-            <a:endParaRPr lang="en-US" sz="1200" dirty="0" smtClean="0"/>
-          </a:p>
-          <a:p>
-            <a:pPr marL="171450" indent="-171450">
-              <a:buFont typeface="Arial" panose="020B0604020202020204" pitchFamily="34" charset="0"/>
-              <a:buChar char="•"/>
-            </a:pPr>
-            <a:r>
-              <a:rPr lang="en-US" sz="1200" dirty="0" smtClean="0"/>
-              <a:t>Therefore, code is broken down into methods</a:t>
-            </a:r>
-          </a:p>
-          <a:p>
-            <a:pPr marL="171450" indent="-171450">
-              <a:buFont typeface="Arial" panose="020B0604020202020204" pitchFamily="34" charset="0"/>
-              <a:buChar char="•"/>
-            </a:pPr>
-            <a:r>
-              <a:rPr lang="en-US" sz="1200" dirty="0" smtClean="0"/>
-              <a:t>Methods should</a:t>
-            </a:r>
-            <a:r>
-              <a:rPr lang="en-US" sz="1200" baseline="0" dirty="0" smtClean="0"/>
-              <a:t> be</a:t>
-            </a:r>
-            <a:r>
-              <a:rPr lang="en-US" sz="1200" dirty="0" smtClean="0"/>
-              <a:t> small and manageable</a:t>
-            </a:r>
-          </a:p>
-          <a:p>
-            <a:pPr marL="171450" indent="-171450">
-              <a:buFont typeface="Arial" panose="020B0604020202020204" pitchFamily="34" charset="0"/>
-              <a:buChar char="•"/>
-            </a:pPr>
-            <a:r>
-              <a:rPr lang="en-US" sz="1200" dirty="0" smtClean="0"/>
-              <a:t>Methods are statements grouped into cohesive actions</a:t>
-            </a:r>
-          </a:p>
-          <a:p>
-            <a:pPr marL="171450" indent="-171450">
-              <a:buFont typeface="Arial" panose="020B0604020202020204" pitchFamily="34" charset="0"/>
-              <a:buChar char="•"/>
-            </a:pPr>
-            <a:r>
-              <a:rPr lang="en-US" sz="1200" dirty="0" smtClean="0"/>
-              <a:t>Methods are reusable.  You can call them multiple</a:t>
-            </a:r>
-            <a:r>
-              <a:rPr lang="en-US" sz="1200" baseline="0" dirty="0" smtClean="0"/>
-              <a:t> times without re-writing them.</a:t>
-            </a:r>
-            <a:endParaRPr lang="en-US" sz="1200" dirty="0" smtClean="0"/>
-          </a:p>
-          <a:p>
-            <a:pPr marL="171450" indent="-171450">
-              <a:buFont typeface="Arial" panose="020B0604020202020204" pitchFamily="34" charset="0"/>
-              <a:buChar char="•"/>
-            </a:pPr>
-            <a:r>
-              <a:rPr lang="en-US" sz="1200" dirty="0" smtClean="0"/>
-              <a:t>Functions are methods that return a value</a:t>
-            </a:r>
-          </a:p>
-          <a:p>
-            <a:pPr marL="628650" lvl="1" indent="-171450">
-              <a:buFont typeface="Arial" panose="020B0604020202020204" pitchFamily="34" charset="0"/>
-              <a:buChar char="•"/>
-            </a:pPr>
-            <a:r>
-              <a:rPr lang="en-US" sz="1200" dirty="0" smtClean="0"/>
-              <a:t>Only one value</a:t>
-            </a:r>
-            <a:r>
-              <a:rPr lang="en-US" sz="1200" baseline="0" dirty="0" smtClean="0"/>
-              <a:t> can be returned from a function.</a:t>
-            </a:r>
-            <a:endParaRPr lang="en-US" sz="1200" dirty="0" smtClean="0"/>
-          </a:p>
-          <a:p>
-            <a:pPr marL="171450" indent="-171450">
-              <a:buFont typeface="Arial" panose="020B0604020202020204" pitchFamily="34" charset="0"/>
-              <a:buChar char="•"/>
-            </a:pPr>
-            <a:r>
-              <a:rPr lang="en-US" sz="1200" dirty="0" smtClean="0"/>
-              <a:t>Void methods do not return a value</a:t>
-            </a:r>
-          </a:p>
-          <a:p>
-            <a:pPr marL="171450" indent="-171450">
-              <a:buFont typeface="Arial" panose="020B0604020202020204" pitchFamily="34" charset="0"/>
-              <a:buChar char="•"/>
-            </a:pPr>
-            <a:r>
-              <a:rPr lang="en-US" sz="1200" dirty="0" smtClean="0"/>
-              <a:t>Methods can have parameters, which are values passed to the method to be used inside of the method.</a:t>
-            </a:r>
-          </a:p>
-          <a:p>
-            <a:pPr marL="171450" indent="-171450">
-              <a:buFont typeface="Arial" panose="020B0604020202020204" pitchFamily="34" charset="0"/>
-              <a:buChar char="•"/>
-            </a:pPr>
-            <a:r>
-              <a:rPr lang="en-US" sz="1200" dirty="0" smtClean="0"/>
-              <a:t>You can overload a method which</a:t>
-            </a:r>
-            <a:r>
-              <a:rPr lang="en-US" sz="1200" baseline="0" dirty="0" smtClean="0"/>
-              <a:t> means to have two methods with the same name.</a:t>
-            </a:r>
-          </a:p>
-          <a:p>
-            <a:pPr marL="628650" lvl="1" indent="-171450">
-              <a:buFont typeface="Arial" panose="020B0604020202020204" pitchFamily="34" charset="0"/>
-              <a:buChar char="•"/>
-            </a:pPr>
-            <a:r>
-              <a:rPr lang="en-US" sz="1200" baseline="0" dirty="0" smtClean="0"/>
-              <a:t>If you do, it requires parameter types or the number of parameters (the signature) to be different.</a:t>
-            </a:r>
-            <a:endParaRPr lang="en-US" sz="1200" dirty="0" smtClean="0"/>
-          </a:p>
-          <a:p>
-            <a:pPr marL="171450" indent="-171450">
-              <a:buFont typeface="Arial" panose="020B0604020202020204" pitchFamily="34" charset="0"/>
-              <a:buChar char="•"/>
-            </a:pPr>
-            <a:endParaRPr lang="en-US" baseline="0" dirty="0" smtClean="0"/>
+            <a:endParaRPr lang="en-US" dirty="0"/>
           </a:p>
         </p:txBody>
       </p:sp>
@@ -4533,9 +4170,9 @@
           <a:bodyPr/>
           <a:lstStyle/>
           <a:p>
-            <a:fld id="{90562276-63C7-43F9-8E9E-CFA137F6F839}" type="slidenum">
+            <a:fld id="{226FA58D-4B12-4E7B-A2FA-693CE3EACDFD}" type="slidenum">
               <a:rPr lang="en-US" smtClean="0"/>
-              <a:t>36</a:t>
+              <a:t>35</a:t>
             </a:fld>
             <a:endParaRPr lang="en-US"/>
           </a:p>
@@ -4544,7 +4181,7 @@
     </p:spTree>
     <p:extLst>
       <p:ext uri="{BB962C8B-B14F-4D97-AF65-F5344CB8AC3E}">
-        <p14:creationId xmlns:p14="http://schemas.microsoft.com/office/powerpoint/2010/main" val="3231557450"/>
+        <p14:creationId xmlns:p14="http://schemas.microsoft.com/office/powerpoint/2010/main" val="302028945"/>
       </p:ext>
     </p:extLst>
   </p:cSld>
@@ -4598,64 +4235,121 @@
           <a:bodyPr/>
           <a:lstStyle/>
           <a:p>
-            <a:pPr marL="171450" indent="-171450">
+            <a:pPr marL="181240" indent="-181240">
               <a:buFont typeface="Arial" panose="020B0604020202020204" pitchFamily="34" charset="0"/>
               <a:buChar char="•"/>
             </a:pPr>
             <a:r>
-              <a:rPr lang="en-US" baseline="0" dirty="0" smtClean="0"/>
-              <a:t>This is the general syntax for a method.</a:t>
-            </a:r>
-          </a:p>
-          <a:p>
-            <a:pPr marL="628650" lvl="1" indent="-171450">
+              <a:rPr lang="en-US" sz="1300" dirty="0"/>
+              <a:t>It would be difficult to deal with code that just went on endlessly.</a:t>
+            </a:r>
+          </a:p>
+          <a:p>
+            <a:pPr marL="181240" indent="-181240">
               <a:buFont typeface="Arial" panose="020B0604020202020204" pitchFamily="34" charset="0"/>
               <a:buChar char="•"/>
             </a:pPr>
             <a:r>
-              <a:rPr lang="en-US" baseline="0" dirty="0" smtClean="0"/>
-              <a:t>The access modifier we will talk about later.</a:t>
-            </a:r>
-          </a:p>
-          <a:p>
-            <a:pPr marL="628650" lvl="1" indent="-171450">
+              <a:rPr lang="en-US" sz="1300" dirty="0"/>
+              <a:t>Therefore, code is broken down into methods</a:t>
+            </a:r>
+          </a:p>
+          <a:p>
+            <a:pPr marL="181240" indent="-181240">
               <a:buFont typeface="Arial" panose="020B0604020202020204" pitchFamily="34" charset="0"/>
               <a:buChar char="•"/>
             </a:pPr>
             <a:r>
-              <a:rPr lang="en-US" baseline="0" dirty="0" smtClean="0"/>
-              <a:t>The return type is the type that should be returned.  If there is no value to be returned then void should be used.</a:t>
-            </a:r>
-          </a:p>
-          <a:p>
-            <a:pPr marL="628650" lvl="1" indent="-171450">
+              <a:rPr lang="en-US" sz="1300" dirty="0"/>
+              <a:t>Methods should be small and manageable</a:t>
+            </a:r>
+          </a:p>
+          <a:p>
+            <a:pPr marL="181240" indent="-181240">
               <a:buFont typeface="Arial" panose="020B0604020202020204" pitchFamily="34" charset="0"/>
               <a:buChar char="•"/>
             </a:pPr>
             <a:r>
-              <a:rPr lang="en-US" baseline="0" dirty="0" smtClean="0"/>
-              <a:t>Next comes the name of the method.</a:t>
-            </a:r>
-          </a:p>
-          <a:p>
-            <a:pPr marL="628650" lvl="1" indent="-171450">
+              <a:rPr lang="en-US" sz="1300" dirty="0"/>
+              <a:t>Methods are statements grouped into cohesive actions</a:t>
+            </a:r>
+          </a:p>
+          <a:p>
+            <a:pPr marL="181240" indent="-181240">
               <a:buFont typeface="Arial" panose="020B0604020202020204" pitchFamily="34" charset="0"/>
               <a:buChar char="•"/>
             </a:pPr>
             <a:r>
-              <a:rPr lang="en-US" baseline="0" dirty="0" smtClean="0"/>
-              <a:t>After put in the parameters comma separated within the parenthesis ().</a:t>
-            </a:r>
-          </a:p>
-          <a:p>
-            <a:pPr marL="1085850" lvl="2" indent="-171450">
+              <a:rPr lang="en-US" sz="1300" dirty="0"/>
+              <a:t>Methods are reusable.  You can call them multiple times without re-writing them.</a:t>
+            </a:r>
+          </a:p>
+          <a:p>
+            <a:pPr marL="181240" indent="-181240">
               <a:buFont typeface="Arial" panose="020B0604020202020204" pitchFamily="34" charset="0"/>
               <a:buChar char="•"/>
             </a:pPr>
             <a:r>
-              <a:rPr lang="en-US" baseline="0" dirty="0" smtClean="0"/>
-              <a:t>The parameters should be listed with the type followed by the parameter name.</a:t>
-            </a:r>
+              <a:rPr lang="en-US" sz="1300" dirty="0"/>
+              <a:t>Functions are methods that return a value</a:t>
+            </a:r>
+          </a:p>
+          <a:p>
+            <a:pPr marL="664546" lvl="1" indent="-181240">
+              <a:buFont typeface="Arial" panose="020B0604020202020204" pitchFamily="34" charset="0"/>
+              <a:buChar char="•"/>
+            </a:pPr>
+            <a:r>
+              <a:rPr lang="en-US" sz="1300" dirty="0"/>
+              <a:t>Only one value can be returned from a function.</a:t>
+            </a:r>
+          </a:p>
+          <a:p>
+            <a:pPr marL="181240" indent="-181240">
+              <a:buFont typeface="Arial" panose="020B0604020202020204" pitchFamily="34" charset="0"/>
+              <a:buChar char="•"/>
+            </a:pPr>
+            <a:r>
+              <a:rPr lang="en-US" sz="1300" dirty="0"/>
+              <a:t>Void methods do not return a value</a:t>
+            </a:r>
+          </a:p>
+          <a:p>
+            <a:pPr marL="181240" indent="-181240">
+              <a:buFont typeface="Arial" panose="020B0604020202020204" pitchFamily="34" charset="0"/>
+              <a:buChar char="•"/>
+            </a:pPr>
+            <a:r>
+              <a:rPr lang="en-US" sz="1300" dirty="0"/>
+              <a:t>Methods can have parameters, which are values passed to the method to be used inside of the method.</a:t>
+            </a:r>
+          </a:p>
+          <a:p>
+            <a:pPr marL="181240" indent="-181240">
+              <a:buFont typeface="Arial" panose="020B0604020202020204" pitchFamily="34" charset="0"/>
+              <a:buChar char="•"/>
+            </a:pPr>
+            <a:r>
+              <a:rPr lang="en-US" sz="1300" dirty="0"/>
+              <a:t>You can overload a method which means to have two methods with the same name.</a:t>
+            </a:r>
+          </a:p>
+          <a:p>
+            <a:pPr marL="664546" lvl="1" indent="-181240">
+              <a:buFont typeface="Arial" panose="020B0604020202020204" pitchFamily="34" charset="0"/>
+              <a:buChar char="•"/>
+            </a:pPr>
+            <a:r>
+              <a:rPr lang="en-US" sz="1300" dirty="0"/>
+              <a:t>If you do, it requires parameter types or the number of parameters (the signature) to be different.</a:t>
+            </a:r>
+          </a:p>
+          <a:p>
+            <a:pPr marL="181240" indent="-181240">
+              <a:buFont typeface="Arial" panose="020B0604020202020204" pitchFamily="34" charset="0"/>
+              <a:buChar char="•"/>
+            </a:pPr>
+            <a:endParaRPr lang="en-US" baseline="0" dirty="0" smtClean="0"/>
           </a:p>
         </p:txBody>
       </p:sp>
@@ -4676,7 +4370,7 @@
           <a:p>
             <a:fld id="{90562276-63C7-43F9-8E9E-CFA137F6F839}" type="slidenum">
               <a:rPr lang="en-US" smtClean="0"/>
-              <a:t>37</a:t>
+              <a:t>36</a:t>
             </a:fld>
             <a:endParaRPr lang="en-US"/>
           </a:p>
@@ -4685,7 +4379,7 @@
     </p:spTree>
     <p:extLst>
       <p:ext uri="{BB962C8B-B14F-4D97-AF65-F5344CB8AC3E}">
-        <p14:creationId xmlns:p14="http://schemas.microsoft.com/office/powerpoint/2010/main" val="3422351768"/>
+        <p14:creationId xmlns:p14="http://schemas.microsoft.com/office/powerpoint/2010/main" val="3231557450"/>
       </p:ext>
     </p:extLst>
   </p:cSld>
@@ -4739,11 +4433,64 @@
           <a:bodyPr/>
           <a:lstStyle/>
           <a:p>
-            <a:r>
-              <a:rPr lang="en-US" dirty="0" smtClean="0"/>
-              <a:t>Let’s go through an example.</a:t>
-            </a:r>
-            <a:endParaRPr lang="en-US" dirty="0"/>
+            <a:pPr marL="181240" indent="-181240">
+              <a:buFont typeface="Arial" panose="020B0604020202020204" pitchFamily="34" charset="0"/>
+              <a:buChar char="•"/>
+            </a:pPr>
+            <a:r>
+              <a:rPr lang="en-US" baseline="0" dirty="0" smtClean="0"/>
+              <a:t>This is the general syntax for a method.</a:t>
+            </a:r>
+          </a:p>
+          <a:p>
+            <a:pPr marL="664546" lvl="1" indent="-181240">
+              <a:buFont typeface="Arial" panose="020B0604020202020204" pitchFamily="34" charset="0"/>
+              <a:buChar char="•"/>
+            </a:pPr>
+            <a:r>
+              <a:rPr lang="en-US" baseline="0" dirty="0" smtClean="0"/>
+              <a:t>The access modifier we will talk about later.</a:t>
+            </a:r>
+          </a:p>
+          <a:p>
+            <a:pPr marL="664546" lvl="1" indent="-181240">
+              <a:buFont typeface="Arial" panose="020B0604020202020204" pitchFamily="34" charset="0"/>
+              <a:buChar char="•"/>
+            </a:pPr>
+            <a:r>
+              <a:rPr lang="en-US" baseline="0" dirty="0" smtClean="0"/>
+              <a:t>The return type is the type that should be returned.  If there is no value to be returned then void should be used.</a:t>
+            </a:r>
+          </a:p>
+          <a:p>
+            <a:pPr marL="664546" lvl="1" indent="-181240">
+              <a:buFont typeface="Arial" panose="020B0604020202020204" pitchFamily="34" charset="0"/>
+              <a:buChar char="•"/>
+            </a:pPr>
+            <a:r>
+              <a:rPr lang="en-US" baseline="0" dirty="0" smtClean="0"/>
+              <a:t>Next comes the name of the method.</a:t>
+            </a:r>
+          </a:p>
+          <a:p>
+            <a:pPr marL="664546" lvl="1" indent="-181240">
+              <a:buFont typeface="Arial" panose="020B0604020202020204" pitchFamily="34" charset="0"/>
+              <a:buChar char="•"/>
+            </a:pPr>
+            <a:r>
+              <a:rPr lang="en-US" baseline="0" dirty="0" smtClean="0"/>
+              <a:t>After put in the parameters comma separated within the parenthesis ().</a:t>
+            </a:r>
+          </a:p>
+          <a:p>
+            <a:pPr marL="1147852" lvl="2" indent="-181240">
+              <a:buFont typeface="Arial" panose="020B0604020202020204" pitchFamily="34" charset="0"/>
+              <a:buChar char="•"/>
+            </a:pPr>
+            <a:r>
+              <a:rPr lang="en-US" baseline="0" dirty="0" smtClean="0"/>
+              <a:t>The parameters should be listed with the type followed by the parameter name.</a:t>
+            </a:r>
           </a:p>
         </p:txBody>
       </p:sp>
@@ -4762,9 +4509,9 @@
           <a:bodyPr/>
           <a:lstStyle/>
           <a:p>
-            <a:fld id="{347B1FF5-FCE8-499D-B296-D7493115F512}" type="slidenum">
+            <a:fld id="{90562276-63C7-43F9-8E9E-CFA137F6F839}" type="slidenum">
               <a:rPr lang="en-US" smtClean="0"/>
-              <a:t>38</a:t>
+              <a:t>37</a:t>
             </a:fld>
             <a:endParaRPr lang="en-US"/>
           </a:p>
@@ -4773,7 +4520,7 @@
     </p:spTree>
     <p:extLst>
       <p:ext uri="{BB962C8B-B14F-4D97-AF65-F5344CB8AC3E}">
-        <p14:creationId xmlns:p14="http://schemas.microsoft.com/office/powerpoint/2010/main" val="2338565182"/>
+        <p14:creationId xmlns:p14="http://schemas.microsoft.com/office/powerpoint/2010/main" val="3422351768"/>
       </p:ext>
     </p:extLst>
   </p:cSld>
@@ -4827,46 +4574,10 @@
           <a:bodyPr/>
           <a:lstStyle/>
           <a:p>
-            <a:pPr marL="171450" lvl="0" indent="-171450">
-              <a:buFont typeface="Arial" panose="020B0604020202020204" pitchFamily="34" charset="0"/>
-              <a:buChar char="•"/>
-            </a:pPr>
-            <a:r>
-              <a:rPr lang="en-US" sz="1200" kern="1200" dirty="0" smtClean="0">
-                <a:solidFill>
-                  <a:schemeClr val="tx1"/>
-                </a:solidFill>
-                <a:effectLst/>
-                <a:latin typeface="+mn-lt"/>
-                <a:ea typeface="+mn-ea"/>
-                <a:cs typeface="+mn-cs"/>
-              </a:rPr>
-              <a:t>Write a method definition that does not return anything and takes two integers as parameters.</a:t>
-            </a:r>
-          </a:p>
-          <a:p>
-            <a:pPr marL="171450" lvl="0" indent="-171450">
-              <a:buFont typeface="Arial" panose="020B0604020202020204" pitchFamily="34" charset="0"/>
-              <a:buChar char="•"/>
-            </a:pPr>
-            <a:r>
-              <a:rPr lang="en-US" sz="1200" kern="1200" dirty="0" smtClean="0">
-                <a:solidFill>
-                  <a:schemeClr val="tx1"/>
-                </a:solidFill>
-                <a:effectLst/>
-                <a:latin typeface="+mn-lt"/>
-                <a:ea typeface="+mn-ea"/>
-                <a:cs typeface="+mn-cs"/>
-              </a:rPr>
-              <a:t>Write a method definition that returns a string and takes two integers as parameters.</a:t>
-            </a:r>
-          </a:p>
-          <a:p>
-            <a:pPr marL="457200" lvl="1" indent="0">
-              <a:buFont typeface="Arial" panose="020B0604020202020204" pitchFamily="34" charset="0"/>
-              <a:buNone/>
-            </a:pPr>
+            <a:r>
+              <a:rPr lang="en-US" dirty="0" smtClean="0"/>
+              <a:t>Let’s go through an example.</a:t>
+            </a:r>
             <a:endParaRPr lang="en-US" dirty="0"/>
           </a:p>
         </p:txBody>
@@ -4886,9 +4597,9 @@
           <a:bodyPr/>
           <a:lstStyle/>
           <a:p>
-            <a:fld id="{226FA58D-4B12-4E7B-A2FA-693CE3EACDFD}" type="slidenum">
+            <a:fld id="{347B1FF5-FCE8-499D-B296-D7493115F512}" type="slidenum">
               <a:rPr lang="en-US" smtClean="0"/>
-              <a:t>39</a:t>
+              <a:t>38</a:t>
             </a:fld>
             <a:endParaRPr lang="en-US"/>
           </a:p>
@@ -4897,7 +4608,7 @@
     </p:spTree>
     <p:extLst>
       <p:ext uri="{BB962C8B-B14F-4D97-AF65-F5344CB8AC3E}">
-        <p14:creationId xmlns:p14="http://schemas.microsoft.com/office/powerpoint/2010/main" val="1447508955"/>
+        <p14:creationId xmlns:p14="http://schemas.microsoft.com/office/powerpoint/2010/main" val="2338565182"/>
       </p:ext>
     </p:extLst>
   </p:cSld>
@@ -4951,10 +4662,27 @@
           <a:bodyPr/>
           <a:lstStyle/>
           <a:p>
-            <a:pPr marL="171450" indent="-171450">
+            <a:pPr marL="181240" indent="-181240">
               <a:buFont typeface="Arial" panose="020B0604020202020204" pitchFamily="34" charset="0"/>
               <a:buChar char="•"/>
             </a:pPr>
+            <a:r>
+              <a:rPr lang="en-US" sz="1300" dirty="0"/>
+              <a:t>Write a method definition that does not return anything and takes two integers as parameters.</a:t>
+            </a:r>
+          </a:p>
+          <a:p>
+            <a:pPr marL="181240" indent="-181240">
+              <a:buFont typeface="Arial" panose="020B0604020202020204" pitchFamily="34" charset="0"/>
+              <a:buChar char="•"/>
+            </a:pPr>
+            <a:r>
+              <a:rPr lang="en-US" sz="1300" dirty="0"/>
+              <a:t>Write a method definition that returns a string and takes two integers as parameters.</a:t>
+            </a:r>
+          </a:p>
+          <a:p>
+            <a:pPr marL="483306" lvl="1"/>
             <a:endParaRPr lang="en-US" dirty="0"/>
           </a:p>
         </p:txBody>
@@ -4976,7 +4704,7 @@
           <a:p>
             <a:fld id="{226FA58D-4B12-4E7B-A2FA-693CE3EACDFD}" type="slidenum">
               <a:rPr lang="en-US" smtClean="0"/>
-              <a:t>40</a:t>
+              <a:t>39</a:t>
             </a:fld>
             <a:endParaRPr lang="en-US"/>
           </a:p>
@@ -4985,7 +4713,7 @@
     </p:spTree>
     <p:extLst>
       <p:ext uri="{BB962C8B-B14F-4D97-AF65-F5344CB8AC3E}">
-        <p14:creationId xmlns:p14="http://schemas.microsoft.com/office/powerpoint/2010/main" val="105931386"/>
+        <p14:creationId xmlns:p14="http://schemas.microsoft.com/office/powerpoint/2010/main" val="1447508955"/>
       </p:ext>
     </p:extLst>
   </p:cSld>
@@ -5039,11 +4767,143 @@
           <a:bodyPr/>
           <a:lstStyle/>
           <a:p>
-            <a:r>
-              <a:rPr lang="en-US" dirty="0" smtClean="0"/>
-              <a:t>Let’s go through an example.</a:t>
-            </a:r>
-            <a:endParaRPr lang="en-US" dirty="0"/>
+            <a:pPr marL="181240" indent="-181240">
+              <a:buFont typeface="Arial" panose="020B0604020202020204" pitchFamily="34" charset="0"/>
+              <a:buChar char="•"/>
+            </a:pPr>
+            <a:r>
+              <a:rPr lang="en-US" sz="1200" baseline="0" dirty="0" smtClean="0">
+                <a:latin typeface="+mn-lt"/>
+              </a:rPr>
+              <a:t>Here are some examples of using new within the CLI to create new projects.</a:t>
+            </a:r>
+          </a:p>
+          <a:p>
+            <a:pPr marL="181240" indent="-181240">
+              <a:buFont typeface="Arial" panose="020B0604020202020204" pitchFamily="34" charset="0"/>
+              <a:buChar char="•"/>
+            </a:pPr>
+            <a:r>
+              <a:rPr lang="en-US" sz="1200" dirty="0">
+                <a:latin typeface="+mn-lt"/>
+              </a:rPr>
+              <a:t>Console project:</a:t>
+            </a:r>
+          </a:p>
+          <a:p>
+            <a:pPr marL="664546" lvl="1" indent="-181240">
+              <a:buFont typeface="Arial" panose="020B0604020202020204" pitchFamily="34" charset="0"/>
+              <a:buChar char="•"/>
+            </a:pPr>
+            <a:r>
+              <a:rPr lang="en-US" sz="1200" dirty="0" err="1">
+                <a:latin typeface="+mn-lt"/>
+              </a:rPr>
+              <a:t>dotnet</a:t>
+            </a:r>
+            <a:r>
+              <a:rPr lang="en-US" sz="1200" dirty="0">
+                <a:latin typeface="+mn-lt"/>
+              </a:rPr>
+              <a:t> new console</a:t>
+            </a:r>
+          </a:p>
+          <a:p>
+            <a:pPr marL="181240" indent="-181240">
+              <a:buFont typeface="Arial" panose="020B0604020202020204" pitchFamily="34" charset="0"/>
+              <a:buChar char="•"/>
+            </a:pPr>
+            <a:r>
+              <a:rPr lang="en-US" sz="1200" dirty="0">
+                <a:latin typeface="+mn-lt"/>
+              </a:rPr>
+              <a:t>Class Library project:</a:t>
+            </a:r>
+          </a:p>
+          <a:p>
+            <a:pPr marL="664546" lvl="1" indent="-181240">
+              <a:buFont typeface="Arial" panose="020B0604020202020204" pitchFamily="34" charset="0"/>
+              <a:buChar char="•"/>
+            </a:pPr>
+            <a:r>
+              <a:rPr lang="en-US" sz="1200" dirty="0" err="1">
+                <a:latin typeface="+mn-lt"/>
+              </a:rPr>
+              <a:t>dotnet</a:t>
+            </a:r>
+            <a:r>
+              <a:rPr lang="en-US" sz="1200" dirty="0">
+                <a:latin typeface="+mn-lt"/>
+              </a:rPr>
+              <a:t> new </a:t>
+            </a:r>
+            <a:r>
+              <a:rPr lang="en-US" sz="1200" dirty="0" err="1">
+                <a:latin typeface="+mn-lt"/>
+              </a:rPr>
+              <a:t>classlib</a:t>
+            </a:r>
+            <a:endParaRPr lang="en-US" sz="1200" dirty="0">
+              <a:latin typeface="+mn-lt"/>
+            </a:endParaRPr>
+          </a:p>
+          <a:p>
+            <a:pPr marL="181240" indent="-181240">
+              <a:buFont typeface="Arial" panose="020B0604020202020204" pitchFamily="34" charset="0"/>
+              <a:buChar char="•"/>
+            </a:pPr>
+            <a:r>
+              <a:rPr lang="en-US" sz="1200" dirty="0">
+                <a:latin typeface="+mn-lt"/>
+              </a:rPr>
+              <a:t>Web API project:</a:t>
+            </a:r>
+          </a:p>
+          <a:p>
+            <a:pPr marL="664546" lvl="1" indent="-181240">
+              <a:buFont typeface="Arial" panose="020B0604020202020204" pitchFamily="34" charset="0"/>
+              <a:buChar char="•"/>
+            </a:pPr>
+            <a:r>
+              <a:rPr lang="en-US" sz="1200" dirty="0" err="1">
+                <a:latin typeface="+mn-lt"/>
+              </a:rPr>
+              <a:t>dotnet</a:t>
+            </a:r>
+            <a:r>
+              <a:rPr lang="en-US" sz="1200" dirty="0">
+                <a:latin typeface="+mn-lt"/>
+              </a:rPr>
+              <a:t> new </a:t>
+            </a:r>
+            <a:r>
+              <a:rPr lang="en-US" sz="1200" dirty="0" err="1">
+                <a:latin typeface="+mn-lt"/>
+              </a:rPr>
+              <a:t>webapi</a:t>
+            </a:r>
+            <a:endParaRPr lang="en-US" sz="1200" dirty="0">
+              <a:latin typeface="+mn-lt"/>
+            </a:endParaRPr>
+          </a:p>
+          <a:p>
+            <a:pPr marL="181240" indent="-181240">
+              <a:buFont typeface="Arial" panose="020B0604020202020204" pitchFamily="34" charset="0"/>
+              <a:buChar char="•"/>
+            </a:pPr>
+            <a:r>
+              <a:rPr lang="en-US" sz="1200" dirty="0">
+                <a:latin typeface="+mn-lt"/>
+              </a:rPr>
+              <a:t>A full reference is available here:  https://docs.microsoft.com/en-us/dotnet/core/tools/dotnet-new?tabs=netcore2x</a:t>
+            </a:r>
+          </a:p>
+          <a:p>
+            <a:pPr marL="181240" indent="-181240">
+              <a:buFont typeface="Arial" panose="020B0604020202020204" pitchFamily="34" charset="0"/>
+              <a:buChar char="•"/>
+            </a:pPr>
+            <a:endParaRPr lang="en-US" baseline="0" dirty="0" smtClean="0"/>
           </a:p>
         </p:txBody>
       </p:sp>
@@ -5062,9 +4922,9 @@
           <a:bodyPr/>
           <a:lstStyle/>
           <a:p>
-            <a:fld id="{347B1FF5-FCE8-499D-B296-D7493115F512}" type="slidenum">
+            <a:fld id="{90562276-63C7-43F9-8E9E-CFA137F6F839}" type="slidenum">
               <a:rPr lang="en-US" smtClean="0"/>
-              <a:t>5</a:t>
+              <a:t>4</a:t>
             </a:fld>
             <a:endParaRPr lang="en-US"/>
           </a:p>
@@ -5073,7 +4933,7 @@
     </p:spTree>
     <p:extLst>
       <p:ext uri="{BB962C8B-B14F-4D97-AF65-F5344CB8AC3E}">
-        <p14:creationId xmlns:p14="http://schemas.microsoft.com/office/powerpoint/2010/main" val="2378868989"/>
+        <p14:creationId xmlns:p14="http://schemas.microsoft.com/office/powerpoint/2010/main" val="1264305192"/>
       </p:ext>
     </p:extLst>
   </p:cSld>
@@ -5127,72 +4987,11 @@
           <a:bodyPr/>
           <a:lstStyle/>
           <a:p>
-            <a:pPr marL="171450" indent="-171450">
+            <a:pPr marL="181240" indent="-181240">
               <a:buFont typeface="Arial" panose="020B0604020202020204" pitchFamily="34" charset="0"/>
               <a:buChar char="•"/>
             </a:pPr>
-            <a:r>
-              <a:rPr lang="en-US" baseline="0" dirty="0" smtClean="0"/>
-              <a:t>Generics allow for type safety while at the same time allowing the same code to work for multiple types.</a:t>
-            </a:r>
-          </a:p>
-          <a:p>
-            <a:pPr marL="171450" indent="-171450">
-              <a:buFont typeface="Arial" panose="020B0604020202020204" pitchFamily="34" charset="0"/>
-              <a:buChar char="•"/>
-            </a:pPr>
-            <a:r>
-              <a:rPr lang="en-US" baseline="0" dirty="0" smtClean="0"/>
-              <a:t>Needed in order to have logic be re-usable for different types otherwise, developers had to accept object.  This lead to a lot of boxing and unboxing.  Generics avoids this and keeps things type safe.</a:t>
-            </a:r>
-          </a:p>
-          <a:p>
-            <a:pPr marL="171450" indent="-171450">
-              <a:buFont typeface="Arial" panose="020B0604020202020204" pitchFamily="34" charset="0"/>
-              <a:buChar char="•"/>
-            </a:pPr>
-            <a:r>
-              <a:rPr lang="en-US" baseline="0" dirty="0" smtClean="0"/>
-              <a:t>Generics are used a lot with collections.</a:t>
-            </a:r>
-          </a:p>
-          <a:p>
-            <a:pPr marL="171450" indent="-171450">
-              <a:buFont typeface="Arial" panose="020B0604020202020204" pitchFamily="34" charset="0"/>
-              <a:buChar char="•"/>
-            </a:pPr>
-            <a:r>
-              <a:rPr lang="en-US" baseline="0" dirty="0" smtClean="0"/>
-              <a:t>Microsoft provides a number of generic collections within the </a:t>
-            </a:r>
-            <a:r>
-              <a:rPr lang="en-US" baseline="0" dirty="0" err="1" smtClean="0"/>
-              <a:t>System.Collections.Generic</a:t>
-            </a:r>
-            <a:r>
-              <a:rPr lang="en-US" baseline="0" dirty="0" smtClean="0"/>
-              <a:t> namespace</a:t>
-            </a:r>
-          </a:p>
-          <a:p>
-            <a:pPr marL="171450" indent="-171450">
-              <a:buFont typeface="Arial" panose="020B0604020202020204" pitchFamily="34" charset="0"/>
-              <a:buChar char="•"/>
-            </a:pPr>
-            <a:r>
-              <a:rPr lang="en-US" baseline="0" dirty="0" smtClean="0"/>
-              <a:t>An example is List.</a:t>
-            </a:r>
-          </a:p>
-          <a:p>
-            <a:pPr marL="171450" indent="-171450">
-              <a:buFont typeface="Arial" panose="020B0604020202020204" pitchFamily="34" charset="0"/>
-              <a:buChar char="•"/>
-            </a:pPr>
-            <a:r>
-              <a:rPr lang="en-US" baseline="0" dirty="0" smtClean="0"/>
-              <a:t>You can see here a list of string and then a list of integers both following the same code paths.</a:t>
-            </a:r>
+            <a:endParaRPr lang="en-US" dirty="0"/>
           </a:p>
         </p:txBody>
       </p:sp>
@@ -5211,9 +5010,9 @@
           <a:bodyPr/>
           <a:lstStyle/>
           <a:p>
-            <a:fld id="{90562276-63C7-43F9-8E9E-CFA137F6F839}" type="slidenum">
+            <a:fld id="{226FA58D-4B12-4E7B-A2FA-693CE3EACDFD}" type="slidenum">
               <a:rPr lang="en-US" smtClean="0"/>
-              <a:t>41</a:t>
+              <a:t>40</a:t>
             </a:fld>
             <a:endParaRPr lang="en-US"/>
           </a:p>
@@ -5222,7 +5021,7 @@
     </p:spTree>
     <p:extLst>
       <p:ext uri="{BB962C8B-B14F-4D97-AF65-F5344CB8AC3E}">
-        <p14:creationId xmlns:p14="http://schemas.microsoft.com/office/powerpoint/2010/main" val="949424209"/>
+        <p14:creationId xmlns:p14="http://schemas.microsoft.com/office/powerpoint/2010/main" val="105931386"/>
       </p:ext>
     </p:extLst>
   </p:cSld>
@@ -5276,11 +5075,72 @@
           <a:bodyPr/>
           <a:lstStyle/>
           <a:p>
-            <a:r>
-              <a:rPr lang="en-US" dirty="0" smtClean="0"/>
-              <a:t>Let’s go through an example.</a:t>
-            </a:r>
-            <a:endParaRPr lang="en-US" dirty="0"/>
+            <a:pPr marL="181240" indent="-181240">
+              <a:buFont typeface="Arial" panose="020B0604020202020204" pitchFamily="34" charset="0"/>
+              <a:buChar char="•"/>
+            </a:pPr>
+            <a:r>
+              <a:rPr lang="en-US" baseline="0" dirty="0" smtClean="0"/>
+              <a:t>Generics allow for type safety while at the same time allowing the same code to work for multiple types.</a:t>
+            </a:r>
+          </a:p>
+          <a:p>
+            <a:pPr marL="181240" indent="-181240">
+              <a:buFont typeface="Arial" panose="020B0604020202020204" pitchFamily="34" charset="0"/>
+              <a:buChar char="•"/>
+            </a:pPr>
+            <a:r>
+              <a:rPr lang="en-US" baseline="0" dirty="0" smtClean="0"/>
+              <a:t>Needed in order to have logic be re-usable for different types otherwise, developers had to accept object.  This lead to a lot of boxing and unboxing.  Generics avoids this and keeps things type safe.</a:t>
+            </a:r>
+          </a:p>
+          <a:p>
+            <a:pPr marL="181240" indent="-181240">
+              <a:buFont typeface="Arial" panose="020B0604020202020204" pitchFamily="34" charset="0"/>
+              <a:buChar char="•"/>
+            </a:pPr>
+            <a:r>
+              <a:rPr lang="en-US" baseline="0" dirty="0" smtClean="0"/>
+              <a:t>Generics are used a lot with collections.</a:t>
+            </a:r>
+          </a:p>
+          <a:p>
+            <a:pPr marL="181240" indent="-181240">
+              <a:buFont typeface="Arial" panose="020B0604020202020204" pitchFamily="34" charset="0"/>
+              <a:buChar char="•"/>
+            </a:pPr>
+            <a:r>
+              <a:rPr lang="en-US" baseline="0" dirty="0" smtClean="0"/>
+              <a:t>Microsoft provides a number of generic collections within the </a:t>
+            </a:r>
+            <a:r>
+              <a:rPr lang="en-US" baseline="0" dirty="0" err="1" smtClean="0"/>
+              <a:t>System.Collections.Generic</a:t>
+            </a:r>
+            <a:r>
+              <a:rPr lang="en-US" baseline="0" dirty="0" smtClean="0"/>
+              <a:t> namespace</a:t>
+            </a:r>
+          </a:p>
+          <a:p>
+            <a:pPr marL="181240" indent="-181240">
+              <a:buFont typeface="Arial" panose="020B0604020202020204" pitchFamily="34" charset="0"/>
+              <a:buChar char="•"/>
+            </a:pPr>
+            <a:r>
+              <a:rPr lang="en-US" baseline="0" dirty="0" smtClean="0"/>
+              <a:t>An example is List.</a:t>
+            </a:r>
+          </a:p>
+          <a:p>
+            <a:pPr marL="181240" indent="-181240">
+              <a:buFont typeface="Arial" panose="020B0604020202020204" pitchFamily="34" charset="0"/>
+              <a:buChar char="•"/>
+            </a:pPr>
+            <a:r>
+              <a:rPr lang="en-US" baseline="0" dirty="0" smtClean="0"/>
+              <a:t>You can see here a list of string and then a list of integers both following the same code paths.</a:t>
+            </a:r>
           </a:p>
         </p:txBody>
       </p:sp>
@@ -5299,9 +5159,9 @@
           <a:bodyPr/>
           <a:lstStyle/>
           <a:p>
-            <a:fld id="{347B1FF5-FCE8-499D-B296-D7493115F512}" type="slidenum">
+            <a:fld id="{90562276-63C7-43F9-8E9E-CFA137F6F839}" type="slidenum">
               <a:rPr lang="en-US" smtClean="0"/>
-              <a:t>42</a:t>
+              <a:t>41</a:t>
             </a:fld>
             <a:endParaRPr lang="en-US"/>
           </a:p>
@@ -5310,7 +5170,7 @@
     </p:spTree>
     <p:extLst>
       <p:ext uri="{BB962C8B-B14F-4D97-AF65-F5344CB8AC3E}">
-        <p14:creationId xmlns:p14="http://schemas.microsoft.com/office/powerpoint/2010/main" val="2391116335"/>
+        <p14:creationId xmlns:p14="http://schemas.microsoft.com/office/powerpoint/2010/main" val="949424209"/>
       </p:ext>
     </p:extLst>
   </p:cSld>
@@ -5364,46 +5224,10 @@
           <a:bodyPr/>
           <a:lstStyle/>
           <a:p>
-            <a:pPr marL="171450" lvl="0" indent="-171450">
-              <a:buFont typeface="Arial" panose="020B0604020202020204" pitchFamily="34" charset="0"/>
-              <a:buChar char="•"/>
-            </a:pPr>
-            <a:r>
-              <a:rPr lang="en-US" sz="1200" kern="1200" dirty="0" smtClean="0">
-                <a:solidFill>
-                  <a:schemeClr val="tx1"/>
-                </a:solidFill>
-                <a:effectLst/>
-                <a:latin typeface="+mn-lt"/>
-                <a:ea typeface="+mn-ea"/>
-                <a:cs typeface="+mn-cs"/>
-              </a:rPr>
-              <a:t>What is the advantage of using generics?</a:t>
-            </a:r>
-          </a:p>
-          <a:p>
-            <a:pPr marL="171450" lvl="0" indent="-171450">
-              <a:buFont typeface="Arial" panose="020B0604020202020204" pitchFamily="34" charset="0"/>
-              <a:buChar char="•"/>
-            </a:pPr>
-            <a:r>
-              <a:rPr lang="en-US" sz="1200" kern="1200" dirty="0" smtClean="0">
-                <a:solidFill>
-                  <a:schemeClr val="tx1"/>
-                </a:solidFill>
-                <a:effectLst/>
-                <a:latin typeface="+mn-lt"/>
-                <a:ea typeface="+mn-ea"/>
-                <a:cs typeface="+mn-cs"/>
-              </a:rPr>
-              <a:t>Write on the board a declaration of a generic list of integers and instantiate it.</a:t>
-            </a:r>
-          </a:p>
-          <a:p>
-            <a:pPr marL="457200" lvl="1" indent="0">
-              <a:buFont typeface="Arial" panose="020B0604020202020204" pitchFamily="34" charset="0"/>
-              <a:buNone/>
-            </a:pPr>
+            <a:r>
+              <a:rPr lang="en-US" dirty="0" smtClean="0"/>
+              <a:t>Let’s go through an example.</a:t>
+            </a:r>
             <a:endParaRPr lang="en-US" dirty="0"/>
           </a:p>
         </p:txBody>
@@ -5423,9 +5247,9 @@
           <a:bodyPr/>
           <a:lstStyle/>
           <a:p>
-            <a:fld id="{226FA58D-4B12-4E7B-A2FA-693CE3EACDFD}" type="slidenum">
+            <a:fld id="{347B1FF5-FCE8-499D-B296-D7493115F512}" type="slidenum">
               <a:rPr lang="en-US" smtClean="0"/>
-              <a:t>43</a:t>
+              <a:t>42</a:t>
             </a:fld>
             <a:endParaRPr lang="en-US"/>
           </a:p>
@@ -5434,7 +5258,7 @@
     </p:spTree>
     <p:extLst>
       <p:ext uri="{BB962C8B-B14F-4D97-AF65-F5344CB8AC3E}">
-        <p14:creationId xmlns:p14="http://schemas.microsoft.com/office/powerpoint/2010/main" val="334568281"/>
+        <p14:creationId xmlns:p14="http://schemas.microsoft.com/office/powerpoint/2010/main" val="2391116335"/>
       </p:ext>
     </p:extLst>
   </p:cSld>
@@ -5488,10 +5312,27 @@
           <a:bodyPr/>
           <a:lstStyle/>
           <a:p>
-            <a:pPr marL="171450" indent="-171450">
+            <a:pPr marL="181240" indent="-181240">
               <a:buFont typeface="Arial" panose="020B0604020202020204" pitchFamily="34" charset="0"/>
               <a:buChar char="•"/>
             </a:pPr>
+            <a:r>
+              <a:rPr lang="en-US" sz="1300" dirty="0"/>
+              <a:t>What is the advantage of using generics?</a:t>
+            </a:r>
+          </a:p>
+          <a:p>
+            <a:pPr marL="181240" indent="-181240">
+              <a:buFont typeface="Arial" panose="020B0604020202020204" pitchFamily="34" charset="0"/>
+              <a:buChar char="•"/>
+            </a:pPr>
+            <a:r>
+              <a:rPr lang="en-US" sz="1300" dirty="0"/>
+              <a:t>Write on the board a declaration of a generic list of integers and instantiate it.</a:t>
+            </a:r>
+          </a:p>
+          <a:p>
+            <a:pPr marL="483306" lvl="1"/>
             <a:endParaRPr lang="en-US" dirty="0"/>
           </a:p>
         </p:txBody>
@@ -5513,7 +5354,7 @@
           <a:p>
             <a:fld id="{226FA58D-4B12-4E7B-A2FA-693CE3EACDFD}" type="slidenum">
               <a:rPr lang="en-US" smtClean="0"/>
-              <a:t>44</a:t>
+              <a:t>43</a:t>
             </a:fld>
             <a:endParaRPr lang="en-US"/>
           </a:p>
@@ -5522,7 +5363,7 @@
     </p:spTree>
     <p:extLst>
       <p:ext uri="{BB962C8B-B14F-4D97-AF65-F5344CB8AC3E}">
-        <p14:creationId xmlns:p14="http://schemas.microsoft.com/office/powerpoint/2010/main" val="1625918740"/>
+        <p14:creationId xmlns:p14="http://schemas.microsoft.com/office/powerpoint/2010/main" val="334568281"/>
       </p:ext>
     </p:extLst>
   </p:cSld>
@@ -5576,190 +5417,10 @@
           <a:bodyPr/>
           <a:lstStyle/>
           <a:p>
-            <a:pPr marL="171450" lvl="0" indent="-171450">
+            <a:pPr marL="181240" indent="-181240">
               <a:buFont typeface="Arial" panose="020B0604020202020204" pitchFamily="34" charset="0"/>
               <a:buChar char="•"/>
             </a:pPr>
-            <a:r>
-              <a:rPr lang="en-US" sz="1200" kern="1200" dirty="0" smtClean="0">
-                <a:solidFill>
-                  <a:schemeClr val="tx1"/>
-                </a:solidFill>
-                <a:effectLst/>
-                <a:latin typeface="+mn-lt"/>
-                <a:ea typeface="+mn-ea"/>
-                <a:cs typeface="+mn-cs"/>
-              </a:rPr>
-              <a:t>Write on the board the command to create a new class library project.</a:t>
-            </a:r>
-          </a:p>
-          <a:p>
-            <a:pPr marL="171450" lvl="0" indent="-171450">
-              <a:buFont typeface="Arial" panose="020B0604020202020204" pitchFamily="34" charset="0"/>
-              <a:buChar char="•"/>
-            </a:pPr>
-            <a:r>
-              <a:rPr lang="en-US" sz="1200" kern="1200" dirty="0" smtClean="0">
-                <a:solidFill>
-                  <a:schemeClr val="tx1"/>
-                </a:solidFill>
-                <a:effectLst/>
-                <a:latin typeface="+mn-lt"/>
-                <a:ea typeface="+mn-ea"/>
-                <a:cs typeface="+mn-cs"/>
-              </a:rPr>
-              <a:t>What character ends every statement?</a:t>
-            </a:r>
-          </a:p>
-          <a:p>
-            <a:pPr marL="171450" lvl="0" indent="-171450">
-              <a:buFont typeface="Arial" panose="020B0604020202020204" pitchFamily="34" charset="0"/>
-              <a:buChar char="•"/>
-            </a:pPr>
-            <a:r>
-              <a:rPr lang="en-US" sz="1200" kern="1200" dirty="0" smtClean="0">
-                <a:solidFill>
-                  <a:schemeClr val="tx1"/>
-                </a:solidFill>
-                <a:effectLst/>
-                <a:latin typeface="+mn-lt"/>
-                <a:ea typeface="+mn-ea"/>
-                <a:cs typeface="+mn-cs"/>
-              </a:rPr>
-              <a:t>What characters are used to denote a statement block?</a:t>
-            </a:r>
-          </a:p>
-          <a:p>
-            <a:pPr marL="171450" lvl="0" indent="-171450">
-              <a:buFont typeface="Arial" panose="020B0604020202020204" pitchFamily="34" charset="0"/>
-              <a:buChar char="•"/>
-            </a:pPr>
-            <a:r>
-              <a:rPr lang="en-US" sz="1200" kern="1200" dirty="0" smtClean="0">
-                <a:solidFill>
-                  <a:schemeClr val="tx1"/>
-                </a:solidFill>
-                <a:effectLst/>
-                <a:latin typeface="+mn-lt"/>
-                <a:ea typeface="+mn-ea"/>
-                <a:cs typeface="+mn-cs"/>
-              </a:rPr>
-              <a:t>How is a single line comment specified?  Multi-line comment?</a:t>
-            </a:r>
-          </a:p>
-          <a:p>
-            <a:pPr marL="171450" lvl="0" indent="-171450">
-              <a:buFont typeface="Arial" panose="020B0604020202020204" pitchFamily="34" charset="0"/>
-              <a:buChar char="•"/>
-            </a:pPr>
-            <a:r>
-              <a:rPr lang="en-US" sz="1200" kern="1200" dirty="0" smtClean="0">
-                <a:solidFill>
-                  <a:schemeClr val="tx1"/>
-                </a:solidFill>
-                <a:effectLst/>
-                <a:latin typeface="+mn-lt"/>
-                <a:ea typeface="+mn-ea"/>
-                <a:cs typeface="+mn-cs"/>
-              </a:rPr>
-              <a:t>Write on the board a declaration of a string variable.  Set its value at the same time.</a:t>
-            </a:r>
-          </a:p>
-          <a:p>
-            <a:pPr marL="171450" lvl="0" indent="-171450">
-              <a:buFont typeface="Arial" panose="020B0604020202020204" pitchFamily="34" charset="0"/>
-              <a:buChar char="•"/>
-            </a:pPr>
-            <a:r>
-              <a:rPr lang="en-US" sz="1200" kern="1200" dirty="0" smtClean="0">
-                <a:solidFill>
-                  <a:schemeClr val="tx1"/>
-                </a:solidFill>
-                <a:effectLst/>
-                <a:latin typeface="+mn-lt"/>
-                <a:ea typeface="+mn-ea"/>
-                <a:cs typeface="+mn-cs"/>
-              </a:rPr>
-              <a:t>What are the logical operators?</a:t>
-            </a:r>
-          </a:p>
-          <a:p>
-            <a:pPr marL="171450" lvl="0" indent="-171450">
-              <a:buFont typeface="Arial" panose="020B0604020202020204" pitchFamily="34" charset="0"/>
-              <a:buChar char="•"/>
-            </a:pPr>
-            <a:r>
-              <a:rPr lang="en-US" sz="1200" kern="1200" dirty="0" smtClean="0">
-                <a:solidFill>
-                  <a:schemeClr val="tx1"/>
-                </a:solidFill>
-                <a:effectLst/>
-                <a:latin typeface="+mn-lt"/>
-                <a:ea typeface="+mn-ea"/>
-                <a:cs typeface="+mn-cs"/>
-              </a:rPr>
-              <a:t>Write if, else, else if statements to write to the console the text representation of the numbers 1 to 3.</a:t>
-            </a:r>
-          </a:p>
-          <a:p>
-            <a:pPr marL="171450" lvl="0" indent="-171450">
-              <a:buFont typeface="Arial" panose="020B0604020202020204" pitchFamily="34" charset="0"/>
-              <a:buChar char="•"/>
-            </a:pPr>
-            <a:r>
-              <a:rPr lang="en-US" sz="1200" kern="1200" dirty="0" smtClean="0">
-                <a:solidFill>
-                  <a:schemeClr val="tx1"/>
-                </a:solidFill>
-                <a:effectLst/>
-                <a:latin typeface="+mn-lt"/>
-                <a:ea typeface="+mn-ea"/>
-                <a:cs typeface="+mn-cs"/>
-              </a:rPr>
-              <a:t>Write a for loop that loops through an integer array 1 to 3 and writes each number to the console.</a:t>
-            </a:r>
-          </a:p>
-          <a:p>
-            <a:pPr marL="171450" lvl="0" indent="-171450">
-              <a:buFont typeface="Arial" panose="020B0604020202020204" pitchFamily="34" charset="0"/>
-              <a:buChar char="•"/>
-            </a:pPr>
-            <a:r>
-              <a:rPr lang="en-US" sz="1200" kern="1200" dirty="0" smtClean="0">
-                <a:solidFill>
-                  <a:schemeClr val="tx1"/>
-                </a:solidFill>
-                <a:effectLst/>
-                <a:latin typeface="+mn-lt"/>
-                <a:ea typeface="+mn-ea"/>
-                <a:cs typeface="+mn-cs"/>
-              </a:rPr>
-              <a:t>Write a method definition that returns a string and takes two integers as parameters.</a:t>
-            </a:r>
-          </a:p>
-          <a:p>
-            <a:pPr marL="171450" lvl="0" indent="-171450">
-              <a:buFont typeface="Arial" panose="020B0604020202020204" pitchFamily="34" charset="0"/>
-              <a:buChar char="•"/>
-            </a:pPr>
-            <a:r>
-              <a:rPr lang="en-US" sz="1200" kern="1200" dirty="0" smtClean="0">
-                <a:solidFill>
-                  <a:schemeClr val="tx1"/>
-                </a:solidFill>
-                <a:effectLst/>
-                <a:latin typeface="+mn-lt"/>
-                <a:ea typeface="+mn-ea"/>
-                <a:cs typeface="+mn-cs"/>
-              </a:rPr>
-              <a:t>Write on the board a declaration of a generic list of integers and instantiate it.</a:t>
-            </a:r>
-          </a:p>
-          <a:p>
-            <a:pPr marL="457200" lvl="1" indent="0">
-              <a:buFont typeface="Arial" panose="020B0604020202020204" pitchFamily="34" charset="0"/>
-              <a:buNone/>
-            </a:pPr>
             <a:endParaRPr lang="en-US" dirty="0"/>
           </a:p>
         </p:txBody>
@@ -5781,7 +5442,7 @@
           <a:p>
             <a:fld id="{226FA58D-4B12-4E7B-A2FA-693CE3EACDFD}" type="slidenum">
               <a:rPr lang="en-US" smtClean="0"/>
-              <a:t>45</a:t>
+              <a:t>44</a:t>
             </a:fld>
             <a:endParaRPr lang="en-US"/>
           </a:p>
@@ -5790,7 +5451,7 @@
     </p:spTree>
     <p:extLst>
       <p:ext uri="{BB962C8B-B14F-4D97-AF65-F5344CB8AC3E}">
-        <p14:creationId xmlns:p14="http://schemas.microsoft.com/office/powerpoint/2010/main" val="2040976846"/>
+        <p14:creationId xmlns:p14="http://schemas.microsoft.com/office/powerpoint/2010/main" val="1625918740"/>
       </p:ext>
     </p:extLst>
   </p:cSld>
@@ -5844,10 +5505,107 @@
           <a:bodyPr/>
           <a:lstStyle/>
           <a:p>
-            <a:pPr marL="171450" indent="-171450">
+            <a:pPr marL="181240" indent="-181240">
               <a:buFont typeface="Arial" panose="020B0604020202020204" pitchFamily="34" charset="0"/>
               <a:buChar char="•"/>
             </a:pPr>
+            <a:r>
+              <a:rPr lang="en-US" sz="1300" dirty="0"/>
+              <a:t>Write on the board the command to create a new class library project.</a:t>
+            </a:r>
+          </a:p>
+          <a:p>
+            <a:pPr marL="181240" indent="-181240">
+              <a:buFont typeface="Arial" panose="020B0604020202020204" pitchFamily="34" charset="0"/>
+              <a:buChar char="•"/>
+            </a:pPr>
+            <a:r>
+              <a:rPr lang="en-US" sz="1300" dirty="0"/>
+              <a:t>What character ends every statement?</a:t>
+            </a:r>
+          </a:p>
+          <a:p>
+            <a:pPr marL="181240" indent="-181240">
+              <a:buFont typeface="Arial" panose="020B0604020202020204" pitchFamily="34" charset="0"/>
+              <a:buChar char="•"/>
+            </a:pPr>
+            <a:r>
+              <a:rPr lang="en-US" sz="1300" dirty="0"/>
+              <a:t>What characters are used to denote a statement block?</a:t>
+            </a:r>
+          </a:p>
+          <a:p>
+            <a:pPr marL="181240" indent="-181240">
+              <a:buFont typeface="Arial" panose="020B0604020202020204" pitchFamily="34" charset="0"/>
+              <a:buChar char="•"/>
+            </a:pPr>
+            <a:r>
+              <a:rPr lang="en-US" sz="1300" dirty="0"/>
+              <a:t>How is a single line comment specified?  Multi-line comment?</a:t>
+            </a:r>
+          </a:p>
+          <a:p>
+            <a:pPr marL="181240" indent="-181240">
+              <a:buFont typeface="Arial" panose="020B0604020202020204" pitchFamily="34" charset="0"/>
+              <a:buChar char="•"/>
+            </a:pPr>
+            <a:r>
+              <a:rPr lang="en-US" sz="1300" dirty="0"/>
+              <a:t>Write on the board a declaration of a string variable.  Set its value at the same time.</a:t>
+            </a:r>
+          </a:p>
+          <a:p>
+            <a:pPr marL="181240" indent="-181240">
+              <a:buFont typeface="Arial" panose="020B0604020202020204" pitchFamily="34" charset="0"/>
+              <a:buChar char="•"/>
+            </a:pPr>
+            <a:r>
+              <a:rPr lang="en-US" sz="1300" dirty="0"/>
+              <a:t>What are the logical operators?</a:t>
+            </a:r>
+          </a:p>
+          <a:p>
+            <a:pPr marL="181240" indent="-181240">
+              <a:buFont typeface="Arial" panose="020B0604020202020204" pitchFamily="34" charset="0"/>
+              <a:buChar char="•"/>
+            </a:pPr>
+            <a:r>
+              <a:rPr lang="en-US" sz="1300" dirty="0"/>
+              <a:t>Write if, else, else if statements to write to the console the text representation of the numbers 1 to 3.</a:t>
+            </a:r>
+          </a:p>
+          <a:p>
+            <a:pPr marL="181240" indent="-181240">
+              <a:buFont typeface="Arial" panose="020B0604020202020204" pitchFamily="34" charset="0"/>
+              <a:buChar char="•"/>
+            </a:pPr>
+            <a:r>
+              <a:rPr lang="en-US" sz="1300" dirty="0"/>
+              <a:t>Write a for loop that loops through an integer array 1 to 3 and writes each number to the console.</a:t>
+            </a:r>
+          </a:p>
+          <a:p>
+            <a:pPr marL="181240" indent="-181240">
+              <a:buFont typeface="Arial" panose="020B0604020202020204" pitchFamily="34" charset="0"/>
+              <a:buChar char="•"/>
+            </a:pPr>
+            <a:r>
+              <a:rPr lang="en-US" sz="1300" dirty="0"/>
+              <a:t>Write a method definition that returns a string and takes two integers as parameters.</a:t>
+            </a:r>
+          </a:p>
+          <a:p>
+            <a:pPr marL="181240" indent="-181240">
+              <a:buFont typeface="Arial" panose="020B0604020202020204" pitchFamily="34" charset="0"/>
+              <a:buChar char="•"/>
+            </a:pPr>
+            <a:r>
+              <a:rPr lang="en-US" sz="1300" dirty="0"/>
+              <a:t>Write on the board a declaration of a generic list of integers and instantiate it.</a:t>
+            </a:r>
+          </a:p>
+          <a:p>
+            <a:pPr marL="483306" lvl="1"/>
             <a:endParaRPr lang="en-US" dirty="0"/>
           </a:p>
         </p:txBody>
@@ -5869,7 +5627,7 @@
           <a:p>
             <a:fld id="{226FA58D-4B12-4E7B-A2FA-693CE3EACDFD}" type="slidenum">
               <a:rPr lang="en-US" smtClean="0"/>
-              <a:t>46</a:t>
+              <a:t>45</a:t>
             </a:fld>
             <a:endParaRPr lang="en-US"/>
           </a:p>
@@ -5878,7 +5636,7 @@
     </p:spTree>
     <p:extLst>
       <p:ext uri="{BB962C8B-B14F-4D97-AF65-F5344CB8AC3E}">
-        <p14:creationId xmlns:p14="http://schemas.microsoft.com/office/powerpoint/2010/main" val="489070734"/>
+        <p14:creationId xmlns:p14="http://schemas.microsoft.com/office/powerpoint/2010/main" val="2040976846"/>
       </p:ext>
     </p:extLst>
   </p:cSld>
@@ -5932,7 +5690,95 @@
           <a:bodyPr/>
           <a:lstStyle/>
           <a:p>
-            <a:pPr marL="171450" indent="-171450">
+            <a:pPr marL="181240" indent="-181240">
+              <a:buFont typeface="Arial" panose="020B0604020202020204" pitchFamily="34" charset="0"/>
+              <a:buChar char="•"/>
+            </a:pPr>
+            <a:endParaRPr lang="en-US" dirty="0"/>
+          </a:p>
+        </p:txBody>
+      </p:sp>
+      <p:sp>
+        <p:nvSpPr>
+          <p:cNvPr id="4" name="Slide Number Placeholder 3"/>
+          <p:cNvSpPr>
+            <a:spLocks noGrp="1"/>
+          </p:cNvSpPr>
+          <p:nvPr>
+            <p:ph type="sldNum" sz="quarter" idx="10"/>
+          </p:nvPr>
+        </p:nvSpPr>
+        <p:spPr/>
+        <p:txBody>
+          <a:bodyPr/>
+          <a:lstStyle/>
+          <a:p>
+            <a:fld id="{226FA58D-4B12-4E7B-A2FA-693CE3EACDFD}" type="slidenum">
+              <a:rPr lang="en-US" smtClean="0"/>
+              <a:t>46</a:t>
+            </a:fld>
+            <a:endParaRPr lang="en-US"/>
+          </a:p>
+        </p:txBody>
+      </p:sp>
+    </p:spTree>
+    <p:extLst>
+      <p:ext uri="{BB962C8B-B14F-4D97-AF65-F5344CB8AC3E}">
+        <p14:creationId xmlns:p14="http://schemas.microsoft.com/office/powerpoint/2010/main" val="489070734"/>
+      </p:ext>
+    </p:extLst>
+  </p:cSld>
+  <p:clrMapOvr>
+    <a:masterClrMapping/>
+  </p:clrMapOvr>
+</p:notes>
+</file>
+
+<file path=ppt/notesSlides/notesSlide47.xml><?xml version="1.0" encoding="utf-8"?>
+<p:notes xmlns:a="http://schemas.openxmlformats.org/drawingml/2006/main" xmlns:r="http://schemas.openxmlformats.org/officeDocument/2006/relationships" xmlns:p="http://schemas.openxmlformats.org/presentationml/2006/main">
+  <p:cSld>
+    <p:spTree>
+      <p:nvGrpSpPr>
+        <p:cNvPr id="1" name=""/>
+        <p:cNvGrpSpPr/>
+        <p:nvPr/>
+      </p:nvGrpSpPr>
+      <p:grpSpPr>
+        <a:xfrm>
+          <a:off x="0" y="0"/>
+          <a:ext cx="0" cy="0"/>
+          <a:chOff x="0" y="0"/>
+          <a:chExt cx="0" cy="0"/>
+        </a:xfrm>
+      </p:grpSpPr>
+      <p:sp>
+        <p:nvSpPr>
+          <p:cNvPr id="2" name="Slide Image Placeholder 1"/>
+          <p:cNvSpPr>
+            <a:spLocks noGrp="1" noRot="1" noChangeAspect="1"/>
+          </p:cNvSpPr>
+          <p:nvPr>
+            <p:ph type="sldImg"/>
+          </p:nvPr>
+        </p:nvSpPr>
+        <p:spPr/>
+      </p:sp>
+      <p:sp>
+        <p:nvSpPr>
+          <p:cNvPr id="3" name="Notes Placeholder 2"/>
+          <p:cNvSpPr>
+            <a:spLocks noGrp="1"/>
+          </p:cNvSpPr>
+          <p:nvPr>
+            <p:ph type="body" idx="1"/>
+          </p:nvPr>
+        </p:nvSpPr>
+        <p:spPr/>
+        <p:txBody>
+          <a:bodyPr/>
+          <a:lstStyle/>
+          <a:p>
+            <a:pPr marL="181240" indent="-181240">
               <a:buFont typeface="Arial" panose="020B0604020202020204" pitchFamily="34" charset="0"/>
               <a:buChar char="•"/>
             </a:pPr>
@@ -6020,91 +5866,11 @@
           <a:bodyPr/>
           <a:lstStyle/>
           <a:p>
-            <a:pPr marL="171450" indent="-171450">
-              <a:buFont typeface="Arial" panose="020B0604020202020204" pitchFamily="34" charset="0"/>
-              <a:buChar char="•"/>
-            </a:pPr>
-            <a:r>
-              <a:rPr lang="en-US" baseline="0" dirty="0" smtClean="0"/>
-              <a:t>Statements are made up of keywords, expressions, and operators.</a:t>
-            </a:r>
-          </a:p>
-          <a:p>
-            <a:pPr marL="628650" lvl="1" indent="-171450">
-              <a:buFont typeface="Arial" panose="020B0604020202020204" pitchFamily="34" charset="0"/>
-              <a:buChar char="•"/>
-            </a:pPr>
-            <a:r>
-              <a:rPr lang="en-US" baseline="0" dirty="0" smtClean="0"/>
-              <a:t>Keywords are known words that are part of the language and perform some type of designation.</a:t>
-            </a:r>
-          </a:p>
-          <a:p>
-            <a:pPr marL="628650" lvl="1" indent="-171450">
-              <a:buFont typeface="Arial" panose="020B0604020202020204" pitchFamily="34" charset="0"/>
-              <a:buChar char="•"/>
-            </a:pPr>
-            <a:r>
-              <a:rPr lang="en-US" baseline="0" dirty="0" smtClean="0"/>
-              <a:t>Expressions are a combination of operators and operands.  The operands can be values or variables.</a:t>
-            </a:r>
-          </a:p>
-          <a:p>
-            <a:pPr marL="628650" lvl="1" indent="-171450">
-              <a:buFont typeface="Arial" panose="020B0604020202020204" pitchFamily="34" charset="0"/>
-              <a:buChar char="•"/>
-            </a:pPr>
-            <a:r>
-              <a:rPr lang="en-US" baseline="0" dirty="0" smtClean="0"/>
-              <a:t>Operators perform some action, such as in math we have operators like +, -, *, /</a:t>
-            </a:r>
-          </a:p>
-          <a:p>
-            <a:pPr marL="171450" lvl="0" indent="-171450">
-              <a:buFont typeface="Arial" panose="020B0604020202020204" pitchFamily="34" charset="0"/>
-              <a:buChar char="•"/>
-            </a:pPr>
-            <a:r>
-              <a:rPr lang="en-US" baseline="0" dirty="0" smtClean="0"/>
-              <a:t>In C# statements end with a semicolon ;</a:t>
-            </a:r>
-          </a:p>
-          <a:p>
-            <a:pPr marL="171450" lvl="0" indent="-171450">
-              <a:buFont typeface="Arial" panose="020B0604020202020204" pitchFamily="34" charset="0"/>
-              <a:buChar char="•"/>
-            </a:pPr>
-            <a:r>
-              <a:rPr lang="en-US" baseline="0" dirty="0" smtClean="0"/>
-              <a:t>Statements can span multiple lines, but must always have the semicolon at the end of the statement.</a:t>
-            </a:r>
-          </a:p>
-          <a:p>
-            <a:pPr marL="171450" lvl="0" indent="-171450">
-              <a:buFont typeface="Arial" panose="020B0604020202020204" pitchFamily="34" charset="0"/>
-              <a:buChar char="•"/>
-            </a:pPr>
-            <a:r>
-              <a:rPr lang="en-US" baseline="0" dirty="0" smtClean="0"/>
-              <a:t>A statement block is a block of multiple statements.  These statements are surrounded by curly braces { } and are blocked together to designate the statements are grouped for some reason.</a:t>
-            </a:r>
-          </a:p>
-          <a:p>
-            <a:pPr marL="171450" lvl="0" indent="-171450">
-              <a:buFont typeface="Arial" panose="020B0604020202020204" pitchFamily="34" charset="0"/>
-              <a:buChar char="•"/>
-            </a:pPr>
-            <a:r>
-              <a:rPr lang="en-US" baseline="0" dirty="0" smtClean="0"/>
-              <a:t>Statement blocks can exist within other statement blocks.</a:t>
-            </a:r>
-          </a:p>
-          <a:p>
-            <a:pPr marL="628650" lvl="1" indent="-171450">
-              <a:buFont typeface="Arial" panose="020B0604020202020204" pitchFamily="34" charset="0"/>
-              <a:buChar char="•"/>
-            </a:pPr>
-            <a:endParaRPr lang="en-US" baseline="0" dirty="0" smtClean="0"/>
+            <a:r>
+              <a:rPr lang="en-US" dirty="0" smtClean="0"/>
+              <a:t>Let’s go through an example.</a:t>
+            </a:r>
+            <a:endParaRPr lang="en-US" dirty="0"/>
           </a:p>
         </p:txBody>
       </p:sp>
@@ -6123,9 +5889,9 @@
           <a:bodyPr/>
           <a:lstStyle/>
           <a:p>
-            <a:fld id="{90562276-63C7-43F9-8E9E-CFA137F6F839}" type="slidenum">
+            <a:fld id="{347B1FF5-FCE8-499D-B296-D7493115F512}" type="slidenum">
               <a:rPr lang="en-US" smtClean="0"/>
-              <a:t>6</a:t>
+              <a:t>5</a:t>
             </a:fld>
             <a:endParaRPr lang="en-US"/>
           </a:p>
@@ -6134,7 +5900,7 @@
     </p:spTree>
     <p:extLst>
       <p:ext uri="{BB962C8B-B14F-4D97-AF65-F5344CB8AC3E}">
-        <p14:creationId xmlns:p14="http://schemas.microsoft.com/office/powerpoint/2010/main" val="3859865187"/>
+        <p14:creationId xmlns:p14="http://schemas.microsoft.com/office/powerpoint/2010/main" val="2378868989"/>
       </p:ext>
     </p:extLst>
   </p:cSld>
@@ -6188,11 +5954,91 @@
           <a:bodyPr/>
           <a:lstStyle/>
           <a:p>
-            <a:r>
-              <a:rPr lang="en-US" dirty="0" smtClean="0"/>
-              <a:t>Let’s go through an example.</a:t>
-            </a:r>
-            <a:endParaRPr lang="en-US" dirty="0"/>
+            <a:pPr marL="181240" indent="-181240">
+              <a:buFont typeface="Arial" panose="020B0604020202020204" pitchFamily="34" charset="0"/>
+              <a:buChar char="•"/>
+            </a:pPr>
+            <a:r>
+              <a:rPr lang="en-US" baseline="0" dirty="0" smtClean="0"/>
+              <a:t>Statements are made up of keywords, expressions, and operators.</a:t>
+            </a:r>
+          </a:p>
+          <a:p>
+            <a:pPr marL="664546" lvl="1" indent="-181240">
+              <a:buFont typeface="Arial" panose="020B0604020202020204" pitchFamily="34" charset="0"/>
+              <a:buChar char="•"/>
+            </a:pPr>
+            <a:r>
+              <a:rPr lang="en-US" baseline="0" dirty="0" smtClean="0"/>
+              <a:t>Keywords are known words that are part of the language and perform some type of designation.</a:t>
+            </a:r>
+          </a:p>
+          <a:p>
+            <a:pPr marL="664546" lvl="1" indent="-181240">
+              <a:buFont typeface="Arial" panose="020B0604020202020204" pitchFamily="34" charset="0"/>
+              <a:buChar char="•"/>
+            </a:pPr>
+            <a:r>
+              <a:rPr lang="en-US" baseline="0" dirty="0" smtClean="0"/>
+              <a:t>Expressions are a combination of operators and operands.  The operands can be values or variables.</a:t>
+            </a:r>
+          </a:p>
+          <a:p>
+            <a:pPr marL="664546" lvl="1" indent="-181240">
+              <a:buFont typeface="Arial" panose="020B0604020202020204" pitchFamily="34" charset="0"/>
+              <a:buChar char="•"/>
+            </a:pPr>
+            <a:r>
+              <a:rPr lang="en-US" baseline="0" dirty="0" smtClean="0"/>
+              <a:t>Operators perform some action, such as in math we have operators like +, -, *, /</a:t>
+            </a:r>
+          </a:p>
+          <a:p>
+            <a:pPr marL="181240" indent="-181240">
+              <a:buFont typeface="Arial" panose="020B0604020202020204" pitchFamily="34" charset="0"/>
+              <a:buChar char="•"/>
+            </a:pPr>
+            <a:r>
+              <a:rPr lang="en-US" baseline="0" dirty="0" smtClean="0"/>
+              <a:t>In C# statements end with a semicolon ;</a:t>
+            </a:r>
+          </a:p>
+          <a:p>
+            <a:pPr marL="181240" indent="-181240">
+              <a:buFont typeface="Arial" panose="020B0604020202020204" pitchFamily="34" charset="0"/>
+              <a:buChar char="•"/>
+            </a:pPr>
+            <a:r>
+              <a:rPr lang="en-US" baseline="0" dirty="0" smtClean="0"/>
+              <a:t>Statements can span multiple lines, but must always have the semicolon at the end of the statement.</a:t>
+            </a:r>
+          </a:p>
+          <a:p>
+            <a:pPr marL="181240" indent="-181240">
+              <a:buFont typeface="Arial" panose="020B0604020202020204" pitchFamily="34" charset="0"/>
+              <a:buChar char="•"/>
+            </a:pPr>
+            <a:r>
+              <a:rPr lang="en-US" baseline="0" dirty="0" smtClean="0"/>
+              <a:t>A statement block is a block of multiple statements.  These statements are surrounded by curly braces { } and are blocked together to designate the statements are grouped for some reason.</a:t>
+            </a:r>
+          </a:p>
+          <a:p>
+            <a:pPr marL="181240" indent="-181240">
+              <a:buFont typeface="Arial" panose="020B0604020202020204" pitchFamily="34" charset="0"/>
+              <a:buChar char="•"/>
+            </a:pPr>
+            <a:r>
+              <a:rPr lang="en-US" baseline="0" dirty="0" smtClean="0"/>
+              <a:t>Statement blocks can exist within other statement blocks.</a:t>
+            </a:r>
+          </a:p>
+          <a:p>
+            <a:pPr marL="664546" lvl="1" indent="-181240">
+              <a:buFont typeface="Arial" panose="020B0604020202020204" pitchFamily="34" charset="0"/>
+              <a:buChar char="•"/>
+            </a:pPr>
+            <a:endParaRPr lang="en-US" baseline="0" dirty="0" smtClean="0"/>
           </a:p>
         </p:txBody>
       </p:sp>
@@ -6211,9 +6057,9 @@
           <a:bodyPr/>
           <a:lstStyle/>
           <a:p>
-            <a:fld id="{347B1FF5-FCE8-499D-B296-D7493115F512}" type="slidenum">
+            <a:fld id="{90562276-63C7-43F9-8E9E-CFA137F6F839}" type="slidenum">
               <a:rPr lang="en-US" smtClean="0"/>
-              <a:t>7</a:t>
+              <a:t>6</a:t>
             </a:fld>
             <a:endParaRPr lang="en-US"/>
           </a:p>
@@ -6222,7 +6068,7 @@
     </p:spTree>
     <p:extLst>
       <p:ext uri="{BB962C8B-B14F-4D97-AF65-F5344CB8AC3E}">
-        <p14:creationId xmlns:p14="http://schemas.microsoft.com/office/powerpoint/2010/main" val="1126575738"/>
+        <p14:creationId xmlns:p14="http://schemas.microsoft.com/office/powerpoint/2010/main" val="3859865187"/>
       </p:ext>
     </p:extLst>
   </p:cSld>
@@ -6276,34 +6122,11 @@
           <a:bodyPr/>
           <a:lstStyle/>
           <a:p>
-            <a:pPr marL="171450" indent="-171450">
-              <a:buFont typeface="Arial" panose="020B0604020202020204" pitchFamily="34" charset="0"/>
-              <a:buChar char="•"/>
-            </a:pPr>
-            <a:r>
-              <a:rPr lang="en-US" baseline="0" dirty="0" smtClean="0"/>
-              <a:t>Comments can appear on their own line or at the end of the line.</a:t>
-            </a:r>
-          </a:p>
-          <a:p>
-            <a:pPr marL="171450" indent="-171450">
-              <a:buFont typeface="Arial" panose="020B0604020202020204" pitchFamily="34" charset="0"/>
-              <a:buChar char="•"/>
-            </a:pPr>
-            <a:r>
-              <a:rPr lang="en-US" baseline="0" dirty="0" smtClean="0"/>
-              <a:t>Single line comments are done using two slashes.</a:t>
-            </a:r>
-          </a:p>
-          <a:p>
-            <a:pPr marL="171450" indent="-171450">
-              <a:buFont typeface="Arial" panose="020B0604020202020204" pitchFamily="34" charset="0"/>
-              <a:buChar char="•"/>
-            </a:pPr>
-            <a:r>
-              <a:rPr lang="en-US" baseline="0" dirty="0" smtClean="0"/>
-              <a:t>Multi-line comments can be done using /* and */</a:t>
-            </a:r>
+            <a:r>
+              <a:rPr lang="en-US" dirty="0" smtClean="0"/>
+              <a:t>Let’s go through an example.</a:t>
+            </a:r>
+            <a:endParaRPr lang="en-US" dirty="0"/>
           </a:p>
         </p:txBody>
       </p:sp>
@@ -6322,9 +6145,9 @@
           <a:bodyPr/>
           <a:lstStyle/>
           <a:p>
-            <a:fld id="{90562276-63C7-43F9-8E9E-CFA137F6F839}" type="slidenum">
+            <a:fld id="{347B1FF5-FCE8-499D-B296-D7493115F512}" type="slidenum">
               <a:rPr lang="en-US" smtClean="0"/>
-              <a:t>8</a:t>
+              <a:t>7</a:t>
             </a:fld>
             <a:endParaRPr lang="en-US"/>
           </a:p>
@@ -6333,7 +6156,7 @@
     </p:spTree>
     <p:extLst>
       <p:ext uri="{BB962C8B-B14F-4D97-AF65-F5344CB8AC3E}">
-        <p14:creationId xmlns:p14="http://schemas.microsoft.com/office/powerpoint/2010/main" val="2213722287"/>
+        <p14:creationId xmlns:p14="http://schemas.microsoft.com/office/powerpoint/2010/main" val="1126575738"/>
       </p:ext>
     </p:extLst>
   </p:cSld>
@@ -6387,11 +6210,34 @@
           <a:bodyPr/>
           <a:lstStyle/>
           <a:p>
-            <a:r>
-              <a:rPr lang="en-US" dirty="0" smtClean="0"/>
-              <a:t>Let’s go through an example.</a:t>
-            </a:r>
-            <a:endParaRPr lang="en-US" dirty="0"/>
+            <a:pPr marL="181240" indent="-181240">
+              <a:buFont typeface="Arial" panose="020B0604020202020204" pitchFamily="34" charset="0"/>
+              <a:buChar char="•"/>
+            </a:pPr>
+            <a:r>
+              <a:rPr lang="en-US" baseline="0" dirty="0" smtClean="0"/>
+              <a:t>Comments can appear on their own line or at the end of the line.</a:t>
+            </a:r>
+          </a:p>
+          <a:p>
+            <a:pPr marL="181240" indent="-181240">
+              <a:buFont typeface="Arial" panose="020B0604020202020204" pitchFamily="34" charset="0"/>
+              <a:buChar char="•"/>
+            </a:pPr>
+            <a:r>
+              <a:rPr lang="en-US" baseline="0" dirty="0" smtClean="0"/>
+              <a:t>Single line comments are done using two slashes.</a:t>
+            </a:r>
+          </a:p>
+          <a:p>
+            <a:pPr marL="181240" indent="-181240">
+              <a:buFont typeface="Arial" panose="020B0604020202020204" pitchFamily="34" charset="0"/>
+              <a:buChar char="•"/>
+            </a:pPr>
+            <a:r>
+              <a:rPr lang="en-US" baseline="0" dirty="0" smtClean="0"/>
+              <a:t>Multi-line comments can be done using /* and */</a:t>
+            </a:r>
           </a:p>
         </p:txBody>
       </p:sp>
@@ -6410,9 +6256,9 @@
           <a:bodyPr/>
           <a:lstStyle/>
           <a:p>
-            <a:fld id="{347B1FF5-FCE8-499D-B296-D7493115F512}" type="slidenum">
+            <a:fld id="{90562276-63C7-43F9-8E9E-CFA137F6F839}" type="slidenum">
               <a:rPr lang="en-US" smtClean="0"/>
-              <a:t>9</a:t>
+              <a:t>8</a:t>
             </a:fld>
             <a:endParaRPr lang="en-US"/>
           </a:p>
@@ -6421,7 +6267,7 @@
     </p:spTree>
     <p:extLst>
       <p:ext uri="{BB962C8B-B14F-4D97-AF65-F5344CB8AC3E}">
-        <p14:creationId xmlns:p14="http://schemas.microsoft.com/office/powerpoint/2010/main" val="53979755"/>
+        <p14:creationId xmlns:p14="http://schemas.microsoft.com/office/powerpoint/2010/main" val="2213722287"/>
       </p:ext>
     </p:extLst>
   </p:cSld>
@@ -6475,159 +6321,11 @@
           <a:bodyPr/>
           <a:lstStyle/>
           <a:p>
-            <a:pPr marL="171450" indent="-171450">
-              <a:buFont typeface="Arial" panose="020B0604020202020204" pitchFamily="34" charset="0"/>
-              <a:buChar char="•"/>
-            </a:pPr>
-            <a:r>
-              <a:rPr lang="en-US" baseline="0" dirty="0" smtClean="0"/>
-              <a:t>In </a:t>
-            </a:r>
-            <a:r>
-              <a:rPr lang="en-US" baseline="0" dirty="0" err="1" smtClean="0"/>
-              <a:t>.Net</a:t>
-            </a:r>
-            <a:r>
-              <a:rPr lang="en-US" baseline="0" dirty="0" smtClean="0"/>
-              <a:t> there are built-in types and user defined types.</a:t>
-            </a:r>
-          </a:p>
-          <a:p>
-            <a:pPr marL="171450" indent="-171450">
-              <a:buFont typeface="Arial" panose="020B0604020202020204" pitchFamily="34" charset="0"/>
-              <a:buChar char="•"/>
-            </a:pPr>
-            <a:r>
-              <a:rPr lang="en-US" baseline="0" dirty="0" smtClean="0"/>
-              <a:t>Built-in types are built into the framework.</a:t>
-            </a:r>
-          </a:p>
-          <a:p>
-            <a:pPr marL="171450" indent="-171450">
-              <a:buFont typeface="Arial" panose="020B0604020202020204" pitchFamily="34" charset="0"/>
-              <a:buChar char="•"/>
-            </a:pPr>
-            <a:r>
-              <a:rPr lang="en-US" baseline="0" dirty="0" smtClean="0"/>
-              <a:t>All other types are user defined types</a:t>
-            </a:r>
-          </a:p>
-          <a:p>
-            <a:pPr marL="171450" indent="-171450">
-              <a:buFont typeface="Arial" panose="020B0604020202020204" pitchFamily="34" charset="0"/>
-              <a:buChar char="•"/>
-            </a:pPr>
-            <a:r>
-              <a:rPr lang="en-US" baseline="0" dirty="0" smtClean="0"/>
-              <a:t>Anyone can create them by creating classes or </a:t>
-            </a:r>
-            <a:r>
-              <a:rPr lang="en-US" baseline="0" dirty="0" err="1" smtClean="0"/>
-              <a:t>structs</a:t>
-            </a:r>
-            <a:r>
-              <a:rPr lang="en-US" baseline="0" dirty="0" smtClean="0"/>
-              <a:t>.</a:t>
-            </a:r>
-          </a:p>
-          <a:p>
-            <a:pPr marL="171450" indent="-171450">
-              <a:buFont typeface="Arial" panose="020B0604020202020204" pitchFamily="34" charset="0"/>
-              <a:buChar char="•"/>
-            </a:pPr>
-            <a:r>
-              <a:rPr lang="en-US" baseline="0" dirty="0" smtClean="0"/>
-              <a:t>Many are provided by Microsoft in the framework.</a:t>
-            </a:r>
-          </a:p>
-          <a:p>
-            <a:pPr marL="171450" indent="-171450">
-              <a:buFont typeface="Arial" panose="020B0604020202020204" pitchFamily="34" charset="0"/>
-              <a:buChar char="•"/>
-            </a:pPr>
-            <a:r>
-              <a:rPr lang="en-US" baseline="0" dirty="0" smtClean="0"/>
-              <a:t>Some basic built in types are bool, </a:t>
-            </a:r>
-            <a:r>
-              <a:rPr lang="en-US" baseline="0" dirty="0" err="1" smtClean="0"/>
-              <a:t>int</a:t>
-            </a:r>
-            <a:r>
-              <a:rPr lang="en-US" baseline="0" dirty="0" smtClean="0"/>
-              <a:t>, decimal, string, and array</a:t>
-            </a:r>
-          </a:p>
-          <a:p>
-            <a:pPr marL="628650" lvl="1" indent="-171450">
-              <a:buFont typeface="Arial" panose="020B0604020202020204" pitchFamily="34" charset="0"/>
-              <a:buChar char="•"/>
-            </a:pPr>
-            <a:r>
-              <a:rPr lang="en-US" baseline="0" dirty="0" smtClean="0"/>
-              <a:t>bool – represents a variable type that is true or false</a:t>
-            </a:r>
-          </a:p>
-          <a:p>
-            <a:pPr marL="628650" lvl="1" indent="-171450">
-              <a:buFont typeface="Arial" panose="020B0604020202020204" pitchFamily="34" charset="0"/>
-              <a:buChar char="•"/>
-            </a:pPr>
-            <a:r>
-              <a:rPr lang="en-US" baseline="0" dirty="0" err="1" smtClean="0"/>
-              <a:t>int</a:t>
-            </a:r>
-            <a:r>
-              <a:rPr lang="en-US" baseline="0" dirty="0" smtClean="0"/>
-              <a:t> – represents a variable type that is a number with no decimal points.</a:t>
-            </a:r>
-          </a:p>
-          <a:p>
-            <a:pPr marL="628650" lvl="1" indent="-171450">
-              <a:buFont typeface="Arial" panose="020B0604020202020204" pitchFamily="34" charset="0"/>
-              <a:buChar char="•"/>
-            </a:pPr>
-            <a:r>
-              <a:rPr lang="en-US" baseline="0" dirty="0" smtClean="0"/>
-              <a:t>decimal – represents a variable type that is a number with decimal points.</a:t>
-            </a:r>
-          </a:p>
-          <a:p>
-            <a:pPr marL="628650" lvl="1" indent="-171450">
-              <a:buFont typeface="Arial" panose="020B0604020202020204" pitchFamily="34" charset="0"/>
-              <a:buChar char="•"/>
-            </a:pPr>
-            <a:r>
-              <a:rPr lang="en-US" baseline="0" dirty="0" smtClean="0"/>
-              <a:t>array – represents a variable type that has multiple values of the same type.</a:t>
-            </a:r>
-          </a:p>
-          <a:p>
-            <a:pPr marL="1085850" lvl="2" indent="-171450">
-              <a:buFont typeface="Arial" panose="020B0604020202020204" pitchFamily="34" charset="0"/>
-              <a:buChar char="•"/>
-            </a:pPr>
-            <a:r>
-              <a:rPr lang="en-US" baseline="0" dirty="0" smtClean="0"/>
-              <a:t>Each value in an array is contained in an index.</a:t>
-            </a:r>
-          </a:p>
-          <a:p>
-            <a:pPr marL="1085850" lvl="2" indent="-171450">
-              <a:buFont typeface="Arial" panose="020B0604020202020204" pitchFamily="34" charset="0"/>
-              <a:buChar char="•"/>
-            </a:pPr>
-            <a:r>
-              <a:rPr lang="en-US" baseline="0" dirty="0" smtClean="0"/>
-              <a:t>In C# an array index starts at 0 and increments or goes up by 1 for each additional index</a:t>
-            </a:r>
-          </a:p>
-          <a:p>
-            <a:pPr marL="628650" lvl="1" indent="-171450">
-              <a:buFont typeface="Arial" panose="020B0604020202020204" pitchFamily="34" charset="0"/>
-              <a:buChar char="•"/>
-            </a:pPr>
-            <a:endParaRPr lang="en-US" baseline="0" dirty="0" smtClean="0"/>
+            <a:r>
+              <a:rPr lang="en-US" dirty="0" smtClean="0"/>
+              <a:t>Let’s go through an example.</a:t>
+            </a:r>
+            <a:endParaRPr lang="en-US" dirty="0"/>
           </a:p>
         </p:txBody>
       </p:sp>
@@ -6646,9 +6344,9 @@
           <a:bodyPr/>
           <a:lstStyle/>
           <a:p>
-            <a:fld id="{90562276-63C7-43F9-8E9E-CFA137F6F839}" type="slidenum">
+            <a:fld id="{347B1FF5-FCE8-499D-B296-D7493115F512}" type="slidenum">
               <a:rPr lang="en-US" smtClean="0"/>
-              <a:t>10</a:t>
+              <a:t>9</a:t>
             </a:fld>
             <a:endParaRPr lang="en-US"/>
           </a:p>
@@ -6657,7 +6355,7 @@
     </p:spTree>
     <p:extLst>
       <p:ext uri="{BB962C8B-B14F-4D97-AF65-F5344CB8AC3E}">
-        <p14:creationId xmlns:p14="http://schemas.microsoft.com/office/powerpoint/2010/main" val="1697542435"/>
+        <p14:creationId xmlns:p14="http://schemas.microsoft.com/office/powerpoint/2010/main" val="53979755"/>
       </p:ext>
     </p:extLst>
   </p:cSld>
@@ -6853,7 +6551,7 @@
           <a:p>
             <a:fld id="{96FB5D56-0812-4ED5-8B52-3D0DCBF578CB}" type="datetimeFigureOut">
               <a:rPr lang="en-US" smtClean="0"/>
-              <a:t>2/4/2018</a:t>
+              <a:t>4/28/2018</a:t>
             </a:fld>
             <a:endParaRPr lang="en-US"/>
           </a:p>
@@ -7128,7 +6826,7 @@
           <a:p>
             <a:fld id="{96FB5D56-0812-4ED5-8B52-3D0DCBF578CB}" type="datetimeFigureOut">
               <a:rPr lang="en-US" smtClean="0"/>
-              <a:t>2/4/2018</a:t>
+              <a:t>4/28/2018</a:t>
             </a:fld>
             <a:endParaRPr lang="en-US"/>
           </a:p>
@@ -7322,7 +7020,7 @@
           <a:p>
             <a:fld id="{96FB5D56-0812-4ED5-8B52-3D0DCBF578CB}" type="datetimeFigureOut">
               <a:rPr lang="en-US" smtClean="0"/>
-              <a:t>2/4/2018</a:t>
+              <a:t>4/28/2018</a:t>
             </a:fld>
             <a:endParaRPr lang="en-US"/>
           </a:p>
@@ -7595,7 +7293,7 @@
           <a:p>
             <a:fld id="{96FB5D56-0812-4ED5-8B52-3D0DCBF578CB}" type="datetimeFigureOut">
               <a:rPr lang="en-US" smtClean="0"/>
-              <a:t>2/4/2018</a:t>
+              <a:t>4/28/2018</a:t>
             </a:fld>
             <a:endParaRPr lang="en-US"/>
           </a:p>
@@ -7936,7 +7634,7 @@
           <a:p>
             <a:fld id="{96FB5D56-0812-4ED5-8B52-3D0DCBF578CB}" type="datetimeFigureOut">
               <a:rPr lang="en-US" smtClean="0"/>
-              <a:t>2/4/2018</a:t>
+              <a:t>4/28/2018</a:t>
             </a:fld>
             <a:endParaRPr lang="en-US"/>
           </a:p>
@@ -8559,7 +8257,7 @@
           <a:p>
             <a:fld id="{96FB5D56-0812-4ED5-8B52-3D0DCBF578CB}" type="datetimeFigureOut">
               <a:rPr lang="en-US" smtClean="0"/>
-              <a:t>2/4/2018</a:t>
+              <a:t>4/28/2018</a:t>
             </a:fld>
             <a:endParaRPr lang="en-US"/>
           </a:p>
@@ -9419,7 +9117,7 @@
           <a:p>
             <a:fld id="{96FB5D56-0812-4ED5-8B52-3D0DCBF578CB}" type="datetimeFigureOut">
               <a:rPr lang="en-US" smtClean="0"/>
-              <a:t>2/4/2018</a:t>
+              <a:t>4/28/2018</a:t>
             </a:fld>
             <a:endParaRPr lang="en-US"/>
           </a:p>
@@ -9589,7 +9287,7 @@
           <a:p>
             <a:fld id="{96FB5D56-0812-4ED5-8B52-3D0DCBF578CB}" type="datetimeFigureOut">
               <a:rPr lang="en-US" smtClean="0"/>
-              <a:t>2/4/2018</a:t>
+              <a:t>4/28/2018</a:t>
             </a:fld>
             <a:endParaRPr lang="en-US"/>
           </a:p>
@@ -9769,7 +9467,7 @@
           <a:p>
             <a:fld id="{96FB5D56-0812-4ED5-8B52-3D0DCBF578CB}" type="datetimeFigureOut">
               <a:rPr lang="en-US" smtClean="0"/>
-              <a:t>2/4/2018</a:t>
+              <a:t>4/28/2018</a:t>
             </a:fld>
             <a:endParaRPr lang="en-US"/>
           </a:p>
@@ -9939,7 +9637,7 @@
           <a:p>
             <a:fld id="{96FB5D56-0812-4ED5-8B52-3D0DCBF578CB}" type="datetimeFigureOut">
               <a:rPr lang="en-US" smtClean="0"/>
-              <a:t>2/4/2018</a:t>
+              <a:t>4/28/2018</a:t>
             </a:fld>
             <a:endParaRPr lang="en-US"/>
           </a:p>
@@ -10186,7 +9884,7 @@
           <a:p>
             <a:fld id="{96FB5D56-0812-4ED5-8B52-3D0DCBF578CB}" type="datetimeFigureOut">
               <a:rPr lang="en-US" smtClean="0"/>
-              <a:t>2/4/2018</a:t>
+              <a:t>4/28/2018</a:t>
             </a:fld>
             <a:endParaRPr lang="en-US"/>
           </a:p>
@@ -10478,7 +10176,7 @@
           <a:p>
             <a:fld id="{96FB5D56-0812-4ED5-8B52-3D0DCBF578CB}" type="datetimeFigureOut">
               <a:rPr lang="en-US" smtClean="0"/>
-              <a:t>2/4/2018</a:t>
+              <a:t>4/28/2018</a:t>
             </a:fld>
             <a:endParaRPr lang="en-US"/>
           </a:p>
@@ -10922,7 +10620,7 @@
           <a:p>
             <a:fld id="{96FB5D56-0812-4ED5-8B52-3D0DCBF578CB}" type="datetimeFigureOut">
               <a:rPr lang="en-US" smtClean="0"/>
-              <a:t>2/4/2018</a:t>
+              <a:t>4/28/2018</a:t>
             </a:fld>
             <a:endParaRPr lang="en-US"/>
           </a:p>
@@ -11040,7 +10738,7 @@
           <a:p>
             <a:fld id="{96FB5D56-0812-4ED5-8B52-3D0DCBF578CB}" type="datetimeFigureOut">
               <a:rPr lang="en-US" smtClean="0"/>
-              <a:t>2/4/2018</a:t>
+              <a:t>4/28/2018</a:t>
             </a:fld>
             <a:endParaRPr lang="en-US"/>
           </a:p>
@@ -11135,7 +10833,7 @@
           <a:p>
             <a:fld id="{96FB5D56-0812-4ED5-8B52-3D0DCBF578CB}" type="datetimeFigureOut">
               <a:rPr lang="en-US" smtClean="0"/>
-              <a:t>2/4/2018</a:t>
+              <a:t>4/28/2018</a:t>
             </a:fld>
             <a:endParaRPr lang="en-US"/>
           </a:p>
@@ -11414,7 +11112,7 @@
           <a:p>
             <a:fld id="{96FB5D56-0812-4ED5-8B52-3D0DCBF578CB}" type="datetimeFigureOut">
               <a:rPr lang="en-US" smtClean="0"/>
-              <a:t>2/4/2018</a:t>
+              <a:t>4/28/2018</a:t>
             </a:fld>
             <a:endParaRPr lang="en-US"/>
           </a:p>
@@ -11689,7 +11387,7 @@
           <a:p>
             <a:fld id="{96FB5D56-0812-4ED5-8B52-3D0DCBF578CB}" type="datetimeFigureOut">
               <a:rPr lang="en-US" smtClean="0"/>
-              <a:t>2/4/2018</a:t>
+              <a:t>4/28/2018</a:t>
             </a:fld>
             <a:endParaRPr lang="en-US"/>
           </a:p>
@@ -12118,7 +11816,7 @@
           <a:p>
             <a:fld id="{96FB5D56-0812-4ED5-8B52-3D0DCBF578CB}" type="datetimeFigureOut">
               <a:rPr lang="en-US" smtClean="0"/>
-              <a:t>2/4/2018</a:t>
+              <a:t>4/28/2018</a:t>
             </a:fld>
             <a:endParaRPr lang="en-US"/>
           </a:p>

--- a/Slides/02_C#_TrainingPlan.pptx
+++ b/Slides/02_C#_TrainingPlan.pptx
@@ -4724,7 +4724,7 @@
             </a:pPr>
             <a:r>
               <a:rPr lang="en-US" baseline="0" dirty="0"/>
-              <a:t>Once you are ready you can publish commits to the remote repository.</a:t>
+              <a:t>Once you are ready you can push commits to the remote repository.</a:t>
             </a:r>
           </a:p>
           <a:p>
@@ -6126,7 +6126,7 @@
             </a:pPr>
             <a:r>
               <a:rPr lang="en-US" baseline="0" dirty="0"/>
-              <a:t>Create directories needed, commit, and publish to the remote repository</a:t>
+              <a:t>Create directories needed, commit, and push to the remote repository</a:t>
             </a:r>
           </a:p>
           <a:p>
@@ -6221,7 +6221,7 @@
             </a:pPr>
             <a:r>
               <a:rPr lang="en-US" baseline="0" dirty="0"/>
-              <a:t>Press the ellipse button (three dots) and then click publish branch</a:t>
+              <a:t>Press the ellipse button (three dots) and then click push branch</a:t>
             </a:r>
           </a:p>
           <a:p>
@@ -6267,7 +6267,7 @@
             </a:pPr>
             <a:r>
               <a:rPr lang="en-US" baseline="0" dirty="0"/>
-              <a:t>Make a change to the text of the text file and go through the same steps to publish the change to the remote repository</a:t>
+              <a:t>Make a change to the text of the text file and go through the same steps to push the change to the remote repository</a:t>
             </a:r>
           </a:p>
           <a:p>
@@ -6404,7 +6404,7 @@
             </a:pPr>
             <a:r>
               <a:rPr lang="en-US" baseline="0" dirty="0"/>
-              <a:t>Follow prior steps to publish this file to the remote repository.</a:t>
+              <a:t>Follow prior steps to push this file to the remote repository.</a:t>
             </a:r>
           </a:p>
         </p:txBody>
@@ -18607,8 +18607,8 @@
         </p:nvSpPr>
         <p:spPr>
           <a:xfrm>
-            <a:off x="6031508" y="1904030"/>
-            <a:ext cx="1132116" cy="706055"/>
+            <a:off x="5929910" y="1904030"/>
+            <a:ext cx="1283692" cy="706055"/>
           </a:xfrm>
           <a:prstGeom prst="rightArrow">
             <a:avLst/>
@@ -18698,7 +18698,7 @@
             <a:pPr algn="ctr"/>
             <a:r>
               <a:rPr lang="en-US" dirty="0"/>
-              <a:t>Publish</a:t>
+              <a:t>Push</a:t>
             </a:r>
           </a:p>
         </p:txBody>

--- a/Slides/02_C#_TrainingPlan.pptx
+++ b/Slides/02_C#_TrainingPlan.pptx
@@ -246,7 +246,7 @@
           <a:p>
             <a:fld id="{F2CCBB93-BAE9-4D98-B8FE-98BE5BFF2E59}" type="datetimeFigureOut">
               <a:rPr lang="en-US" smtClean="0"/>
-              <a:t>5/10/2018</a:t>
+              <a:t>5/19/2018</a:t>
             </a:fld>
             <a:endParaRPr lang="en-US"/>
           </a:p>
@@ -6639,16 +6639,6 @@
             </a:pPr>
             <a:r>
               <a:rPr lang="en-US" baseline="0" dirty="0"/>
-              <a:t>restore – used to restore the dependencies and tools of a project.</a:t>
-            </a:r>
-          </a:p>
-          <a:p>
-            <a:pPr marL="664546" lvl="1" indent="-181240">
-              <a:buFont typeface="Arial" panose="020B0604020202020204" pitchFamily="34" charset="0"/>
-              <a:buChar char="•"/>
-            </a:pPr>
-            <a:r>
-              <a:rPr lang="en-US" baseline="0" dirty="0"/>
               <a:t>build – used to build a project.</a:t>
             </a:r>
           </a:p>
@@ -6660,16 +6650,6 @@
             <a:r>
               <a:rPr lang="en-US" baseline="0" dirty="0"/>
               <a:t>run – used to run a project.</a:t>
-            </a:r>
-          </a:p>
-          <a:p>
-            <a:pPr marL="664546" lvl="1" indent="-181240">
-              <a:buFont typeface="Arial" panose="020B0604020202020204" pitchFamily="34" charset="0"/>
-              <a:buChar char="•"/>
-            </a:pPr>
-            <a:r>
-              <a:rPr lang="en-US" baseline="0" dirty="0"/>
-              <a:t>clean – used to clean the output of a project.</a:t>
             </a:r>
           </a:p>
           <a:p>
@@ -7447,7 +7427,7 @@
           <a:p>
             <a:fld id="{96FB5D56-0812-4ED5-8B52-3D0DCBF578CB}" type="datetimeFigureOut">
               <a:rPr lang="en-US" smtClean="0"/>
-              <a:t>5/10/2018</a:t>
+              <a:t>5/19/2018</a:t>
             </a:fld>
             <a:endParaRPr lang="en-US"/>
           </a:p>
@@ -7722,7 +7702,7 @@
           <a:p>
             <a:fld id="{96FB5D56-0812-4ED5-8B52-3D0DCBF578CB}" type="datetimeFigureOut">
               <a:rPr lang="en-US" smtClean="0"/>
-              <a:t>5/10/2018</a:t>
+              <a:t>5/19/2018</a:t>
             </a:fld>
             <a:endParaRPr lang="en-US"/>
           </a:p>
@@ -7916,7 +7896,7 @@
           <a:p>
             <a:fld id="{96FB5D56-0812-4ED5-8B52-3D0DCBF578CB}" type="datetimeFigureOut">
               <a:rPr lang="en-US" smtClean="0"/>
-              <a:t>5/10/2018</a:t>
+              <a:t>5/19/2018</a:t>
             </a:fld>
             <a:endParaRPr lang="en-US"/>
           </a:p>
@@ -8189,7 +8169,7 @@
           <a:p>
             <a:fld id="{96FB5D56-0812-4ED5-8B52-3D0DCBF578CB}" type="datetimeFigureOut">
               <a:rPr lang="en-US" smtClean="0"/>
-              <a:t>5/10/2018</a:t>
+              <a:t>5/19/2018</a:t>
             </a:fld>
             <a:endParaRPr lang="en-US"/>
           </a:p>
@@ -8530,7 +8510,7 @@
           <a:p>
             <a:fld id="{96FB5D56-0812-4ED5-8B52-3D0DCBF578CB}" type="datetimeFigureOut">
               <a:rPr lang="en-US" smtClean="0"/>
-              <a:t>5/10/2018</a:t>
+              <a:t>5/19/2018</a:t>
             </a:fld>
             <a:endParaRPr lang="en-US"/>
           </a:p>
@@ -9153,7 +9133,7 @@
           <a:p>
             <a:fld id="{96FB5D56-0812-4ED5-8B52-3D0DCBF578CB}" type="datetimeFigureOut">
               <a:rPr lang="en-US" smtClean="0"/>
-              <a:t>5/10/2018</a:t>
+              <a:t>5/19/2018</a:t>
             </a:fld>
             <a:endParaRPr lang="en-US"/>
           </a:p>
@@ -10013,7 +9993,7 @@
           <a:p>
             <a:fld id="{96FB5D56-0812-4ED5-8B52-3D0DCBF578CB}" type="datetimeFigureOut">
               <a:rPr lang="en-US" smtClean="0"/>
-              <a:t>5/10/2018</a:t>
+              <a:t>5/19/2018</a:t>
             </a:fld>
             <a:endParaRPr lang="en-US"/>
           </a:p>
@@ -10183,7 +10163,7 @@
           <a:p>
             <a:fld id="{96FB5D56-0812-4ED5-8B52-3D0DCBF578CB}" type="datetimeFigureOut">
               <a:rPr lang="en-US" smtClean="0"/>
-              <a:t>5/10/2018</a:t>
+              <a:t>5/19/2018</a:t>
             </a:fld>
             <a:endParaRPr lang="en-US"/>
           </a:p>
@@ -10363,7 +10343,7 @@
           <a:p>
             <a:fld id="{96FB5D56-0812-4ED5-8B52-3D0DCBF578CB}" type="datetimeFigureOut">
               <a:rPr lang="en-US" smtClean="0"/>
-              <a:t>5/10/2018</a:t>
+              <a:t>5/19/2018</a:t>
             </a:fld>
             <a:endParaRPr lang="en-US"/>
           </a:p>
@@ -10533,7 +10513,7 @@
           <a:p>
             <a:fld id="{96FB5D56-0812-4ED5-8B52-3D0DCBF578CB}" type="datetimeFigureOut">
               <a:rPr lang="en-US" smtClean="0"/>
-              <a:t>5/10/2018</a:t>
+              <a:t>5/19/2018</a:t>
             </a:fld>
             <a:endParaRPr lang="en-US"/>
           </a:p>
@@ -10780,7 +10760,7 @@
           <a:p>
             <a:fld id="{96FB5D56-0812-4ED5-8B52-3D0DCBF578CB}" type="datetimeFigureOut">
               <a:rPr lang="en-US" smtClean="0"/>
-              <a:t>5/10/2018</a:t>
+              <a:t>5/19/2018</a:t>
             </a:fld>
             <a:endParaRPr lang="en-US"/>
           </a:p>
@@ -11072,7 +11052,7 @@
           <a:p>
             <a:fld id="{96FB5D56-0812-4ED5-8B52-3D0DCBF578CB}" type="datetimeFigureOut">
               <a:rPr lang="en-US" smtClean="0"/>
-              <a:t>5/10/2018</a:t>
+              <a:t>5/19/2018</a:t>
             </a:fld>
             <a:endParaRPr lang="en-US"/>
           </a:p>
@@ -11516,7 +11496,7 @@
           <a:p>
             <a:fld id="{96FB5D56-0812-4ED5-8B52-3D0DCBF578CB}" type="datetimeFigureOut">
               <a:rPr lang="en-US" smtClean="0"/>
-              <a:t>5/10/2018</a:t>
+              <a:t>5/19/2018</a:t>
             </a:fld>
             <a:endParaRPr lang="en-US"/>
           </a:p>
@@ -11634,7 +11614,7 @@
           <a:p>
             <a:fld id="{96FB5D56-0812-4ED5-8B52-3D0DCBF578CB}" type="datetimeFigureOut">
               <a:rPr lang="en-US" smtClean="0"/>
-              <a:t>5/10/2018</a:t>
+              <a:t>5/19/2018</a:t>
             </a:fld>
             <a:endParaRPr lang="en-US"/>
           </a:p>
@@ -11729,7 +11709,7 @@
           <a:p>
             <a:fld id="{96FB5D56-0812-4ED5-8B52-3D0DCBF578CB}" type="datetimeFigureOut">
               <a:rPr lang="en-US" smtClean="0"/>
-              <a:t>5/10/2018</a:t>
+              <a:t>5/19/2018</a:t>
             </a:fld>
             <a:endParaRPr lang="en-US"/>
           </a:p>
@@ -12008,7 +11988,7 @@
           <a:p>
             <a:fld id="{96FB5D56-0812-4ED5-8B52-3D0DCBF578CB}" type="datetimeFigureOut">
               <a:rPr lang="en-US" smtClean="0"/>
-              <a:t>5/10/2018</a:t>
+              <a:t>5/19/2018</a:t>
             </a:fld>
             <a:endParaRPr lang="en-US"/>
           </a:p>
@@ -12283,7 +12263,7 @@
           <a:p>
             <a:fld id="{96FB5D56-0812-4ED5-8B52-3D0DCBF578CB}" type="datetimeFigureOut">
               <a:rPr lang="en-US" smtClean="0"/>
-              <a:t>5/10/2018</a:t>
+              <a:t>5/19/2018</a:t>
             </a:fld>
             <a:endParaRPr lang="en-US"/>
           </a:p>
@@ -12712,7 +12692,7 @@
           <a:p>
             <a:fld id="{96FB5D56-0812-4ED5-8B52-3D0DCBF578CB}" type="datetimeFigureOut">
               <a:rPr lang="en-US" smtClean="0"/>
-              <a:t>5/10/2018</a:t>
+              <a:t>5/19/2018</a:t>
             </a:fld>
             <a:endParaRPr lang="en-US"/>
           </a:p>
@@ -16518,18 +16498,9 @@
           <a:p>
             <a:pPr lvl="2"/>
             <a:r>
-              <a:rPr lang="en-US" sz="2200" dirty="0" err="1"/>
-              <a:t>Int</a:t>
-            </a:r>
-            <a:r>
               <a:rPr lang="en-US" sz="2200" dirty="0"/>
-              <a:t>, decimal, bool, </a:t>
-            </a:r>
-            <a:r>
-              <a:rPr lang="en-US" sz="2200" dirty="0" err="1"/>
-              <a:t>struct</a:t>
-            </a:r>
-            <a:endParaRPr lang="en-US" sz="2200" dirty="0"/>
+              <a:t>int, decimal, bool</a:t>
+            </a:r>
           </a:p>
           <a:p>
             <a:pPr lvl="1"/>
@@ -17002,15 +16973,7 @@
             </a:r>
             <a:r>
               <a:rPr lang="en-US" sz="2800" dirty="0"/>
-              <a:t>[counter].</a:t>
-            </a:r>
-            <a:r>
-              <a:rPr lang="en-US" sz="2800" dirty="0" err="1"/>
-              <a:t>ToString</a:t>
-            </a:r>
-            <a:r>
-              <a:rPr lang="en-US" sz="2800" dirty="0"/>
-              <a:t>());</a:t>
+              <a:t>[counter]);</a:t>
             </a:r>
           </a:p>
           <a:p>
@@ -17225,15 +17188,7 @@
             </a:r>
             <a:r>
               <a:rPr lang="en-US" sz="2800" dirty="0"/>
-              <a:t>[counter].</a:t>
-            </a:r>
-            <a:r>
-              <a:rPr lang="en-US" sz="2800" dirty="0" err="1"/>
-              <a:t>ToString</a:t>
-            </a:r>
-            <a:r>
-              <a:rPr lang="en-US" sz="2800" dirty="0"/>
-              <a:t>());</a:t>
+              <a:t>[counter]);</a:t>
             </a:r>
           </a:p>
           <a:p>
@@ -17465,15 +17420,7 @@
             </a:r>
             <a:r>
               <a:rPr lang="en-US" sz="2800" dirty="0"/>
-              <a:t>[counter].</a:t>
-            </a:r>
-            <a:r>
-              <a:rPr lang="en-US" sz="2800" dirty="0" err="1"/>
-              <a:t>ToString</a:t>
-            </a:r>
-            <a:r>
-              <a:rPr lang="en-US" sz="2800" dirty="0"/>
-              <a:t>());</a:t>
+              <a:t>[counter]);</a:t>
             </a:r>
           </a:p>
           <a:p>
@@ -17676,15 +17623,7 @@
             </a:r>
             <a:r>
               <a:rPr lang="en-US" sz="2800" dirty="0"/>
-              <a:t>(</a:t>
-            </a:r>
-            <a:r>
-              <a:rPr lang="en-US" sz="2800" dirty="0" err="1"/>
-              <a:t>value.ToString</a:t>
-            </a:r>
-            <a:r>
-              <a:rPr lang="en-US" sz="2800" dirty="0"/>
-              <a:t>());</a:t>
+              <a:t>(value);</a:t>
             </a:r>
           </a:p>
           <a:p>
@@ -17979,7 +17918,7 @@
         </p:spPr>
         <p:txBody>
           <a:bodyPr>
-            <a:normAutofit lnSpcReduction="10000"/>
+            <a:normAutofit/>
           </a:bodyPr>
           <a:lstStyle/>
           <a:p>
@@ -18015,13 +17954,6 @@
             <a:r>
               <a:rPr lang="en-US" sz="2800" dirty="0"/>
               <a:t>Use all loop types.</a:t>
-            </a:r>
-          </a:p>
-          <a:p>
-            <a:pPr lvl="0"/>
-            <a:r>
-              <a:rPr lang="en-US" sz="2800" dirty="0"/>
-              <a:t>Given another array of string variables with names, write out the name and their status.</a:t>
             </a:r>
           </a:p>
         </p:txBody>
@@ -19358,7 +19290,7 @@
         </p:spPr>
         <p:txBody>
           <a:bodyPr>
-            <a:normAutofit lnSpcReduction="10000"/>
+            <a:normAutofit/>
           </a:bodyPr>
           <a:lstStyle/>
           <a:p>
@@ -19377,13 +19309,7 @@
           <a:p>
             <a:r>
               <a:rPr lang="en-US" sz="3000" dirty="0"/>
-              <a:t>Modify your previous program to create a method that handles the condition given a parameter for status and for name that returns the concatenated string.</a:t>
-            </a:r>
-          </a:p>
-          <a:p>
-            <a:r>
-              <a:rPr lang="en-US" sz="3000" dirty="0"/>
-              <a:t>Write a void method that takes a string parameter and writes it to the console.</a:t>
+              <a:t>Modify your previous program to create a method that handles the condition given a parameter for status that returns the status string.</a:t>
             </a:r>
           </a:p>
         </p:txBody>
@@ -19893,13 +19819,7 @@
           <a:p>
             <a:r>
               <a:rPr lang="en-US" sz="3000" dirty="0"/>
-              <a:t>Modify your previous program to create a generic list of names of everyone who is alive.</a:t>
-            </a:r>
-          </a:p>
-          <a:p>
-            <a:r>
-              <a:rPr lang="en-US" sz="3000" dirty="0"/>
-              <a:t>At the end of the program, list everyone still alive.</a:t>
+              <a:t>Modify your previous program to create a generic list of status descriptions.</a:t>
             </a:r>
           </a:p>
         </p:txBody>
@@ -20478,7 +20398,7 @@
             <a:pPr lvl="1"/>
             <a:r>
               <a:rPr lang="en-US" sz="2600" dirty="0"/>
-              <a:t>new, restore, build, run, clean</a:t>
+              <a:t>new, build, run</a:t>
             </a:r>
           </a:p>
           <a:p>

--- a/Slides/02_C#_TrainingPlan.pptx
+++ b/Slides/02_C#_TrainingPlan.pptx
@@ -5,7 +5,7 @@
     <p:sldMasterId id="2147483672" r:id="rId1"/>
   </p:sldMasterIdLst>
   <p:notesMasterIdLst>
-    <p:notesMasterId r:id="rId52"/>
+    <p:notesMasterId r:id="rId53"/>
   </p:notesMasterIdLst>
   <p:sldIdLst>
     <p:sldId id="256" r:id="rId2"/>
@@ -38,26 +38,27 @@
     <p:sldId id="344" r:id="rId29"/>
     <p:sldId id="349" r:id="rId30"/>
     <p:sldId id="327" r:id="rId31"/>
-    <p:sldId id="339" r:id="rId32"/>
-    <p:sldId id="309" r:id="rId33"/>
-    <p:sldId id="313" r:id="rId34"/>
-    <p:sldId id="314" r:id="rId35"/>
-    <p:sldId id="315" r:id="rId36"/>
-    <p:sldId id="308" r:id="rId37"/>
-    <p:sldId id="345" r:id="rId38"/>
-    <p:sldId id="350" r:id="rId39"/>
-    <p:sldId id="329" r:id="rId40"/>
-    <p:sldId id="330" r:id="rId41"/>
-    <p:sldId id="340" r:id="rId42"/>
-    <p:sldId id="346" r:id="rId43"/>
-    <p:sldId id="352" r:id="rId44"/>
-    <p:sldId id="319" r:id="rId45"/>
-    <p:sldId id="320" r:id="rId46"/>
-    <p:sldId id="347" r:id="rId47"/>
-    <p:sldId id="353" r:id="rId48"/>
-    <p:sldId id="342" r:id="rId49"/>
-    <p:sldId id="348" r:id="rId50"/>
-    <p:sldId id="354" r:id="rId51"/>
+    <p:sldId id="358" r:id="rId32"/>
+    <p:sldId id="339" r:id="rId33"/>
+    <p:sldId id="309" r:id="rId34"/>
+    <p:sldId id="313" r:id="rId35"/>
+    <p:sldId id="314" r:id="rId36"/>
+    <p:sldId id="315" r:id="rId37"/>
+    <p:sldId id="308" r:id="rId38"/>
+    <p:sldId id="345" r:id="rId39"/>
+    <p:sldId id="350" r:id="rId40"/>
+    <p:sldId id="329" r:id="rId41"/>
+    <p:sldId id="330" r:id="rId42"/>
+    <p:sldId id="340" r:id="rId43"/>
+    <p:sldId id="346" r:id="rId44"/>
+    <p:sldId id="352" r:id="rId45"/>
+    <p:sldId id="319" r:id="rId46"/>
+    <p:sldId id="320" r:id="rId47"/>
+    <p:sldId id="347" r:id="rId48"/>
+    <p:sldId id="353" r:id="rId49"/>
+    <p:sldId id="342" r:id="rId50"/>
+    <p:sldId id="348" r:id="rId51"/>
+    <p:sldId id="354" r:id="rId52"/>
   </p:sldIdLst>
   <p:sldSz cx="12192000" cy="6858000"/>
   <p:notesSz cx="7315200" cy="9601200"/>
@@ -246,7 +247,7 @@
           <a:p>
             <a:fld id="{F2CCBB93-BAE9-4D98-B8FE-98BE5BFF2E59}" type="datetimeFigureOut">
               <a:rPr lang="en-US" smtClean="0"/>
-              <a:t>5/19/2018</a:t>
+              <a:t>6/6/2018</a:t>
             </a:fld>
             <a:endParaRPr lang="en-US"/>
           </a:p>
@@ -3489,7 +3490,7 @@
             </a:pPr>
             <a:r>
               <a:rPr lang="en-US" baseline="0" dirty="0"/>
-              <a:t>Arrays are declared with other data types followed by square brackets [].</a:t>
+              <a:t>Value types will default to a value.</a:t>
             </a:r>
           </a:p>
           <a:p>
@@ -3499,7 +3500,7 @@
             </a:pPr>
             <a:r>
               <a:rPr lang="en-US" baseline="0" dirty="0"/>
-              <a:t>Because array is a reference type, it requires the new keyword to create a new instance of the array.</a:t>
+              <a:t>Int and decimal default to 0</a:t>
             </a:r>
           </a:p>
           <a:p>
@@ -3509,57 +3510,37 @@
             </a:pPr>
             <a:r>
               <a:rPr lang="en-US" baseline="0" dirty="0"/>
-              <a:t>Values can be set to the array one by one or all at once.</a:t>
-            </a:r>
-          </a:p>
-          <a:p>
-            <a:pPr marL="664546" lvl="1" indent="-181240">
+              <a:t>Bool defaults to false.</a:t>
+            </a:r>
+          </a:p>
+          <a:p>
+            <a:pPr marL="181240" indent="-181240">
               <a:buFont typeface="Arial" panose="020B0604020202020204" pitchFamily="34" charset="0"/>
               <a:buChar char="•"/>
             </a:pPr>
             <a:r>
               <a:rPr lang="en-US" baseline="0" dirty="0"/>
-              <a:t>If this is the case then the array needs to be initialized with the number of indexes (values) that are required.</a:t>
-            </a:r>
-          </a:p>
-          <a:p>
-            <a:pPr marL="664546" lvl="1" indent="-181240">
+              <a:t>Reference types default to null, which is lack of a value.</a:t>
+            </a:r>
+          </a:p>
+          <a:p>
+            <a:pPr marL="181240" indent="-181240">
               <a:buFont typeface="Arial" panose="020B0604020202020204" pitchFamily="34" charset="0"/>
               <a:buChar char="•"/>
             </a:pPr>
             <a:r>
               <a:rPr lang="en-US" baseline="0" dirty="0"/>
-              <a:t>If all at once, then values are provided in curly braces {} and are comma separated.</a:t>
-            </a:r>
-          </a:p>
-          <a:p>
-            <a:pPr marL="664546" lvl="1" indent="-181240">
+              <a:t>They need to be instantiated before they have a value.</a:t>
+            </a:r>
+          </a:p>
+          <a:p>
+            <a:pPr marL="181240" indent="-181240">
               <a:buFont typeface="Arial" panose="020B0604020202020204" pitchFamily="34" charset="0"/>
               <a:buChar char="•"/>
             </a:pPr>
             <a:r>
               <a:rPr lang="en-US" baseline="0" dirty="0"/>
-              <a:t>The size of the array does not need to be specified if you are directly setting values.</a:t>
-            </a:r>
-          </a:p>
-          <a:p>
-            <a:pPr marL="181240" indent="-181240">
-              <a:buFont typeface="Arial" panose="020B0604020202020204" pitchFamily="34" charset="0"/>
-              <a:buChar char="•"/>
-            </a:pPr>
-            <a:r>
-              <a:rPr lang="en-US" baseline="0" dirty="0"/>
-              <a:t>As a short hand the new keyword can be bypassed and directly set to values using the curly brace {} syntax.</a:t>
-            </a:r>
-          </a:p>
-          <a:p>
-            <a:pPr marL="181240" indent="-181240">
-              <a:buFont typeface="Arial" panose="020B0604020202020204" pitchFamily="34" charset="0"/>
-              <a:buChar char="•"/>
-            </a:pPr>
-            <a:r>
-              <a:rPr lang="en-US" baseline="0" dirty="0"/>
-              <a:t>When using arrays, an index number can be specified inside of square brackets followed by the variable name.  This will supply the value at that index in the array.</a:t>
+              <a:t>You can check if a variable is null by doing a comparison variable == null</a:t>
             </a:r>
           </a:p>
         </p:txBody>
@@ -3590,7 +3571,7 @@
     </p:spTree>
     <p:extLst>
       <p:ext uri="{BB962C8B-B14F-4D97-AF65-F5344CB8AC3E}">
-        <p14:creationId xmlns:p14="http://schemas.microsoft.com/office/powerpoint/2010/main" val="693685028"/>
+        <p14:creationId xmlns:p14="http://schemas.microsoft.com/office/powerpoint/2010/main" val="4293534845"/>
       </p:ext>
     </p:extLst>
   </p:cSld>
@@ -3650,7 +3631,77 @@
             </a:pPr>
             <a:r>
               <a:rPr lang="en-US" baseline="0" dirty="0"/>
-              <a:t>While loops will loop as long as the condition is true</a:t>
+              <a:t>Arrays are declared with other data types followed by square brackets [].</a:t>
+            </a:r>
+          </a:p>
+          <a:p>
+            <a:pPr marL="181240" indent="-181240">
+              <a:buFont typeface="Arial" panose="020B0604020202020204" pitchFamily="34" charset="0"/>
+              <a:buChar char="•"/>
+            </a:pPr>
+            <a:r>
+              <a:rPr lang="en-US" baseline="0" dirty="0"/>
+              <a:t>Because array is a reference type, it requires the new keyword to create a new instance of the array.</a:t>
+            </a:r>
+          </a:p>
+          <a:p>
+            <a:pPr marL="181240" indent="-181240">
+              <a:buFont typeface="Arial" panose="020B0604020202020204" pitchFamily="34" charset="0"/>
+              <a:buChar char="•"/>
+            </a:pPr>
+            <a:r>
+              <a:rPr lang="en-US" baseline="0" dirty="0"/>
+              <a:t>Values can be set to the array one by one or all at once.</a:t>
+            </a:r>
+          </a:p>
+          <a:p>
+            <a:pPr marL="664546" lvl="1" indent="-181240">
+              <a:buFont typeface="Arial" panose="020B0604020202020204" pitchFamily="34" charset="0"/>
+              <a:buChar char="•"/>
+            </a:pPr>
+            <a:r>
+              <a:rPr lang="en-US" baseline="0" dirty="0"/>
+              <a:t>If this is the case then the array needs to be initialized with the number of indexes (values) that are required.</a:t>
+            </a:r>
+          </a:p>
+          <a:p>
+            <a:pPr marL="664546" lvl="1" indent="-181240">
+              <a:buFont typeface="Arial" panose="020B0604020202020204" pitchFamily="34" charset="0"/>
+              <a:buChar char="•"/>
+            </a:pPr>
+            <a:r>
+              <a:rPr lang="en-US" baseline="0" dirty="0"/>
+              <a:t>If all at once, then values are provided in curly braces {} and are comma separated.</a:t>
+            </a:r>
+          </a:p>
+          <a:p>
+            <a:pPr marL="664546" lvl="1" indent="-181240">
+              <a:buFont typeface="Arial" panose="020B0604020202020204" pitchFamily="34" charset="0"/>
+              <a:buChar char="•"/>
+            </a:pPr>
+            <a:r>
+              <a:rPr lang="en-US" baseline="0" dirty="0"/>
+              <a:t>The size of the array does not need to be specified if you are directly setting values.</a:t>
+            </a:r>
+          </a:p>
+          <a:p>
+            <a:pPr marL="181240" indent="-181240">
+              <a:buFont typeface="Arial" panose="020B0604020202020204" pitchFamily="34" charset="0"/>
+              <a:buChar char="•"/>
+            </a:pPr>
+            <a:r>
+              <a:rPr lang="en-US" baseline="0" dirty="0"/>
+              <a:t>As a short hand the new keyword can be bypassed and directly set to values using the curly brace {} syntax.</a:t>
+            </a:r>
+          </a:p>
+          <a:p>
+            <a:pPr marL="181240" indent="-181240">
+              <a:buFont typeface="Arial" panose="020B0604020202020204" pitchFamily="34" charset="0"/>
+              <a:buChar char="•"/>
+            </a:pPr>
+            <a:r>
+              <a:rPr lang="en-US" baseline="0" dirty="0"/>
+              <a:t>When using arrays, an index number can be specified inside of square brackets followed by the variable name.  This will supply the value at that index in the array.</a:t>
             </a:r>
           </a:p>
         </p:txBody>
@@ -3681,7 +3732,7 @@
     </p:spTree>
     <p:extLst>
       <p:ext uri="{BB962C8B-B14F-4D97-AF65-F5344CB8AC3E}">
-        <p14:creationId xmlns:p14="http://schemas.microsoft.com/office/powerpoint/2010/main" val="1503614328"/>
+        <p14:creationId xmlns:p14="http://schemas.microsoft.com/office/powerpoint/2010/main" val="693685028"/>
       </p:ext>
     </p:extLst>
   </p:cSld>
@@ -3741,7 +3792,7 @@
             </a:pPr>
             <a:r>
               <a:rPr lang="en-US" baseline="0" dirty="0"/>
-              <a:t>Do while is very similar to a while loop except that the evaluation of the condition is at the end instead of the beginning.</a:t>
+              <a:t>While loops will loop as long as the condition is true</a:t>
             </a:r>
           </a:p>
         </p:txBody>
@@ -3772,7 +3823,7 @@
     </p:spTree>
     <p:extLst>
       <p:ext uri="{BB962C8B-B14F-4D97-AF65-F5344CB8AC3E}">
-        <p14:creationId xmlns:p14="http://schemas.microsoft.com/office/powerpoint/2010/main" val="3844848905"/>
+        <p14:creationId xmlns:p14="http://schemas.microsoft.com/office/powerpoint/2010/main" val="1503614328"/>
       </p:ext>
     </p:extLst>
   </p:cSld>
@@ -3832,47 +3883,7 @@
             </a:pPr>
             <a:r>
               <a:rPr lang="en-US" baseline="0" dirty="0"/>
-              <a:t>The for loop takes 3 statements.</a:t>
-            </a:r>
-          </a:p>
-          <a:p>
-            <a:pPr marL="181240" indent="-181240">
-              <a:buFont typeface="Arial" panose="020B0604020202020204" pitchFamily="34" charset="0"/>
-              <a:buChar char="•"/>
-            </a:pPr>
-            <a:r>
-              <a:rPr lang="en-US" baseline="0" dirty="0"/>
-              <a:t>The first statement is to initialize the variable</a:t>
-            </a:r>
-          </a:p>
-          <a:p>
-            <a:pPr marL="181240" indent="-181240">
-              <a:buFont typeface="Arial" panose="020B0604020202020204" pitchFamily="34" charset="0"/>
-              <a:buChar char="•"/>
-            </a:pPr>
-            <a:r>
-              <a:rPr lang="en-US" baseline="0" dirty="0"/>
-              <a:t>The second statement is the condition to check</a:t>
-            </a:r>
-          </a:p>
-          <a:p>
-            <a:pPr marL="181240" indent="-181240">
-              <a:buFont typeface="Arial" panose="020B0604020202020204" pitchFamily="34" charset="0"/>
-              <a:buChar char="•"/>
-            </a:pPr>
-            <a:r>
-              <a:rPr lang="en-US" baseline="0" dirty="0"/>
-              <a:t>The third statement is to update a variable.</a:t>
-            </a:r>
-          </a:p>
-          <a:p>
-            <a:pPr marL="181240" indent="-181240">
-              <a:buFont typeface="Arial" panose="020B0604020202020204" pitchFamily="34" charset="0"/>
-              <a:buChar char="•"/>
-            </a:pPr>
-            <a:r>
-              <a:rPr lang="en-US" baseline="0" dirty="0"/>
-              <a:t>This is a bit more succinct than the while loop since it can do all things normally needed for a while loop in one line.</a:t>
+              <a:t>Do while is very similar to a while loop except that the evaluation of the condition is at the end instead of the beginning.</a:t>
             </a:r>
           </a:p>
         </p:txBody>
@@ -3903,7 +3914,7 @@
     </p:spTree>
     <p:extLst>
       <p:ext uri="{BB962C8B-B14F-4D97-AF65-F5344CB8AC3E}">
-        <p14:creationId xmlns:p14="http://schemas.microsoft.com/office/powerpoint/2010/main" val="3270469660"/>
+        <p14:creationId xmlns:p14="http://schemas.microsoft.com/office/powerpoint/2010/main" val="3844848905"/>
       </p:ext>
     </p:extLst>
   </p:cSld>
@@ -3963,15 +3974,17 @@
             </a:pPr>
             <a:r>
               <a:rPr lang="en-US" baseline="0" dirty="0"/>
-              <a:t>The </a:t>
-            </a:r>
-            <a:r>
-              <a:rPr lang="en-US" baseline="0" dirty="0" err="1"/>
-              <a:t>foreach</a:t>
-            </a:r>
+              <a:t>The for loop takes 3 statements.</a:t>
+            </a:r>
+          </a:p>
+          <a:p>
+            <a:pPr marL="181240" indent="-181240">
+              <a:buFont typeface="Arial" panose="020B0604020202020204" pitchFamily="34" charset="0"/>
+              <a:buChar char="•"/>
+            </a:pPr>
             <a:r>
               <a:rPr lang="en-US" baseline="0" dirty="0"/>
-              <a:t> loop is similar to the for loop</a:t>
+              <a:t>The first statement is to initialize the variable</a:t>
             </a:r>
           </a:p>
           <a:p>
@@ -3981,7 +3994,7 @@
             </a:pPr>
             <a:r>
               <a:rPr lang="en-US" baseline="0" dirty="0"/>
-              <a:t>The difference is that it allows you to iterate through an enumerable variable.</a:t>
+              <a:t>The second statement is the condition to check</a:t>
             </a:r>
           </a:p>
           <a:p>
@@ -3991,15 +4004,17 @@
             </a:pPr>
             <a:r>
               <a:rPr lang="en-US" baseline="0" dirty="0"/>
-              <a:t>An enumerable variable is a variable that has a type that implements </a:t>
-            </a:r>
-            <a:r>
-              <a:rPr lang="en-US" baseline="0" dirty="0" err="1"/>
-              <a:t>IEnumerable</a:t>
-            </a:r>
+              <a:t>The third statement is to update a variable.</a:t>
+            </a:r>
+          </a:p>
+          <a:p>
+            <a:pPr marL="181240" indent="-181240">
+              <a:buFont typeface="Arial" panose="020B0604020202020204" pitchFamily="34" charset="0"/>
+              <a:buChar char="•"/>
+            </a:pPr>
             <a:r>
               <a:rPr lang="en-US" baseline="0" dirty="0"/>
-              <a:t> interface.</a:t>
+              <a:t>This is a bit more succinct than the while loop since it can do all things normally needed for a while loop in one line.</a:t>
             </a:r>
           </a:p>
         </p:txBody>
@@ -4030,7 +4045,7 @@
     </p:spTree>
     <p:extLst>
       <p:ext uri="{BB962C8B-B14F-4D97-AF65-F5344CB8AC3E}">
-        <p14:creationId xmlns:p14="http://schemas.microsoft.com/office/powerpoint/2010/main" val="2046540764"/>
+        <p14:creationId xmlns:p14="http://schemas.microsoft.com/office/powerpoint/2010/main" val="3270469660"/>
       </p:ext>
     </p:extLst>
   </p:cSld>
@@ -4084,9 +4099,49 @@
           <a:bodyPr/>
           <a:lstStyle/>
           <a:p>
-            <a:r>
-              <a:rPr lang="en-US" dirty="0"/>
-              <a:t>Let’s go through some examples</a:t>
+            <a:pPr marL="181240" indent="-181240">
+              <a:buFont typeface="Arial" panose="020B0604020202020204" pitchFamily="34" charset="0"/>
+              <a:buChar char="•"/>
+            </a:pPr>
+            <a:r>
+              <a:rPr lang="en-US" baseline="0" dirty="0"/>
+              <a:t>The </a:t>
+            </a:r>
+            <a:r>
+              <a:rPr lang="en-US" baseline="0" dirty="0" err="1"/>
+              <a:t>foreach</a:t>
+            </a:r>
+            <a:r>
+              <a:rPr lang="en-US" baseline="0" dirty="0"/>
+              <a:t> loop is similar to the for loop</a:t>
+            </a:r>
+          </a:p>
+          <a:p>
+            <a:pPr marL="181240" indent="-181240">
+              <a:buFont typeface="Arial" panose="020B0604020202020204" pitchFamily="34" charset="0"/>
+              <a:buChar char="•"/>
+            </a:pPr>
+            <a:r>
+              <a:rPr lang="en-US" baseline="0" dirty="0"/>
+              <a:t>The difference is that it allows you to iterate through an enumerable variable.</a:t>
+            </a:r>
+          </a:p>
+          <a:p>
+            <a:pPr marL="181240" indent="-181240">
+              <a:buFont typeface="Arial" panose="020B0604020202020204" pitchFamily="34" charset="0"/>
+              <a:buChar char="•"/>
+            </a:pPr>
+            <a:r>
+              <a:rPr lang="en-US" baseline="0" dirty="0"/>
+              <a:t>An enumerable variable is a variable that has a type that implements </a:t>
+            </a:r>
+            <a:r>
+              <a:rPr lang="en-US" baseline="0" dirty="0" err="1"/>
+              <a:t>IEnumerable</a:t>
+            </a:r>
+            <a:r>
+              <a:rPr lang="en-US" baseline="0" dirty="0"/>
+              <a:t> interface.</a:t>
             </a:r>
           </a:p>
         </p:txBody>
@@ -4106,7 +4161,7 @@
           <a:bodyPr/>
           <a:lstStyle/>
           <a:p>
-            <a:fld id="{EFF2A19C-273D-4352-BCC0-8BB0C7A8A8F7}" type="slidenum">
+            <a:fld id="{90562276-63C7-43F9-8E9E-CFA137F6F839}" type="slidenum">
               <a:rPr lang="en-US" smtClean="0"/>
               <a:t>36</a:t>
             </a:fld>
@@ -4117,7 +4172,7 @@
     </p:spTree>
     <p:extLst>
       <p:ext uri="{BB962C8B-B14F-4D97-AF65-F5344CB8AC3E}">
-        <p14:creationId xmlns:p14="http://schemas.microsoft.com/office/powerpoint/2010/main" val="3826781240"/>
+        <p14:creationId xmlns:p14="http://schemas.microsoft.com/office/powerpoint/2010/main" val="2046540764"/>
       </p:ext>
     </p:extLst>
   </p:cSld>
@@ -4171,94 +4226,10 @@
           <a:bodyPr/>
           <a:lstStyle/>
           <a:p>
-            <a:pPr marL="181240" indent="-181240">
-              <a:buFont typeface="Arial" panose="020B0604020202020204" pitchFamily="34" charset="0"/>
-              <a:buChar char="•"/>
-            </a:pPr>
-            <a:r>
-              <a:rPr lang="en-US" sz="1300" dirty="0"/>
-              <a:t>What is the difference between a value and reference type?</a:t>
-            </a:r>
-          </a:p>
-          <a:p>
-            <a:pPr marL="181240" indent="-181240">
-              <a:buFont typeface="Arial" panose="020B0604020202020204" pitchFamily="34" charset="0"/>
-              <a:buChar char="•"/>
-            </a:pPr>
-            <a:r>
-              <a:rPr lang="en-US" sz="1300" dirty="0"/>
-              <a:t>Is </a:t>
-            </a:r>
-            <a:r>
-              <a:rPr lang="en-US" sz="1300" dirty="0" err="1"/>
-              <a:t>int</a:t>
-            </a:r>
-            <a:r>
-              <a:rPr lang="en-US" sz="1300" dirty="0"/>
-              <a:t> a value or reference type?  What about string?</a:t>
-            </a:r>
-          </a:p>
-          <a:p>
-            <a:pPr marL="181240" indent="-181240">
-              <a:buFont typeface="Arial" panose="020B0604020202020204" pitchFamily="34" charset="0"/>
-              <a:buChar char="•"/>
-            </a:pPr>
-            <a:r>
-              <a:rPr lang="en-US" sz="1300" dirty="0"/>
-              <a:t>Write on the board a declaration of an array and initialize in with the numbers 1 to 3.</a:t>
-            </a:r>
-          </a:p>
-          <a:p>
-            <a:pPr marL="181240" indent="-181240">
-              <a:buFont typeface="Arial" panose="020B0604020202020204" pitchFamily="34" charset="0"/>
-              <a:buChar char="•"/>
-            </a:pPr>
-            <a:r>
-              <a:rPr lang="en-US" sz="1300" dirty="0"/>
-              <a:t>Write a while loop that loops through an integer array 1 to 3 and writes each number to the console.</a:t>
-            </a:r>
-          </a:p>
-          <a:p>
-            <a:pPr marL="181240" indent="-181240">
-              <a:buFont typeface="Arial" panose="020B0604020202020204" pitchFamily="34" charset="0"/>
-              <a:buChar char="•"/>
-            </a:pPr>
-            <a:r>
-              <a:rPr lang="en-US" sz="1300" dirty="0"/>
-              <a:t>Write a do while loop that loops through an integer array 1 to 3 and writes each number to the console.</a:t>
-            </a:r>
-          </a:p>
-          <a:p>
-            <a:pPr marL="181240" indent="-181240">
-              <a:buFont typeface="Arial" panose="020B0604020202020204" pitchFamily="34" charset="0"/>
-              <a:buChar char="•"/>
-            </a:pPr>
-            <a:r>
-              <a:rPr lang="en-US" sz="1300" dirty="0"/>
-              <a:t>Write a for loop that loops through an integer array 1 to 3 and writes each number to the console.</a:t>
-            </a:r>
-          </a:p>
-          <a:p>
-            <a:pPr marL="181240" indent="-181240">
-              <a:buFont typeface="Arial" panose="020B0604020202020204" pitchFamily="34" charset="0"/>
-              <a:buChar char="•"/>
-            </a:pPr>
-            <a:r>
-              <a:rPr lang="en-US" sz="1300" dirty="0"/>
-              <a:t>Write a </a:t>
-            </a:r>
-            <a:r>
-              <a:rPr lang="en-US" sz="1300" dirty="0" err="1"/>
-              <a:t>foreach</a:t>
-            </a:r>
-            <a:r>
-              <a:rPr lang="en-US" sz="1300" dirty="0"/>
-              <a:t> loop that loops through an integer array 1 to 3 and writes each number to the console.</a:t>
-            </a:r>
-          </a:p>
-          <a:p>
-            <a:pPr marL="483306" lvl="1"/>
-            <a:endParaRPr lang="en-US" dirty="0"/>
+            <a:r>
+              <a:rPr lang="en-US" dirty="0"/>
+              <a:t>Let’s go through some examples</a:t>
+            </a:r>
           </a:p>
         </p:txBody>
       </p:sp>
@@ -4277,7 +4248,7 @@
           <a:bodyPr/>
           <a:lstStyle/>
           <a:p>
-            <a:fld id="{226FA58D-4B12-4E7B-A2FA-693CE3EACDFD}" type="slidenum">
+            <a:fld id="{EFF2A19C-273D-4352-BCC0-8BB0C7A8A8F7}" type="slidenum">
               <a:rPr lang="en-US" smtClean="0"/>
               <a:t>37</a:t>
             </a:fld>
@@ -4288,7 +4259,7 @@
     </p:spTree>
     <p:extLst>
       <p:ext uri="{BB962C8B-B14F-4D97-AF65-F5344CB8AC3E}">
-        <p14:creationId xmlns:p14="http://schemas.microsoft.com/office/powerpoint/2010/main" val="3207075328"/>
+        <p14:creationId xmlns:p14="http://schemas.microsoft.com/office/powerpoint/2010/main" val="3826781240"/>
       </p:ext>
     </p:extLst>
   </p:cSld>
@@ -4346,6 +4317,89 @@
               <a:buFont typeface="Arial" panose="020B0604020202020204" pitchFamily="34" charset="0"/>
               <a:buChar char="•"/>
             </a:pPr>
+            <a:r>
+              <a:rPr lang="en-US" sz="1300" dirty="0"/>
+              <a:t>What is the difference between a value and reference type?</a:t>
+            </a:r>
+          </a:p>
+          <a:p>
+            <a:pPr marL="181240" indent="-181240">
+              <a:buFont typeface="Arial" panose="020B0604020202020204" pitchFamily="34" charset="0"/>
+              <a:buChar char="•"/>
+            </a:pPr>
+            <a:r>
+              <a:rPr lang="en-US" sz="1300" dirty="0"/>
+              <a:t>Is </a:t>
+            </a:r>
+            <a:r>
+              <a:rPr lang="en-US" sz="1300" dirty="0" err="1"/>
+              <a:t>int</a:t>
+            </a:r>
+            <a:r>
+              <a:rPr lang="en-US" sz="1300" dirty="0"/>
+              <a:t> a value or reference type?  What about string?</a:t>
+            </a:r>
+          </a:p>
+          <a:p>
+            <a:pPr marL="181240" indent="-181240">
+              <a:buFont typeface="Arial" panose="020B0604020202020204" pitchFamily="34" charset="0"/>
+              <a:buChar char="•"/>
+            </a:pPr>
+            <a:r>
+              <a:rPr lang="en-US" sz="1300" dirty="0"/>
+              <a:t>Write on the board a declaration of an array and initialize in with the numbers 1 to 3.</a:t>
+            </a:r>
+          </a:p>
+          <a:p>
+            <a:pPr marL="181240" indent="-181240">
+              <a:buFont typeface="Arial" panose="020B0604020202020204" pitchFamily="34" charset="0"/>
+              <a:buChar char="•"/>
+            </a:pPr>
+            <a:r>
+              <a:rPr lang="en-US" sz="1300" dirty="0"/>
+              <a:t>Write a while loop that loops through an integer array 1 to 3 and writes each number to the console.</a:t>
+            </a:r>
+          </a:p>
+          <a:p>
+            <a:pPr marL="181240" indent="-181240">
+              <a:buFont typeface="Arial" panose="020B0604020202020204" pitchFamily="34" charset="0"/>
+              <a:buChar char="•"/>
+            </a:pPr>
+            <a:r>
+              <a:rPr lang="en-US" sz="1300" dirty="0"/>
+              <a:t>Write a do while loop that loops through an integer array 1 to 3 and writes each number to the console.</a:t>
+            </a:r>
+          </a:p>
+          <a:p>
+            <a:pPr marL="181240" indent="-181240">
+              <a:buFont typeface="Arial" panose="020B0604020202020204" pitchFamily="34" charset="0"/>
+              <a:buChar char="•"/>
+            </a:pPr>
+            <a:r>
+              <a:rPr lang="en-US" sz="1300" dirty="0"/>
+              <a:t>Write a for loop that loops through an integer array 1 to 3 and writes each number to the console.</a:t>
+            </a:r>
+          </a:p>
+          <a:p>
+            <a:pPr marL="181240" indent="-181240">
+              <a:buFont typeface="Arial" panose="020B0604020202020204" pitchFamily="34" charset="0"/>
+              <a:buChar char="•"/>
+            </a:pPr>
+            <a:r>
+              <a:rPr lang="en-US" sz="1300" dirty="0"/>
+              <a:t>Write a </a:t>
+            </a:r>
+            <a:r>
+              <a:rPr lang="en-US" sz="1300" dirty="0" err="1"/>
+              <a:t>foreach</a:t>
+            </a:r>
+            <a:r>
+              <a:rPr lang="en-US" sz="1300" dirty="0"/>
+              <a:t> loop that loops through an integer array 1 to 3 and writes each number to the console.</a:t>
+            </a:r>
+          </a:p>
+          <a:p>
+            <a:pPr marL="483306" lvl="1"/>
             <a:endParaRPr lang="en-US" dirty="0"/>
           </a:p>
         </p:txBody>
@@ -4376,7 +4430,7 @@
     </p:spTree>
     <p:extLst>
       <p:ext uri="{BB962C8B-B14F-4D97-AF65-F5344CB8AC3E}">
-        <p14:creationId xmlns:p14="http://schemas.microsoft.com/office/powerpoint/2010/main" val="302028945"/>
+        <p14:creationId xmlns:p14="http://schemas.microsoft.com/office/powerpoint/2010/main" val="3207075328"/>
       </p:ext>
     </p:extLst>
   </p:cSld>
@@ -4434,117 +4488,7 @@
               <a:buFont typeface="Arial" panose="020B0604020202020204" pitchFamily="34" charset="0"/>
               <a:buChar char="•"/>
             </a:pPr>
-            <a:r>
-              <a:rPr lang="en-US" sz="1300" dirty="0"/>
-              <a:t>It would be difficult to deal with code that just went on endlessly.</a:t>
-            </a:r>
-          </a:p>
-          <a:p>
-            <a:pPr marL="181240" indent="-181240">
-              <a:buFont typeface="Arial" panose="020B0604020202020204" pitchFamily="34" charset="0"/>
-              <a:buChar char="•"/>
-            </a:pPr>
-            <a:r>
-              <a:rPr lang="en-US" sz="1300" dirty="0"/>
-              <a:t>Therefore, code is broken down into methods</a:t>
-            </a:r>
-          </a:p>
-          <a:p>
-            <a:pPr marL="181240" indent="-181240">
-              <a:buFont typeface="Arial" panose="020B0604020202020204" pitchFamily="34" charset="0"/>
-              <a:buChar char="•"/>
-            </a:pPr>
-            <a:r>
-              <a:rPr lang="en-US" sz="1300" dirty="0"/>
-              <a:t>Methods should be small and manageable</a:t>
-            </a:r>
-          </a:p>
-          <a:p>
-            <a:pPr marL="181240" indent="-181240">
-              <a:buFont typeface="Arial" panose="020B0604020202020204" pitchFamily="34" charset="0"/>
-              <a:buChar char="•"/>
-            </a:pPr>
-            <a:r>
-              <a:rPr lang="en-US" sz="1300" dirty="0"/>
-              <a:t>Methods are statements grouped into cohesive actions</a:t>
-            </a:r>
-          </a:p>
-          <a:p>
-            <a:pPr marL="181240" indent="-181240">
-              <a:buFont typeface="Arial" panose="020B0604020202020204" pitchFamily="34" charset="0"/>
-              <a:buChar char="•"/>
-            </a:pPr>
-            <a:r>
-              <a:rPr lang="en-US" sz="1300" dirty="0"/>
-              <a:t>Methods are reusable.  You can call them multiple times without re-writing them.</a:t>
-            </a:r>
-          </a:p>
-          <a:p>
-            <a:pPr marL="181240" indent="-181240">
-              <a:buFont typeface="Arial" panose="020B0604020202020204" pitchFamily="34" charset="0"/>
-              <a:buChar char="•"/>
-            </a:pPr>
-            <a:r>
-              <a:rPr lang="en-US" sz="1300" dirty="0"/>
-              <a:t>Functions are methods that return a value</a:t>
-            </a:r>
-          </a:p>
-          <a:p>
-            <a:pPr marL="664546" lvl="1" indent="-181240">
-              <a:buFont typeface="Arial" panose="020B0604020202020204" pitchFamily="34" charset="0"/>
-              <a:buChar char="•"/>
-            </a:pPr>
-            <a:r>
-              <a:rPr lang="en-US" sz="1300" dirty="0"/>
-              <a:t>Only one value can be returned from a function.</a:t>
-            </a:r>
-          </a:p>
-          <a:p>
-            <a:pPr marL="181240" indent="-181240">
-              <a:buFont typeface="Arial" panose="020B0604020202020204" pitchFamily="34" charset="0"/>
-              <a:buChar char="•"/>
-            </a:pPr>
-            <a:r>
-              <a:rPr lang="en-US" sz="1300" dirty="0"/>
-              <a:t>Void methods do not return a value</a:t>
-            </a:r>
-          </a:p>
-          <a:p>
-            <a:pPr marL="181240" indent="-181240">
-              <a:buFont typeface="Arial" panose="020B0604020202020204" pitchFamily="34" charset="0"/>
-              <a:buChar char="•"/>
-            </a:pPr>
-            <a:r>
-              <a:rPr lang="en-US" sz="1300" dirty="0"/>
-              <a:t>Methods can have parameters, which are values passed to the method to be used inside of the method.</a:t>
-            </a:r>
-          </a:p>
-          <a:p>
-            <a:pPr marL="181240" indent="-181240">
-              <a:buFont typeface="Arial" panose="020B0604020202020204" pitchFamily="34" charset="0"/>
-              <a:buChar char="•"/>
-            </a:pPr>
-            <a:r>
-              <a:rPr lang="en-US" sz="1300" dirty="0"/>
-              <a:t>You can overload a method which means to have two methods with the same name.</a:t>
-            </a:r>
-          </a:p>
-          <a:p>
-            <a:pPr marL="664546" lvl="1" indent="-181240">
-              <a:buFont typeface="Arial" panose="020B0604020202020204" pitchFamily="34" charset="0"/>
-              <a:buChar char="•"/>
-            </a:pPr>
-            <a:r>
-              <a:rPr lang="en-US" sz="1300" dirty="0"/>
-              <a:t>If you do, it requires parameter types or the number of parameters (the signature) to be different.</a:t>
-            </a:r>
-          </a:p>
-          <a:p>
-            <a:pPr marL="181240" indent="-181240">
-              <a:buFont typeface="Arial" panose="020B0604020202020204" pitchFamily="34" charset="0"/>
-              <a:buChar char="•"/>
-            </a:pPr>
-            <a:endParaRPr lang="en-US" baseline="0" dirty="0"/>
+            <a:endParaRPr lang="en-US" dirty="0"/>
           </a:p>
         </p:txBody>
       </p:sp>
@@ -4563,7 +4507,7 @@
           <a:bodyPr/>
           <a:lstStyle/>
           <a:p>
-            <a:fld id="{90562276-63C7-43F9-8E9E-CFA137F6F839}" type="slidenum">
+            <a:fld id="{226FA58D-4B12-4E7B-A2FA-693CE3EACDFD}" type="slidenum">
               <a:rPr lang="en-US" smtClean="0"/>
               <a:t>39</a:t>
             </a:fld>
@@ -4574,7 +4518,7 @@
     </p:spTree>
     <p:extLst>
       <p:ext uri="{BB962C8B-B14F-4D97-AF65-F5344CB8AC3E}">
-        <p14:creationId xmlns:p14="http://schemas.microsoft.com/office/powerpoint/2010/main" val="3231557450"/>
+        <p14:creationId xmlns:p14="http://schemas.microsoft.com/office/powerpoint/2010/main" val="302028945"/>
       </p:ext>
     </p:extLst>
   </p:cSld>
@@ -4824,8 +4768,58 @@
               <a:buChar char="•"/>
             </a:pPr>
             <a:r>
-              <a:rPr lang="en-US" baseline="0" dirty="0"/>
-              <a:t>This is the general syntax for a method.</a:t>
+              <a:rPr lang="en-US" sz="1300" dirty="0"/>
+              <a:t>It would be difficult to deal with code that just went on endlessly.</a:t>
+            </a:r>
+          </a:p>
+          <a:p>
+            <a:pPr marL="181240" indent="-181240">
+              <a:buFont typeface="Arial" panose="020B0604020202020204" pitchFamily="34" charset="0"/>
+              <a:buChar char="•"/>
+            </a:pPr>
+            <a:r>
+              <a:rPr lang="en-US" sz="1300" dirty="0"/>
+              <a:t>Therefore, code is broken down into methods</a:t>
+            </a:r>
+          </a:p>
+          <a:p>
+            <a:pPr marL="181240" indent="-181240">
+              <a:buFont typeface="Arial" panose="020B0604020202020204" pitchFamily="34" charset="0"/>
+              <a:buChar char="•"/>
+            </a:pPr>
+            <a:r>
+              <a:rPr lang="en-US" sz="1300" dirty="0"/>
+              <a:t>Methods should be small and manageable</a:t>
+            </a:r>
+          </a:p>
+          <a:p>
+            <a:pPr marL="181240" indent="-181240">
+              <a:buFont typeface="Arial" panose="020B0604020202020204" pitchFamily="34" charset="0"/>
+              <a:buChar char="•"/>
+            </a:pPr>
+            <a:r>
+              <a:rPr lang="en-US" sz="1300" dirty="0"/>
+              <a:t>Methods are statements grouped into cohesive actions</a:t>
+            </a:r>
+          </a:p>
+          <a:p>
+            <a:pPr marL="181240" indent="-181240">
+              <a:buFont typeface="Arial" panose="020B0604020202020204" pitchFamily="34" charset="0"/>
+              <a:buChar char="•"/>
+            </a:pPr>
+            <a:r>
+              <a:rPr lang="en-US" sz="1300" dirty="0"/>
+              <a:t>Methods are reusable.  You can call them multiple times without re-writing them.</a:t>
+            </a:r>
+          </a:p>
+          <a:p>
+            <a:pPr marL="181240" indent="-181240">
+              <a:buFont typeface="Arial" panose="020B0604020202020204" pitchFamily="34" charset="0"/>
+              <a:buChar char="•"/>
+            </a:pPr>
+            <a:r>
+              <a:rPr lang="en-US" sz="1300" dirty="0"/>
+              <a:t>Functions are methods that return a value</a:t>
             </a:r>
           </a:p>
           <a:p>
@@ -4834,8 +4828,38 @@
               <a:buChar char="•"/>
             </a:pPr>
             <a:r>
-              <a:rPr lang="en-US" baseline="0" dirty="0"/>
-              <a:t>The access modifier we will talk about later.</a:t>
+              <a:rPr lang="en-US" sz="1300" dirty="0"/>
+              <a:t>Only one value can be returned from a function.</a:t>
+            </a:r>
+          </a:p>
+          <a:p>
+            <a:pPr marL="181240" indent="-181240">
+              <a:buFont typeface="Arial" panose="020B0604020202020204" pitchFamily="34" charset="0"/>
+              <a:buChar char="•"/>
+            </a:pPr>
+            <a:r>
+              <a:rPr lang="en-US" sz="1300" dirty="0"/>
+              <a:t>Void methods do not return a value</a:t>
+            </a:r>
+          </a:p>
+          <a:p>
+            <a:pPr marL="181240" indent="-181240">
+              <a:buFont typeface="Arial" panose="020B0604020202020204" pitchFamily="34" charset="0"/>
+              <a:buChar char="•"/>
+            </a:pPr>
+            <a:r>
+              <a:rPr lang="en-US" sz="1300" dirty="0"/>
+              <a:t>Methods can have parameters, which are values passed to the method to be used inside of the method.</a:t>
+            </a:r>
+          </a:p>
+          <a:p>
+            <a:pPr marL="181240" indent="-181240">
+              <a:buFont typeface="Arial" panose="020B0604020202020204" pitchFamily="34" charset="0"/>
+              <a:buChar char="•"/>
+            </a:pPr>
+            <a:r>
+              <a:rPr lang="en-US" sz="1300" dirty="0"/>
+              <a:t>You can overload a method which means to have two methods with the same name.</a:t>
             </a:r>
           </a:p>
           <a:p>
@@ -4844,39 +4868,16 @@
               <a:buChar char="•"/>
             </a:pPr>
             <a:r>
-              <a:rPr lang="en-US" baseline="0" dirty="0"/>
-              <a:t>The return type is the type that should be returned.  If there is no value to be returned then void should be used.</a:t>
-            </a:r>
-          </a:p>
-          <a:p>
-            <a:pPr marL="664546" lvl="1" indent="-181240">
-              <a:buFont typeface="Arial" panose="020B0604020202020204" pitchFamily="34" charset="0"/>
-              <a:buChar char="•"/>
-            </a:pPr>
-            <a:r>
-              <a:rPr lang="en-US" baseline="0" dirty="0"/>
-              <a:t>Next comes the name of the method.</a:t>
-            </a:r>
-          </a:p>
-          <a:p>
-            <a:pPr marL="664546" lvl="1" indent="-181240">
-              <a:buFont typeface="Arial" panose="020B0604020202020204" pitchFamily="34" charset="0"/>
-              <a:buChar char="•"/>
-            </a:pPr>
-            <a:r>
-              <a:rPr lang="en-US" baseline="0" dirty="0"/>
-              <a:t>After put in the parameters comma separated within the parenthesis ().</a:t>
-            </a:r>
-          </a:p>
-          <a:p>
-            <a:pPr marL="1147852" lvl="2" indent="-181240">
-              <a:buFont typeface="Arial" panose="020B0604020202020204" pitchFamily="34" charset="0"/>
-              <a:buChar char="•"/>
-            </a:pPr>
-            <a:r>
-              <a:rPr lang="en-US" baseline="0" dirty="0"/>
-              <a:t>The parameters should be listed with the type followed by the parameter name.</a:t>
-            </a:r>
+              <a:rPr lang="en-US" sz="1300" dirty="0"/>
+              <a:t>If you do, it requires parameter types or the number of parameters (the signature) to be different.</a:t>
+            </a:r>
+          </a:p>
+          <a:p>
+            <a:pPr marL="181240" indent="-181240">
+              <a:buFont typeface="Arial" panose="020B0604020202020204" pitchFamily="34" charset="0"/>
+              <a:buChar char="•"/>
+            </a:pPr>
+            <a:endParaRPr lang="en-US" baseline="0" dirty="0"/>
           </a:p>
         </p:txBody>
       </p:sp>
@@ -4906,7 +4907,7 @@
     </p:spTree>
     <p:extLst>
       <p:ext uri="{BB962C8B-B14F-4D97-AF65-F5344CB8AC3E}">
-        <p14:creationId xmlns:p14="http://schemas.microsoft.com/office/powerpoint/2010/main" val="3422351768"/>
+        <p14:creationId xmlns:p14="http://schemas.microsoft.com/office/powerpoint/2010/main" val="3231557450"/>
       </p:ext>
     </p:extLst>
   </p:cSld>
@@ -4960,9 +4961,63 @@
           <a:bodyPr/>
           <a:lstStyle/>
           <a:p>
-            <a:r>
-              <a:rPr lang="en-US" dirty="0"/>
-              <a:t>Let’s go through an example.</a:t>
+            <a:pPr marL="181240" indent="-181240">
+              <a:buFont typeface="Arial" panose="020B0604020202020204" pitchFamily="34" charset="0"/>
+              <a:buChar char="•"/>
+            </a:pPr>
+            <a:r>
+              <a:rPr lang="en-US" baseline="0" dirty="0"/>
+              <a:t>This is the general syntax for a method.</a:t>
+            </a:r>
+          </a:p>
+          <a:p>
+            <a:pPr marL="664546" lvl="1" indent="-181240">
+              <a:buFont typeface="Arial" panose="020B0604020202020204" pitchFamily="34" charset="0"/>
+              <a:buChar char="•"/>
+            </a:pPr>
+            <a:r>
+              <a:rPr lang="en-US" baseline="0" dirty="0"/>
+              <a:t>The access modifier we will talk about later.</a:t>
+            </a:r>
+          </a:p>
+          <a:p>
+            <a:pPr marL="664546" lvl="1" indent="-181240">
+              <a:buFont typeface="Arial" panose="020B0604020202020204" pitchFamily="34" charset="0"/>
+              <a:buChar char="•"/>
+            </a:pPr>
+            <a:r>
+              <a:rPr lang="en-US" baseline="0" dirty="0"/>
+              <a:t>The return type is the type that should be returned.  If there is no value to be returned then void should be used.</a:t>
+            </a:r>
+          </a:p>
+          <a:p>
+            <a:pPr marL="664546" lvl="1" indent="-181240">
+              <a:buFont typeface="Arial" panose="020B0604020202020204" pitchFamily="34" charset="0"/>
+              <a:buChar char="•"/>
+            </a:pPr>
+            <a:r>
+              <a:rPr lang="en-US" baseline="0" dirty="0"/>
+              <a:t>Next comes the name of the method.</a:t>
+            </a:r>
+          </a:p>
+          <a:p>
+            <a:pPr marL="664546" lvl="1" indent="-181240">
+              <a:buFont typeface="Arial" panose="020B0604020202020204" pitchFamily="34" charset="0"/>
+              <a:buChar char="•"/>
+            </a:pPr>
+            <a:r>
+              <a:rPr lang="en-US" baseline="0" dirty="0"/>
+              <a:t>After put in the parameters comma separated within the parenthesis ().</a:t>
+            </a:r>
+          </a:p>
+          <a:p>
+            <a:pPr marL="1147852" lvl="2" indent="-181240">
+              <a:buFont typeface="Arial" panose="020B0604020202020204" pitchFamily="34" charset="0"/>
+              <a:buChar char="•"/>
+            </a:pPr>
+            <a:r>
+              <a:rPr lang="en-US" baseline="0" dirty="0"/>
+              <a:t>The parameters should be listed with the type followed by the parameter name.</a:t>
             </a:r>
           </a:p>
         </p:txBody>
@@ -4982,7 +5037,7 @@
           <a:bodyPr/>
           <a:lstStyle/>
           <a:p>
-            <a:fld id="{347B1FF5-FCE8-499D-B296-D7493115F512}" type="slidenum">
+            <a:fld id="{90562276-63C7-43F9-8E9E-CFA137F6F839}" type="slidenum">
               <a:rPr lang="en-US" smtClean="0"/>
               <a:t>41</a:t>
             </a:fld>
@@ -4993,7 +5048,7 @@
     </p:spTree>
     <p:extLst>
       <p:ext uri="{BB962C8B-B14F-4D97-AF65-F5344CB8AC3E}">
-        <p14:creationId xmlns:p14="http://schemas.microsoft.com/office/powerpoint/2010/main" val="2338565182"/>
+        <p14:creationId xmlns:p14="http://schemas.microsoft.com/office/powerpoint/2010/main" val="3422351768"/>
       </p:ext>
     </p:extLst>
   </p:cSld>
@@ -5047,28 +5102,10 @@
           <a:bodyPr/>
           <a:lstStyle/>
           <a:p>
-            <a:pPr marL="181240" indent="-181240">
-              <a:buFont typeface="Arial" panose="020B0604020202020204" pitchFamily="34" charset="0"/>
-              <a:buChar char="•"/>
-            </a:pPr>
-            <a:r>
-              <a:rPr lang="en-US" sz="1300" dirty="0"/>
-              <a:t>Write a method definition that does not return anything and takes two integers as parameters.</a:t>
-            </a:r>
-          </a:p>
-          <a:p>
-            <a:pPr marL="181240" indent="-181240">
-              <a:buFont typeface="Arial" panose="020B0604020202020204" pitchFamily="34" charset="0"/>
-              <a:buChar char="•"/>
-            </a:pPr>
-            <a:r>
-              <a:rPr lang="en-US" sz="1300" dirty="0"/>
-              <a:t>Write a method definition that returns a string and takes two integers as parameters.</a:t>
-            </a:r>
-          </a:p>
-          <a:p>
-            <a:pPr marL="483306" lvl="1"/>
-            <a:endParaRPr lang="en-US" dirty="0"/>
+            <a:r>
+              <a:rPr lang="en-US" dirty="0"/>
+              <a:t>Let’s go through an example.</a:t>
+            </a:r>
           </a:p>
         </p:txBody>
       </p:sp>
@@ -5087,7 +5124,7 @@
           <a:bodyPr/>
           <a:lstStyle/>
           <a:p>
-            <a:fld id="{226FA58D-4B12-4E7B-A2FA-693CE3EACDFD}" type="slidenum">
+            <a:fld id="{347B1FF5-FCE8-499D-B296-D7493115F512}" type="slidenum">
               <a:rPr lang="en-US" smtClean="0"/>
               <a:t>42</a:t>
             </a:fld>
@@ -5098,7 +5135,7 @@
     </p:spTree>
     <p:extLst>
       <p:ext uri="{BB962C8B-B14F-4D97-AF65-F5344CB8AC3E}">
-        <p14:creationId xmlns:p14="http://schemas.microsoft.com/office/powerpoint/2010/main" val="1447508955"/>
+        <p14:creationId xmlns:p14="http://schemas.microsoft.com/office/powerpoint/2010/main" val="2338565182"/>
       </p:ext>
     </p:extLst>
   </p:cSld>
@@ -5156,6 +5193,23 @@
               <a:buFont typeface="Arial" panose="020B0604020202020204" pitchFamily="34" charset="0"/>
               <a:buChar char="•"/>
             </a:pPr>
+            <a:r>
+              <a:rPr lang="en-US" sz="1300" dirty="0"/>
+              <a:t>Write a method definition that does not return anything and takes two integers as parameters.</a:t>
+            </a:r>
+          </a:p>
+          <a:p>
+            <a:pPr marL="181240" indent="-181240">
+              <a:buFont typeface="Arial" panose="020B0604020202020204" pitchFamily="34" charset="0"/>
+              <a:buChar char="•"/>
+            </a:pPr>
+            <a:r>
+              <a:rPr lang="en-US" sz="1300" dirty="0"/>
+              <a:t>Write a method definition that returns a string and takes two integers as parameters.</a:t>
+            </a:r>
+          </a:p>
+          <a:p>
+            <a:pPr marL="483306" lvl="1"/>
             <a:endParaRPr lang="en-US" dirty="0"/>
           </a:p>
         </p:txBody>
@@ -5186,7 +5240,7 @@
     </p:spTree>
     <p:extLst>
       <p:ext uri="{BB962C8B-B14F-4D97-AF65-F5344CB8AC3E}">
-        <p14:creationId xmlns:p14="http://schemas.microsoft.com/office/powerpoint/2010/main" val="105931386"/>
+        <p14:creationId xmlns:p14="http://schemas.microsoft.com/office/powerpoint/2010/main" val="1447508955"/>
       </p:ext>
     </p:extLst>
   </p:cSld>
@@ -5244,68 +5298,7 @@
               <a:buFont typeface="Arial" panose="020B0604020202020204" pitchFamily="34" charset="0"/>
               <a:buChar char="•"/>
             </a:pPr>
-            <a:r>
-              <a:rPr lang="en-US" baseline="0" dirty="0"/>
-              <a:t>Generics allow for type safety while at the same time allowing the same code to work for multiple types.</a:t>
-            </a:r>
-          </a:p>
-          <a:p>
-            <a:pPr marL="181240" indent="-181240">
-              <a:buFont typeface="Arial" panose="020B0604020202020204" pitchFamily="34" charset="0"/>
-              <a:buChar char="•"/>
-            </a:pPr>
-            <a:r>
-              <a:rPr lang="en-US" baseline="0" dirty="0"/>
-              <a:t>Needed in order to have logic be re-usable for different types otherwise, developers had to accept object.  This lead to a lot of boxing and unboxing.  Generics avoids this and keeps things type safe.</a:t>
-            </a:r>
-          </a:p>
-          <a:p>
-            <a:pPr marL="181240" indent="-181240">
-              <a:buFont typeface="Arial" panose="020B0604020202020204" pitchFamily="34" charset="0"/>
-              <a:buChar char="•"/>
-            </a:pPr>
-            <a:r>
-              <a:rPr lang="en-US" baseline="0" dirty="0"/>
-              <a:t>Generics are used a lot with collections.</a:t>
-            </a:r>
-          </a:p>
-          <a:p>
-            <a:pPr marL="181240" indent="-181240">
-              <a:buFont typeface="Arial" panose="020B0604020202020204" pitchFamily="34" charset="0"/>
-              <a:buChar char="•"/>
-            </a:pPr>
-            <a:r>
-              <a:rPr lang="en-US" baseline="0" dirty="0"/>
-              <a:t>Microsoft provides a number of generic collections within the </a:t>
-            </a:r>
-            <a:r>
-              <a:rPr lang="en-US" baseline="0" dirty="0" err="1"/>
-              <a:t>System.Collections.Generic</a:t>
-            </a:r>
-            <a:r>
-              <a:rPr lang="en-US" baseline="0" dirty="0"/>
-              <a:t> namespace</a:t>
-            </a:r>
-          </a:p>
-          <a:p>
-            <a:pPr marL="181240" indent="-181240">
-              <a:buFont typeface="Arial" panose="020B0604020202020204" pitchFamily="34" charset="0"/>
-              <a:buChar char="•"/>
-            </a:pPr>
-            <a:r>
-              <a:rPr lang="en-US" baseline="0" dirty="0"/>
-              <a:t>An example is List.</a:t>
-            </a:r>
-          </a:p>
-          <a:p>
-            <a:pPr marL="181240" indent="-181240">
-              <a:buFont typeface="Arial" panose="020B0604020202020204" pitchFamily="34" charset="0"/>
-              <a:buChar char="•"/>
-            </a:pPr>
-            <a:r>
-              <a:rPr lang="en-US" baseline="0" dirty="0"/>
-              <a:t>You can see here a list of string and then a list of integers both following the same code paths.</a:t>
-            </a:r>
+            <a:endParaRPr lang="en-US" dirty="0"/>
           </a:p>
         </p:txBody>
       </p:sp>
@@ -5324,7 +5317,7 @@
           <a:bodyPr/>
           <a:lstStyle/>
           <a:p>
-            <a:fld id="{90562276-63C7-43F9-8E9E-CFA137F6F839}" type="slidenum">
+            <a:fld id="{226FA58D-4B12-4E7B-A2FA-693CE3EACDFD}" type="slidenum">
               <a:rPr lang="en-US" smtClean="0"/>
               <a:t>44</a:t>
             </a:fld>
@@ -5335,7 +5328,7 @@
     </p:spTree>
     <p:extLst>
       <p:ext uri="{BB962C8B-B14F-4D97-AF65-F5344CB8AC3E}">
-        <p14:creationId xmlns:p14="http://schemas.microsoft.com/office/powerpoint/2010/main" val="949424209"/>
+        <p14:creationId xmlns:p14="http://schemas.microsoft.com/office/powerpoint/2010/main" val="105931386"/>
       </p:ext>
     </p:extLst>
   </p:cSld>
@@ -5389,9 +5382,71 @@
           <a:bodyPr/>
           <a:lstStyle/>
           <a:p>
-            <a:r>
-              <a:rPr lang="en-US" dirty="0"/>
-              <a:t>Let’s go through an example.</a:t>
+            <a:pPr marL="181240" indent="-181240">
+              <a:buFont typeface="Arial" panose="020B0604020202020204" pitchFamily="34" charset="0"/>
+              <a:buChar char="•"/>
+            </a:pPr>
+            <a:r>
+              <a:rPr lang="en-US" baseline="0" dirty="0"/>
+              <a:t>Generics allow for type safety while at the same time allowing the same code to work for multiple types.</a:t>
+            </a:r>
+          </a:p>
+          <a:p>
+            <a:pPr marL="181240" indent="-181240">
+              <a:buFont typeface="Arial" panose="020B0604020202020204" pitchFamily="34" charset="0"/>
+              <a:buChar char="•"/>
+            </a:pPr>
+            <a:r>
+              <a:rPr lang="en-US" baseline="0" dirty="0"/>
+              <a:t>Needed in order to have logic be re-usable for different types otherwise, developers had to accept object.  This lead to a lot of boxing and unboxing.  Generics avoids this and keeps things type safe.</a:t>
+            </a:r>
+          </a:p>
+          <a:p>
+            <a:pPr marL="181240" indent="-181240">
+              <a:buFont typeface="Arial" panose="020B0604020202020204" pitchFamily="34" charset="0"/>
+              <a:buChar char="•"/>
+            </a:pPr>
+            <a:r>
+              <a:rPr lang="en-US" baseline="0" dirty="0"/>
+              <a:t>Generics are used a lot with collections.</a:t>
+            </a:r>
+          </a:p>
+          <a:p>
+            <a:pPr marL="181240" indent="-181240">
+              <a:buFont typeface="Arial" panose="020B0604020202020204" pitchFamily="34" charset="0"/>
+              <a:buChar char="•"/>
+            </a:pPr>
+            <a:r>
+              <a:rPr lang="en-US" baseline="0" dirty="0"/>
+              <a:t>Microsoft provides a number of generic collections within the </a:t>
+            </a:r>
+            <a:r>
+              <a:rPr lang="en-US" baseline="0" dirty="0" err="1"/>
+              <a:t>System.Collections.Generic</a:t>
+            </a:r>
+            <a:r>
+              <a:rPr lang="en-US" baseline="0" dirty="0"/>
+              <a:t> namespace</a:t>
+            </a:r>
+          </a:p>
+          <a:p>
+            <a:pPr marL="181240" indent="-181240">
+              <a:buFont typeface="Arial" panose="020B0604020202020204" pitchFamily="34" charset="0"/>
+              <a:buChar char="•"/>
+            </a:pPr>
+            <a:r>
+              <a:rPr lang="en-US" baseline="0" dirty="0"/>
+              <a:t>An example is List.</a:t>
+            </a:r>
+          </a:p>
+          <a:p>
+            <a:pPr marL="181240" indent="-181240">
+              <a:buFont typeface="Arial" panose="020B0604020202020204" pitchFamily="34" charset="0"/>
+              <a:buChar char="•"/>
+            </a:pPr>
+            <a:r>
+              <a:rPr lang="en-US" baseline="0" dirty="0"/>
+              <a:t>You can see here a list of string and then a list of integers both following the same code paths.</a:t>
             </a:r>
           </a:p>
         </p:txBody>
@@ -5411,7 +5466,7 @@
           <a:bodyPr/>
           <a:lstStyle/>
           <a:p>
-            <a:fld id="{347B1FF5-FCE8-499D-B296-D7493115F512}" type="slidenum">
+            <a:fld id="{90562276-63C7-43F9-8E9E-CFA137F6F839}" type="slidenum">
               <a:rPr lang="en-US" smtClean="0"/>
               <a:t>45</a:t>
             </a:fld>
@@ -5422,7 +5477,7 @@
     </p:spTree>
     <p:extLst>
       <p:ext uri="{BB962C8B-B14F-4D97-AF65-F5344CB8AC3E}">
-        <p14:creationId xmlns:p14="http://schemas.microsoft.com/office/powerpoint/2010/main" val="2391116335"/>
+        <p14:creationId xmlns:p14="http://schemas.microsoft.com/office/powerpoint/2010/main" val="949424209"/>
       </p:ext>
     </p:extLst>
   </p:cSld>
@@ -5476,28 +5531,10 @@
           <a:bodyPr/>
           <a:lstStyle/>
           <a:p>
-            <a:pPr marL="181240" indent="-181240">
-              <a:buFont typeface="Arial" panose="020B0604020202020204" pitchFamily="34" charset="0"/>
-              <a:buChar char="•"/>
-            </a:pPr>
-            <a:r>
-              <a:rPr lang="en-US" sz="1300" dirty="0"/>
-              <a:t>What is the advantage of using generics?</a:t>
-            </a:r>
-          </a:p>
-          <a:p>
-            <a:pPr marL="181240" indent="-181240">
-              <a:buFont typeface="Arial" panose="020B0604020202020204" pitchFamily="34" charset="0"/>
-              <a:buChar char="•"/>
-            </a:pPr>
-            <a:r>
-              <a:rPr lang="en-US" sz="1300" dirty="0"/>
-              <a:t>Write on the board a declaration of a generic list of integers and instantiate it.</a:t>
-            </a:r>
-          </a:p>
-          <a:p>
-            <a:pPr marL="483306" lvl="1"/>
-            <a:endParaRPr lang="en-US" dirty="0"/>
+            <a:r>
+              <a:rPr lang="en-US" dirty="0"/>
+              <a:t>Let’s go through an example.</a:t>
+            </a:r>
           </a:p>
         </p:txBody>
       </p:sp>
@@ -5516,7 +5553,7 @@
           <a:bodyPr/>
           <a:lstStyle/>
           <a:p>
-            <a:fld id="{226FA58D-4B12-4E7B-A2FA-693CE3EACDFD}" type="slidenum">
+            <a:fld id="{347B1FF5-FCE8-499D-B296-D7493115F512}" type="slidenum">
               <a:rPr lang="en-US" smtClean="0"/>
               <a:t>46</a:t>
             </a:fld>
@@ -5527,7 +5564,7 @@
     </p:spTree>
     <p:extLst>
       <p:ext uri="{BB962C8B-B14F-4D97-AF65-F5344CB8AC3E}">
-        <p14:creationId xmlns:p14="http://schemas.microsoft.com/office/powerpoint/2010/main" val="334568281"/>
+        <p14:creationId xmlns:p14="http://schemas.microsoft.com/office/powerpoint/2010/main" val="2391116335"/>
       </p:ext>
     </p:extLst>
   </p:cSld>
@@ -5585,6 +5622,23 @@
               <a:buFont typeface="Arial" panose="020B0604020202020204" pitchFamily="34" charset="0"/>
               <a:buChar char="•"/>
             </a:pPr>
+            <a:r>
+              <a:rPr lang="en-US" sz="1300" dirty="0"/>
+              <a:t>What is the advantage of using generics?</a:t>
+            </a:r>
+          </a:p>
+          <a:p>
+            <a:pPr marL="181240" indent="-181240">
+              <a:buFont typeface="Arial" panose="020B0604020202020204" pitchFamily="34" charset="0"/>
+              <a:buChar char="•"/>
+            </a:pPr>
+            <a:r>
+              <a:rPr lang="en-US" sz="1300" dirty="0"/>
+              <a:t>Write on the board a declaration of a generic list of integers and instantiate it.</a:t>
+            </a:r>
+          </a:p>
+          <a:p>
+            <a:pPr marL="483306" lvl="1"/>
             <a:endParaRPr lang="en-US" dirty="0"/>
           </a:p>
         </p:txBody>
@@ -5615,7 +5669,7 @@
     </p:spTree>
     <p:extLst>
       <p:ext uri="{BB962C8B-B14F-4D97-AF65-F5344CB8AC3E}">
-        <p14:creationId xmlns:p14="http://schemas.microsoft.com/office/powerpoint/2010/main" val="1625918740"/>
+        <p14:creationId xmlns:p14="http://schemas.microsoft.com/office/powerpoint/2010/main" val="334568281"/>
       </p:ext>
     </p:extLst>
   </p:cSld>
@@ -5673,103 +5727,6 @@
               <a:buFont typeface="Arial" panose="020B0604020202020204" pitchFamily="34" charset="0"/>
               <a:buChar char="•"/>
             </a:pPr>
-            <a:r>
-              <a:rPr lang="en-US" sz="1300" dirty="0"/>
-              <a:t>Write on the board the command to create a new class library project.</a:t>
-            </a:r>
-          </a:p>
-          <a:p>
-            <a:pPr marL="181240" indent="-181240">
-              <a:buFont typeface="Arial" panose="020B0604020202020204" pitchFamily="34" charset="0"/>
-              <a:buChar char="•"/>
-            </a:pPr>
-            <a:r>
-              <a:rPr lang="en-US" sz="1300" dirty="0"/>
-              <a:t>What character ends every statement?</a:t>
-            </a:r>
-          </a:p>
-          <a:p>
-            <a:pPr marL="181240" indent="-181240">
-              <a:buFont typeface="Arial" panose="020B0604020202020204" pitchFamily="34" charset="0"/>
-              <a:buChar char="•"/>
-            </a:pPr>
-            <a:r>
-              <a:rPr lang="en-US" sz="1300" dirty="0"/>
-              <a:t>What characters are used to denote a statement block?</a:t>
-            </a:r>
-          </a:p>
-          <a:p>
-            <a:pPr marL="181240" indent="-181240">
-              <a:buFont typeface="Arial" panose="020B0604020202020204" pitchFamily="34" charset="0"/>
-              <a:buChar char="•"/>
-            </a:pPr>
-            <a:r>
-              <a:rPr lang="en-US" sz="1300" dirty="0"/>
-              <a:t>How is a single line comment specified?  Multi-line comment?</a:t>
-            </a:r>
-          </a:p>
-          <a:p>
-            <a:pPr marL="181240" indent="-181240">
-              <a:buFont typeface="Arial" panose="020B0604020202020204" pitchFamily="34" charset="0"/>
-              <a:buChar char="•"/>
-            </a:pPr>
-            <a:r>
-              <a:rPr lang="en-US" sz="1300" dirty="0"/>
-              <a:t>Write on the board a declaration of a string variable.  Set its value at the same time.</a:t>
-            </a:r>
-          </a:p>
-          <a:p>
-            <a:pPr marL="181240" indent="-181240">
-              <a:buFont typeface="Arial" panose="020B0604020202020204" pitchFamily="34" charset="0"/>
-              <a:buChar char="•"/>
-            </a:pPr>
-            <a:r>
-              <a:rPr lang="en-US" sz="1300" dirty="0"/>
-              <a:t>What are the logical operators?</a:t>
-            </a:r>
-          </a:p>
-          <a:p>
-            <a:pPr marL="181240" indent="-181240">
-              <a:buFont typeface="Arial" panose="020B0604020202020204" pitchFamily="34" charset="0"/>
-              <a:buChar char="•"/>
-            </a:pPr>
-            <a:r>
-              <a:rPr lang="en-US" sz="1300" dirty="0"/>
-              <a:t>Write if, else, else if statements to write to the console the text representation of the numbers 1 to 3.</a:t>
-            </a:r>
-          </a:p>
-          <a:p>
-            <a:pPr marL="181240" indent="-181240">
-              <a:buFont typeface="Arial" panose="020B0604020202020204" pitchFamily="34" charset="0"/>
-              <a:buChar char="•"/>
-            </a:pPr>
-            <a:r>
-              <a:rPr lang="en-US" sz="1300" dirty="0"/>
-              <a:t>Write a for loop that loops through an integer array 1 to 3 and writes each number to the console.</a:t>
-            </a:r>
-          </a:p>
-          <a:p>
-            <a:pPr marL="181240" indent="-181240">
-              <a:buFont typeface="Arial" panose="020B0604020202020204" pitchFamily="34" charset="0"/>
-              <a:buChar char="•"/>
-            </a:pPr>
-            <a:r>
-              <a:rPr lang="en-US" sz="1300" dirty="0"/>
-              <a:t>Write a method definition that returns a string and takes two integers as parameters.</a:t>
-            </a:r>
-          </a:p>
-          <a:p>
-            <a:pPr marL="181240" indent="-181240">
-              <a:buFont typeface="Arial" panose="020B0604020202020204" pitchFamily="34" charset="0"/>
-              <a:buChar char="•"/>
-            </a:pPr>
-            <a:r>
-              <a:rPr lang="en-US" sz="1300" dirty="0"/>
-              <a:t>Write on the board a declaration of a generic list of integers and instantiate it.</a:t>
-            </a:r>
-          </a:p>
-          <a:p>
-            <a:pPr marL="483306" lvl="1"/>
             <a:endParaRPr lang="en-US" dirty="0"/>
           </a:p>
         </p:txBody>
@@ -5800,7 +5757,7 @@
     </p:spTree>
     <p:extLst>
       <p:ext uri="{BB962C8B-B14F-4D97-AF65-F5344CB8AC3E}">
-        <p14:creationId xmlns:p14="http://schemas.microsoft.com/office/powerpoint/2010/main" val="2040976846"/>
+        <p14:creationId xmlns:p14="http://schemas.microsoft.com/office/powerpoint/2010/main" val="1625918740"/>
       </p:ext>
     </p:extLst>
   </p:cSld>
@@ -5858,6 +5815,103 @@
               <a:buFont typeface="Arial" panose="020B0604020202020204" pitchFamily="34" charset="0"/>
               <a:buChar char="•"/>
             </a:pPr>
+            <a:r>
+              <a:rPr lang="en-US" sz="1300" dirty="0"/>
+              <a:t>Write on the board the command to create a new class library project.</a:t>
+            </a:r>
+          </a:p>
+          <a:p>
+            <a:pPr marL="181240" indent="-181240">
+              <a:buFont typeface="Arial" panose="020B0604020202020204" pitchFamily="34" charset="0"/>
+              <a:buChar char="•"/>
+            </a:pPr>
+            <a:r>
+              <a:rPr lang="en-US" sz="1300" dirty="0"/>
+              <a:t>What character ends every statement?</a:t>
+            </a:r>
+          </a:p>
+          <a:p>
+            <a:pPr marL="181240" indent="-181240">
+              <a:buFont typeface="Arial" panose="020B0604020202020204" pitchFamily="34" charset="0"/>
+              <a:buChar char="•"/>
+            </a:pPr>
+            <a:r>
+              <a:rPr lang="en-US" sz="1300" dirty="0"/>
+              <a:t>What characters are used to denote a statement block?</a:t>
+            </a:r>
+          </a:p>
+          <a:p>
+            <a:pPr marL="181240" indent="-181240">
+              <a:buFont typeface="Arial" panose="020B0604020202020204" pitchFamily="34" charset="0"/>
+              <a:buChar char="•"/>
+            </a:pPr>
+            <a:r>
+              <a:rPr lang="en-US" sz="1300" dirty="0"/>
+              <a:t>How is a single line comment specified?  Multi-line comment?</a:t>
+            </a:r>
+          </a:p>
+          <a:p>
+            <a:pPr marL="181240" indent="-181240">
+              <a:buFont typeface="Arial" panose="020B0604020202020204" pitchFamily="34" charset="0"/>
+              <a:buChar char="•"/>
+            </a:pPr>
+            <a:r>
+              <a:rPr lang="en-US" sz="1300" dirty="0"/>
+              <a:t>Write on the board a declaration of a string variable.  Set its value at the same time.</a:t>
+            </a:r>
+          </a:p>
+          <a:p>
+            <a:pPr marL="181240" indent="-181240">
+              <a:buFont typeface="Arial" panose="020B0604020202020204" pitchFamily="34" charset="0"/>
+              <a:buChar char="•"/>
+            </a:pPr>
+            <a:r>
+              <a:rPr lang="en-US" sz="1300" dirty="0"/>
+              <a:t>What are the logical operators?</a:t>
+            </a:r>
+          </a:p>
+          <a:p>
+            <a:pPr marL="181240" indent="-181240">
+              <a:buFont typeface="Arial" panose="020B0604020202020204" pitchFamily="34" charset="0"/>
+              <a:buChar char="•"/>
+            </a:pPr>
+            <a:r>
+              <a:rPr lang="en-US" sz="1300" dirty="0"/>
+              <a:t>Write if, else, else if statements to write to the console the text representation of the numbers 1 to 3.</a:t>
+            </a:r>
+          </a:p>
+          <a:p>
+            <a:pPr marL="181240" indent="-181240">
+              <a:buFont typeface="Arial" panose="020B0604020202020204" pitchFamily="34" charset="0"/>
+              <a:buChar char="•"/>
+            </a:pPr>
+            <a:r>
+              <a:rPr lang="en-US" sz="1300" dirty="0"/>
+              <a:t>Write a for loop that loops through an integer array 1 to 3 and writes each number to the console.</a:t>
+            </a:r>
+          </a:p>
+          <a:p>
+            <a:pPr marL="181240" indent="-181240">
+              <a:buFont typeface="Arial" panose="020B0604020202020204" pitchFamily="34" charset="0"/>
+              <a:buChar char="•"/>
+            </a:pPr>
+            <a:r>
+              <a:rPr lang="en-US" sz="1300" dirty="0"/>
+              <a:t>Write a method definition that returns a string and takes two integers as parameters.</a:t>
+            </a:r>
+          </a:p>
+          <a:p>
+            <a:pPr marL="181240" indent="-181240">
+              <a:buFont typeface="Arial" panose="020B0604020202020204" pitchFamily="34" charset="0"/>
+              <a:buChar char="•"/>
+            </a:pPr>
+            <a:r>
+              <a:rPr lang="en-US" sz="1300" dirty="0"/>
+              <a:t>Write on the board a declaration of a generic list of integers and instantiate it.</a:t>
+            </a:r>
+          </a:p>
+          <a:p>
+            <a:pPr marL="483306" lvl="1"/>
             <a:endParaRPr lang="en-US" dirty="0"/>
           </a:p>
         </p:txBody>
@@ -5888,7 +5942,7 @@
     </p:spTree>
     <p:extLst>
       <p:ext uri="{BB962C8B-B14F-4D97-AF65-F5344CB8AC3E}">
-        <p14:creationId xmlns:p14="http://schemas.microsoft.com/office/powerpoint/2010/main" val="489070734"/>
+        <p14:creationId xmlns:p14="http://schemas.microsoft.com/office/powerpoint/2010/main" val="2040976846"/>
       </p:ext>
     </p:extLst>
   </p:cSld>
@@ -6523,6 +6577,94 @@
     </p:spTree>
     <p:extLst>
       <p:ext uri="{BB962C8B-B14F-4D97-AF65-F5344CB8AC3E}">
+        <p14:creationId xmlns:p14="http://schemas.microsoft.com/office/powerpoint/2010/main" val="489070734"/>
+      </p:ext>
+    </p:extLst>
+  </p:cSld>
+  <p:clrMapOvr>
+    <a:masterClrMapping/>
+  </p:clrMapOvr>
+</p:notes>
+</file>
+
+<file path=ppt/notesSlides/notesSlide51.xml><?xml version="1.0" encoding="utf-8"?>
+<p:notes xmlns:a="http://schemas.openxmlformats.org/drawingml/2006/main" xmlns:r="http://schemas.openxmlformats.org/officeDocument/2006/relationships" xmlns:p="http://schemas.openxmlformats.org/presentationml/2006/main">
+  <p:cSld>
+    <p:spTree>
+      <p:nvGrpSpPr>
+        <p:cNvPr id="1" name=""/>
+        <p:cNvGrpSpPr/>
+        <p:nvPr/>
+      </p:nvGrpSpPr>
+      <p:grpSpPr>
+        <a:xfrm>
+          <a:off x="0" y="0"/>
+          <a:ext cx="0" cy="0"/>
+          <a:chOff x="0" y="0"/>
+          <a:chExt cx="0" cy="0"/>
+        </a:xfrm>
+      </p:grpSpPr>
+      <p:sp>
+        <p:nvSpPr>
+          <p:cNvPr id="2" name="Slide Image Placeholder 1"/>
+          <p:cNvSpPr>
+            <a:spLocks noGrp="1" noRot="1" noChangeAspect="1"/>
+          </p:cNvSpPr>
+          <p:nvPr>
+            <p:ph type="sldImg"/>
+          </p:nvPr>
+        </p:nvSpPr>
+        <p:spPr/>
+      </p:sp>
+      <p:sp>
+        <p:nvSpPr>
+          <p:cNvPr id="3" name="Notes Placeholder 2"/>
+          <p:cNvSpPr>
+            <a:spLocks noGrp="1"/>
+          </p:cNvSpPr>
+          <p:nvPr>
+            <p:ph type="body" idx="1"/>
+          </p:nvPr>
+        </p:nvSpPr>
+        <p:spPr/>
+        <p:txBody>
+          <a:bodyPr/>
+          <a:lstStyle/>
+          <a:p>
+            <a:pPr marL="181240" indent="-181240">
+              <a:buFont typeface="Arial" panose="020B0604020202020204" pitchFamily="34" charset="0"/>
+              <a:buChar char="•"/>
+            </a:pPr>
+            <a:endParaRPr lang="en-US" dirty="0"/>
+          </a:p>
+        </p:txBody>
+      </p:sp>
+      <p:sp>
+        <p:nvSpPr>
+          <p:cNvPr id="4" name="Slide Number Placeholder 3"/>
+          <p:cNvSpPr>
+            <a:spLocks noGrp="1"/>
+          </p:cNvSpPr>
+          <p:nvPr>
+            <p:ph type="sldNum" sz="quarter" idx="10"/>
+          </p:nvPr>
+        </p:nvSpPr>
+        <p:spPr/>
+        <p:txBody>
+          <a:bodyPr/>
+          <a:lstStyle/>
+          <a:p>
+            <a:fld id="{226FA58D-4B12-4E7B-A2FA-693CE3EACDFD}" type="slidenum">
+              <a:rPr lang="en-US" smtClean="0"/>
+              <a:t>51</a:t>
+            </a:fld>
+            <a:endParaRPr lang="en-US"/>
+          </a:p>
+        </p:txBody>
+      </p:sp>
+    </p:spTree>
+    <p:extLst>
+      <p:ext uri="{BB962C8B-B14F-4D97-AF65-F5344CB8AC3E}">
         <p14:creationId xmlns:p14="http://schemas.microsoft.com/office/powerpoint/2010/main" val="533539536"/>
       </p:ext>
     </p:extLst>
@@ -7427,7 +7569,7 @@
           <a:p>
             <a:fld id="{96FB5D56-0812-4ED5-8B52-3D0DCBF578CB}" type="datetimeFigureOut">
               <a:rPr lang="en-US" smtClean="0"/>
-              <a:t>5/19/2018</a:t>
+              <a:t>6/6/2018</a:t>
             </a:fld>
             <a:endParaRPr lang="en-US"/>
           </a:p>
@@ -7702,7 +7844,7 @@
           <a:p>
             <a:fld id="{96FB5D56-0812-4ED5-8B52-3D0DCBF578CB}" type="datetimeFigureOut">
               <a:rPr lang="en-US" smtClean="0"/>
-              <a:t>5/19/2018</a:t>
+              <a:t>6/6/2018</a:t>
             </a:fld>
             <a:endParaRPr lang="en-US"/>
           </a:p>
@@ -7896,7 +8038,7 @@
           <a:p>
             <a:fld id="{96FB5D56-0812-4ED5-8B52-3D0DCBF578CB}" type="datetimeFigureOut">
               <a:rPr lang="en-US" smtClean="0"/>
-              <a:t>5/19/2018</a:t>
+              <a:t>6/6/2018</a:t>
             </a:fld>
             <a:endParaRPr lang="en-US"/>
           </a:p>
@@ -8169,7 +8311,7 @@
           <a:p>
             <a:fld id="{96FB5D56-0812-4ED5-8B52-3D0DCBF578CB}" type="datetimeFigureOut">
               <a:rPr lang="en-US" smtClean="0"/>
-              <a:t>5/19/2018</a:t>
+              <a:t>6/6/2018</a:t>
             </a:fld>
             <a:endParaRPr lang="en-US"/>
           </a:p>
@@ -8510,7 +8652,7 @@
           <a:p>
             <a:fld id="{96FB5D56-0812-4ED5-8B52-3D0DCBF578CB}" type="datetimeFigureOut">
               <a:rPr lang="en-US" smtClean="0"/>
-              <a:t>5/19/2018</a:t>
+              <a:t>6/6/2018</a:t>
             </a:fld>
             <a:endParaRPr lang="en-US"/>
           </a:p>
@@ -9133,7 +9275,7 @@
           <a:p>
             <a:fld id="{96FB5D56-0812-4ED5-8B52-3D0DCBF578CB}" type="datetimeFigureOut">
               <a:rPr lang="en-US" smtClean="0"/>
-              <a:t>5/19/2018</a:t>
+              <a:t>6/6/2018</a:t>
             </a:fld>
             <a:endParaRPr lang="en-US"/>
           </a:p>
@@ -9993,7 +10135,7 @@
           <a:p>
             <a:fld id="{96FB5D56-0812-4ED5-8B52-3D0DCBF578CB}" type="datetimeFigureOut">
               <a:rPr lang="en-US" smtClean="0"/>
-              <a:t>5/19/2018</a:t>
+              <a:t>6/6/2018</a:t>
             </a:fld>
             <a:endParaRPr lang="en-US"/>
           </a:p>
@@ -10163,7 +10305,7 @@
           <a:p>
             <a:fld id="{96FB5D56-0812-4ED5-8B52-3D0DCBF578CB}" type="datetimeFigureOut">
               <a:rPr lang="en-US" smtClean="0"/>
-              <a:t>5/19/2018</a:t>
+              <a:t>6/6/2018</a:t>
             </a:fld>
             <a:endParaRPr lang="en-US"/>
           </a:p>
@@ -10343,7 +10485,7 @@
           <a:p>
             <a:fld id="{96FB5D56-0812-4ED5-8B52-3D0DCBF578CB}" type="datetimeFigureOut">
               <a:rPr lang="en-US" smtClean="0"/>
-              <a:t>5/19/2018</a:t>
+              <a:t>6/6/2018</a:t>
             </a:fld>
             <a:endParaRPr lang="en-US"/>
           </a:p>
@@ -10513,7 +10655,7 @@
           <a:p>
             <a:fld id="{96FB5D56-0812-4ED5-8B52-3D0DCBF578CB}" type="datetimeFigureOut">
               <a:rPr lang="en-US" smtClean="0"/>
-              <a:t>5/19/2018</a:t>
+              <a:t>6/6/2018</a:t>
             </a:fld>
             <a:endParaRPr lang="en-US"/>
           </a:p>
@@ -10760,7 +10902,7 @@
           <a:p>
             <a:fld id="{96FB5D56-0812-4ED5-8B52-3D0DCBF578CB}" type="datetimeFigureOut">
               <a:rPr lang="en-US" smtClean="0"/>
-              <a:t>5/19/2018</a:t>
+              <a:t>6/6/2018</a:t>
             </a:fld>
             <a:endParaRPr lang="en-US"/>
           </a:p>
@@ -11052,7 +11194,7 @@
           <a:p>
             <a:fld id="{96FB5D56-0812-4ED5-8B52-3D0DCBF578CB}" type="datetimeFigureOut">
               <a:rPr lang="en-US" smtClean="0"/>
-              <a:t>5/19/2018</a:t>
+              <a:t>6/6/2018</a:t>
             </a:fld>
             <a:endParaRPr lang="en-US"/>
           </a:p>
@@ -11496,7 +11638,7 @@
           <a:p>
             <a:fld id="{96FB5D56-0812-4ED5-8B52-3D0DCBF578CB}" type="datetimeFigureOut">
               <a:rPr lang="en-US" smtClean="0"/>
-              <a:t>5/19/2018</a:t>
+              <a:t>6/6/2018</a:t>
             </a:fld>
             <a:endParaRPr lang="en-US"/>
           </a:p>
@@ -11614,7 +11756,7 @@
           <a:p>
             <a:fld id="{96FB5D56-0812-4ED5-8B52-3D0DCBF578CB}" type="datetimeFigureOut">
               <a:rPr lang="en-US" smtClean="0"/>
-              <a:t>5/19/2018</a:t>
+              <a:t>6/6/2018</a:t>
             </a:fld>
             <a:endParaRPr lang="en-US"/>
           </a:p>
@@ -11709,7 +11851,7 @@
           <a:p>
             <a:fld id="{96FB5D56-0812-4ED5-8B52-3D0DCBF578CB}" type="datetimeFigureOut">
               <a:rPr lang="en-US" smtClean="0"/>
-              <a:t>5/19/2018</a:t>
+              <a:t>6/6/2018</a:t>
             </a:fld>
             <a:endParaRPr lang="en-US"/>
           </a:p>
@@ -11988,7 +12130,7 @@
           <a:p>
             <a:fld id="{96FB5D56-0812-4ED5-8B52-3D0DCBF578CB}" type="datetimeFigureOut">
               <a:rPr lang="en-US" smtClean="0"/>
-              <a:t>5/19/2018</a:t>
+              <a:t>6/6/2018</a:t>
             </a:fld>
             <a:endParaRPr lang="en-US"/>
           </a:p>
@@ -12263,7 +12405,7 @@
           <a:p>
             <a:fld id="{96FB5D56-0812-4ED5-8B52-3D0DCBF578CB}" type="datetimeFigureOut">
               <a:rPr lang="en-US" smtClean="0"/>
-              <a:t>5/19/2018</a:t>
+              <a:t>6/6/2018</a:t>
             </a:fld>
             <a:endParaRPr lang="en-US"/>
           </a:p>
@@ -12692,7 +12834,7 @@
           <a:p>
             <a:fld id="{96FB5D56-0812-4ED5-8B52-3D0DCBF578CB}" type="datetimeFigureOut">
               <a:rPr lang="en-US" smtClean="0"/>
-              <a:t>5/19/2018</a:t>
+              <a:t>6/6/2018</a:t>
             </a:fld>
             <a:endParaRPr lang="en-US"/>
           </a:p>
@@ -16586,7 +16728,7 @@
           <a:p>
             <a:r>
               <a:rPr lang="en-US" dirty="0"/>
-              <a:t>Declaring Arrays</a:t>
+              <a:t>Default Values</a:t>
             </a:r>
           </a:p>
         </p:txBody>
@@ -16601,12 +16743,7 @@
             <p:ph idx="1"/>
           </p:nvPr>
         </p:nvSpPr>
-        <p:spPr>
-          <a:xfrm>
-            <a:off x="1104293" y="1510477"/>
-            <a:ext cx="8946541" cy="4921320"/>
-          </a:xfrm>
-        </p:spPr>
+        <p:spPr/>
         <p:txBody>
           <a:bodyPr>
             <a:noAutofit/>
@@ -16615,174 +16752,63 @@
           <a:p>
             <a:r>
               <a:rPr lang="en-US" sz="2800" dirty="0"/>
-              <a:t>Declaring Variables</a:t>
+              <a:t>Value Types</a:t>
             </a:r>
           </a:p>
           <a:p>
             <a:pPr lvl="1"/>
             <a:r>
-              <a:rPr lang="en-US" sz="2600" dirty="0" err="1"/>
-              <a:t>int</a:t>
-            </a:r>
-            <a:r>
-              <a:rPr lang="en-US" sz="2600" dirty="0"/>
-              <a:t>[] </a:t>
-            </a:r>
-            <a:r>
-              <a:rPr lang="en-US" sz="2600" dirty="0" err="1"/>
-              <a:t>myArray</a:t>
-            </a:r>
-            <a:r>
-              <a:rPr lang="en-US" sz="2600" dirty="0"/>
-              <a:t>;</a:t>
+              <a:rPr lang="en-US" sz="2400" dirty="0"/>
+              <a:t>0 for int or decimal</a:t>
             </a:r>
           </a:p>
           <a:p>
             <a:pPr lvl="1"/>
             <a:r>
-              <a:rPr lang="en-US" sz="2600" dirty="0" err="1"/>
-              <a:t>myArray</a:t>
-            </a:r>
-            <a:r>
-              <a:rPr lang="en-US" sz="2600" dirty="0"/>
-              <a:t> = new </a:t>
-            </a:r>
-            <a:r>
-              <a:rPr lang="en-US" sz="2600" dirty="0" err="1"/>
-              <a:t>int</a:t>
-            </a:r>
-            <a:r>
-              <a:rPr lang="en-US" sz="2600" dirty="0"/>
-              <a:t> [5];</a:t>
+              <a:rPr lang="en-US" sz="2400" dirty="0"/>
+              <a:t>false for bool</a:t>
+            </a:r>
+          </a:p>
+          <a:p>
+            <a:r>
+              <a:rPr lang="en-US" sz="2800" dirty="0"/>
+              <a:t>Reference Types</a:t>
             </a:r>
           </a:p>
           <a:p>
             <a:pPr lvl="1"/>
             <a:r>
-              <a:rPr lang="en-US" sz="2600" dirty="0" err="1"/>
-              <a:t>myArray</a:t>
-            </a:r>
-            <a:r>
-              <a:rPr lang="en-US" sz="2600" dirty="0"/>
-              <a:t> = new </a:t>
-            </a:r>
-            <a:r>
-              <a:rPr lang="en-US" sz="2600" dirty="0" err="1"/>
-              <a:t>int</a:t>
-            </a:r>
-            <a:r>
-              <a:rPr lang="en-US" sz="2600" dirty="0"/>
-              <a:t>[] {0, 1, 2, 3};</a:t>
+              <a:rPr lang="en-US" sz="2400" dirty="0"/>
+              <a:t>null</a:t>
             </a:r>
           </a:p>
           <a:p>
             <a:pPr lvl="1"/>
             <a:r>
-              <a:rPr lang="en-US" sz="2600" dirty="0" err="1"/>
-              <a:t>int</a:t>
-            </a:r>
-            <a:r>
-              <a:rPr lang="en-US" sz="2600" dirty="0"/>
-              <a:t>[] </a:t>
-            </a:r>
-            <a:r>
-              <a:rPr lang="en-US" sz="2600" dirty="0" err="1"/>
-              <a:t>myArray</a:t>
-            </a:r>
-            <a:r>
-              <a:rPr lang="en-US" sz="2600" dirty="0"/>
-              <a:t> = new </a:t>
-            </a:r>
-            <a:r>
-              <a:rPr lang="en-US" sz="2600" dirty="0" err="1"/>
-              <a:t>int</a:t>
-            </a:r>
-            <a:r>
-              <a:rPr lang="en-US" sz="2600" dirty="0"/>
-              <a:t>[] {0, 1, 2, 3};</a:t>
+              <a:rPr lang="en-US" sz="2400" dirty="0"/>
+              <a:t>This means lack of a value</a:t>
             </a:r>
           </a:p>
           <a:p>
             <a:pPr lvl="1"/>
             <a:r>
-              <a:rPr lang="en-US" sz="2600" dirty="0" err="1"/>
-              <a:t>int</a:t>
-            </a:r>
-            <a:r>
-              <a:rPr lang="en-US" sz="2600" dirty="0"/>
-              <a:t>[] </a:t>
-            </a:r>
-            <a:r>
-              <a:rPr lang="en-US" sz="2600" dirty="0" err="1"/>
-              <a:t>myArray</a:t>
-            </a:r>
-            <a:r>
-              <a:rPr lang="en-US" sz="2600" dirty="0"/>
-              <a:t> = {0, 1, 2, 3};</a:t>
-            </a:r>
-          </a:p>
-          <a:p>
-            <a:r>
-              <a:rPr lang="en-US" sz="2800" dirty="0"/>
-              <a:t>Using Variables</a:t>
-            </a:r>
-          </a:p>
-          <a:p>
-            <a:pPr lvl="1">
-              <a:spcBef>
-                <a:spcPts val="100"/>
-              </a:spcBef>
-            </a:pPr>
-            <a:r>
-              <a:rPr lang="en-US" sz="2600" dirty="0" err="1"/>
-              <a:t>myArray</a:t>
-            </a:r>
-            <a:r>
-              <a:rPr lang="en-US" sz="2600" dirty="0"/>
-              <a:t>[5] = 6;</a:t>
-            </a:r>
-          </a:p>
-          <a:p>
-            <a:pPr lvl="1">
-              <a:spcBef>
-                <a:spcPts val="100"/>
-              </a:spcBef>
-            </a:pPr>
-            <a:r>
-              <a:rPr lang="en-US" sz="2600" dirty="0" err="1"/>
-              <a:t>Console.WriteLine</a:t>
-            </a:r>
-            <a:r>
-              <a:rPr lang="en-US" sz="2600" dirty="0"/>
-              <a:t>(</a:t>
-            </a:r>
-            <a:r>
-              <a:rPr lang="en-US" sz="2600" dirty="0" err="1"/>
-              <a:t>myArray</a:t>
-            </a:r>
-            <a:r>
-              <a:rPr lang="en-US" sz="2600" dirty="0"/>
-              <a:t>[5]);</a:t>
-            </a:r>
-          </a:p>
-          <a:p>
-            <a:pPr lvl="1">
-              <a:spcBef>
-                <a:spcPts val="100"/>
-              </a:spcBef>
-            </a:pPr>
-            <a:r>
-              <a:rPr lang="en-US" sz="2600" dirty="0" err="1"/>
-              <a:t>myArray.Length</a:t>
-            </a:r>
-            <a:endParaRPr lang="en-US" sz="2600" dirty="0"/>
+              <a:rPr lang="en-US" sz="2400" dirty="0"/>
+              <a:t>To check for null</a:t>
+            </a:r>
+          </a:p>
+          <a:p>
+            <a:pPr lvl="2"/>
+            <a:r>
+              <a:rPr lang="en-US" sz="2200" dirty="0"/>
+              <a:t>If (variable == null)</a:t>
+            </a:r>
           </a:p>
         </p:txBody>
       </p:sp>
     </p:spTree>
     <p:extLst>
       <p:ext uri="{BB962C8B-B14F-4D97-AF65-F5344CB8AC3E}">
-        <p14:creationId xmlns:p14="http://schemas.microsoft.com/office/powerpoint/2010/main" val="1286267504"/>
+        <p14:creationId xmlns:p14="http://schemas.microsoft.com/office/powerpoint/2010/main" val="2614933875"/>
       </p:ext>
     </p:extLst>
   </p:cSld>
@@ -16826,7 +16852,7 @@
           <a:p>
             <a:r>
               <a:rPr lang="en-US" dirty="0"/>
-              <a:t>while Loop</a:t>
+              <a:t>Declaring Arrays</a:t>
             </a:r>
           </a:p>
         </p:txBody>
@@ -16841,171 +16867,188 @@
             <p:ph idx="1"/>
           </p:nvPr>
         </p:nvSpPr>
-        <p:spPr/>
+        <p:spPr>
+          <a:xfrm>
+            <a:off x="1104293" y="1510477"/>
+            <a:ext cx="8946541" cy="4921320"/>
+          </a:xfrm>
+        </p:spPr>
         <p:txBody>
           <a:bodyPr>
             <a:noAutofit/>
           </a:bodyPr>
           <a:lstStyle/>
           <a:p>
-            <a:pPr>
+            <a:r>
+              <a:rPr lang="en-US" sz="2800" dirty="0"/>
+              <a:t>Declaring Variables</a:t>
+            </a:r>
+          </a:p>
+          <a:p>
+            <a:pPr lvl="1"/>
+            <a:r>
+              <a:rPr lang="en-US" sz="2600" dirty="0" err="1"/>
+              <a:t>int</a:t>
+            </a:r>
+            <a:r>
+              <a:rPr lang="en-US" sz="2600" dirty="0"/>
+              <a:t>[] </a:t>
+            </a:r>
+            <a:r>
+              <a:rPr lang="en-US" sz="2600" dirty="0" err="1"/>
+              <a:t>myArray</a:t>
+            </a:r>
+            <a:r>
+              <a:rPr lang="en-US" sz="2600" dirty="0"/>
+              <a:t>;</a:t>
+            </a:r>
+          </a:p>
+          <a:p>
+            <a:pPr lvl="1"/>
+            <a:r>
+              <a:rPr lang="en-US" sz="2600" dirty="0" err="1"/>
+              <a:t>myArray</a:t>
+            </a:r>
+            <a:r>
+              <a:rPr lang="en-US" sz="2600" dirty="0"/>
+              <a:t> = new </a:t>
+            </a:r>
+            <a:r>
+              <a:rPr lang="en-US" sz="2600" dirty="0" err="1"/>
+              <a:t>int</a:t>
+            </a:r>
+            <a:r>
+              <a:rPr lang="en-US" sz="2600" dirty="0"/>
+              <a:t> [5];</a:t>
+            </a:r>
+          </a:p>
+          <a:p>
+            <a:pPr lvl="1"/>
+            <a:r>
+              <a:rPr lang="en-US" sz="2600" dirty="0" err="1"/>
+              <a:t>myArray</a:t>
+            </a:r>
+            <a:r>
+              <a:rPr lang="en-US" sz="2600" dirty="0"/>
+              <a:t> = new </a:t>
+            </a:r>
+            <a:r>
+              <a:rPr lang="en-US" sz="2600" dirty="0" err="1"/>
+              <a:t>int</a:t>
+            </a:r>
+            <a:r>
+              <a:rPr lang="en-US" sz="2600" dirty="0"/>
+              <a:t>[] {0, 1, 2, 3};</a:t>
+            </a:r>
+          </a:p>
+          <a:p>
+            <a:pPr lvl="1"/>
+            <a:r>
+              <a:rPr lang="en-US" sz="2600" dirty="0" err="1"/>
+              <a:t>int</a:t>
+            </a:r>
+            <a:r>
+              <a:rPr lang="en-US" sz="2600" dirty="0"/>
+              <a:t>[] </a:t>
+            </a:r>
+            <a:r>
+              <a:rPr lang="en-US" sz="2600" dirty="0" err="1"/>
+              <a:t>myArray</a:t>
+            </a:r>
+            <a:r>
+              <a:rPr lang="en-US" sz="2600" dirty="0"/>
+              <a:t> = new </a:t>
+            </a:r>
+            <a:r>
+              <a:rPr lang="en-US" sz="2600" dirty="0" err="1"/>
+              <a:t>int</a:t>
+            </a:r>
+            <a:r>
+              <a:rPr lang="en-US" sz="2600" dirty="0"/>
+              <a:t>[] {0, 1, 2, 3};</a:t>
+            </a:r>
+          </a:p>
+          <a:p>
+            <a:pPr lvl="1"/>
+            <a:r>
+              <a:rPr lang="en-US" sz="2600" dirty="0" err="1"/>
+              <a:t>int</a:t>
+            </a:r>
+            <a:r>
+              <a:rPr lang="en-US" sz="2600" dirty="0"/>
+              <a:t>[] </a:t>
+            </a:r>
+            <a:r>
+              <a:rPr lang="en-US" sz="2600" dirty="0" err="1"/>
+              <a:t>myArray</a:t>
+            </a:r>
+            <a:r>
+              <a:rPr lang="en-US" sz="2600" dirty="0"/>
+              <a:t> = {0, 1, 2, 3};</a:t>
+            </a:r>
+          </a:p>
+          <a:p>
+            <a:r>
+              <a:rPr lang="en-US" sz="2800" dirty="0"/>
+              <a:t>Using Variables</a:t>
+            </a:r>
+          </a:p>
+          <a:p>
+            <a:pPr lvl="1">
               <a:spcBef>
                 <a:spcPts val="100"/>
               </a:spcBef>
             </a:pPr>
             <a:r>
-              <a:rPr lang="en-US" sz="2800" dirty="0"/>
-              <a:t>Example</a:t>
-            </a:r>
-          </a:p>
-          <a:p>
-            <a:pPr marL="45720" indent="0">
+              <a:rPr lang="en-US" sz="2600" dirty="0" err="1"/>
+              <a:t>myArray</a:t>
+            </a:r>
+            <a:r>
+              <a:rPr lang="en-US" sz="2600" dirty="0"/>
+              <a:t>[5] = 6;</a:t>
+            </a:r>
+          </a:p>
+          <a:p>
+            <a:pPr lvl="1">
               <a:spcBef>
                 <a:spcPts val="100"/>
               </a:spcBef>
-              <a:buNone/>
-            </a:pPr>
-            <a:endParaRPr lang="en-US" sz="2800" dirty="0"/>
-          </a:p>
-          <a:p>
-            <a:pPr marL="45720" indent="0">
+            </a:pPr>
+            <a:r>
+              <a:rPr lang="en-US" sz="2600" dirty="0" err="1"/>
+              <a:t>Console.WriteLine</a:t>
+            </a:r>
+            <a:r>
+              <a:rPr lang="en-US" sz="2600" dirty="0"/>
+              <a:t>(</a:t>
+            </a:r>
+            <a:r>
+              <a:rPr lang="en-US" sz="2600" dirty="0" err="1"/>
+              <a:t>myArray</a:t>
+            </a:r>
+            <a:r>
+              <a:rPr lang="en-US" sz="2600" dirty="0"/>
+              <a:t>[5]);</a:t>
+            </a:r>
+          </a:p>
+          <a:p>
+            <a:pPr lvl="1">
               <a:spcBef>
                 <a:spcPts val="100"/>
               </a:spcBef>
-              <a:buNone/>
-            </a:pPr>
-            <a:r>
-              <a:rPr lang="en-US" sz="2800" dirty="0" err="1"/>
-              <a:t>int</a:t>
-            </a:r>
-            <a:r>
-              <a:rPr lang="en-US" sz="2800" dirty="0"/>
-              <a:t>[] </a:t>
-            </a:r>
-            <a:r>
-              <a:rPr lang="en-US" sz="2800" dirty="0" err="1"/>
-              <a:t>myArray</a:t>
-            </a:r>
-            <a:r>
-              <a:rPr lang="en-US" sz="2800" dirty="0"/>
-              <a:t> = {0, 1, 2, 3};</a:t>
-            </a:r>
-          </a:p>
-          <a:p>
-            <a:pPr marL="45720" indent="0">
-              <a:spcBef>
-                <a:spcPts val="100"/>
-              </a:spcBef>
-              <a:buNone/>
-            </a:pPr>
-            <a:r>
-              <a:rPr lang="en-US" sz="2800" dirty="0" err="1"/>
-              <a:t>int</a:t>
-            </a:r>
-            <a:r>
-              <a:rPr lang="en-US" sz="2800" dirty="0"/>
-              <a:t> counter = 0; </a:t>
-            </a:r>
-          </a:p>
-          <a:p>
-            <a:pPr marL="45720" indent="0">
-              <a:spcBef>
-                <a:spcPts val="100"/>
-              </a:spcBef>
-              <a:buNone/>
-            </a:pPr>
-            <a:endParaRPr lang="en-US" sz="2800" dirty="0"/>
-          </a:p>
-          <a:p>
-            <a:pPr marL="45720" indent="0">
-              <a:spcBef>
-                <a:spcPts val="100"/>
-              </a:spcBef>
-              <a:buNone/>
-            </a:pPr>
-            <a:r>
-              <a:rPr lang="en-US" sz="2800" dirty="0"/>
-              <a:t>while (counter &lt; </a:t>
-            </a:r>
-            <a:r>
-              <a:rPr lang="en-US" sz="2800" dirty="0" err="1"/>
+            </a:pPr>
+            <a:r>
+              <a:rPr lang="en-US" sz="2600" dirty="0" err="1"/>
               <a:t>myArray.Length</a:t>
             </a:r>
-            <a:r>
-              <a:rPr lang="en-US" sz="2800" dirty="0"/>
-              <a:t>)</a:t>
-            </a:r>
-          </a:p>
-          <a:p>
-            <a:pPr marL="45720" indent="0">
-              <a:spcBef>
-                <a:spcPts val="100"/>
-              </a:spcBef>
-              <a:buNone/>
-            </a:pPr>
-            <a:r>
-              <a:rPr lang="en-US" sz="2800" dirty="0"/>
-              <a:t>{</a:t>
-            </a:r>
-          </a:p>
-          <a:p>
-            <a:pPr marL="45720" indent="0">
-              <a:spcBef>
-                <a:spcPts val="100"/>
-              </a:spcBef>
-              <a:buNone/>
-            </a:pPr>
-            <a:r>
-              <a:rPr lang="en-US" sz="2800" dirty="0"/>
-              <a:t>   </a:t>
-            </a:r>
-            <a:r>
-              <a:rPr lang="en-US" sz="2800" dirty="0" err="1"/>
-              <a:t>Console.WriteLine</a:t>
-            </a:r>
-            <a:r>
-              <a:rPr lang="en-US" sz="2800" dirty="0"/>
-              <a:t>(</a:t>
-            </a:r>
-            <a:r>
-              <a:rPr lang="en-US" sz="2800" dirty="0" err="1"/>
-              <a:t>myArray</a:t>
-            </a:r>
-            <a:r>
-              <a:rPr lang="en-US" sz="2800" dirty="0"/>
-              <a:t>[counter]);</a:t>
-            </a:r>
-          </a:p>
-          <a:p>
-            <a:pPr marL="45720" indent="0">
-              <a:spcBef>
-                <a:spcPts val="100"/>
-              </a:spcBef>
-              <a:buNone/>
-            </a:pPr>
-            <a:r>
-              <a:rPr lang="en-US" sz="2800" dirty="0"/>
-              <a:t>   counter++;</a:t>
-            </a:r>
-          </a:p>
-          <a:p>
-            <a:pPr marL="45720" indent="0">
-              <a:spcBef>
-                <a:spcPts val="100"/>
-              </a:spcBef>
-              <a:buNone/>
-            </a:pPr>
-            <a:r>
-              <a:rPr lang="en-US" sz="2800" dirty="0"/>
-              <a:t>}</a:t>
-            </a:r>
+            <a:endParaRPr lang="en-US" sz="2600" dirty="0"/>
           </a:p>
         </p:txBody>
       </p:sp>
     </p:spTree>
     <p:extLst>
       <p:ext uri="{BB962C8B-B14F-4D97-AF65-F5344CB8AC3E}">
-        <p14:creationId xmlns:p14="http://schemas.microsoft.com/office/powerpoint/2010/main" val="2813011364"/>
+        <p14:creationId xmlns:p14="http://schemas.microsoft.com/office/powerpoint/2010/main" val="1286267504"/>
       </p:ext>
     </p:extLst>
   </p:cSld>
@@ -17049,7 +17092,7 @@
           <a:p>
             <a:r>
               <a:rPr lang="en-US" dirty="0"/>
-              <a:t>do-while Loop</a:t>
+              <a:t>while Loop</a:t>
             </a:r>
           </a:p>
         </p:txBody>
@@ -17067,7 +17110,7 @@
         <p:spPr/>
         <p:txBody>
           <a:bodyPr>
-            <a:normAutofit lnSpcReduction="10000"/>
+            <a:noAutofit/>
           </a:bodyPr>
           <a:lstStyle/>
           <a:p>
@@ -17148,7 +17191,15 @@
             </a:pPr>
             <a:r>
               <a:rPr lang="en-US" sz="2800" dirty="0"/>
-              <a:t>do</a:t>
+              <a:t>while (counter &lt; </a:t>
+            </a:r>
+            <a:r>
+              <a:rPr lang="en-US" sz="2800" dirty="0" err="1"/>
+              <a:t>myArray.Length</a:t>
+            </a:r>
+            <a:r>
+              <a:rPr lang="en-US" sz="2800" dirty="0"/>
+              <a:t>)</a:t>
             </a:r>
           </a:p>
           <a:p>
@@ -17212,32 +17263,15 @@
             </a:pPr>
             <a:r>
               <a:rPr lang="en-US" sz="2800" dirty="0"/>
-              <a:t>} while (counter &lt; </a:t>
-            </a:r>
-            <a:r>
-              <a:rPr lang="en-US" sz="2800" dirty="0" err="1"/>
-              <a:t>myArray.Length</a:t>
-            </a:r>
-            <a:r>
-              <a:rPr lang="en-US" sz="2800" dirty="0"/>
-              <a:t>);</a:t>
-            </a:r>
-          </a:p>
-          <a:p>
-            <a:pPr marL="45720" indent="0">
-              <a:spcBef>
-                <a:spcPts val="100"/>
-              </a:spcBef>
-              <a:buNone/>
-            </a:pPr>
-            <a:endParaRPr lang="en-US" dirty="0"/>
+              <a:t>}</a:t>
+            </a:r>
           </a:p>
         </p:txBody>
       </p:sp>
     </p:spTree>
     <p:extLst>
       <p:ext uri="{BB962C8B-B14F-4D97-AF65-F5344CB8AC3E}">
-        <p14:creationId xmlns:p14="http://schemas.microsoft.com/office/powerpoint/2010/main" val="752436445"/>
+        <p14:creationId xmlns:p14="http://schemas.microsoft.com/office/powerpoint/2010/main" val="2813011364"/>
       </p:ext>
     </p:extLst>
   </p:cSld>
@@ -17281,7 +17315,7 @@
           <a:p>
             <a:r>
               <a:rPr lang="en-US" dirty="0"/>
-              <a:t>for Loop</a:t>
+              <a:t>do-while Loop</a:t>
             </a:r>
           </a:p>
         </p:txBody>
@@ -17299,7 +17333,7 @@
         <p:spPr/>
         <p:txBody>
           <a:bodyPr>
-            <a:normAutofit/>
+            <a:normAutofit lnSpcReduction="10000"/>
           </a:bodyPr>
           <a:lstStyle/>
           <a:p>
@@ -17353,7 +17387,14 @@
               </a:spcBef>
               <a:buNone/>
             </a:pPr>
-            <a:endParaRPr lang="en-US" sz="2800" dirty="0"/>
+            <a:r>
+              <a:rPr lang="en-US" sz="2800" dirty="0" err="1"/>
+              <a:t>int</a:t>
+            </a:r>
+            <a:r>
+              <a:rPr lang="en-US" sz="2800" dirty="0"/>
+              <a:t> counter = 0; </a:t>
+            </a:r>
           </a:p>
           <a:p>
             <a:pPr marL="45720" indent="0">
@@ -17362,26 +17403,7 @@
               </a:spcBef>
               <a:buNone/>
             </a:pPr>
-            <a:r>
-              <a:rPr lang="en-US" sz="2800" dirty="0"/>
-              <a:t>for(</a:t>
-            </a:r>
-            <a:r>
-              <a:rPr lang="en-US" sz="2800" dirty="0" err="1"/>
-              <a:t>int</a:t>
-            </a:r>
-            <a:r>
-              <a:rPr lang="en-US" sz="2800" dirty="0"/>
-              <a:t> counter = 0;  counter &lt; </a:t>
-            </a:r>
-            <a:r>
-              <a:rPr lang="en-US" sz="2800" dirty="0" err="1"/>
-              <a:t>myArray.Length</a:t>
-            </a:r>
-            <a:r>
-              <a:rPr lang="en-US" sz="2800" dirty="0"/>
-              <a:t>; counter++)</a:t>
-            </a:r>
+            <a:endParaRPr lang="en-US" sz="2800" dirty="0"/>
           </a:p>
           <a:p>
             <a:pPr marL="45720" indent="0">
@@ -17392,7 +17414,7 @@
             </a:pPr>
             <a:r>
               <a:rPr lang="en-US" sz="2800" dirty="0"/>
-              <a:t>{</a:t>
+              <a:t>do</a:t>
             </a:r>
           </a:p>
           <a:p>
@@ -17404,23 +17426,7 @@
             </a:pPr>
             <a:r>
               <a:rPr lang="en-US" sz="2800" dirty="0"/>
-              <a:t>   </a:t>
-            </a:r>
-            <a:r>
-              <a:rPr lang="en-US" sz="2800" dirty="0" err="1"/>
-              <a:t>Console.WriteLine</a:t>
-            </a:r>
-            <a:r>
-              <a:rPr lang="en-US" sz="2800" dirty="0"/>
-              <a:t>(</a:t>
-            </a:r>
-            <a:r>
-              <a:rPr lang="en-US" sz="2800" dirty="0" err="1"/>
-              <a:t>myArray</a:t>
-            </a:r>
-            <a:r>
-              <a:rPr lang="en-US" sz="2800" dirty="0"/>
-              <a:t>[counter]);</a:t>
+              <a:t>{</a:t>
             </a:r>
           </a:p>
           <a:p>
@@ -17432,15 +17438,72 @@
             </a:pPr>
             <a:r>
               <a:rPr lang="en-US" sz="2800" dirty="0"/>
-              <a:t>}</a:t>
-            </a:r>
+              <a:t>   </a:t>
+            </a:r>
+            <a:r>
+              <a:rPr lang="en-US" sz="2800" dirty="0" err="1"/>
+              <a:t>Console.WriteLine</a:t>
+            </a:r>
+            <a:r>
+              <a:rPr lang="en-US" sz="2800" dirty="0"/>
+              <a:t>(</a:t>
+            </a:r>
+            <a:r>
+              <a:rPr lang="en-US" sz="2800" dirty="0" err="1"/>
+              <a:t>myArray</a:t>
+            </a:r>
+            <a:r>
+              <a:rPr lang="en-US" sz="2800" dirty="0"/>
+              <a:t>[counter]);</a:t>
+            </a:r>
+          </a:p>
+          <a:p>
+            <a:pPr marL="45720" indent="0">
+              <a:spcBef>
+                <a:spcPts val="100"/>
+              </a:spcBef>
+              <a:buNone/>
+            </a:pPr>
+            <a:r>
+              <a:rPr lang="en-US" sz="2800" dirty="0"/>
+              <a:t>   counter++;</a:t>
+            </a:r>
+          </a:p>
+          <a:p>
+            <a:pPr marL="45720" indent="0">
+              <a:spcBef>
+                <a:spcPts val="100"/>
+              </a:spcBef>
+              <a:buNone/>
+            </a:pPr>
+            <a:r>
+              <a:rPr lang="en-US" sz="2800" dirty="0"/>
+              <a:t>} while (counter &lt; </a:t>
+            </a:r>
+            <a:r>
+              <a:rPr lang="en-US" sz="2800" dirty="0" err="1"/>
+              <a:t>myArray.Length</a:t>
+            </a:r>
+            <a:r>
+              <a:rPr lang="en-US" sz="2800" dirty="0"/>
+              <a:t>);</a:t>
+            </a:r>
+          </a:p>
+          <a:p>
+            <a:pPr marL="45720" indent="0">
+              <a:spcBef>
+                <a:spcPts val="100"/>
+              </a:spcBef>
+              <a:buNone/>
+            </a:pPr>
+            <a:endParaRPr lang="en-US" dirty="0"/>
           </a:p>
         </p:txBody>
       </p:sp>
     </p:spTree>
     <p:extLst>
       <p:ext uri="{BB962C8B-B14F-4D97-AF65-F5344CB8AC3E}">
-        <p14:creationId xmlns:p14="http://schemas.microsoft.com/office/powerpoint/2010/main" val="3804868214"/>
+        <p14:creationId xmlns:p14="http://schemas.microsoft.com/office/powerpoint/2010/main" val="752436445"/>
       </p:ext>
     </p:extLst>
   </p:cSld>
@@ -17483,6 +17546,209 @@
           <a:lstStyle/>
           <a:p>
             <a:r>
+              <a:rPr lang="en-US" dirty="0"/>
+              <a:t>for Loop</a:t>
+            </a:r>
+          </a:p>
+        </p:txBody>
+      </p:sp>
+      <p:sp>
+        <p:nvSpPr>
+          <p:cNvPr id="3" name="Content Placeholder 2"/>
+          <p:cNvSpPr>
+            <a:spLocks noGrp="1"/>
+          </p:cNvSpPr>
+          <p:nvPr>
+            <p:ph idx="1"/>
+          </p:nvPr>
+        </p:nvSpPr>
+        <p:spPr/>
+        <p:txBody>
+          <a:bodyPr>
+            <a:normAutofit/>
+          </a:bodyPr>
+          <a:lstStyle/>
+          <a:p>
+            <a:pPr>
+              <a:spcBef>
+                <a:spcPts val="100"/>
+              </a:spcBef>
+            </a:pPr>
+            <a:r>
+              <a:rPr lang="en-US" sz="2800" dirty="0"/>
+              <a:t>Example</a:t>
+            </a:r>
+          </a:p>
+          <a:p>
+            <a:pPr marL="45720" indent="0">
+              <a:spcBef>
+                <a:spcPts val="100"/>
+              </a:spcBef>
+              <a:buNone/>
+            </a:pPr>
+            <a:endParaRPr lang="en-US" sz="2800" dirty="0"/>
+          </a:p>
+          <a:p>
+            <a:pPr marL="45720" indent="0">
+              <a:spcBef>
+                <a:spcPts val="100"/>
+              </a:spcBef>
+              <a:buNone/>
+            </a:pPr>
+            <a:r>
+              <a:rPr lang="en-US" sz="2800" dirty="0" err="1"/>
+              <a:t>int</a:t>
+            </a:r>
+            <a:r>
+              <a:rPr lang="en-US" sz="2800" dirty="0"/>
+              <a:t>[] </a:t>
+            </a:r>
+            <a:r>
+              <a:rPr lang="en-US" sz="2800" dirty="0" err="1"/>
+              <a:t>myArray</a:t>
+            </a:r>
+            <a:r>
+              <a:rPr lang="en-US" sz="2800" dirty="0"/>
+              <a:t> = {0, 1, 2, 3};</a:t>
+            </a:r>
+          </a:p>
+          <a:p>
+            <a:pPr marL="45720" indent="0">
+              <a:spcBef>
+                <a:spcPts val="100"/>
+              </a:spcBef>
+              <a:buNone/>
+            </a:pPr>
+            <a:endParaRPr lang="en-US" sz="2800" dirty="0"/>
+          </a:p>
+          <a:p>
+            <a:pPr marL="45720" indent="0">
+              <a:spcBef>
+                <a:spcPts val="100"/>
+              </a:spcBef>
+              <a:buNone/>
+            </a:pPr>
+            <a:r>
+              <a:rPr lang="en-US" sz="2800" dirty="0"/>
+              <a:t>for(</a:t>
+            </a:r>
+            <a:r>
+              <a:rPr lang="en-US" sz="2800" dirty="0" err="1"/>
+              <a:t>int</a:t>
+            </a:r>
+            <a:r>
+              <a:rPr lang="en-US" sz="2800" dirty="0"/>
+              <a:t> counter = 0;  counter &lt; </a:t>
+            </a:r>
+            <a:r>
+              <a:rPr lang="en-US" sz="2800" dirty="0" err="1"/>
+              <a:t>myArray.Length</a:t>
+            </a:r>
+            <a:r>
+              <a:rPr lang="en-US" sz="2800" dirty="0"/>
+              <a:t>; counter++)</a:t>
+            </a:r>
+          </a:p>
+          <a:p>
+            <a:pPr marL="45720" indent="0">
+              <a:spcBef>
+                <a:spcPts val="100"/>
+              </a:spcBef>
+              <a:buNone/>
+            </a:pPr>
+            <a:r>
+              <a:rPr lang="en-US" sz="2800" dirty="0"/>
+              <a:t>{</a:t>
+            </a:r>
+          </a:p>
+          <a:p>
+            <a:pPr marL="45720" indent="0">
+              <a:spcBef>
+                <a:spcPts val="100"/>
+              </a:spcBef>
+              <a:buNone/>
+            </a:pPr>
+            <a:r>
+              <a:rPr lang="en-US" sz="2800" dirty="0"/>
+              <a:t>   </a:t>
+            </a:r>
+            <a:r>
+              <a:rPr lang="en-US" sz="2800" dirty="0" err="1"/>
+              <a:t>Console.WriteLine</a:t>
+            </a:r>
+            <a:r>
+              <a:rPr lang="en-US" sz="2800" dirty="0"/>
+              <a:t>(</a:t>
+            </a:r>
+            <a:r>
+              <a:rPr lang="en-US" sz="2800" dirty="0" err="1"/>
+              <a:t>myArray</a:t>
+            </a:r>
+            <a:r>
+              <a:rPr lang="en-US" sz="2800" dirty="0"/>
+              <a:t>[counter]);</a:t>
+            </a:r>
+          </a:p>
+          <a:p>
+            <a:pPr marL="45720" indent="0">
+              <a:spcBef>
+                <a:spcPts val="100"/>
+              </a:spcBef>
+              <a:buNone/>
+            </a:pPr>
+            <a:r>
+              <a:rPr lang="en-US" sz="2800" dirty="0"/>
+              <a:t>}</a:t>
+            </a:r>
+          </a:p>
+        </p:txBody>
+      </p:sp>
+    </p:spTree>
+    <p:extLst>
+      <p:ext uri="{BB962C8B-B14F-4D97-AF65-F5344CB8AC3E}">
+        <p14:creationId xmlns:p14="http://schemas.microsoft.com/office/powerpoint/2010/main" val="3804868214"/>
+      </p:ext>
+    </p:extLst>
+  </p:cSld>
+  <p:clrMapOvr>
+    <a:masterClrMapping/>
+  </p:clrMapOvr>
+</p:sld>
+</file>
+
+<file path=ppt/slides/slide36.xml><?xml version="1.0" encoding="utf-8"?>
+<p:sld xmlns:a="http://schemas.openxmlformats.org/drawingml/2006/main" xmlns:r="http://schemas.openxmlformats.org/officeDocument/2006/relationships" xmlns:p="http://schemas.openxmlformats.org/presentationml/2006/main">
+  <p:cSld>
+    <p:spTree>
+      <p:nvGrpSpPr>
+        <p:cNvPr id="1" name=""/>
+        <p:cNvGrpSpPr/>
+        <p:nvPr/>
+      </p:nvGrpSpPr>
+      <p:grpSpPr>
+        <a:xfrm>
+          <a:off x="0" y="0"/>
+          <a:ext cx="0" cy="0"/>
+          <a:chOff x="0" y="0"/>
+          <a:chExt cx="0" cy="0"/>
+        </a:xfrm>
+      </p:grpSpPr>
+      <p:sp>
+        <p:nvSpPr>
+          <p:cNvPr id="2" name="Title 1"/>
+          <p:cNvSpPr>
+            <a:spLocks noGrp="1"/>
+          </p:cNvSpPr>
+          <p:nvPr>
+            <p:ph type="title"/>
+          </p:nvPr>
+        </p:nvSpPr>
+        <p:spPr/>
+        <p:txBody>
+          <a:bodyPr/>
+          <a:lstStyle/>
+          <a:p>
+            <a:r>
               <a:rPr lang="en-US" dirty="0" err="1"/>
               <a:t>foreach</a:t>
             </a:r>
@@ -17653,7 +17919,7 @@
 </p:sld>
 </file>
 
-<file path=ppt/slides/slide36.xml><?xml version="1.0" encoding="utf-8"?>
+<file path=ppt/slides/slide37.xml><?xml version="1.0" encoding="utf-8"?>
 <p:sld xmlns:a="http://schemas.openxmlformats.org/drawingml/2006/main" xmlns:r="http://schemas.openxmlformats.org/officeDocument/2006/relationships" xmlns:p="http://schemas.openxmlformats.org/presentationml/2006/main">
   <p:cSld>
     <p:spTree>
@@ -17757,7 +18023,7 @@
 </p:sld>
 </file>
 
-<file path=ppt/slides/slide37.xml><?xml version="1.0" encoding="utf-8"?>
+<file path=ppt/slides/slide38.xml><?xml version="1.0" encoding="utf-8"?>
 <p:sld xmlns:a="http://schemas.openxmlformats.org/drawingml/2006/main" xmlns:r="http://schemas.openxmlformats.org/officeDocument/2006/relationships" xmlns:p="http://schemas.openxmlformats.org/presentationml/2006/main">
   <p:cSld>
     <p:spTree>
@@ -17861,7 +18127,7 @@
 </p:sld>
 </file>
 
-<file path=ppt/slides/slide38.xml><?xml version="1.0" encoding="utf-8"?>
+<file path=ppt/slides/slide39.xml><?xml version="1.0" encoding="utf-8"?>
 <p:sld xmlns:a="http://schemas.openxmlformats.org/drawingml/2006/main" xmlns:r="http://schemas.openxmlformats.org/officeDocument/2006/relationships" xmlns:p="http://schemas.openxmlformats.org/presentationml/2006/main">
   <p:cSld>
     <p:spTree>
@@ -17991,125 +18257,6 @@
     <p:extLst>
       <p:ext uri="{BB962C8B-B14F-4D97-AF65-F5344CB8AC3E}">
         <p14:creationId xmlns:p14="http://schemas.microsoft.com/office/powerpoint/2010/main" val="284197103"/>
-      </p:ext>
-    </p:extLst>
-  </p:cSld>
-  <p:clrMapOvr>
-    <a:masterClrMapping/>
-  </p:clrMapOvr>
-</p:sld>
-</file>
-
-<file path=ppt/slides/slide39.xml><?xml version="1.0" encoding="utf-8"?>
-<p:sld xmlns:a="http://schemas.openxmlformats.org/drawingml/2006/main" xmlns:r="http://schemas.openxmlformats.org/officeDocument/2006/relationships" xmlns:p="http://schemas.openxmlformats.org/presentationml/2006/main">
-  <p:cSld>
-    <p:spTree>
-      <p:nvGrpSpPr>
-        <p:cNvPr id="1" name=""/>
-        <p:cNvGrpSpPr/>
-        <p:nvPr/>
-      </p:nvGrpSpPr>
-      <p:grpSpPr>
-        <a:xfrm>
-          <a:off x="0" y="0"/>
-          <a:ext cx="0" cy="0"/>
-          <a:chOff x="0" y="0"/>
-          <a:chExt cx="0" cy="0"/>
-        </a:xfrm>
-      </p:grpSpPr>
-      <p:sp>
-        <p:nvSpPr>
-          <p:cNvPr id="2" name="Title 1"/>
-          <p:cNvSpPr>
-            <a:spLocks noGrp="1"/>
-          </p:cNvSpPr>
-          <p:nvPr>
-            <p:ph type="title"/>
-          </p:nvPr>
-        </p:nvSpPr>
-        <p:spPr/>
-        <p:txBody>
-          <a:bodyPr/>
-          <a:lstStyle/>
-          <a:p>
-            <a:r>
-              <a:rPr lang="en-US" dirty="0"/>
-              <a:t>Methods</a:t>
-            </a:r>
-          </a:p>
-        </p:txBody>
-      </p:sp>
-      <p:sp>
-        <p:nvSpPr>
-          <p:cNvPr id="3" name="Content Placeholder 2"/>
-          <p:cNvSpPr>
-            <a:spLocks noGrp="1"/>
-          </p:cNvSpPr>
-          <p:nvPr>
-            <p:ph idx="1"/>
-          </p:nvPr>
-        </p:nvSpPr>
-        <p:spPr/>
-        <p:txBody>
-          <a:bodyPr>
-            <a:normAutofit lnSpcReduction="10000"/>
-          </a:bodyPr>
-          <a:lstStyle/>
-          <a:p>
-            <a:r>
-              <a:rPr lang="en-US" sz="2800" dirty="0"/>
-              <a:t>Smaller and Manageable</a:t>
-            </a:r>
-          </a:p>
-          <a:p>
-            <a:r>
-              <a:rPr lang="en-US" sz="2800" dirty="0"/>
-              <a:t>Cohesive Actions</a:t>
-            </a:r>
-          </a:p>
-          <a:p>
-            <a:r>
-              <a:rPr lang="en-US" sz="2800" dirty="0"/>
-              <a:t>Reusable</a:t>
-            </a:r>
-          </a:p>
-          <a:p>
-            <a:r>
-              <a:rPr lang="en-US" sz="2800" dirty="0"/>
-              <a:t>Functions Return a Value</a:t>
-            </a:r>
-          </a:p>
-          <a:p>
-            <a:pPr lvl="1"/>
-            <a:r>
-              <a:rPr lang="en-US" sz="2600" dirty="0"/>
-              <a:t>Only one value can be returned</a:t>
-            </a:r>
-          </a:p>
-          <a:p>
-            <a:r>
-              <a:rPr lang="en-US" sz="2800" dirty="0"/>
-              <a:t>Voids do not Return a Value</a:t>
-            </a:r>
-          </a:p>
-          <a:p>
-            <a:r>
-              <a:rPr lang="en-US" sz="2800" dirty="0"/>
-              <a:t>Parameters</a:t>
-            </a:r>
-          </a:p>
-          <a:p>
-            <a:r>
-              <a:rPr lang="en-US" sz="2800" dirty="0"/>
-              <a:t>Method Overloads</a:t>
-            </a:r>
-          </a:p>
-        </p:txBody>
-      </p:sp>
-    </p:spTree>
-    <p:extLst>
-      <p:ext uri="{BB962C8B-B14F-4D97-AF65-F5344CB8AC3E}">
-        <p14:creationId xmlns:p14="http://schemas.microsoft.com/office/powerpoint/2010/main" val="2411023670"/>
       </p:ext>
     </p:extLst>
   </p:cSld>
@@ -18855,6 +19002,125 @@
           <a:p>
             <a:r>
               <a:rPr lang="en-US" dirty="0"/>
+              <a:t>Methods</a:t>
+            </a:r>
+          </a:p>
+        </p:txBody>
+      </p:sp>
+      <p:sp>
+        <p:nvSpPr>
+          <p:cNvPr id="3" name="Content Placeholder 2"/>
+          <p:cNvSpPr>
+            <a:spLocks noGrp="1"/>
+          </p:cNvSpPr>
+          <p:nvPr>
+            <p:ph idx="1"/>
+          </p:nvPr>
+        </p:nvSpPr>
+        <p:spPr/>
+        <p:txBody>
+          <a:bodyPr>
+            <a:normAutofit lnSpcReduction="10000"/>
+          </a:bodyPr>
+          <a:lstStyle/>
+          <a:p>
+            <a:r>
+              <a:rPr lang="en-US" sz="2800" dirty="0"/>
+              <a:t>Smaller and Manageable</a:t>
+            </a:r>
+          </a:p>
+          <a:p>
+            <a:r>
+              <a:rPr lang="en-US" sz="2800" dirty="0"/>
+              <a:t>Cohesive Actions</a:t>
+            </a:r>
+          </a:p>
+          <a:p>
+            <a:r>
+              <a:rPr lang="en-US" sz="2800" dirty="0"/>
+              <a:t>Reusable</a:t>
+            </a:r>
+          </a:p>
+          <a:p>
+            <a:r>
+              <a:rPr lang="en-US" sz="2800" dirty="0"/>
+              <a:t>Functions Return a Value</a:t>
+            </a:r>
+          </a:p>
+          <a:p>
+            <a:pPr lvl="1"/>
+            <a:r>
+              <a:rPr lang="en-US" sz="2600" dirty="0"/>
+              <a:t>Only one value can be returned</a:t>
+            </a:r>
+          </a:p>
+          <a:p>
+            <a:r>
+              <a:rPr lang="en-US" sz="2800" dirty="0"/>
+              <a:t>Voids do not Return a Value</a:t>
+            </a:r>
+          </a:p>
+          <a:p>
+            <a:r>
+              <a:rPr lang="en-US" sz="2800" dirty="0"/>
+              <a:t>Parameters</a:t>
+            </a:r>
+          </a:p>
+          <a:p>
+            <a:r>
+              <a:rPr lang="en-US" sz="2800" dirty="0"/>
+              <a:t>Method Overloads</a:t>
+            </a:r>
+          </a:p>
+        </p:txBody>
+      </p:sp>
+    </p:spTree>
+    <p:extLst>
+      <p:ext uri="{BB962C8B-B14F-4D97-AF65-F5344CB8AC3E}">
+        <p14:creationId xmlns:p14="http://schemas.microsoft.com/office/powerpoint/2010/main" val="2411023670"/>
+      </p:ext>
+    </p:extLst>
+  </p:cSld>
+  <p:clrMapOvr>
+    <a:masterClrMapping/>
+  </p:clrMapOvr>
+</p:sld>
+</file>
+
+<file path=ppt/slides/slide41.xml><?xml version="1.0" encoding="utf-8"?>
+<p:sld xmlns:a="http://schemas.openxmlformats.org/drawingml/2006/main" xmlns:r="http://schemas.openxmlformats.org/officeDocument/2006/relationships" xmlns:p="http://schemas.openxmlformats.org/presentationml/2006/main">
+  <p:cSld>
+    <p:spTree>
+      <p:nvGrpSpPr>
+        <p:cNvPr id="1" name=""/>
+        <p:cNvGrpSpPr/>
+        <p:nvPr/>
+      </p:nvGrpSpPr>
+      <p:grpSpPr>
+        <a:xfrm>
+          <a:off x="0" y="0"/>
+          <a:ext cx="0" cy="0"/>
+          <a:chOff x="0" y="0"/>
+          <a:chExt cx="0" cy="0"/>
+        </a:xfrm>
+      </p:grpSpPr>
+      <p:sp>
+        <p:nvSpPr>
+          <p:cNvPr id="2" name="Title 1"/>
+          <p:cNvSpPr>
+            <a:spLocks noGrp="1"/>
+          </p:cNvSpPr>
+          <p:nvPr>
+            <p:ph type="title"/>
+          </p:nvPr>
+        </p:nvSpPr>
+        <p:spPr/>
+        <p:txBody>
+          <a:bodyPr/>
+          <a:lstStyle/>
+          <a:p>
+            <a:r>
+              <a:rPr lang="en-US" dirty="0"/>
               <a:t>Method Syntax</a:t>
             </a:r>
           </a:p>
@@ -19025,7 +19291,7 @@
 </p:sld>
 </file>
 
-<file path=ppt/slides/slide41.xml><?xml version="1.0" encoding="utf-8"?>
+<file path=ppt/slides/slide42.xml><?xml version="1.0" encoding="utf-8"?>
 <p:sld xmlns:a="http://schemas.openxmlformats.org/drawingml/2006/main" xmlns:r="http://schemas.openxmlformats.org/officeDocument/2006/relationships" xmlns:p="http://schemas.openxmlformats.org/presentationml/2006/main">
   <p:cSld>
     <p:spTree>
@@ -19129,7 +19395,7 @@
 </p:sld>
 </file>
 
-<file path=ppt/slides/slide42.xml><?xml version="1.0" encoding="utf-8"?>
+<file path=ppt/slides/slide43.xml><?xml version="1.0" encoding="utf-8"?>
 <p:sld xmlns:a="http://schemas.openxmlformats.org/drawingml/2006/main" xmlns:r="http://schemas.openxmlformats.org/officeDocument/2006/relationships" xmlns:p="http://schemas.openxmlformats.org/presentationml/2006/main">
   <p:cSld>
     <p:spTree>
@@ -19233,7 +19499,7 @@
 </p:sld>
 </file>
 
-<file path=ppt/slides/slide43.xml><?xml version="1.0" encoding="utf-8"?>
+<file path=ppt/slides/slide44.xml><?xml version="1.0" encoding="utf-8"?>
 <p:sld xmlns:a="http://schemas.openxmlformats.org/drawingml/2006/main" xmlns:r="http://schemas.openxmlformats.org/officeDocument/2006/relationships" xmlns:p="http://schemas.openxmlformats.org/presentationml/2006/main">
   <p:cSld>
     <p:spTree>
@@ -19356,7 +19622,7 @@
 </p:sld>
 </file>
 
-<file path=ppt/slides/slide44.xml><?xml version="1.0" encoding="utf-8"?>
+<file path=ppt/slides/slide45.xml><?xml version="1.0" encoding="utf-8"?>
 <p:sld xmlns:a="http://schemas.openxmlformats.org/drawingml/2006/main" xmlns:r="http://schemas.openxmlformats.org/officeDocument/2006/relationships" xmlns:p="http://schemas.openxmlformats.org/presentationml/2006/main">
   <p:cSld>
     <p:spTree>
@@ -19535,7 +19801,7 @@
 </p:sld>
 </file>
 
-<file path=ppt/slides/slide45.xml><?xml version="1.0" encoding="utf-8"?>
+<file path=ppt/slides/slide46.xml><?xml version="1.0" encoding="utf-8"?>
 <p:sld xmlns:a="http://schemas.openxmlformats.org/drawingml/2006/main" xmlns:r="http://schemas.openxmlformats.org/officeDocument/2006/relationships" xmlns:p="http://schemas.openxmlformats.org/presentationml/2006/main">
   <p:cSld>
     <p:spTree>
@@ -19639,7 +19905,7 @@
 </p:sld>
 </file>
 
-<file path=ppt/slides/slide46.xml><?xml version="1.0" encoding="utf-8"?>
+<file path=ppt/slides/slide47.xml><?xml version="1.0" encoding="utf-8"?>
 <p:sld xmlns:a="http://schemas.openxmlformats.org/drawingml/2006/main" xmlns:r="http://schemas.openxmlformats.org/officeDocument/2006/relationships" xmlns:p="http://schemas.openxmlformats.org/presentationml/2006/main">
   <p:cSld>
     <p:spTree>
@@ -19743,7 +20009,7 @@
 </p:sld>
 </file>
 
-<file path=ppt/slides/slide47.xml><?xml version="1.0" encoding="utf-8"?>
+<file path=ppt/slides/slide48.xml><?xml version="1.0" encoding="utf-8"?>
 <p:sld xmlns:a="http://schemas.openxmlformats.org/drawingml/2006/main" xmlns:r="http://schemas.openxmlformats.org/officeDocument/2006/relationships" xmlns:p="http://schemas.openxmlformats.org/presentationml/2006/main">
   <p:cSld>
     <p:spTree>
@@ -19866,7 +20132,7 @@
 </p:sld>
 </file>
 
-<file path=ppt/slides/slide48.xml><?xml version="1.0" encoding="utf-8"?>
+<file path=ppt/slides/slide49.xml><?xml version="1.0" encoding="utf-8"?>
 <p:sld xmlns:a="http://schemas.openxmlformats.org/drawingml/2006/main" xmlns:r="http://schemas.openxmlformats.org/officeDocument/2006/relationships" xmlns:p="http://schemas.openxmlformats.org/presentationml/2006/main">
   <p:cSld>
     <p:spTree>
@@ -19970,169 +20236,6 @@
 </p:sld>
 </file>
 
-<file path=ppt/slides/slide49.xml><?xml version="1.0" encoding="utf-8"?>
-<p:sld xmlns:a="http://schemas.openxmlformats.org/drawingml/2006/main" xmlns:r="http://schemas.openxmlformats.org/officeDocument/2006/relationships" xmlns:p="http://schemas.openxmlformats.org/presentationml/2006/main">
-  <p:cSld>
-    <p:spTree>
-      <p:nvGrpSpPr>
-        <p:cNvPr id="1" name=""/>
-        <p:cNvGrpSpPr/>
-        <p:nvPr/>
-      </p:nvGrpSpPr>
-      <p:grpSpPr>
-        <a:xfrm>
-          <a:off x="0" y="0"/>
-          <a:ext cx="0" cy="0"/>
-          <a:chOff x="0" y="0"/>
-          <a:chExt cx="0" cy="0"/>
-        </a:xfrm>
-      </p:grpSpPr>
-      <p:sp>
-        <p:nvSpPr>
-          <p:cNvPr id="2" name="Title 1"/>
-          <p:cNvSpPr>
-            <a:spLocks noGrp="1"/>
-          </p:cNvSpPr>
-          <p:nvPr>
-            <p:ph type="title"/>
-          </p:nvPr>
-        </p:nvSpPr>
-        <p:spPr/>
-        <p:txBody>
-          <a:bodyPr/>
-          <a:lstStyle/>
-          <a:p>
-            <a:r>
-              <a:rPr lang="en-US" dirty="0"/>
-              <a:t>Additional Resources</a:t>
-            </a:r>
-          </a:p>
-        </p:txBody>
-      </p:sp>
-      <p:sp>
-        <p:nvSpPr>
-          <p:cNvPr id="3" name="Content Placeholder 2"/>
-          <p:cNvSpPr>
-            <a:spLocks noGrp="1"/>
-          </p:cNvSpPr>
-          <p:nvPr>
-            <p:ph sz="half" idx="1"/>
-          </p:nvPr>
-        </p:nvSpPr>
-        <p:spPr>
-          <a:xfrm>
-            <a:off x="1103312" y="2060575"/>
-            <a:ext cx="10008033" cy="4195763"/>
-          </a:xfrm>
-        </p:spPr>
-        <p:txBody>
-          <a:bodyPr>
-            <a:normAutofit fontScale="85000" lnSpcReduction="20000"/>
-          </a:bodyPr>
-          <a:lstStyle/>
-          <a:p>
-            <a:pPr lvl="0"/>
-            <a:r>
-              <a:rPr lang="en-US" sz="2800" dirty="0"/>
-              <a:t>Code Katas</a:t>
-            </a:r>
-          </a:p>
-          <a:p>
-            <a:pPr lvl="1"/>
-            <a:r>
-              <a:rPr lang="en-US" sz="2600" dirty="0">
-                <a:hlinkClick r:id="rId3"/>
-              </a:rPr>
-              <a:t>https://www.codewars.com/</a:t>
-            </a:r>
-            <a:endParaRPr lang="en-US" sz="2600" dirty="0"/>
-          </a:p>
-          <a:p>
-            <a:r>
-              <a:rPr lang="en-US" sz="2800" dirty="0" err="1"/>
-              <a:t>DotNet</a:t>
-            </a:r>
-            <a:r>
-              <a:rPr lang="en-US" sz="2800" dirty="0"/>
-              <a:t> Fiddle</a:t>
-            </a:r>
-          </a:p>
-          <a:p>
-            <a:pPr lvl="1"/>
-            <a:r>
-              <a:rPr lang="en-US" sz="2600" dirty="0">
-                <a:hlinkClick r:id="rId4"/>
-              </a:rPr>
-              <a:t>https://dotnetfiddle.net/</a:t>
-            </a:r>
-            <a:endParaRPr lang="en-US" sz="2600" dirty="0"/>
-          </a:p>
-          <a:p>
-            <a:r>
-              <a:rPr lang="en-US" sz="2800" dirty="0"/>
-              <a:t>Codeasy.net</a:t>
-            </a:r>
-          </a:p>
-          <a:p>
-            <a:pPr lvl="1"/>
-            <a:r>
-              <a:rPr lang="en-US" sz="2600" dirty="0">
-                <a:hlinkClick r:id="rId5"/>
-              </a:rPr>
-              <a:t>https://codeasy.net/welcome</a:t>
-            </a:r>
-            <a:endParaRPr lang="en-US" sz="2600" dirty="0"/>
-          </a:p>
-          <a:p>
-            <a:r>
-              <a:rPr lang="en-US" sz="2800" dirty="0"/>
-              <a:t>Microsoft Virtual Academy</a:t>
-            </a:r>
-          </a:p>
-          <a:p>
-            <a:pPr lvl="1"/>
-            <a:r>
-              <a:rPr lang="en-US" sz="2600" dirty="0">
-                <a:hlinkClick r:id="rId6"/>
-              </a:rPr>
-              <a:t>https://mva.microsoft.com/</a:t>
-            </a:r>
-            <a:endParaRPr lang="en-US" sz="2600" dirty="0"/>
-          </a:p>
-          <a:p>
-            <a:r>
-              <a:rPr lang="en-US" sz="2800" dirty="0"/>
-              <a:t>Microsoft Docs</a:t>
-            </a:r>
-          </a:p>
-          <a:p>
-            <a:pPr lvl="1"/>
-            <a:r>
-              <a:rPr lang="en-US" sz="2600" dirty="0">
-                <a:hlinkClick r:id="rId7"/>
-              </a:rPr>
-              <a:t>https://docs.microsoft.com/en-us/dotnet/csharp/index</a:t>
-            </a:r>
-            <a:endParaRPr lang="en-US" sz="2600" dirty="0"/>
-          </a:p>
-          <a:p>
-            <a:endParaRPr lang="en-US" sz="2800" dirty="0"/>
-          </a:p>
-        </p:txBody>
-      </p:sp>
-    </p:spTree>
-    <p:extLst>
-      <p:ext uri="{BB962C8B-B14F-4D97-AF65-F5344CB8AC3E}">
-        <p14:creationId xmlns:p14="http://schemas.microsoft.com/office/powerpoint/2010/main" val="2008176720"/>
-      </p:ext>
-    </p:extLst>
-  </p:cSld>
-  <p:clrMapOvr>
-    <a:masterClrMapping/>
-  </p:clrMapOvr>
-</p:sld>
-</file>
-
 <file path=ppt/slides/slide5.xml><?xml version="1.0" encoding="utf-8"?>
 <p:sld xmlns:a="http://schemas.openxmlformats.org/drawingml/2006/main" xmlns:r="http://schemas.openxmlformats.org/officeDocument/2006/relationships" xmlns:p="http://schemas.openxmlformats.org/presentationml/2006/main">
   <p:cSld>
@@ -20210,6 +20313,169 @@
 </file>
 
 <file path=ppt/slides/slide50.xml><?xml version="1.0" encoding="utf-8"?>
+<p:sld xmlns:a="http://schemas.openxmlformats.org/drawingml/2006/main" xmlns:r="http://schemas.openxmlformats.org/officeDocument/2006/relationships" xmlns:p="http://schemas.openxmlformats.org/presentationml/2006/main">
+  <p:cSld>
+    <p:spTree>
+      <p:nvGrpSpPr>
+        <p:cNvPr id="1" name=""/>
+        <p:cNvGrpSpPr/>
+        <p:nvPr/>
+      </p:nvGrpSpPr>
+      <p:grpSpPr>
+        <a:xfrm>
+          <a:off x="0" y="0"/>
+          <a:ext cx="0" cy="0"/>
+          <a:chOff x="0" y="0"/>
+          <a:chExt cx="0" cy="0"/>
+        </a:xfrm>
+      </p:grpSpPr>
+      <p:sp>
+        <p:nvSpPr>
+          <p:cNvPr id="2" name="Title 1"/>
+          <p:cNvSpPr>
+            <a:spLocks noGrp="1"/>
+          </p:cNvSpPr>
+          <p:nvPr>
+            <p:ph type="title"/>
+          </p:nvPr>
+        </p:nvSpPr>
+        <p:spPr/>
+        <p:txBody>
+          <a:bodyPr/>
+          <a:lstStyle/>
+          <a:p>
+            <a:r>
+              <a:rPr lang="en-US" dirty="0"/>
+              <a:t>Additional Resources</a:t>
+            </a:r>
+          </a:p>
+        </p:txBody>
+      </p:sp>
+      <p:sp>
+        <p:nvSpPr>
+          <p:cNvPr id="3" name="Content Placeholder 2"/>
+          <p:cNvSpPr>
+            <a:spLocks noGrp="1"/>
+          </p:cNvSpPr>
+          <p:nvPr>
+            <p:ph sz="half" idx="1"/>
+          </p:nvPr>
+        </p:nvSpPr>
+        <p:spPr>
+          <a:xfrm>
+            <a:off x="1103312" y="2060575"/>
+            <a:ext cx="10008033" cy="4195763"/>
+          </a:xfrm>
+        </p:spPr>
+        <p:txBody>
+          <a:bodyPr>
+            <a:normAutofit fontScale="85000" lnSpcReduction="20000"/>
+          </a:bodyPr>
+          <a:lstStyle/>
+          <a:p>
+            <a:pPr lvl="0"/>
+            <a:r>
+              <a:rPr lang="en-US" sz="2800" dirty="0"/>
+              <a:t>Code Katas</a:t>
+            </a:r>
+          </a:p>
+          <a:p>
+            <a:pPr lvl="1"/>
+            <a:r>
+              <a:rPr lang="en-US" sz="2600" dirty="0">
+                <a:hlinkClick r:id="rId3"/>
+              </a:rPr>
+              <a:t>https://www.codewars.com/</a:t>
+            </a:r>
+            <a:endParaRPr lang="en-US" sz="2600" dirty="0"/>
+          </a:p>
+          <a:p>
+            <a:r>
+              <a:rPr lang="en-US" sz="2800" dirty="0" err="1"/>
+              <a:t>DotNet</a:t>
+            </a:r>
+            <a:r>
+              <a:rPr lang="en-US" sz="2800" dirty="0"/>
+              <a:t> Fiddle</a:t>
+            </a:r>
+          </a:p>
+          <a:p>
+            <a:pPr lvl="1"/>
+            <a:r>
+              <a:rPr lang="en-US" sz="2600" dirty="0">
+                <a:hlinkClick r:id="rId4"/>
+              </a:rPr>
+              <a:t>https://dotnetfiddle.net/</a:t>
+            </a:r>
+            <a:endParaRPr lang="en-US" sz="2600" dirty="0"/>
+          </a:p>
+          <a:p>
+            <a:r>
+              <a:rPr lang="en-US" sz="2800" dirty="0"/>
+              <a:t>Codeasy.net</a:t>
+            </a:r>
+          </a:p>
+          <a:p>
+            <a:pPr lvl="1"/>
+            <a:r>
+              <a:rPr lang="en-US" sz="2600" dirty="0">
+                <a:hlinkClick r:id="rId5"/>
+              </a:rPr>
+              <a:t>https://codeasy.net/welcome</a:t>
+            </a:r>
+            <a:endParaRPr lang="en-US" sz="2600" dirty="0"/>
+          </a:p>
+          <a:p>
+            <a:r>
+              <a:rPr lang="en-US" sz="2800" dirty="0"/>
+              <a:t>Microsoft Virtual Academy</a:t>
+            </a:r>
+          </a:p>
+          <a:p>
+            <a:pPr lvl="1"/>
+            <a:r>
+              <a:rPr lang="en-US" sz="2600" dirty="0">
+                <a:hlinkClick r:id="rId6"/>
+              </a:rPr>
+              <a:t>https://mva.microsoft.com/</a:t>
+            </a:r>
+            <a:endParaRPr lang="en-US" sz="2600" dirty="0"/>
+          </a:p>
+          <a:p>
+            <a:r>
+              <a:rPr lang="en-US" sz="2800" dirty="0"/>
+              <a:t>Microsoft Docs</a:t>
+            </a:r>
+          </a:p>
+          <a:p>
+            <a:pPr lvl="1"/>
+            <a:r>
+              <a:rPr lang="en-US" sz="2600" dirty="0">
+                <a:hlinkClick r:id="rId7"/>
+              </a:rPr>
+              <a:t>https://docs.microsoft.com/en-us/dotnet/csharp/index</a:t>
+            </a:r>
+            <a:endParaRPr lang="en-US" sz="2600" dirty="0"/>
+          </a:p>
+          <a:p>
+            <a:endParaRPr lang="en-US" sz="2800" dirty="0"/>
+          </a:p>
+        </p:txBody>
+      </p:sp>
+    </p:spTree>
+    <p:extLst>
+      <p:ext uri="{BB962C8B-B14F-4D97-AF65-F5344CB8AC3E}">
+        <p14:creationId xmlns:p14="http://schemas.microsoft.com/office/powerpoint/2010/main" val="2008176720"/>
+      </p:ext>
+    </p:extLst>
+  </p:cSld>
+  <p:clrMapOvr>
+    <a:masterClrMapping/>
+  </p:clrMapOvr>
+</p:sld>
+</file>
+
+<file path=ppt/slides/slide51.xml><?xml version="1.0" encoding="utf-8"?>
 <p:sld xmlns:a="http://schemas.openxmlformats.org/drawingml/2006/main" xmlns:r="http://schemas.openxmlformats.org/officeDocument/2006/relationships" xmlns:p="http://schemas.openxmlformats.org/presentationml/2006/main">
   <p:cSld>
     <p:spTree>
